--- a/BDD.pptx
+++ b/BDD.pptx
@@ -4,9 +4,15 @@
   <p:sldMasterIdLst>
     <p:sldMasterId id="2147483648" r:id="rId1"/>
   </p:sldMasterIdLst>
+  <p:notesMasterIdLst>
+    <p:notesMasterId r:id="rId7"/>
+  </p:notesMasterIdLst>
   <p:sldIdLst>
     <p:sldId id="256" r:id="rId2"/>
     <p:sldId id="257" r:id="rId3"/>
+    <p:sldId id="259" r:id="rId4"/>
+    <p:sldId id="260" r:id="rId5"/>
+    <p:sldId id="258" r:id="rId6"/>
   </p:sldIdLst>
   <p:sldSz cx="12192000" cy="6858000"/>
   <p:notesSz cx="6858000" cy="9144000"/>
@@ -111,6 +117,466 @@
     </p:ext>
   </p:extLst>
 </p:presentation>
+</file>
+
+<file path=ppt/notesMasters/notesMaster1.xml><?xml version="1.0" encoding="utf-8"?>
+<p:notesMaster xmlns:a="http://schemas.openxmlformats.org/drawingml/2006/main" xmlns:r="http://schemas.openxmlformats.org/officeDocument/2006/relationships" xmlns:p="http://schemas.openxmlformats.org/presentationml/2006/main">
+  <p:cSld>
+    <p:bg>
+      <p:bgRef idx="1001">
+        <a:schemeClr val="bg1"/>
+      </p:bgRef>
+    </p:bg>
+    <p:spTree>
+      <p:nvGrpSpPr>
+        <p:cNvPr id="1" name=""/>
+        <p:cNvGrpSpPr/>
+        <p:nvPr/>
+      </p:nvGrpSpPr>
+      <p:grpSpPr>
+        <a:xfrm>
+          <a:off x="0" y="0"/>
+          <a:ext cx="0" cy="0"/>
+          <a:chOff x="0" y="0"/>
+          <a:chExt cx="0" cy="0"/>
+        </a:xfrm>
+      </p:grpSpPr>
+      <p:sp>
+        <p:nvSpPr>
+          <p:cNvPr id="2" name="Header Placeholder 1"/>
+          <p:cNvSpPr>
+            <a:spLocks noGrp="1"/>
+          </p:cNvSpPr>
+          <p:nvPr>
+            <p:ph type="hdr" sz="quarter"/>
+          </p:nvPr>
+        </p:nvSpPr>
+        <p:spPr>
+          <a:xfrm>
+            <a:off x="0" y="0"/>
+            <a:ext cx="2971800" cy="458788"/>
+          </a:xfrm>
+          <a:prstGeom prst="rect">
+            <a:avLst/>
+          </a:prstGeom>
+        </p:spPr>
+        <p:txBody>
+          <a:bodyPr vert="horz" lIns="91440" tIns="45720" rIns="91440" bIns="45720" rtlCol="0"/>
+          <a:lstStyle>
+            <a:lvl1pPr algn="l">
+              <a:defRPr sz="1200"/>
+            </a:lvl1pPr>
+          </a:lstStyle>
+          <a:p>
+            <a:endParaRPr lang="en-US"/>
+          </a:p>
+        </p:txBody>
+      </p:sp>
+      <p:sp>
+        <p:nvSpPr>
+          <p:cNvPr id="3" name="Date Placeholder 2"/>
+          <p:cNvSpPr>
+            <a:spLocks noGrp="1"/>
+          </p:cNvSpPr>
+          <p:nvPr>
+            <p:ph type="dt" idx="1"/>
+          </p:nvPr>
+        </p:nvSpPr>
+        <p:spPr>
+          <a:xfrm>
+            <a:off x="3884613" y="0"/>
+            <a:ext cx="2971800" cy="458788"/>
+          </a:xfrm>
+          <a:prstGeom prst="rect">
+            <a:avLst/>
+          </a:prstGeom>
+        </p:spPr>
+        <p:txBody>
+          <a:bodyPr vert="horz" lIns="91440" tIns="45720" rIns="91440" bIns="45720" rtlCol="0"/>
+          <a:lstStyle>
+            <a:lvl1pPr algn="r">
+              <a:defRPr sz="1200"/>
+            </a:lvl1pPr>
+          </a:lstStyle>
+          <a:p>
+            <a:fld id="{E7601D3C-7BE0-7B48-A0F2-E8752B26D0DC}" type="datetimeFigureOut">
+              <a:rPr lang="en-US" smtClean="0"/>
+              <a:t>1/26/17</a:t>
+            </a:fld>
+            <a:endParaRPr lang="en-US"/>
+          </a:p>
+        </p:txBody>
+      </p:sp>
+      <p:sp>
+        <p:nvSpPr>
+          <p:cNvPr id="4" name="Slide Image Placeholder 3"/>
+          <p:cNvSpPr>
+            <a:spLocks noGrp="1" noRot="1" noChangeAspect="1"/>
+          </p:cNvSpPr>
+          <p:nvPr>
+            <p:ph type="sldImg" idx="2"/>
+          </p:nvPr>
+        </p:nvSpPr>
+        <p:spPr>
+          <a:xfrm>
+            <a:off x="685800" y="1143000"/>
+            <a:ext cx="5486400" cy="3086100"/>
+          </a:xfrm>
+          <a:prstGeom prst="rect">
+            <a:avLst/>
+          </a:prstGeom>
+          <a:noFill/>
+          <a:ln w="12700">
+            <a:solidFill>
+              <a:prstClr val="black"/>
+            </a:solidFill>
+          </a:ln>
+        </p:spPr>
+        <p:txBody>
+          <a:bodyPr vert="horz" lIns="91440" tIns="45720" rIns="91440" bIns="45720" rtlCol="0" anchor="ctr"/>
+          <a:lstStyle/>
+          <a:p>
+            <a:endParaRPr lang="en-US"/>
+          </a:p>
+        </p:txBody>
+      </p:sp>
+      <p:sp>
+        <p:nvSpPr>
+          <p:cNvPr id="5" name="Notes Placeholder 4"/>
+          <p:cNvSpPr>
+            <a:spLocks noGrp="1"/>
+          </p:cNvSpPr>
+          <p:nvPr>
+            <p:ph type="body" sz="quarter" idx="3"/>
+          </p:nvPr>
+        </p:nvSpPr>
+        <p:spPr>
+          <a:xfrm>
+            <a:off x="685800" y="4400550"/>
+            <a:ext cx="5486400" cy="3600450"/>
+          </a:xfrm>
+          <a:prstGeom prst="rect">
+            <a:avLst/>
+          </a:prstGeom>
+        </p:spPr>
+        <p:txBody>
+          <a:bodyPr vert="horz" lIns="91440" tIns="45720" rIns="91440" bIns="45720" rtlCol="0"/>
+          <a:lstStyle/>
+          <a:p>
+            <a:pPr lvl="0"/>
+            <a:r>
+              <a:rPr lang="en-US" smtClean="0"/>
+              <a:t>Click to edit Master text styles</a:t>
+            </a:r>
+          </a:p>
+          <a:p>
+            <a:pPr lvl="1"/>
+            <a:r>
+              <a:rPr lang="en-US" smtClean="0"/>
+              <a:t>Second level</a:t>
+            </a:r>
+          </a:p>
+          <a:p>
+            <a:pPr lvl="2"/>
+            <a:r>
+              <a:rPr lang="en-US" smtClean="0"/>
+              <a:t>Third level</a:t>
+            </a:r>
+          </a:p>
+          <a:p>
+            <a:pPr lvl="3"/>
+            <a:r>
+              <a:rPr lang="en-US" smtClean="0"/>
+              <a:t>Fourth level</a:t>
+            </a:r>
+          </a:p>
+          <a:p>
+            <a:pPr lvl="4"/>
+            <a:r>
+              <a:rPr lang="en-US" smtClean="0"/>
+              <a:t>Fifth level</a:t>
+            </a:r>
+            <a:endParaRPr lang="en-US"/>
+          </a:p>
+        </p:txBody>
+      </p:sp>
+      <p:sp>
+        <p:nvSpPr>
+          <p:cNvPr id="6" name="Footer Placeholder 5"/>
+          <p:cNvSpPr>
+            <a:spLocks noGrp="1"/>
+          </p:cNvSpPr>
+          <p:nvPr>
+            <p:ph type="ftr" sz="quarter" idx="4"/>
+          </p:nvPr>
+        </p:nvSpPr>
+        <p:spPr>
+          <a:xfrm>
+            <a:off x="0" y="8685213"/>
+            <a:ext cx="2971800" cy="458787"/>
+          </a:xfrm>
+          <a:prstGeom prst="rect">
+            <a:avLst/>
+          </a:prstGeom>
+        </p:spPr>
+        <p:txBody>
+          <a:bodyPr vert="horz" lIns="91440" tIns="45720" rIns="91440" bIns="45720" rtlCol="0" anchor="b"/>
+          <a:lstStyle>
+            <a:lvl1pPr algn="l">
+              <a:defRPr sz="1200"/>
+            </a:lvl1pPr>
+          </a:lstStyle>
+          <a:p>
+            <a:endParaRPr lang="en-US"/>
+          </a:p>
+        </p:txBody>
+      </p:sp>
+      <p:sp>
+        <p:nvSpPr>
+          <p:cNvPr id="7" name="Slide Number Placeholder 6"/>
+          <p:cNvSpPr>
+            <a:spLocks noGrp="1"/>
+          </p:cNvSpPr>
+          <p:nvPr>
+            <p:ph type="sldNum" sz="quarter" idx="5"/>
+          </p:nvPr>
+        </p:nvSpPr>
+        <p:spPr>
+          <a:xfrm>
+            <a:off x="3884613" y="8685213"/>
+            <a:ext cx="2971800" cy="458787"/>
+          </a:xfrm>
+          <a:prstGeom prst="rect">
+            <a:avLst/>
+          </a:prstGeom>
+        </p:spPr>
+        <p:txBody>
+          <a:bodyPr vert="horz" lIns="91440" tIns="45720" rIns="91440" bIns="45720" rtlCol="0" anchor="b"/>
+          <a:lstStyle>
+            <a:lvl1pPr algn="r">
+              <a:defRPr sz="1200"/>
+            </a:lvl1pPr>
+          </a:lstStyle>
+          <a:p>
+            <a:fld id="{717C0D68-69C3-4A4C-9D46-4BC134F8A513}" type="slidenum">
+              <a:rPr lang="en-US" smtClean="0"/>
+              <a:t>‹#›</a:t>
+            </a:fld>
+            <a:endParaRPr lang="en-US"/>
+          </a:p>
+        </p:txBody>
+      </p:sp>
+    </p:spTree>
+    <p:extLst>
+      <p:ext uri="{BB962C8B-B14F-4D97-AF65-F5344CB8AC3E}">
+        <p14:creationId xmlns:p14="http://schemas.microsoft.com/office/powerpoint/2010/main" val="1156734991"/>
+      </p:ext>
+    </p:extLst>
+  </p:cSld>
+  <p:clrMap bg1="lt1" tx1="dk1" bg2="lt2" tx2="dk2" accent1="accent1" accent2="accent2" accent3="accent3" accent4="accent4" accent5="accent5" accent6="accent6" hlink="hlink" folHlink="folHlink"/>
+  <p:notesStyle>
+    <a:lvl1pPr marL="0" algn="l" defTabSz="914400" rtl="0" eaLnBrk="1" latinLnBrk="0" hangingPunct="1">
+      <a:defRPr sz="1200" kern="1200">
+        <a:solidFill>
+          <a:schemeClr val="tx1"/>
+        </a:solidFill>
+        <a:latin typeface="+mn-lt"/>
+        <a:ea typeface="+mn-ea"/>
+        <a:cs typeface="+mn-cs"/>
+      </a:defRPr>
+    </a:lvl1pPr>
+    <a:lvl2pPr marL="457200" algn="l" defTabSz="914400" rtl="0" eaLnBrk="1" latinLnBrk="0" hangingPunct="1">
+      <a:defRPr sz="1200" kern="1200">
+        <a:solidFill>
+          <a:schemeClr val="tx1"/>
+        </a:solidFill>
+        <a:latin typeface="+mn-lt"/>
+        <a:ea typeface="+mn-ea"/>
+        <a:cs typeface="+mn-cs"/>
+      </a:defRPr>
+    </a:lvl2pPr>
+    <a:lvl3pPr marL="914400" algn="l" defTabSz="914400" rtl="0" eaLnBrk="1" latinLnBrk="0" hangingPunct="1">
+      <a:defRPr sz="1200" kern="1200">
+        <a:solidFill>
+          <a:schemeClr val="tx1"/>
+        </a:solidFill>
+        <a:latin typeface="+mn-lt"/>
+        <a:ea typeface="+mn-ea"/>
+        <a:cs typeface="+mn-cs"/>
+      </a:defRPr>
+    </a:lvl3pPr>
+    <a:lvl4pPr marL="1371600" algn="l" defTabSz="914400" rtl="0" eaLnBrk="1" latinLnBrk="0" hangingPunct="1">
+      <a:defRPr sz="1200" kern="1200">
+        <a:solidFill>
+          <a:schemeClr val="tx1"/>
+        </a:solidFill>
+        <a:latin typeface="+mn-lt"/>
+        <a:ea typeface="+mn-ea"/>
+        <a:cs typeface="+mn-cs"/>
+      </a:defRPr>
+    </a:lvl4pPr>
+    <a:lvl5pPr marL="1828800" algn="l" defTabSz="914400" rtl="0" eaLnBrk="1" latinLnBrk="0" hangingPunct="1">
+      <a:defRPr sz="1200" kern="1200">
+        <a:solidFill>
+          <a:schemeClr val="tx1"/>
+        </a:solidFill>
+        <a:latin typeface="+mn-lt"/>
+        <a:ea typeface="+mn-ea"/>
+        <a:cs typeface="+mn-cs"/>
+      </a:defRPr>
+    </a:lvl5pPr>
+    <a:lvl6pPr marL="2286000" algn="l" defTabSz="914400" rtl="0" eaLnBrk="1" latinLnBrk="0" hangingPunct="1">
+      <a:defRPr sz="1200" kern="1200">
+        <a:solidFill>
+          <a:schemeClr val="tx1"/>
+        </a:solidFill>
+        <a:latin typeface="+mn-lt"/>
+        <a:ea typeface="+mn-ea"/>
+        <a:cs typeface="+mn-cs"/>
+      </a:defRPr>
+    </a:lvl6pPr>
+    <a:lvl7pPr marL="2743200" algn="l" defTabSz="914400" rtl="0" eaLnBrk="1" latinLnBrk="0" hangingPunct="1">
+      <a:defRPr sz="1200" kern="1200">
+        <a:solidFill>
+          <a:schemeClr val="tx1"/>
+        </a:solidFill>
+        <a:latin typeface="+mn-lt"/>
+        <a:ea typeface="+mn-ea"/>
+        <a:cs typeface="+mn-cs"/>
+      </a:defRPr>
+    </a:lvl7pPr>
+    <a:lvl8pPr marL="3200400" algn="l" defTabSz="914400" rtl="0" eaLnBrk="1" latinLnBrk="0" hangingPunct="1">
+      <a:defRPr sz="1200" kern="1200">
+        <a:solidFill>
+          <a:schemeClr val="tx1"/>
+        </a:solidFill>
+        <a:latin typeface="+mn-lt"/>
+        <a:ea typeface="+mn-ea"/>
+        <a:cs typeface="+mn-cs"/>
+      </a:defRPr>
+    </a:lvl8pPr>
+    <a:lvl9pPr marL="3657600" algn="l" defTabSz="914400" rtl="0" eaLnBrk="1" latinLnBrk="0" hangingPunct="1">
+      <a:defRPr sz="1200" kern="1200">
+        <a:solidFill>
+          <a:schemeClr val="tx1"/>
+        </a:solidFill>
+        <a:latin typeface="+mn-lt"/>
+        <a:ea typeface="+mn-ea"/>
+        <a:cs typeface="+mn-cs"/>
+      </a:defRPr>
+    </a:lvl9pPr>
+  </p:notesStyle>
+</p:notesMaster>
+</file>
+
+<file path=ppt/notesSlides/notesSlide1.xml><?xml version="1.0" encoding="utf-8"?>
+<p:notes xmlns:a="http://schemas.openxmlformats.org/drawingml/2006/main" xmlns:r="http://schemas.openxmlformats.org/officeDocument/2006/relationships" xmlns:p="http://schemas.openxmlformats.org/presentationml/2006/main">
+  <p:cSld>
+    <p:spTree>
+      <p:nvGrpSpPr>
+        <p:cNvPr id="1" name=""/>
+        <p:cNvGrpSpPr/>
+        <p:nvPr/>
+      </p:nvGrpSpPr>
+      <p:grpSpPr>
+        <a:xfrm>
+          <a:off x="0" y="0"/>
+          <a:ext cx="0" cy="0"/>
+          <a:chOff x="0" y="0"/>
+          <a:chExt cx="0" cy="0"/>
+        </a:xfrm>
+      </p:grpSpPr>
+      <p:sp>
+        <p:nvSpPr>
+          <p:cNvPr id="2" name="Slide Image Placeholder 1"/>
+          <p:cNvSpPr>
+            <a:spLocks noGrp="1" noRot="1" noChangeAspect="1"/>
+          </p:cNvSpPr>
+          <p:nvPr>
+            <p:ph type="sldImg"/>
+          </p:nvPr>
+        </p:nvSpPr>
+        <p:spPr/>
+      </p:sp>
+      <p:sp>
+        <p:nvSpPr>
+          <p:cNvPr id="3" name="Notes Placeholder 2"/>
+          <p:cNvSpPr>
+            <a:spLocks noGrp="1"/>
+          </p:cNvSpPr>
+          <p:nvPr>
+            <p:ph type="body" idx="1"/>
+          </p:nvPr>
+        </p:nvSpPr>
+        <p:spPr/>
+        <p:txBody>
+          <a:bodyPr/>
+          <a:lstStyle/>
+          <a:p>
+            <a:pPr marL="171450" indent="-171450">
+              <a:buFont typeface="Arial" charset="0"/>
+              <a:buChar char="•"/>
+            </a:pPr>
+            <a:r>
+              <a:rPr lang="en-US" dirty="0" smtClean="0"/>
+              <a:t>Naming helps keep the tests small and in the right place. With names</a:t>
+            </a:r>
+            <a:r>
+              <a:rPr lang="en-US" baseline="0" dirty="0" smtClean="0"/>
+              <a:t> callout specific system behavior [fill]</a:t>
+            </a:r>
+            <a:endParaRPr lang="en-US" dirty="0" smtClean="0"/>
+          </a:p>
+          <a:p>
+            <a:pPr marL="628650" lvl="1" indent="-171450">
+              <a:buFont typeface="Arial" charset="0"/>
+              <a:buChar char="•"/>
+            </a:pPr>
+            <a:endParaRPr lang="en-US" dirty="0" smtClean="0"/>
+          </a:p>
+          <a:p>
+            <a:pPr marL="171450" lvl="0" indent="-171450">
+              <a:buFont typeface="Arial" charset="0"/>
+              <a:buChar char="•"/>
+            </a:pPr>
+            <a:endParaRPr lang="en-US" dirty="0"/>
+          </a:p>
+        </p:txBody>
+      </p:sp>
+      <p:sp>
+        <p:nvSpPr>
+          <p:cNvPr id="4" name="Slide Number Placeholder 3"/>
+          <p:cNvSpPr>
+            <a:spLocks noGrp="1"/>
+          </p:cNvSpPr>
+          <p:nvPr>
+            <p:ph type="sldNum" sz="quarter" idx="10"/>
+          </p:nvPr>
+        </p:nvSpPr>
+        <p:spPr/>
+        <p:txBody>
+          <a:bodyPr/>
+          <a:lstStyle/>
+          <a:p>
+            <a:fld id="{717C0D68-69C3-4A4C-9D46-4BC134F8A513}" type="slidenum">
+              <a:rPr lang="en-US" smtClean="0"/>
+              <a:t>5</a:t>
+            </a:fld>
+            <a:endParaRPr lang="en-US"/>
+          </a:p>
+        </p:txBody>
+      </p:sp>
+    </p:spTree>
+    <p:extLst>
+      <p:ext uri="{BB962C8B-B14F-4D97-AF65-F5344CB8AC3E}">
+        <p14:creationId xmlns:p14="http://schemas.microsoft.com/office/powerpoint/2010/main" val="75537446"/>
+      </p:ext>
+    </p:extLst>
+  </p:cSld>
+  <p:clrMapOvr>
+    <a:masterClrMapping/>
+  </p:clrMapOvr>
+</p:notes>
 </file>
 
 <file path=ppt/slideLayouts/slideLayout1.xml><?xml version="1.0" encoding="utf-8"?>
@@ -5773,7 +6239,7 @@
               <a:t>Acceptance Testing and </a:t>
             </a:r>
             <a:r>
-              <a:rPr lang="en-US" smtClean="0"/>
+              <a:rPr lang="en-US" dirty="0" err="1" smtClean="0"/>
               <a:t>SpecFlow</a:t>
             </a:r>
             <a:endParaRPr lang="en-US" dirty="0"/>
@@ -5790,6 +6256,13 @@
   <p:clrMapOvr>
     <a:masterClrMapping/>
   </p:clrMapOvr>
+  <p:timing>
+    <p:tnLst>
+      <p:par>
+        <p:cTn id="1" dur="indefinite" restart="never" nodeType="tmRoot"/>
+      </p:par>
+    </p:tnLst>
+  </p:timing>
 </p:sld>
 </file>
 
@@ -5825,7 +6298,11 @@
           <a:bodyPr/>
           <a:lstStyle/>
           <a:p>
-            <a:endParaRPr lang="en-US"/>
+            <a:r>
+              <a:rPr lang="en-US" dirty="0" smtClean="0"/>
+              <a:t>How to BDD	</a:t>
+            </a:r>
+            <a:endParaRPr lang="en-US" dirty="0"/>
           </a:p>
         </p:txBody>
       </p:sp>
@@ -5844,7 +6321,55 @@
           <a:bodyPr/>
           <a:lstStyle/>
           <a:p>
-            <a:endParaRPr lang="en-US"/>
+            <a:pPr marL="514350" indent="-514350">
+              <a:buFont typeface="+mj-lt"/>
+              <a:buAutoNum type="arabicPeriod"/>
+            </a:pPr>
+            <a:r>
+              <a:rPr lang="en-US" dirty="0" smtClean="0"/>
+              <a:t>Write the story</a:t>
+            </a:r>
+          </a:p>
+          <a:p>
+            <a:pPr marL="0" indent="0">
+              <a:buNone/>
+            </a:pPr>
+            <a:endParaRPr lang="en-US" dirty="0" smtClean="0"/>
+          </a:p>
+          <a:p>
+            <a:pPr marL="0" indent="0">
+              <a:buNone/>
+            </a:pPr>
+            <a:r>
+              <a:rPr lang="en-US" dirty="0"/>
+              <a:t>	</a:t>
+            </a:r>
+            <a:r>
+              <a:rPr lang="en-US" dirty="0" smtClean="0"/>
+              <a:t>IC-7</a:t>
+            </a:r>
+            <a:br>
+              <a:rPr lang="en-US" dirty="0" smtClean="0"/>
+            </a:br>
+            <a:r>
+              <a:rPr lang="en-US" dirty="0" smtClean="0"/>
+              <a:t>	As a Consultant,</a:t>
+            </a:r>
+            <a:br>
+              <a:rPr lang="en-US" dirty="0" smtClean="0"/>
+            </a:br>
+            <a:r>
+              <a:rPr lang="en-US" dirty="0" smtClean="0"/>
+              <a:t>	I want my purchasing funds allocated when I become eligible,</a:t>
+            </a:r>
+            <a:br>
+              <a:rPr lang="en-US" dirty="0" smtClean="0"/>
+            </a:br>
+            <a:r>
+              <a:rPr lang="en-US" dirty="0" smtClean="0"/>
+              <a:t>	So that I can enroll in the IAP program</a:t>
+            </a:r>
+            <a:endParaRPr lang="en-US" b="1" dirty="0" smtClean="0"/>
           </a:p>
         </p:txBody>
       </p:sp>
@@ -5858,6 +6383,1239 @@
   <p:clrMapOvr>
     <a:masterClrMapping/>
   </p:clrMapOvr>
+  <p:timing>
+    <p:tnLst>
+      <p:par>
+        <p:cTn id="1" dur="indefinite" restart="never" nodeType="tmRoot">
+          <p:childTnLst>
+            <p:seq concurrent="1" nextAc="seek">
+              <p:cTn id="2" dur="indefinite" nodeType="mainSeq">
+                <p:childTnLst>
+                  <p:par>
+                    <p:cTn id="3" fill="hold">
+                      <p:stCondLst>
+                        <p:cond delay="indefinite"/>
+                      </p:stCondLst>
+                      <p:childTnLst>
+                        <p:par>
+                          <p:cTn id="4" fill="hold">
+                            <p:stCondLst>
+                              <p:cond delay="0"/>
+                            </p:stCondLst>
+                            <p:childTnLst>
+                              <p:par>
+                                <p:cTn id="5" presetID="1" presetClass="entr" presetSubtype="0" fill="hold" grpId="0" nodeType="clickEffect">
+                                  <p:stCondLst>
+                                    <p:cond delay="0"/>
+                                  </p:stCondLst>
+                                  <p:childTnLst>
+                                    <p:set>
+                                      <p:cBhvr>
+                                        <p:cTn id="6" dur="1" fill="hold">
+                                          <p:stCondLst>
+                                            <p:cond delay="0"/>
+                                          </p:stCondLst>
+                                        </p:cTn>
+                                        <p:tgtEl>
+                                          <p:spTgt spid="3">
+                                            <p:txEl>
+                                              <p:pRg st="0" end="0"/>
+                                            </p:txEl>
+                                          </p:spTgt>
+                                        </p:tgtEl>
+                                        <p:attrNameLst>
+                                          <p:attrName>style.visibility</p:attrName>
+                                        </p:attrNameLst>
+                                      </p:cBhvr>
+                                      <p:to>
+                                        <p:strVal val="visible"/>
+                                      </p:to>
+                                    </p:set>
+                                  </p:childTnLst>
+                                </p:cTn>
+                              </p:par>
+                            </p:childTnLst>
+                          </p:cTn>
+                        </p:par>
+                      </p:childTnLst>
+                    </p:cTn>
+                  </p:par>
+                  <p:par>
+                    <p:cTn id="7" fill="hold">
+                      <p:stCondLst>
+                        <p:cond delay="indefinite"/>
+                      </p:stCondLst>
+                      <p:childTnLst>
+                        <p:par>
+                          <p:cTn id="8" fill="hold">
+                            <p:stCondLst>
+                              <p:cond delay="0"/>
+                            </p:stCondLst>
+                            <p:childTnLst>
+                              <p:par>
+                                <p:cTn id="9" presetID="1" presetClass="entr" presetSubtype="0" fill="hold" grpId="0" nodeType="clickEffect">
+                                  <p:stCondLst>
+                                    <p:cond delay="0"/>
+                                  </p:stCondLst>
+                                  <p:childTnLst>
+                                    <p:set>
+                                      <p:cBhvr>
+                                        <p:cTn id="10" dur="1" fill="hold">
+                                          <p:stCondLst>
+                                            <p:cond delay="0"/>
+                                          </p:stCondLst>
+                                        </p:cTn>
+                                        <p:tgtEl>
+                                          <p:spTgt spid="3">
+                                            <p:txEl>
+                                              <p:pRg st="2" end="2"/>
+                                            </p:txEl>
+                                          </p:spTgt>
+                                        </p:tgtEl>
+                                        <p:attrNameLst>
+                                          <p:attrName>style.visibility</p:attrName>
+                                        </p:attrNameLst>
+                                      </p:cBhvr>
+                                      <p:to>
+                                        <p:strVal val="visible"/>
+                                      </p:to>
+                                    </p:set>
+                                  </p:childTnLst>
+                                </p:cTn>
+                              </p:par>
+                            </p:childTnLst>
+                          </p:cTn>
+                        </p:par>
+                      </p:childTnLst>
+                    </p:cTn>
+                  </p:par>
+                </p:childTnLst>
+              </p:cTn>
+              <p:prevCondLst>
+                <p:cond evt="onPrev" delay="0">
+                  <p:tgtEl>
+                    <p:sldTgt/>
+                  </p:tgtEl>
+                </p:cond>
+              </p:prevCondLst>
+              <p:nextCondLst>
+                <p:cond evt="onNext" delay="0">
+                  <p:tgtEl>
+                    <p:sldTgt/>
+                  </p:tgtEl>
+                </p:cond>
+              </p:nextCondLst>
+            </p:seq>
+          </p:childTnLst>
+        </p:cTn>
+      </p:par>
+    </p:tnLst>
+    <p:bldLst>
+      <p:bldP spid="3" grpId="0" uiExpand="1" build="p"/>
+    </p:bldLst>
+  </p:timing>
+</p:sld>
+</file>
+
+<file path=ppt/slides/slide3.xml><?xml version="1.0" encoding="utf-8"?>
+<p:sld xmlns:a="http://schemas.openxmlformats.org/drawingml/2006/main" xmlns:r="http://schemas.openxmlformats.org/officeDocument/2006/relationships" xmlns:p="http://schemas.openxmlformats.org/presentationml/2006/main">
+  <p:cSld>
+    <p:spTree>
+      <p:nvGrpSpPr>
+        <p:cNvPr id="1" name=""/>
+        <p:cNvGrpSpPr/>
+        <p:nvPr/>
+      </p:nvGrpSpPr>
+      <p:grpSpPr>
+        <a:xfrm>
+          <a:off x="0" y="0"/>
+          <a:ext cx="0" cy="0"/>
+          <a:chOff x="0" y="0"/>
+          <a:chExt cx="0" cy="0"/>
+        </a:xfrm>
+      </p:grpSpPr>
+      <p:sp>
+        <p:nvSpPr>
+          <p:cNvPr id="2" name="Title 1"/>
+          <p:cNvSpPr>
+            <a:spLocks noGrp="1"/>
+          </p:cNvSpPr>
+          <p:nvPr>
+            <p:ph type="title"/>
+          </p:nvPr>
+        </p:nvSpPr>
+        <p:spPr/>
+        <p:txBody>
+          <a:bodyPr/>
+          <a:lstStyle/>
+          <a:p>
+            <a:r>
+              <a:rPr lang="en-US" dirty="0" smtClean="0"/>
+              <a:t>How to BDD</a:t>
+            </a:r>
+            <a:endParaRPr lang="en-US" dirty="0"/>
+          </a:p>
+        </p:txBody>
+      </p:sp>
+      <p:sp>
+        <p:nvSpPr>
+          <p:cNvPr id="3" name="Content Placeholder 2"/>
+          <p:cNvSpPr>
+            <a:spLocks noGrp="1"/>
+          </p:cNvSpPr>
+          <p:nvPr>
+            <p:ph idx="1"/>
+          </p:nvPr>
+        </p:nvSpPr>
+        <p:spPr/>
+        <p:txBody>
+          <a:bodyPr/>
+          <a:lstStyle/>
+          <a:p>
+            <a:pPr marL="514350" marR="0" lvl="0" indent="-514350" defTabSz="914400" eaLnBrk="1" fontAlgn="auto" latinLnBrk="0" hangingPunct="1">
+              <a:lnSpc>
+                <a:spcPct val="100000"/>
+              </a:lnSpc>
+              <a:spcBef>
+                <a:spcPts val="0"/>
+              </a:spcBef>
+              <a:spcAft>
+                <a:spcPts val="0"/>
+              </a:spcAft>
+              <a:buClrTx/>
+              <a:buSzTx/>
+              <a:buFont typeface="+mj-lt"/>
+              <a:buAutoNum type="arabicPeriod" startAt="2"/>
+              <a:tabLst/>
+              <a:defRPr/>
+            </a:pPr>
+            <a:r>
+              <a:rPr lang="en-US" dirty="0" smtClean="0"/>
+              <a:t>Write the scenarios</a:t>
+            </a:r>
+          </a:p>
+          <a:p>
+            <a:pPr marL="514350" marR="0" lvl="0" indent="-514350" defTabSz="914400" eaLnBrk="1" fontAlgn="auto" latinLnBrk="0" hangingPunct="1">
+              <a:lnSpc>
+                <a:spcPct val="100000"/>
+              </a:lnSpc>
+              <a:spcBef>
+                <a:spcPts val="0"/>
+              </a:spcBef>
+              <a:spcAft>
+                <a:spcPts val="0"/>
+              </a:spcAft>
+              <a:buClrTx/>
+              <a:buSzTx/>
+              <a:buFont typeface="+mj-lt"/>
+              <a:buAutoNum type="arabicPeriod" startAt="2"/>
+              <a:tabLst/>
+              <a:defRPr/>
+            </a:pPr>
+            <a:endParaRPr lang="en-US" dirty="0"/>
+          </a:p>
+          <a:p>
+            <a:pPr marL="0" marR="0" lvl="0" indent="0" defTabSz="914400" eaLnBrk="1" fontAlgn="auto" latinLnBrk="0" hangingPunct="1">
+              <a:lnSpc>
+                <a:spcPct val="100000"/>
+              </a:lnSpc>
+              <a:spcBef>
+                <a:spcPts val="0"/>
+              </a:spcBef>
+              <a:spcAft>
+                <a:spcPts val="0"/>
+              </a:spcAft>
+              <a:buClrTx/>
+              <a:buSzTx/>
+              <a:buNone/>
+              <a:tabLst/>
+              <a:defRPr/>
+            </a:pPr>
+            <a:r>
+              <a:rPr lang="en-US" dirty="0" smtClean="0"/>
+              <a:t>	Given I have booked 3 parties</a:t>
+            </a:r>
+            <a:br>
+              <a:rPr lang="en-US" dirty="0" smtClean="0"/>
+            </a:br>
+            <a:r>
+              <a:rPr lang="en-US" dirty="0" smtClean="0"/>
+              <a:t>	When I activate</a:t>
+            </a:r>
+            <a:br>
+              <a:rPr lang="en-US" dirty="0" smtClean="0"/>
+            </a:br>
+            <a:r>
+              <a:rPr lang="en-US" dirty="0" smtClean="0"/>
+              <a:t>	Then my purchasing funds should be allocated</a:t>
+            </a:r>
+            <a:endParaRPr lang="en-US" dirty="0"/>
+          </a:p>
+        </p:txBody>
+      </p:sp>
+    </p:spTree>
+    <p:extLst>
+      <p:ext uri="{BB962C8B-B14F-4D97-AF65-F5344CB8AC3E}">
+        <p14:creationId xmlns:p14="http://schemas.microsoft.com/office/powerpoint/2010/main" val="1458593296"/>
+      </p:ext>
+    </p:extLst>
+  </p:cSld>
+  <p:clrMapOvr>
+    <a:masterClrMapping/>
+  </p:clrMapOvr>
+  <p:timing>
+    <p:tnLst>
+      <p:par>
+        <p:cTn id="1" dur="indefinite" restart="never" nodeType="tmRoot">
+          <p:childTnLst>
+            <p:seq concurrent="1" nextAc="seek">
+              <p:cTn id="2" dur="indefinite" nodeType="mainSeq">
+                <p:childTnLst>
+                  <p:par>
+                    <p:cTn id="3" fill="hold">
+                      <p:stCondLst>
+                        <p:cond delay="indefinite"/>
+                      </p:stCondLst>
+                      <p:childTnLst>
+                        <p:par>
+                          <p:cTn id="4" fill="hold">
+                            <p:stCondLst>
+                              <p:cond delay="0"/>
+                            </p:stCondLst>
+                            <p:childTnLst>
+                              <p:par>
+                                <p:cTn id="5" presetID="1" presetClass="entr" presetSubtype="0" fill="hold" grpId="0" nodeType="clickEffect">
+                                  <p:stCondLst>
+                                    <p:cond delay="0"/>
+                                  </p:stCondLst>
+                                  <p:childTnLst>
+                                    <p:set>
+                                      <p:cBhvr>
+                                        <p:cTn id="6" dur="1" fill="hold">
+                                          <p:stCondLst>
+                                            <p:cond delay="0"/>
+                                          </p:stCondLst>
+                                        </p:cTn>
+                                        <p:tgtEl>
+                                          <p:spTgt spid="3">
+                                            <p:txEl>
+                                              <p:pRg st="0" end="0"/>
+                                            </p:txEl>
+                                          </p:spTgt>
+                                        </p:tgtEl>
+                                        <p:attrNameLst>
+                                          <p:attrName>style.visibility</p:attrName>
+                                        </p:attrNameLst>
+                                      </p:cBhvr>
+                                      <p:to>
+                                        <p:strVal val="visible"/>
+                                      </p:to>
+                                    </p:set>
+                                  </p:childTnLst>
+                                </p:cTn>
+                              </p:par>
+                            </p:childTnLst>
+                          </p:cTn>
+                        </p:par>
+                      </p:childTnLst>
+                    </p:cTn>
+                  </p:par>
+                  <p:par>
+                    <p:cTn id="7" fill="hold">
+                      <p:stCondLst>
+                        <p:cond delay="indefinite"/>
+                      </p:stCondLst>
+                      <p:childTnLst>
+                        <p:par>
+                          <p:cTn id="8" fill="hold">
+                            <p:stCondLst>
+                              <p:cond delay="0"/>
+                            </p:stCondLst>
+                            <p:childTnLst>
+                              <p:par>
+                                <p:cTn id="9" presetID="1" presetClass="entr" presetSubtype="0" fill="hold" grpId="0" nodeType="clickEffect">
+                                  <p:stCondLst>
+                                    <p:cond delay="0"/>
+                                  </p:stCondLst>
+                                  <p:childTnLst>
+                                    <p:set>
+                                      <p:cBhvr>
+                                        <p:cTn id="10" dur="1" fill="hold">
+                                          <p:stCondLst>
+                                            <p:cond delay="0"/>
+                                          </p:stCondLst>
+                                        </p:cTn>
+                                        <p:tgtEl>
+                                          <p:spTgt spid="3">
+                                            <p:txEl>
+                                              <p:pRg st="2" end="2"/>
+                                            </p:txEl>
+                                          </p:spTgt>
+                                        </p:tgtEl>
+                                        <p:attrNameLst>
+                                          <p:attrName>style.visibility</p:attrName>
+                                        </p:attrNameLst>
+                                      </p:cBhvr>
+                                      <p:to>
+                                        <p:strVal val="visible"/>
+                                      </p:to>
+                                    </p:set>
+                                  </p:childTnLst>
+                                </p:cTn>
+                              </p:par>
+                            </p:childTnLst>
+                          </p:cTn>
+                        </p:par>
+                      </p:childTnLst>
+                    </p:cTn>
+                  </p:par>
+                </p:childTnLst>
+              </p:cTn>
+              <p:prevCondLst>
+                <p:cond evt="onPrev" delay="0">
+                  <p:tgtEl>
+                    <p:sldTgt/>
+                  </p:tgtEl>
+                </p:cond>
+              </p:prevCondLst>
+              <p:nextCondLst>
+                <p:cond evt="onNext" delay="0">
+                  <p:tgtEl>
+                    <p:sldTgt/>
+                  </p:tgtEl>
+                </p:cond>
+              </p:nextCondLst>
+            </p:seq>
+          </p:childTnLst>
+        </p:cTn>
+      </p:par>
+    </p:tnLst>
+    <p:bldLst>
+      <p:bldP spid="3" grpId="0" uiExpand="1" build="p"/>
+    </p:bldLst>
+  </p:timing>
+</p:sld>
+</file>
+
+<file path=ppt/slides/slide4.xml><?xml version="1.0" encoding="utf-8"?>
+<p:sld xmlns:a="http://schemas.openxmlformats.org/drawingml/2006/main" xmlns:r="http://schemas.openxmlformats.org/officeDocument/2006/relationships" xmlns:p="http://schemas.openxmlformats.org/presentationml/2006/main">
+  <p:cSld>
+    <p:spTree>
+      <p:nvGrpSpPr>
+        <p:cNvPr id="1" name=""/>
+        <p:cNvGrpSpPr/>
+        <p:nvPr/>
+      </p:nvGrpSpPr>
+      <p:grpSpPr>
+        <a:xfrm>
+          <a:off x="0" y="0"/>
+          <a:ext cx="0" cy="0"/>
+          <a:chOff x="0" y="0"/>
+          <a:chExt cx="0" cy="0"/>
+        </a:xfrm>
+      </p:grpSpPr>
+      <p:sp>
+        <p:nvSpPr>
+          <p:cNvPr id="2" name="Title 1"/>
+          <p:cNvSpPr>
+            <a:spLocks noGrp="1"/>
+          </p:cNvSpPr>
+          <p:nvPr>
+            <p:ph type="title"/>
+          </p:nvPr>
+        </p:nvSpPr>
+        <p:spPr/>
+        <p:txBody>
+          <a:bodyPr/>
+          <a:lstStyle/>
+          <a:p>
+            <a:r>
+              <a:rPr lang="en-US" dirty="0" smtClean="0"/>
+              <a:t>How to BDD</a:t>
+            </a:r>
+            <a:endParaRPr lang="en-US" dirty="0"/>
+          </a:p>
+        </p:txBody>
+      </p:sp>
+      <p:sp>
+        <p:nvSpPr>
+          <p:cNvPr id="3" name="Content Placeholder 2"/>
+          <p:cNvSpPr>
+            <a:spLocks noGrp="1"/>
+          </p:cNvSpPr>
+          <p:nvPr>
+            <p:ph idx="1"/>
+          </p:nvPr>
+        </p:nvSpPr>
+        <p:spPr/>
+        <p:txBody>
+          <a:bodyPr/>
+          <a:lstStyle/>
+          <a:p>
+            <a:pPr marL="514350" marR="0" lvl="0" indent="-514350" defTabSz="914400" eaLnBrk="1" fontAlgn="auto" latinLnBrk="0" hangingPunct="1">
+              <a:lnSpc>
+                <a:spcPct val="100000"/>
+              </a:lnSpc>
+              <a:spcBef>
+                <a:spcPts val="0"/>
+              </a:spcBef>
+              <a:spcAft>
+                <a:spcPts val="0"/>
+              </a:spcAft>
+              <a:buClrTx/>
+              <a:buSzTx/>
+              <a:buFont typeface="+mj-lt"/>
+              <a:buAutoNum type="arabicPeriod" startAt="2"/>
+              <a:tabLst/>
+              <a:defRPr/>
+            </a:pPr>
+            <a:r>
+              <a:rPr lang="en-US" dirty="0" smtClean="0"/>
+              <a:t>Write the scenarios</a:t>
+            </a:r>
+          </a:p>
+          <a:p>
+            <a:pPr marL="514350" marR="0" lvl="0" indent="-514350" defTabSz="914400" eaLnBrk="1" fontAlgn="auto" latinLnBrk="0" hangingPunct="1">
+              <a:lnSpc>
+                <a:spcPct val="100000"/>
+              </a:lnSpc>
+              <a:spcBef>
+                <a:spcPts val="0"/>
+              </a:spcBef>
+              <a:spcAft>
+                <a:spcPts val="0"/>
+              </a:spcAft>
+              <a:buClrTx/>
+              <a:buSzTx/>
+              <a:buFont typeface="+mj-lt"/>
+              <a:buAutoNum type="arabicPeriod" startAt="2"/>
+              <a:tabLst/>
+              <a:defRPr/>
+            </a:pPr>
+            <a:endParaRPr lang="en-US" dirty="0"/>
+          </a:p>
+          <a:p>
+            <a:pPr marL="0" marR="0" lvl="0" indent="0" defTabSz="914400" eaLnBrk="1" fontAlgn="auto" latinLnBrk="0" hangingPunct="1">
+              <a:lnSpc>
+                <a:spcPct val="100000"/>
+              </a:lnSpc>
+              <a:spcBef>
+                <a:spcPts val="0"/>
+              </a:spcBef>
+              <a:spcAft>
+                <a:spcPts val="0"/>
+              </a:spcAft>
+              <a:buClrTx/>
+              <a:buSzTx/>
+              <a:buNone/>
+              <a:tabLst/>
+              <a:defRPr/>
+            </a:pPr>
+            <a:r>
+              <a:rPr lang="en-US" dirty="0" smtClean="0"/>
+              <a:t>	Given I have booked 3 parties</a:t>
+            </a:r>
+            <a:br>
+              <a:rPr lang="en-US" dirty="0" smtClean="0"/>
+            </a:br>
+            <a:r>
+              <a:rPr lang="en-US" dirty="0" smtClean="0"/>
+              <a:t>	And I have an outstanding payment plan</a:t>
+            </a:r>
+            <a:br>
+              <a:rPr lang="en-US" dirty="0" smtClean="0"/>
+            </a:br>
+            <a:r>
+              <a:rPr lang="en-US" dirty="0" smtClean="0"/>
+              <a:t>	When I activate</a:t>
+            </a:r>
+            <a:br>
+              <a:rPr lang="en-US" dirty="0" smtClean="0"/>
+            </a:br>
+            <a:r>
+              <a:rPr lang="en-US" dirty="0" smtClean="0"/>
+              <a:t>	</a:t>
+            </a:r>
+            <a:r>
+              <a:rPr lang="en-US" smtClean="0"/>
+              <a:t>Then no funds should be allocated</a:t>
+            </a:r>
+            <a:endParaRPr lang="en-US" dirty="0"/>
+          </a:p>
+        </p:txBody>
+      </p:sp>
+    </p:spTree>
+    <p:extLst>
+      <p:ext uri="{BB962C8B-B14F-4D97-AF65-F5344CB8AC3E}">
+        <p14:creationId xmlns:p14="http://schemas.microsoft.com/office/powerpoint/2010/main" val="1948024535"/>
+      </p:ext>
+    </p:extLst>
+  </p:cSld>
+  <p:clrMapOvr>
+    <a:masterClrMapping/>
+  </p:clrMapOvr>
+  <p:timing>
+    <p:tnLst>
+      <p:par>
+        <p:cTn id="1" dur="indefinite" restart="never" nodeType="tmRoot">
+          <p:childTnLst>
+            <p:seq concurrent="1" nextAc="seek">
+              <p:cTn id="2" dur="indefinite" nodeType="mainSeq">
+                <p:childTnLst>
+                  <p:par>
+                    <p:cTn id="3" fill="hold">
+                      <p:stCondLst>
+                        <p:cond delay="indefinite"/>
+                      </p:stCondLst>
+                      <p:childTnLst>
+                        <p:par>
+                          <p:cTn id="4" fill="hold">
+                            <p:stCondLst>
+                              <p:cond delay="0"/>
+                            </p:stCondLst>
+                            <p:childTnLst>
+                              <p:par>
+                                <p:cTn id="5" presetID="1" presetClass="entr" presetSubtype="0" fill="hold" grpId="0" nodeType="clickEffect">
+                                  <p:stCondLst>
+                                    <p:cond delay="0"/>
+                                  </p:stCondLst>
+                                  <p:childTnLst>
+                                    <p:set>
+                                      <p:cBhvr>
+                                        <p:cTn id="6" dur="1" fill="hold">
+                                          <p:stCondLst>
+                                            <p:cond delay="0"/>
+                                          </p:stCondLst>
+                                        </p:cTn>
+                                        <p:tgtEl>
+                                          <p:spTgt spid="3">
+                                            <p:txEl>
+                                              <p:pRg st="0" end="0"/>
+                                            </p:txEl>
+                                          </p:spTgt>
+                                        </p:tgtEl>
+                                        <p:attrNameLst>
+                                          <p:attrName>style.visibility</p:attrName>
+                                        </p:attrNameLst>
+                                      </p:cBhvr>
+                                      <p:to>
+                                        <p:strVal val="visible"/>
+                                      </p:to>
+                                    </p:set>
+                                  </p:childTnLst>
+                                </p:cTn>
+                              </p:par>
+                            </p:childTnLst>
+                          </p:cTn>
+                        </p:par>
+                      </p:childTnLst>
+                    </p:cTn>
+                  </p:par>
+                  <p:par>
+                    <p:cTn id="7" fill="hold">
+                      <p:stCondLst>
+                        <p:cond delay="indefinite"/>
+                      </p:stCondLst>
+                      <p:childTnLst>
+                        <p:par>
+                          <p:cTn id="8" fill="hold">
+                            <p:stCondLst>
+                              <p:cond delay="0"/>
+                            </p:stCondLst>
+                            <p:childTnLst>
+                              <p:par>
+                                <p:cTn id="9" presetID="1" presetClass="entr" presetSubtype="0" fill="hold" grpId="0" nodeType="clickEffect">
+                                  <p:stCondLst>
+                                    <p:cond delay="0"/>
+                                  </p:stCondLst>
+                                  <p:childTnLst>
+                                    <p:set>
+                                      <p:cBhvr>
+                                        <p:cTn id="10" dur="1" fill="hold">
+                                          <p:stCondLst>
+                                            <p:cond delay="0"/>
+                                          </p:stCondLst>
+                                        </p:cTn>
+                                        <p:tgtEl>
+                                          <p:spTgt spid="3">
+                                            <p:txEl>
+                                              <p:pRg st="2" end="2"/>
+                                            </p:txEl>
+                                          </p:spTgt>
+                                        </p:tgtEl>
+                                        <p:attrNameLst>
+                                          <p:attrName>style.visibility</p:attrName>
+                                        </p:attrNameLst>
+                                      </p:cBhvr>
+                                      <p:to>
+                                        <p:strVal val="visible"/>
+                                      </p:to>
+                                    </p:set>
+                                  </p:childTnLst>
+                                </p:cTn>
+                              </p:par>
+                            </p:childTnLst>
+                          </p:cTn>
+                        </p:par>
+                      </p:childTnLst>
+                    </p:cTn>
+                  </p:par>
+                </p:childTnLst>
+              </p:cTn>
+              <p:prevCondLst>
+                <p:cond evt="onPrev" delay="0">
+                  <p:tgtEl>
+                    <p:sldTgt/>
+                  </p:tgtEl>
+                </p:cond>
+              </p:prevCondLst>
+              <p:nextCondLst>
+                <p:cond evt="onNext" delay="0">
+                  <p:tgtEl>
+                    <p:sldTgt/>
+                  </p:tgtEl>
+                </p:cond>
+              </p:nextCondLst>
+            </p:seq>
+          </p:childTnLst>
+        </p:cTn>
+      </p:par>
+    </p:tnLst>
+    <p:bldLst>
+      <p:bldP spid="3" grpId="0" build="p"/>
+    </p:bldLst>
+  </p:timing>
+</p:sld>
+</file>
+
+<file path=ppt/slides/slide5.xml><?xml version="1.0" encoding="utf-8"?>
+<p:sld xmlns:a="http://schemas.openxmlformats.org/drawingml/2006/main" xmlns:r="http://schemas.openxmlformats.org/officeDocument/2006/relationships" xmlns:p="http://schemas.openxmlformats.org/presentationml/2006/main">
+  <p:cSld>
+    <p:spTree>
+      <p:nvGrpSpPr>
+        <p:cNvPr id="1" name=""/>
+        <p:cNvGrpSpPr/>
+        <p:nvPr/>
+      </p:nvGrpSpPr>
+      <p:grpSpPr>
+        <a:xfrm>
+          <a:off x="0" y="0"/>
+          <a:ext cx="0" cy="0"/>
+          <a:chOff x="0" y="0"/>
+          <a:chExt cx="0" cy="0"/>
+        </a:xfrm>
+      </p:grpSpPr>
+      <p:sp>
+        <p:nvSpPr>
+          <p:cNvPr id="2" name="Title 1"/>
+          <p:cNvSpPr>
+            <a:spLocks noGrp="1"/>
+          </p:cNvSpPr>
+          <p:nvPr>
+            <p:ph type="title"/>
+          </p:nvPr>
+        </p:nvSpPr>
+        <p:spPr/>
+        <p:txBody>
+          <a:bodyPr/>
+          <a:lstStyle/>
+          <a:p>
+            <a:r>
+              <a:rPr lang="en-US" dirty="0" smtClean="0"/>
+              <a:t>Benefits of BDD</a:t>
+            </a:r>
+            <a:endParaRPr lang="en-US" dirty="0"/>
+          </a:p>
+        </p:txBody>
+      </p:sp>
+      <p:sp>
+        <p:nvSpPr>
+          <p:cNvPr id="3" name="Content Placeholder 2"/>
+          <p:cNvSpPr>
+            <a:spLocks noGrp="1"/>
+          </p:cNvSpPr>
+          <p:nvPr>
+            <p:ph idx="1"/>
+          </p:nvPr>
+        </p:nvSpPr>
+        <p:spPr/>
+        <p:txBody>
+          <a:bodyPr/>
+          <a:lstStyle/>
+          <a:p>
+            <a:r>
+              <a:rPr lang="en-US" dirty="0" smtClean="0"/>
+              <a:t>Naming conventions keep tests small</a:t>
+            </a:r>
+          </a:p>
+          <a:p>
+            <a:endParaRPr lang="en-US" dirty="0" smtClean="0"/>
+          </a:p>
+          <a:p>
+            <a:r>
+              <a:rPr lang="en-US" dirty="0" smtClean="0"/>
+              <a:t>Reinforces the ubiquitous language</a:t>
+            </a:r>
+          </a:p>
+          <a:p>
+            <a:endParaRPr lang="en-US" dirty="0" smtClean="0"/>
+          </a:p>
+          <a:p>
+            <a:r>
+              <a:rPr lang="en-US" dirty="0" smtClean="0"/>
+              <a:t>Better work prioritization</a:t>
+            </a:r>
+          </a:p>
+          <a:p>
+            <a:endParaRPr lang="en-US" dirty="0" smtClean="0"/>
+          </a:p>
+          <a:p>
+            <a:r>
+              <a:rPr lang="en-US" dirty="0" smtClean="0"/>
+              <a:t>Executable requirements</a:t>
+            </a:r>
+          </a:p>
+          <a:p>
+            <a:endParaRPr lang="en-US" dirty="0"/>
+          </a:p>
+        </p:txBody>
+      </p:sp>
+    </p:spTree>
+    <p:extLst>
+      <p:ext uri="{BB962C8B-B14F-4D97-AF65-F5344CB8AC3E}">
+        <p14:creationId xmlns:p14="http://schemas.microsoft.com/office/powerpoint/2010/main" val="1289815738"/>
+      </p:ext>
+    </p:extLst>
+  </p:cSld>
+  <p:clrMapOvr>
+    <a:masterClrMapping/>
+  </p:clrMapOvr>
+  <p:timing>
+    <p:tnLst>
+      <p:par>
+        <p:cTn id="1" dur="indefinite" restart="never" nodeType="tmRoot">
+          <p:childTnLst>
+            <p:seq concurrent="1" nextAc="seek">
+              <p:cTn id="2" dur="indefinite" nodeType="mainSeq">
+                <p:childTnLst>
+                  <p:par>
+                    <p:cTn id="3" fill="hold">
+                      <p:stCondLst>
+                        <p:cond delay="indefinite"/>
+                      </p:stCondLst>
+                      <p:childTnLst>
+                        <p:par>
+                          <p:cTn id="4" fill="hold">
+                            <p:stCondLst>
+                              <p:cond delay="0"/>
+                            </p:stCondLst>
+                            <p:childTnLst>
+                              <p:par>
+                                <p:cTn id="5" presetID="1" presetClass="entr" presetSubtype="0" fill="hold" grpId="0" nodeType="clickEffect">
+                                  <p:stCondLst>
+                                    <p:cond delay="0"/>
+                                  </p:stCondLst>
+                                  <p:childTnLst>
+                                    <p:set>
+                                      <p:cBhvr>
+                                        <p:cTn id="6" dur="1" fill="hold">
+                                          <p:stCondLst>
+                                            <p:cond delay="0"/>
+                                          </p:stCondLst>
+                                        </p:cTn>
+                                        <p:tgtEl>
+                                          <p:spTgt spid="3">
+                                            <p:txEl>
+                                              <p:pRg st="0" end="0"/>
+                                            </p:txEl>
+                                          </p:spTgt>
+                                        </p:tgtEl>
+                                        <p:attrNameLst>
+                                          <p:attrName>style.visibility</p:attrName>
+                                        </p:attrNameLst>
+                                      </p:cBhvr>
+                                      <p:to>
+                                        <p:strVal val="visible"/>
+                                      </p:to>
+                                    </p:set>
+                                  </p:childTnLst>
+                                </p:cTn>
+                              </p:par>
+                            </p:childTnLst>
+                          </p:cTn>
+                        </p:par>
+                      </p:childTnLst>
+                    </p:cTn>
+                  </p:par>
+                  <p:par>
+                    <p:cTn id="7" fill="hold">
+                      <p:stCondLst>
+                        <p:cond delay="indefinite"/>
+                      </p:stCondLst>
+                      <p:childTnLst>
+                        <p:par>
+                          <p:cTn id="8" fill="hold">
+                            <p:stCondLst>
+                              <p:cond delay="0"/>
+                            </p:stCondLst>
+                            <p:childTnLst>
+                              <p:par>
+                                <p:cTn id="9" presetID="1" presetClass="entr" presetSubtype="0" fill="hold" grpId="0" nodeType="clickEffect">
+                                  <p:stCondLst>
+                                    <p:cond delay="0"/>
+                                  </p:stCondLst>
+                                  <p:childTnLst>
+                                    <p:set>
+                                      <p:cBhvr>
+                                        <p:cTn id="10" dur="1" fill="hold">
+                                          <p:stCondLst>
+                                            <p:cond delay="0"/>
+                                          </p:stCondLst>
+                                        </p:cTn>
+                                        <p:tgtEl>
+                                          <p:spTgt spid="3">
+                                            <p:txEl>
+                                              <p:pRg st="2" end="2"/>
+                                            </p:txEl>
+                                          </p:spTgt>
+                                        </p:tgtEl>
+                                        <p:attrNameLst>
+                                          <p:attrName>style.visibility</p:attrName>
+                                        </p:attrNameLst>
+                                      </p:cBhvr>
+                                      <p:to>
+                                        <p:strVal val="visible"/>
+                                      </p:to>
+                                    </p:set>
+                                  </p:childTnLst>
+                                </p:cTn>
+                              </p:par>
+                            </p:childTnLst>
+                          </p:cTn>
+                        </p:par>
+                      </p:childTnLst>
+                    </p:cTn>
+                  </p:par>
+                  <p:par>
+                    <p:cTn id="11" fill="hold">
+                      <p:stCondLst>
+                        <p:cond delay="indefinite"/>
+                      </p:stCondLst>
+                      <p:childTnLst>
+                        <p:par>
+                          <p:cTn id="12" fill="hold">
+                            <p:stCondLst>
+                              <p:cond delay="0"/>
+                            </p:stCondLst>
+                            <p:childTnLst>
+                              <p:par>
+                                <p:cTn id="13" presetID="1" presetClass="entr" presetSubtype="0" fill="hold" grpId="0" nodeType="clickEffect">
+                                  <p:stCondLst>
+                                    <p:cond delay="0"/>
+                                  </p:stCondLst>
+                                  <p:childTnLst>
+                                    <p:set>
+                                      <p:cBhvr>
+                                        <p:cTn id="14" dur="1" fill="hold">
+                                          <p:stCondLst>
+                                            <p:cond delay="0"/>
+                                          </p:stCondLst>
+                                        </p:cTn>
+                                        <p:tgtEl>
+                                          <p:spTgt spid="3">
+                                            <p:txEl>
+                                              <p:pRg st="4" end="4"/>
+                                            </p:txEl>
+                                          </p:spTgt>
+                                        </p:tgtEl>
+                                        <p:attrNameLst>
+                                          <p:attrName>style.visibility</p:attrName>
+                                        </p:attrNameLst>
+                                      </p:cBhvr>
+                                      <p:to>
+                                        <p:strVal val="visible"/>
+                                      </p:to>
+                                    </p:set>
+                                  </p:childTnLst>
+                                </p:cTn>
+                              </p:par>
+                            </p:childTnLst>
+                          </p:cTn>
+                        </p:par>
+                      </p:childTnLst>
+                    </p:cTn>
+                  </p:par>
+                  <p:par>
+                    <p:cTn id="15" fill="hold">
+                      <p:stCondLst>
+                        <p:cond delay="indefinite"/>
+                      </p:stCondLst>
+                      <p:childTnLst>
+                        <p:par>
+                          <p:cTn id="16" fill="hold">
+                            <p:stCondLst>
+                              <p:cond delay="0"/>
+                            </p:stCondLst>
+                            <p:childTnLst>
+                              <p:par>
+                                <p:cTn id="17" presetID="1" presetClass="entr" presetSubtype="0" fill="hold" grpId="0" nodeType="clickEffect">
+                                  <p:stCondLst>
+                                    <p:cond delay="0"/>
+                                  </p:stCondLst>
+                                  <p:childTnLst>
+                                    <p:set>
+                                      <p:cBhvr>
+                                        <p:cTn id="18" dur="1" fill="hold">
+                                          <p:stCondLst>
+                                            <p:cond delay="0"/>
+                                          </p:stCondLst>
+                                        </p:cTn>
+                                        <p:tgtEl>
+                                          <p:spTgt spid="3">
+                                            <p:txEl>
+                                              <p:pRg st="6" end="6"/>
+                                            </p:txEl>
+                                          </p:spTgt>
+                                        </p:tgtEl>
+                                        <p:attrNameLst>
+                                          <p:attrName>style.visibility</p:attrName>
+                                        </p:attrNameLst>
+                                      </p:cBhvr>
+                                      <p:to>
+                                        <p:strVal val="visible"/>
+                                      </p:to>
+                                    </p:set>
+                                  </p:childTnLst>
+                                </p:cTn>
+                              </p:par>
+                            </p:childTnLst>
+                          </p:cTn>
+                        </p:par>
+                      </p:childTnLst>
+                    </p:cTn>
+                  </p:par>
+                  <p:par>
+                    <p:cTn id="19" fill="hold">
+                      <p:stCondLst>
+                        <p:cond delay="indefinite"/>
+                      </p:stCondLst>
+                      <p:childTnLst>
+                        <p:par>
+                          <p:cTn id="20" fill="hold">
+                            <p:stCondLst>
+                              <p:cond delay="0"/>
+                            </p:stCondLst>
+                            <p:childTnLst>
+                              <p:par>
+                                <p:cTn id="21" presetID="1" presetClass="entr" presetSubtype="0" fill="hold" grpId="1" nodeType="clickEffect">
+                                  <p:stCondLst>
+                                    <p:cond delay="0"/>
+                                  </p:stCondLst>
+                                  <p:childTnLst>
+                                    <p:set>
+                                      <p:cBhvr>
+                                        <p:cTn id="22" dur="1" fill="hold">
+                                          <p:stCondLst>
+                                            <p:cond delay="0"/>
+                                          </p:stCondLst>
+                                        </p:cTn>
+                                        <p:tgtEl>
+                                          <p:spTgt spid="3">
+                                            <p:txEl>
+                                              <p:pRg st="0" end="0"/>
+                                            </p:txEl>
+                                          </p:spTgt>
+                                        </p:tgtEl>
+                                        <p:attrNameLst>
+                                          <p:attrName>style.visibility</p:attrName>
+                                        </p:attrNameLst>
+                                      </p:cBhvr>
+                                      <p:to>
+                                        <p:strVal val="visible"/>
+                                      </p:to>
+                                    </p:set>
+                                  </p:childTnLst>
+                                </p:cTn>
+                              </p:par>
+                            </p:childTnLst>
+                          </p:cTn>
+                        </p:par>
+                      </p:childTnLst>
+                    </p:cTn>
+                  </p:par>
+                  <p:par>
+                    <p:cTn id="23" fill="hold">
+                      <p:stCondLst>
+                        <p:cond delay="indefinite"/>
+                      </p:stCondLst>
+                      <p:childTnLst>
+                        <p:par>
+                          <p:cTn id="24" fill="hold">
+                            <p:stCondLst>
+                              <p:cond delay="0"/>
+                            </p:stCondLst>
+                            <p:childTnLst>
+                              <p:par>
+                                <p:cTn id="25" presetID="1" presetClass="entr" presetSubtype="0" fill="hold" grpId="1" nodeType="clickEffect">
+                                  <p:stCondLst>
+                                    <p:cond delay="0"/>
+                                  </p:stCondLst>
+                                  <p:childTnLst>
+                                    <p:set>
+                                      <p:cBhvr>
+                                        <p:cTn id="26" dur="1" fill="hold">
+                                          <p:stCondLst>
+                                            <p:cond delay="0"/>
+                                          </p:stCondLst>
+                                        </p:cTn>
+                                        <p:tgtEl>
+                                          <p:spTgt spid="3">
+                                            <p:txEl>
+                                              <p:pRg st="2" end="2"/>
+                                            </p:txEl>
+                                          </p:spTgt>
+                                        </p:tgtEl>
+                                        <p:attrNameLst>
+                                          <p:attrName>style.visibility</p:attrName>
+                                        </p:attrNameLst>
+                                      </p:cBhvr>
+                                      <p:to>
+                                        <p:strVal val="visible"/>
+                                      </p:to>
+                                    </p:set>
+                                  </p:childTnLst>
+                                </p:cTn>
+                              </p:par>
+                            </p:childTnLst>
+                          </p:cTn>
+                        </p:par>
+                      </p:childTnLst>
+                    </p:cTn>
+                  </p:par>
+                  <p:par>
+                    <p:cTn id="27" fill="hold">
+                      <p:stCondLst>
+                        <p:cond delay="indefinite"/>
+                      </p:stCondLst>
+                      <p:childTnLst>
+                        <p:par>
+                          <p:cTn id="28" fill="hold">
+                            <p:stCondLst>
+                              <p:cond delay="0"/>
+                            </p:stCondLst>
+                            <p:childTnLst>
+                              <p:par>
+                                <p:cTn id="29" presetID="1" presetClass="entr" presetSubtype="0" fill="hold" grpId="1" nodeType="clickEffect">
+                                  <p:stCondLst>
+                                    <p:cond delay="0"/>
+                                  </p:stCondLst>
+                                  <p:childTnLst>
+                                    <p:set>
+                                      <p:cBhvr>
+                                        <p:cTn id="30" dur="1" fill="hold">
+                                          <p:stCondLst>
+                                            <p:cond delay="0"/>
+                                          </p:stCondLst>
+                                        </p:cTn>
+                                        <p:tgtEl>
+                                          <p:spTgt spid="3">
+                                            <p:txEl>
+                                              <p:pRg st="4" end="4"/>
+                                            </p:txEl>
+                                          </p:spTgt>
+                                        </p:tgtEl>
+                                        <p:attrNameLst>
+                                          <p:attrName>style.visibility</p:attrName>
+                                        </p:attrNameLst>
+                                      </p:cBhvr>
+                                      <p:to>
+                                        <p:strVal val="visible"/>
+                                      </p:to>
+                                    </p:set>
+                                  </p:childTnLst>
+                                </p:cTn>
+                              </p:par>
+                            </p:childTnLst>
+                          </p:cTn>
+                        </p:par>
+                      </p:childTnLst>
+                    </p:cTn>
+                  </p:par>
+                  <p:par>
+                    <p:cTn id="31" fill="hold">
+                      <p:stCondLst>
+                        <p:cond delay="indefinite"/>
+                      </p:stCondLst>
+                      <p:childTnLst>
+                        <p:par>
+                          <p:cTn id="32" fill="hold">
+                            <p:stCondLst>
+                              <p:cond delay="0"/>
+                            </p:stCondLst>
+                            <p:childTnLst>
+                              <p:par>
+                                <p:cTn id="33" presetID="1" presetClass="entr" presetSubtype="0" fill="hold" grpId="1" nodeType="clickEffect">
+                                  <p:stCondLst>
+                                    <p:cond delay="0"/>
+                                  </p:stCondLst>
+                                  <p:childTnLst>
+                                    <p:set>
+                                      <p:cBhvr>
+                                        <p:cTn id="34" dur="1" fill="hold">
+                                          <p:stCondLst>
+                                            <p:cond delay="0"/>
+                                          </p:stCondLst>
+                                        </p:cTn>
+                                        <p:tgtEl>
+                                          <p:spTgt spid="3">
+                                            <p:txEl>
+                                              <p:pRg st="6" end="6"/>
+                                            </p:txEl>
+                                          </p:spTgt>
+                                        </p:tgtEl>
+                                        <p:attrNameLst>
+                                          <p:attrName>style.visibility</p:attrName>
+                                        </p:attrNameLst>
+                                      </p:cBhvr>
+                                      <p:to>
+                                        <p:strVal val="visible"/>
+                                      </p:to>
+                                    </p:set>
+                                  </p:childTnLst>
+                                </p:cTn>
+                              </p:par>
+                            </p:childTnLst>
+                          </p:cTn>
+                        </p:par>
+                      </p:childTnLst>
+                    </p:cTn>
+                  </p:par>
+                </p:childTnLst>
+              </p:cTn>
+              <p:prevCondLst>
+                <p:cond evt="onPrev" delay="0">
+                  <p:tgtEl>
+                    <p:sldTgt/>
+                  </p:tgtEl>
+                </p:cond>
+              </p:prevCondLst>
+              <p:nextCondLst>
+                <p:cond evt="onNext" delay="0">
+                  <p:tgtEl>
+                    <p:sldTgt/>
+                  </p:tgtEl>
+                </p:cond>
+              </p:nextCondLst>
+            </p:seq>
+          </p:childTnLst>
+        </p:cTn>
+      </p:par>
+    </p:tnLst>
+    <p:bldLst>
+      <p:bldP spid="3" grpId="0" build="p"/>
+      <p:bldP spid="3" grpId="1" build="p"/>
+    </p:bldLst>
+  </p:timing>
 </p:sld>
 </file>
 
@@ -6120,4 +7878,265 @@
     </a:ext>
   </a:extLst>
 </a:theme>
+</file>
+
+<file path=ppt/theme/theme2.xml><?xml version="1.0" encoding="utf-8"?>
+<a:theme xmlns:a="http://schemas.openxmlformats.org/drawingml/2006/main" name="Office Theme">
+  <a:themeElements>
+    <a:clrScheme name="Office">
+      <a:dk1>
+        <a:sysClr val="windowText" lastClr="000000"/>
+      </a:dk1>
+      <a:lt1>
+        <a:sysClr val="window" lastClr="FFFFFF"/>
+      </a:lt1>
+      <a:dk2>
+        <a:srgbClr val="44546A"/>
+      </a:dk2>
+      <a:lt2>
+        <a:srgbClr val="E7E6E6"/>
+      </a:lt2>
+      <a:accent1>
+        <a:srgbClr val="4472C4"/>
+      </a:accent1>
+      <a:accent2>
+        <a:srgbClr val="ED7D31"/>
+      </a:accent2>
+      <a:accent3>
+        <a:srgbClr val="A5A5A5"/>
+      </a:accent3>
+      <a:accent4>
+        <a:srgbClr val="FFC000"/>
+      </a:accent4>
+      <a:accent5>
+        <a:srgbClr val="5B9BD5"/>
+      </a:accent5>
+      <a:accent6>
+        <a:srgbClr val="70AD47"/>
+      </a:accent6>
+      <a:hlink>
+        <a:srgbClr val="0563C1"/>
+      </a:hlink>
+      <a:folHlink>
+        <a:srgbClr val="954F72"/>
+      </a:folHlink>
+    </a:clrScheme>
+    <a:fontScheme name="Office">
+      <a:majorFont>
+        <a:latin typeface="Calibri Light" panose="020F0302020204030204"/>
+        <a:ea typeface=""/>
+        <a:cs typeface=""/>
+        <a:font script="Jpan" typeface="Yu Gothic Light"/>
+        <a:font script="Hang" typeface="맑은 고딕"/>
+        <a:font script="Hans" typeface="DengXian Light"/>
+        <a:font script="Hant" typeface="新細明體"/>
+        <a:font script="Arab" typeface="Times New Roman"/>
+        <a:font script="Hebr" typeface="Times New Roman"/>
+        <a:font script="Thai" typeface="Angsana New"/>
+        <a:font script="Ethi" typeface="Nyala"/>
+        <a:font script="Beng" typeface="Vrinda"/>
+        <a:font script="Gujr" typeface="Shruti"/>
+        <a:font script="Khmr" typeface="MoolBoran"/>
+        <a:font script="Knda" typeface="Tunga"/>
+        <a:font script="Guru" typeface="Raavi"/>
+        <a:font script="Cans" typeface="Euphemia"/>
+        <a:font script="Cher" typeface="Plantagenet Cherokee"/>
+        <a:font script="Yiii" typeface="Microsoft Yi Baiti"/>
+        <a:font script="Tibt" typeface="Microsoft Himalaya"/>
+        <a:font script="Thaa" typeface="MV Boli"/>
+        <a:font script="Deva" typeface="Mangal"/>
+        <a:font script="Telu" typeface="Gautami"/>
+        <a:font script="Taml" typeface="Latha"/>
+        <a:font script="Syrc" typeface="Estrangelo Edessa"/>
+        <a:font script="Orya" typeface="Kalinga"/>
+        <a:font script="Mlym" typeface="Kartika"/>
+        <a:font script="Laoo" typeface="DokChampa"/>
+        <a:font script="Sinh" typeface="Iskoola Pota"/>
+        <a:font script="Mong" typeface="Mongolian Baiti"/>
+        <a:font script="Viet" typeface="Times New Roman"/>
+        <a:font script="Uigh" typeface="Microsoft Uighur"/>
+        <a:font script="Geor" typeface="Sylfaen"/>
+      </a:majorFont>
+      <a:minorFont>
+        <a:latin typeface="Calibri" panose="020F0502020204030204"/>
+        <a:ea typeface=""/>
+        <a:cs typeface=""/>
+        <a:font script="Jpan" typeface="Yu Gothic"/>
+        <a:font script="Hang" typeface="맑은 고딕"/>
+        <a:font script="Hans" typeface="DengXian"/>
+        <a:font script="Hant" typeface="新細明體"/>
+        <a:font script="Arab" typeface="Arial"/>
+        <a:font script="Hebr" typeface="Arial"/>
+        <a:font script="Thai" typeface="Cordia New"/>
+        <a:font script="Ethi" typeface="Nyala"/>
+        <a:font script="Beng" typeface="Vrinda"/>
+        <a:font script="Gujr" typeface="Shruti"/>
+        <a:font script="Khmr" typeface="DaunPenh"/>
+        <a:font script="Knda" typeface="Tunga"/>
+        <a:font script="Guru" typeface="Raavi"/>
+        <a:font script="Cans" typeface="Euphemia"/>
+        <a:font script="Cher" typeface="Plantagenet Cherokee"/>
+        <a:font script="Yiii" typeface="Microsoft Yi Baiti"/>
+        <a:font script="Tibt" typeface="Microsoft Himalaya"/>
+        <a:font script="Thaa" typeface="MV Boli"/>
+        <a:font script="Deva" typeface="Mangal"/>
+        <a:font script="Telu" typeface="Gautami"/>
+        <a:font script="Taml" typeface="Latha"/>
+        <a:font script="Syrc" typeface="Estrangelo Edessa"/>
+        <a:font script="Orya" typeface="Kalinga"/>
+        <a:font script="Mlym" typeface="Kartika"/>
+        <a:font script="Laoo" typeface="DokChampa"/>
+        <a:font script="Sinh" typeface="Iskoola Pota"/>
+        <a:font script="Mong" typeface="Mongolian Baiti"/>
+        <a:font script="Viet" typeface="Arial"/>
+        <a:font script="Uigh" typeface="Microsoft Uighur"/>
+        <a:font script="Geor" typeface="Sylfaen"/>
+      </a:minorFont>
+    </a:fontScheme>
+    <a:fmtScheme name="Office">
+      <a:fillStyleLst>
+        <a:solidFill>
+          <a:schemeClr val="phClr"/>
+        </a:solidFill>
+        <a:gradFill rotWithShape="1">
+          <a:gsLst>
+            <a:gs pos="0">
+              <a:schemeClr val="phClr">
+                <a:lumMod val="110000"/>
+                <a:satMod val="105000"/>
+                <a:tint val="67000"/>
+              </a:schemeClr>
+            </a:gs>
+            <a:gs pos="50000">
+              <a:schemeClr val="phClr">
+                <a:lumMod val="105000"/>
+                <a:satMod val="103000"/>
+                <a:tint val="73000"/>
+              </a:schemeClr>
+            </a:gs>
+            <a:gs pos="100000">
+              <a:schemeClr val="phClr">
+                <a:lumMod val="105000"/>
+                <a:satMod val="109000"/>
+                <a:tint val="81000"/>
+              </a:schemeClr>
+            </a:gs>
+          </a:gsLst>
+          <a:lin ang="5400000" scaled="0"/>
+        </a:gradFill>
+        <a:gradFill rotWithShape="1">
+          <a:gsLst>
+            <a:gs pos="0">
+              <a:schemeClr val="phClr">
+                <a:satMod val="103000"/>
+                <a:lumMod val="102000"/>
+                <a:tint val="94000"/>
+              </a:schemeClr>
+            </a:gs>
+            <a:gs pos="50000">
+              <a:schemeClr val="phClr">
+                <a:satMod val="110000"/>
+                <a:lumMod val="100000"/>
+                <a:shade val="100000"/>
+              </a:schemeClr>
+            </a:gs>
+            <a:gs pos="100000">
+              <a:schemeClr val="phClr">
+                <a:lumMod val="99000"/>
+                <a:satMod val="120000"/>
+                <a:shade val="78000"/>
+              </a:schemeClr>
+            </a:gs>
+          </a:gsLst>
+          <a:lin ang="5400000" scaled="0"/>
+        </a:gradFill>
+      </a:fillStyleLst>
+      <a:lnStyleLst>
+        <a:ln w="6350" cap="flat" cmpd="sng" algn="ctr">
+          <a:solidFill>
+            <a:schemeClr val="phClr"/>
+          </a:solidFill>
+          <a:prstDash val="solid"/>
+          <a:miter lim="800000"/>
+        </a:ln>
+        <a:ln w="12700" cap="flat" cmpd="sng" algn="ctr">
+          <a:solidFill>
+            <a:schemeClr val="phClr"/>
+          </a:solidFill>
+          <a:prstDash val="solid"/>
+          <a:miter lim="800000"/>
+        </a:ln>
+        <a:ln w="19050" cap="flat" cmpd="sng" algn="ctr">
+          <a:solidFill>
+            <a:schemeClr val="phClr"/>
+          </a:solidFill>
+          <a:prstDash val="solid"/>
+          <a:miter lim="800000"/>
+        </a:ln>
+      </a:lnStyleLst>
+      <a:effectStyleLst>
+        <a:effectStyle>
+          <a:effectLst/>
+        </a:effectStyle>
+        <a:effectStyle>
+          <a:effectLst/>
+        </a:effectStyle>
+        <a:effectStyle>
+          <a:effectLst>
+            <a:outerShdw blurRad="57150" dist="19050" dir="5400000" algn="ctr" rotWithShape="0">
+              <a:srgbClr val="000000">
+                <a:alpha val="63000"/>
+              </a:srgbClr>
+            </a:outerShdw>
+          </a:effectLst>
+        </a:effectStyle>
+      </a:effectStyleLst>
+      <a:bgFillStyleLst>
+        <a:solidFill>
+          <a:schemeClr val="phClr"/>
+        </a:solidFill>
+        <a:solidFill>
+          <a:schemeClr val="phClr">
+            <a:tint val="95000"/>
+            <a:satMod val="170000"/>
+          </a:schemeClr>
+        </a:solidFill>
+        <a:gradFill rotWithShape="1">
+          <a:gsLst>
+            <a:gs pos="0">
+              <a:schemeClr val="phClr">
+                <a:tint val="93000"/>
+                <a:satMod val="150000"/>
+                <a:shade val="98000"/>
+                <a:lumMod val="102000"/>
+              </a:schemeClr>
+            </a:gs>
+            <a:gs pos="50000">
+              <a:schemeClr val="phClr">
+                <a:tint val="98000"/>
+                <a:satMod val="130000"/>
+                <a:shade val="90000"/>
+                <a:lumMod val="103000"/>
+              </a:schemeClr>
+            </a:gs>
+            <a:gs pos="100000">
+              <a:schemeClr val="phClr">
+                <a:shade val="63000"/>
+                <a:satMod val="120000"/>
+              </a:schemeClr>
+            </a:gs>
+          </a:gsLst>
+          <a:lin ang="5400000" scaled="0"/>
+        </a:gradFill>
+      </a:bgFillStyleLst>
+    </a:fmtScheme>
+  </a:themeElements>
+  <a:objectDefaults/>
+  <a:extraClrSchemeLst/>
+  <a:extLst>
+    <a:ext uri="{05A4C25C-085E-4340-85A3-A5531E510DB2}">
+      <thm15:themeFamily xmlns:thm15="http://schemas.microsoft.com/office/thememl/2012/main" name="Office Theme" id="{62F939B6-93AF-4DB8-9C6B-D6C7DFDC589F}" vid="{4A3C46E8-61CC-4603-A589-7422A47A8E4A}"/>
+    </a:ext>
+  </a:extLst>
+</a:theme>
 </file>
--- a/BDD.pptx
+++ b/BDD.pptx
@@ -5,14 +5,18 @@
     <p:sldMasterId id="2147483648" r:id="rId1"/>
   </p:sldMasterIdLst>
   <p:notesMasterIdLst>
-    <p:notesMasterId r:id="rId7"/>
+    <p:notesMasterId r:id="rId11"/>
   </p:notesMasterIdLst>
   <p:sldIdLst>
     <p:sldId id="256" r:id="rId2"/>
-    <p:sldId id="257" r:id="rId3"/>
-    <p:sldId id="259" r:id="rId4"/>
-    <p:sldId id="260" r:id="rId5"/>
-    <p:sldId id="258" r:id="rId6"/>
+    <p:sldId id="261" r:id="rId3"/>
+    <p:sldId id="262" r:id="rId4"/>
+    <p:sldId id="263" r:id="rId5"/>
+    <p:sldId id="264" r:id="rId6"/>
+    <p:sldId id="257" r:id="rId7"/>
+    <p:sldId id="259" r:id="rId8"/>
+    <p:sldId id="260" r:id="rId9"/>
+    <p:sldId id="258" r:id="rId10"/>
   </p:sldIdLst>
   <p:sldSz cx="12192000" cy="6858000"/>
   <p:notesSz cx="6858000" cy="9144000"/>
@@ -201,7 +205,7 @@
           <a:p>
             <a:fld id="{E7601D3C-7BE0-7B48-A0F2-E8752B26D0DC}" type="datetimeFigureOut">
               <a:rPr lang="en-US" smtClean="0"/>
-              <a:t>1/26/17</a:t>
+              <a:t>2/28/17</a:t>
             </a:fld>
             <a:endParaRPr lang="en-US"/>
           </a:p>
@@ -514,6 +518,668 @@
           <a:lstStyle/>
           <a:p>
             <a:pPr marL="171450" indent="-171450">
+              <a:buFontTx/>
+              <a:buChar char="-"/>
+            </a:pPr>
+            <a:r>
+              <a:rPr lang="en-US" sz="1200" b="0" i="0" kern="1200" dirty="0" smtClean="0">
+                <a:solidFill>
+                  <a:schemeClr val="tx1"/>
+                </a:solidFill>
+                <a:effectLst/>
+                <a:latin typeface="+mn-lt"/>
+                <a:ea typeface="+mn-ea"/>
+                <a:cs typeface="+mn-cs"/>
+              </a:rPr>
+              <a:t>The idea is that you have to write only</a:t>
+            </a:r>
+            <a:r>
+              <a:rPr lang="en-US" sz="1200" b="0" i="0" kern="1200" baseline="0" dirty="0" smtClean="0">
+                <a:solidFill>
+                  <a:schemeClr val="tx1"/>
+                </a:solidFill>
+                <a:effectLst/>
+                <a:latin typeface="+mn-lt"/>
+                <a:ea typeface="+mn-ea"/>
+                <a:cs typeface="+mn-cs"/>
+              </a:rPr>
+              <a:t> enough code to get your tests to pass.</a:t>
+            </a:r>
+            <a:r>
+              <a:rPr lang="en-US" sz="1200" b="0" i="0" kern="1200" dirty="0" smtClean="0">
+                <a:solidFill>
+                  <a:schemeClr val="tx1"/>
+                </a:solidFill>
+                <a:effectLst/>
+                <a:latin typeface="+mn-lt"/>
+                <a:ea typeface="+mn-ea"/>
+                <a:cs typeface="+mn-cs"/>
+              </a:rPr>
+              <a:t> Having all the tests pass could be a measure of the done criteria (dev-done) and also increases confidence in the quality of the code</a:t>
+            </a:r>
+          </a:p>
+          <a:p>
+            <a:pPr marL="171450" indent="-171450">
+              <a:buFontTx/>
+              <a:buChar char="-"/>
+            </a:pPr>
+            <a:endParaRPr lang="en-US" sz="1200" b="0" i="0" kern="1200" dirty="0" smtClean="0">
+              <a:solidFill>
+                <a:schemeClr val="tx1"/>
+              </a:solidFill>
+              <a:effectLst/>
+              <a:latin typeface="+mn-lt"/>
+              <a:ea typeface="+mn-ea"/>
+              <a:cs typeface="+mn-cs"/>
+            </a:endParaRPr>
+          </a:p>
+          <a:p>
+            <a:pPr marL="171450" marR="0" indent="-171450" algn="l" defTabSz="914400" rtl="0" eaLnBrk="1" fontAlgn="auto" latinLnBrk="0" hangingPunct="1">
+              <a:lnSpc>
+                <a:spcPct val="100000"/>
+              </a:lnSpc>
+              <a:spcBef>
+                <a:spcPts val="0"/>
+              </a:spcBef>
+              <a:spcAft>
+                <a:spcPts val="0"/>
+              </a:spcAft>
+              <a:buClrTx/>
+              <a:buSzTx/>
+              <a:buFontTx/>
+              <a:buChar char="-"/>
+              <a:tabLst/>
+              <a:defRPr/>
+            </a:pPr>
+            <a:r>
+              <a:rPr lang="en-US" sz="1200" b="0" i="0" kern="1200" dirty="0" smtClean="0">
+                <a:solidFill>
+                  <a:schemeClr val="tx1"/>
+                </a:solidFill>
+                <a:effectLst/>
+                <a:latin typeface="+mn-lt"/>
+                <a:ea typeface="+mn-ea"/>
+                <a:cs typeface="+mn-cs"/>
+              </a:rPr>
+              <a:t>Because you are writing small tests at a time, it forces your code to be more modular TDD helps you learn, understand, and internalize the key principles of good modular design. TDD also forces good architecture. In order to make your code unit-testable, it must be properly modularized. Writing the tests first, various architectural problems tend to surface earlier.</a:t>
+            </a:r>
+          </a:p>
+          <a:p>
+            <a:pPr marL="171450" indent="-171450">
+              <a:buFontTx/>
+              <a:buChar char="-"/>
+            </a:pPr>
+            <a:endParaRPr lang="en-US" sz="1200" b="0" i="0" kern="1200" dirty="0" smtClean="0">
+              <a:solidFill>
+                <a:schemeClr val="tx1"/>
+              </a:solidFill>
+              <a:effectLst/>
+              <a:latin typeface="+mn-lt"/>
+              <a:ea typeface="+mn-ea"/>
+              <a:cs typeface="+mn-cs"/>
+            </a:endParaRPr>
+          </a:p>
+          <a:p>
+            <a:pPr marL="171450" indent="-171450">
+              <a:buFontTx/>
+              <a:buChar char="-"/>
+            </a:pPr>
+            <a:r>
+              <a:rPr lang="en-US" sz="1200" b="0" i="0" kern="1200" dirty="0" smtClean="0">
+                <a:solidFill>
+                  <a:schemeClr val="tx1"/>
+                </a:solidFill>
+                <a:effectLst/>
+                <a:latin typeface="+mn-lt"/>
+                <a:ea typeface="+mn-ea"/>
+                <a:cs typeface="+mn-cs"/>
+              </a:rPr>
+              <a:t>Refactoring code written two years ago is </a:t>
+            </a:r>
+            <a:r>
+              <a:rPr lang="en-US" sz="1200" b="0" i="1" kern="1200" dirty="0" smtClean="0">
+                <a:solidFill>
+                  <a:schemeClr val="tx1"/>
+                </a:solidFill>
+                <a:effectLst/>
+                <a:latin typeface="+mn-lt"/>
+                <a:ea typeface="+mn-ea"/>
+                <a:cs typeface="+mn-cs"/>
+              </a:rPr>
+              <a:t>hard</a:t>
+            </a:r>
+            <a:r>
+              <a:rPr lang="en-US" sz="1200" b="0" i="0" kern="1200" dirty="0" smtClean="0">
+                <a:solidFill>
+                  <a:schemeClr val="tx1"/>
+                </a:solidFill>
+                <a:effectLst/>
+                <a:latin typeface="+mn-lt"/>
+                <a:ea typeface="+mn-ea"/>
+                <a:cs typeface="+mn-cs"/>
+              </a:rPr>
+              <a:t>. If that code is backed up by a set of good unit tests, the process is made so much easier.</a:t>
+            </a:r>
+          </a:p>
+          <a:p>
+            <a:pPr marL="171450" indent="-171450">
+              <a:buFontTx/>
+              <a:buChar char="-"/>
+            </a:pPr>
+            <a:endParaRPr lang="en-US" sz="1200" b="0" i="0" kern="1200" dirty="0" smtClean="0">
+              <a:solidFill>
+                <a:schemeClr val="tx1"/>
+              </a:solidFill>
+              <a:effectLst/>
+              <a:latin typeface="+mn-lt"/>
+              <a:ea typeface="+mn-ea"/>
+              <a:cs typeface="+mn-cs"/>
+            </a:endParaRPr>
+          </a:p>
+          <a:p>
+            <a:pPr marL="171450" indent="-171450">
+              <a:buFontTx/>
+              <a:buChar char="-"/>
+            </a:pPr>
+            <a:r>
+              <a:rPr lang="en-US" sz="1200" b="0" i="0" kern="1200" dirty="0" smtClean="0">
+                <a:solidFill>
+                  <a:schemeClr val="tx1"/>
+                </a:solidFill>
+                <a:effectLst/>
+                <a:latin typeface="+mn-lt"/>
+                <a:ea typeface="+mn-ea"/>
+                <a:cs typeface="+mn-cs"/>
+              </a:rPr>
+              <a:t>It doesn’t go out of date since you’re running it all the time. It</a:t>
+            </a:r>
+            <a:r>
+              <a:rPr lang="en-US" sz="1200" b="0" i="0" kern="1200" baseline="0" dirty="0" smtClean="0">
+                <a:solidFill>
+                  <a:schemeClr val="tx1"/>
+                </a:solidFill>
+                <a:effectLst/>
+                <a:latin typeface="+mn-lt"/>
+                <a:ea typeface="+mn-ea"/>
+                <a:cs typeface="+mn-cs"/>
+              </a:rPr>
+              <a:t> also has to be updated as the behavior changes.</a:t>
+            </a:r>
+            <a:endParaRPr lang="en-US" dirty="0"/>
+          </a:p>
+        </p:txBody>
+      </p:sp>
+      <p:sp>
+        <p:nvSpPr>
+          <p:cNvPr id="4" name="Slide Number Placeholder 3"/>
+          <p:cNvSpPr>
+            <a:spLocks noGrp="1"/>
+          </p:cNvSpPr>
+          <p:nvPr>
+            <p:ph type="sldNum" sz="quarter" idx="10"/>
+          </p:nvPr>
+        </p:nvSpPr>
+        <p:spPr/>
+        <p:txBody>
+          <a:bodyPr/>
+          <a:lstStyle/>
+          <a:p>
+            <a:fld id="{717C0D68-69C3-4A4C-9D46-4BC134F8A513}" type="slidenum">
+              <a:rPr lang="en-US" smtClean="0"/>
+              <a:t>2</a:t>
+            </a:fld>
+            <a:endParaRPr lang="en-US"/>
+          </a:p>
+        </p:txBody>
+      </p:sp>
+    </p:spTree>
+    <p:extLst>
+      <p:ext uri="{BB962C8B-B14F-4D97-AF65-F5344CB8AC3E}">
+        <p14:creationId xmlns:p14="http://schemas.microsoft.com/office/powerpoint/2010/main" val="472902458"/>
+      </p:ext>
+    </p:extLst>
+  </p:cSld>
+  <p:clrMapOvr>
+    <a:masterClrMapping/>
+  </p:clrMapOvr>
+</p:notes>
+</file>
+
+<file path=ppt/notesSlides/notesSlide2.xml><?xml version="1.0" encoding="utf-8"?>
+<p:notes xmlns:a="http://schemas.openxmlformats.org/drawingml/2006/main" xmlns:r="http://schemas.openxmlformats.org/officeDocument/2006/relationships" xmlns:p="http://schemas.openxmlformats.org/presentationml/2006/main">
+  <p:cSld>
+    <p:spTree>
+      <p:nvGrpSpPr>
+        <p:cNvPr id="1" name=""/>
+        <p:cNvGrpSpPr/>
+        <p:nvPr/>
+      </p:nvGrpSpPr>
+      <p:grpSpPr>
+        <a:xfrm>
+          <a:off x="0" y="0"/>
+          <a:ext cx="0" cy="0"/>
+          <a:chOff x="0" y="0"/>
+          <a:chExt cx="0" cy="0"/>
+        </a:xfrm>
+      </p:grpSpPr>
+      <p:sp>
+        <p:nvSpPr>
+          <p:cNvPr id="2" name="Slide Image Placeholder 1"/>
+          <p:cNvSpPr>
+            <a:spLocks noGrp="1" noRot="1" noChangeAspect="1"/>
+          </p:cNvSpPr>
+          <p:nvPr>
+            <p:ph type="sldImg"/>
+          </p:nvPr>
+        </p:nvSpPr>
+        <p:spPr/>
+      </p:sp>
+      <p:sp>
+        <p:nvSpPr>
+          <p:cNvPr id="3" name="Notes Placeholder 2"/>
+          <p:cNvSpPr>
+            <a:spLocks noGrp="1"/>
+          </p:cNvSpPr>
+          <p:nvPr>
+            <p:ph type="body" idx="1"/>
+          </p:nvPr>
+        </p:nvSpPr>
+        <p:spPr/>
+        <p:txBody>
+          <a:bodyPr/>
+          <a:lstStyle/>
+          <a:p>
+            <a:r>
+              <a:rPr lang="en-US" dirty="0" smtClean="0"/>
+              <a:t>1. Where to start? How much groundwork</a:t>
+            </a:r>
+            <a:r>
+              <a:rPr lang="en-US" baseline="0" dirty="0" smtClean="0"/>
+              <a:t> do you need before you can start writing tests?</a:t>
+            </a:r>
+            <a:endParaRPr lang="en-US" dirty="0" smtClean="0"/>
+          </a:p>
+          <a:p>
+            <a:r>
+              <a:rPr lang="en-US" dirty="0" smtClean="0"/>
+              <a:t>2. What to test and what not to test? (repository tests)</a:t>
+            </a:r>
+          </a:p>
+          <a:p>
+            <a:r>
+              <a:rPr lang="en-US" dirty="0" smtClean="0"/>
+              <a:t>3. How much to test? (50%? 80%?</a:t>
+            </a:r>
+            <a:r>
+              <a:rPr lang="en-US" baseline="0" dirty="0" smtClean="0"/>
+              <a:t> 90%?)</a:t>
+            </a:r>
+            <a:endParaRPr lang="en-US" dirty="0" smtClean="0"/>
+          </a:p>
+          <a:p>
+            <a:r>
+              <a:rPr lang="en-US" dirty="0" smtClean="0"/>
+              <a:t>4. How to name tests? </a:t>
+            </a:r>
+          </a:p>
+          <a:p>
+            <a:r>
+              <a:rPr lang="en-US" dirty="0" smtClean="0"/>
+              <a:t>5. What does it mean when a test fails?</a:t>
+            </a:r>
+          </a:p>
+        </p:txBody>
+      </p:sp>
+      <p:sp>
+        <p:nvSpPr>
+          <p:cNvPr id="4" name="Slide Number Placeholder 3"/>
+          <p:cNvSpPr>
+            <a:spLocks noGrp="1"/>
+          </p:cNvSpPr>
+          <p:nvPr>
+            <p:ph type="sldNum" sz="quarter" idx="10"/>
+          </p:nvPr>
+        </p:nvSpPr>
+        <p:spPr/>
+        <p:txBody>
+          <a:bodyPr/>
+          <a:lstStyle/>
+          <a:p>
+            <a:fld id="{717C0D68-69C3-4A4C-9D46-4BC134F8A513}" type="slidenum">
+              <a:rPr lang="en-US" smtClean="0"/>
+              <a:t>3</a:t>
+            </a:fld>
+            <a:endParaRPr lang="en-US"/>
+          </a:p>
+        </p:txBody>
+      </p:sp>
+    </p:spTree>
+    <p:extLst>
+      <p:ext uri="{BB962C8B-B14F-4D97-AF65-F5344CB8AC3E}">
+        <p14:creationId xmlns:p14="http://schemas.microsoft.com/office/powerpoint/2010/main" val="1327066612"/>
+      </p:ext>
+    </p:extLst>
+  </p:cSld>
+  <p:clrMapOvr>
+    <a:masterClrMapping/>
+  </p:clrMapOvr>
+</p:notes>
+</file>
+
+<file path=ppt/notesSlides/notesSlide3.xml><?xml version="1.0" encoding="utf-8"?>
+<p:notes xmlns:a="http://schemas.openxmlformats.org/drawingml/2006/main" xmlns:r="http://schemas.openxmlformats.org/officeDocument/2006/relationships" xmlns:p="http://schemas.openxmlformats.org/presentationml/2006/main">
+  <p:cSld>
+    <p:spTree>
+      <p:nvGrpSpPr>
+        <p:cNvPr id="1" name=""/>
+        <p:cNvGrpSpPr/>
+        <p:nvPr/>
+      </p:nvGrpSpPr>
+      <p:grpSpPr>
+        <a:xfrm>
+          <a:off x="0" y="0"/>
+          <a:ext cx="0" cy="0"/>
+          <a:chOff x="0" y="0"/>
+          <a:chExt cx="0" cy="0"/>
+        </a:xfrm>
+      </p:grpSpPr>
+      <p:sp>
+        <p:nvSpPr>
+          <p:cNvPr id="2" name="Slide Image Placeholder 1"/>
+          <p:cNvSpPr>
+            <a:spLocks noGrp="1" noRot="1" noChangeAspect="1"/>
+          </p:cNvSpPr>
+          <p:nvPr>
+            <p:ph type="sldImg"/>
+          </p:nvPr>
+        </p:nvSpPr>
+        <p:spPr/>
+      </p:sp>
+      <p:sp>
+        <p:nvSpPr>
+          <p:cNvPr id="3" name="Notes Placeholder 2"/>
+          <p:cNvSpPr>
+            <a:spLocks noGrp="1"/>
+          </p:cNvSpPr>
+          <p:nvPr>
+            <p:ph type="body" idx="1"/>
+          </p:nvPr>
+        </p:nvSpPr>
+        <p:spPr/>
+        <p:txBody>
+          <a:bodyPr/>
+          <a:lstStyle/>
+          <a:p>
+            <a:r>
+              <a:rPr lang="en-US" dirty="0" smtClean="0"/>
+              <a:t>1. In 2006, Dan North</a:t>
+            </a:r>
+            <a:r>
+              <a:rPr lang="en-US" baseline="0" dirty="0" smtClean="0"/>
+              <a:t> wrote an article defining BDD as development methodology in which we focus on the behavior of an application from an outside-in point of view (user).</a:t>
+            </a:r>
+          </a:p>
+          <a:p>
+            <a:endParaRPr lang="en-US" baseline="0" dirty="0" smtClean="0"/>
+          </a:p>
+          <a:p>
+            <a:r>
+              <a:rPr lang="en-US" baseline="0" dirty="0" smtClean="0"/>
+              <a:t>2. </a:t>
+            </a:r>
+          </a:p>
+          <a:p>
+            <a:endParaRPr lang="en-US" baseline="0" dirty="0" smtClean="0"/>
+          </a:p>
+          <a:p>
+            <a:r>
+              <a:rPr lang="en-US" baseline="0" dirty="0" smtClean="0"/>
+              <a:t>3. ? Implementation details may change in the future. We may change or upgrade systems, like we’re planning to do with Prowess. Our integration points will change. Data contracts may also change. Let’s also consider our parties domain and the introduction to caching. Any of these changes could render our entire suite of unit tests useless, but the application’s behavior has not changed.</a:t>
+            </a:r>
+          </a:p>
+          <a:p>
+            <a:endParaRPr lang="en-US" baseline="0" dirty="0" smtClean="0"/>
+          </a:p>
+          <a:p>
+            <a:pPr marL="0" marR="0" indent="0" algn="l" defTabSz="914400" rtl="0" eaLnBrk="1" fontAlgn="auto" latinLnBrk="0" hangingPunct="1">
+              <a:lnSpc>
+                <a:spcPct val="100000"/>
+              </a:lnSpc>
+              <a:spcBef>
+                <a:spcPts val="0"/>
+              </a:spcBef>
+              <a:spcAft>
+                <a:spcPts val="0"/>
+              </a:spcAft>
+              <a:buClrTx/>
+              <a:buSzTx/>
+              <a:buFontTx/>
+              <a:buNone/>
+              <a:tabLst/>
+              <a:defRPr/>
+            </a:pPr>
+            <a:r>
+              <a:rPr lang="en-US" baseline="0" dirty="0" smtClean="0"/>
+              <a:t>4. </a:t>
+            </a:r>
+            <a:r>
+              <a:rPr lang="en-US" dirty="0" smtClean="0"/>
+              <a:t>Present TDD in a way that gets straight to the good stuff and avoids all the pitfalls</a:t>
+            </a:r>
+          </a:p>
+          <a:p>
+            <a:endParaRPr lang="en-US" baseline="0" dirty="0" smtClean="0"/>
+          </a:p>
+          <a:p>
+            <a:endParaRPr lang="en-US" baseline="0" dirty="0" smtClean="0"/>
+          </a:p>
+          <a:p>
+            <a:endParaRPr lang="en-US" dirty="0"/>
+          </a:p>
+        </p:txBody>
+      </p:sp>
+      <p:sp>
+        <p:nvSpPr>
+          <p:cNvPr id="4" name="Slide Number Placeholder 3"/>
+          <p:cNvSpPr>
+            <a:spLocks noGrp="1"/>
+          </p:cNvSpPr>
+          <p:nvPr>
+            <p:ph type="sldNum" sz="quarter" idx="10"/>
+          </p:nvPr>
+        </p:nvSpPr>
+        <p:spPr/>
+        <p:txBody>
+          <a:bodyPr/>
+          <a:lstStyle/>
+          <a:p>
+            <a:fld id="{717C0D68-69C3-4A4C-9D46-4BC134F8A513}" type="slidenum">
+              <a:rPr lang="en-US" smtClean="0"/>
+              <a:t>4</a:t>
+            </a:fld>
+            <a:endParaRPr lang="en-US"/>
+          </a:p>
+        </p:txBody>
+      </p:sp>
+    </p:spTree>
+    <p:extLst>
+      <p:ext uri="{BB962C8B-B14F-4D97-AF65-F5344CB8AC3E}">
+        <p14:creationId xmlns:p14="http://schemas.microsoft.com/office/powerpoint/2010/main" val="1209924070"/>
+      </p:ext>
+    </p:extLst>
+  </p:cSld>
+  <p:clrMapOvr>
+    <a:masterClrMapping/>
+  </p:clrMapOvr>
+</p:notes>
+</file>
+
+<file path=ppt/notesSlides/notesSlide4.xml><?xml version="1.0" encoding="utf-8"?>
+<p:notes xmlns:a="http://schemas.openxmlformats.org/drawingml/2006/main" xmlns:r="http://schemas.openxmlformats.org/officeDocument/2006/relationships" xmlns:p="http://schemas.openxmlformats.org/presentationml/2006/main">
+  <p:cSld>
+    <p:spTree>
+      <p:nvGrpSpPr>
+        <p:cNvPr id="1" name=""/>
+        <p:cNvGrpSpPr/>
+        <p:nvPr/>
+      </p:nvGrpSpPr>
+      <p:grpSpPr>
+        <a:xfrm>
+          <a:off x="0" y="0"/>
+          <a:ext cx="0" cy="0"/>
+          <a:chOff x="0" y="0"/>
+          <a:chExt cx="0" cy="0"/>
+        </a:xfrm>
+      </p:grpSpPr>
+      <p:sp>
+        <p:nvSpPr>
+          <p:cNvPr id="2" name="Slide Image Placeholder 1"/>
+          <p:cNvSpPr>
+            <a:spLocks noGrp="1" noRot="1" noChangeAspect="1"/>
+          </p:cNvSpPr>
+          <p:nvPr>
+            <p:ph type="sldImg"/>
+          </p:nvPr>
+        </p:nvSpPr>
+        <p:spPr/>
+      </p:sp>
+      <p:sp>
+        <p:nvSpPr>
+          <p:cNvPr id="3" name="Notes Placeholder 2"/>
+          <p:cNvSpPr>
+            <a:spLocks noGrp="1"/>
+          </p:cNvSpPr>
+          <p:nvPr>
+            <p:ph type="body" idx="1"/>
+          </p:nvPr>
+        </p:nvSpPr>
+        <p:spPr/>
+        <p:txBody>
+          <a:bodyPr/>
+          <a:lstStyle/>
+          <a:p>
+            <a:r>
+              <a:rPr lang="en-US" dirty="0" smtClean="0"/>
+              <a:t>1. Where to start? How much groundwork</a:t>
+            </a:r>
+            <a:r>
+              <a:rPr lang="en-US" baseline="0" dirty="0" smtClean="0"/>
+              <a:t> do you need before you can start writing tests?</a:t>
+            </a:r>
+            <a:endParaRPr lang="en-US" dirty="0" smtClean="0"/>
+          </a:p>
+          <a:p>
+            <a:r>
+              <a:rPr lang="en-US" dirty="0" smtClean="0"/>
+              <a:t>2. What to test and what not to test? (repository tests)</a:t>
+            </a:r>
+          </a:p>
+          <a:p>
+            <a:r>
+              <a:rPr lang="en-US" dirty="0" smtClean="0"/>
+              <a:t>3. How much to test? (50%? 80%?</a:t>
+            </a:r>
+            <a:r>
+              <a:rPr lang="en-US" baseline="0" dirty="0" smtClean="0"/>
+              <a:t> 90%?)</a:t>
+            </a:r>
+            <a:endParaRPr lang="en-US" dirty="0" smtClean="0"/>
+          </a:p>
+          <a:p>
+            <a:r>
+              <a:rPr lang="en-US" dirty="0" smtClean="0"/>
+              <a:t>4. How to name tests? </a:t>
+            </a:r>
+          </a:p>
+          <a:p>
+            <a:r>
+              <a:rPr lang="en-US" dirty="0" smtClean="0"/>
+              <a:t>5. What does it mean when a test fails?</a:t>
+            </a:r>
+          </a:p>
+        </p:txBody>
+      </p:sp>
+      <p:sp>
+        <p:nvSpPr>
+          <p:cNvPr id="4" name="Slide Number Placeholder 3"/>
+          <p:cNvSpPr>
+            <a:spLocks noGrp="1"/>
+          </p:cNvSpPr>
+          <p:nvPr>
+            <p:ph type="sldNum" sz="quarter" idx="10"/>
+          </p:nvPr>
+        </p:nvSpPr>
+        <p:spPr/>
+        <p:txBody>
+          <a:bodyPr/>
+          <a:lstStyle/>
+          <a:p>
+            <a:fld id="{717C0D68-69C3-4A4C-9D46-4BC134F8A513}" type="slidenum">
+              <a:rPr lang="en-US" smtClean="0"/>
+              <a:t>5</a:t>
+            </a:fld>
+            <a:endParaRPr lang="en-US"/>
+          </a:p>
+        </p:txBody>
+      </p:sp>
+    </p:spTree>
+    <p:extLst>
+      <p:ext uri="{BB962C8B-B14F-4D97-AF65-F5344CB8AC3E}">
+        <p14:creationId xmlns:p14="http://schemas.microsoft.com/office/powerpoint/2010/main" val="235050804"/>
+      </p:ext>
+    </p:extLst>
+  </p:cSld>
+  <p:clrMapOvr>
+    <a:masterClrMapping/>
+  </p:clrMapOvr>
+</p:notes>
+</file>
+
+<file path=ppt/notesSlides/notesSlide5.xml><?xml version="1.0" encoding="utf-8"?>
+<p:notes xmlns:a="http://schemas.openxmlformats.org/drawingml/2006/main" xmlns:r="http://schemas.openxmlformats.org/officeDocument/2006/relationships" xmlns:p="http://schemas.openxmlformats.org/presentationml/2006/main">
+  <p:cSld>
+    <p:spTree>
+      <p:nvGrpSpPr>
+        <p:cNvPr id="1" name=""/>
+        <p:cNvGrpSpPr/>
+        <p:nvPr/>
+      </p:nvGrpSpPr>
+      <p:grpSpPr>
+        <a:xfrm>
+          <a:off x="0" y="0"/>
+          <a:ext cx="0" cy="0"/>
+          <a:chOff x="0" y="0"/>
+          <a:chExt cx="0" cy="0"/>
+        </a:xfrm>
+      </p:grpSpPr>
+      <p:sp>
+        <p:nvSpPr>
+          <p:cNvPr id="2" name="Slide Image Placeholder 1"/>
+          <p:cNvSpPr>
+            <a:spLocks noGrp="1" noRot="1" noChangeAspect="1"/>
+          </p:cNvSpPr>
+          <p:nvPr>
+            <p:ph type="sldImg"/>
+          </p:nvPr>
+        </p:nvSpPr>
+        <p:spPr/>
+      </p:sp>
+      <p:sp>
+        <p:nvSpPr>
+          <p:cNvPr id="3" name="Notes Placeholder 2"/>
+          <p:cNvSpPr>
+            <a:spLocks noGrp="1"/>
+          </p:cNvSpPr>
+          <p:nvPr>
+            <p:ph type="body" idx="1"/>
+          </p:nvPr>
+        </p:nvSpPr>
+        <p:spPr/>
+        <p:txBody>
+          <a:bodyPr/>
+          <a:lstStyle/>
+          <a:p>
+            <a:pPr marL="171450" indent="-171450">
               <a:buFont typeface="Arial" charset="0"/>
               <a:buChar char="•"/>
             </a:pPr>
@@ -560,7 +1226,7 @@
           <a:p>
             <a:fld id="{717C0D68-69C3-4A4C-9D46-4BC134F8A513}" type="slidenum">
               <a:rPr lang="en-US" smtClean="0"/>
-              <a:t>5</a:t>
+              <a:t>9</a:t>
             </a:fld>
             <a:endParaRPr lang="en-US"/>
           </a:p>
@@ -775,7 +1441,7 @@
           <a:p>
             <a:fld id="{ECD19FB2-3AAB-4D03-B13A-2960828C78E3}" type="datetimeFigureOut">
               <a:rPr lang="en-US" dirty="0"/>
-              <a:t>1/24/17</a:t>
+              <a:t>2/28/17</a:t>
             </a:fld>
             <a:endParaRPr lang="en-US" dirty="0"/>
           </a:p>
@@ -1052,7 +1718,7 @@
           <a:p>
             <a:fld id="{1B80C674-7DFC-42FE-B9CD-82963CDB1557}" type="datetimeFigureOut">
               <a:rPr lang="en-US" dirty="0"/>
-              <a:t>1/24/17</a:t>
+              <a:t>2/28/17</a:t>
             </a:fld>
             <a:endParaRPr lang="en-US" dirty="0"/>
           </a:p>
@@ -1239,7 +1905,7 @@
           <a:p>
             <a:fld id="{2076456F-F47D-4F25-8053-2A695DA0CA7D}" type="datetimeFigureOut">
               <a:rPr lang="en-US" dirty="0"/>
-              <a:t>1/24/17</a:t>
+              <a:t>2/28/17</a:t>
             </a:fld>
             <a:endParaRPr lang="en-US" dirty="0"/>
           </a:p>
@@ -1495,7 +2161,7 @@
           <a:p>
             <a:fld id="{5D6C7379-69CC-4837-9905-BEBA22830C8A}" type="datetimeFigureOut">
               <a:rPr lang="en-US" dirty="0"/>
-              <a:t>1/24/17</a:t>
+              <a:t>2/28/17</a:t>
             </a:fld>
             <a:endParaRPr lang="en-US" dirty="0"/>
           </a:p>
@@ -1916,7 +2582,7 @@
           <a:p>
             <a:fld id="{49EB8B7E-8AEE-4F10-BFEE-C999AD004D36}" type="datetimeFigureOut">
               <a:rPr lang="en-US" dirty="0"/>
-              <a:t>1/24/17</a:t>
+              <a:t>2/28/17</a:t>
             </a:fld>
             <a:endParaRPr lang="en-US" dirty="0"/>
           </a:p>
@@ -2457,7 +3123,7 @@
           <a:p>
             <a:fld id="{8668F3F9-58BC-440B-B37B-805B9055EF92}" type="datetimeFigureOut">
               <a:rPr lang="en-US" dirty="0"/>
-              <a:t>1/24/17</a:t>
+              <a:t>2/28/17</a:t>
             </a:fld>
             <a:endParaRPr lang="en-US" dirty="0"/>
           </a:p>
@@ -3283,7 +3949,7 @@
           <a:p>
             <a:fld id="{0D5A53AF-48EA-489D-8260-9DCAB666386A}" type="datetimeFigureOut">
               <a:rPr lang="en-US" dirty="0"/>
-              <a:t>1/24/17</a:t>
+              <a:t>2/28/17</a:t>
             </a:fld>
             <a:endParaRPr lang="en-US" dirty="0"/>
           </a:p>
@@ -3448,7 +4114,7 @@
           <a:p>
             <a:fld id="{0DED02AE-B9A4-47BD-AF8E-97E16144138B}" type="datetimeFigureOut">
               <a:rPr lang="en-US" dirty="0"/>
-              <a:t>1/24/17</a:t>
+              <a:t>2/28/17</a:t>
             </a:fld>
             <a:endParaRPr lang="en-US" dirty="0"/>
           </a:p>
@@ -3623,7 +4289,7 @@
           <a:p>
             <a:fld id="{CF0FD78B-DB02-4362-BCDC-98A55456977C}" type="datetimeFigureOut">
               <a:rPr lang="en-US" dirty="0"/>
-              <a:t>1/24/17</a:t>
+              <a:t>2/28/17</a:t>
             </a:fld>
             <a:endParaRPr lang="en-US" dirty="0"/>
           </a:p>
@@ -3788,7 +4454,7 @@
           <a:p>
             <a:fld id="{99916976-5D93-46E4-A98A-FAD63E4D0EA8}" type="datetimeFigureOut">
               <a:rPr lang="en-US" dirty="0"/>
-              <a:t>1/24/17</a:t>
+              <a:t>2/28/17</a:t>
             </a:fld>
             <a:endParaRPr lang="en-US" dirty="0"/>
           </a:p>
@@ -4040,7 +4706,7 @@
           <a:p>
             <a:fld id="{0F39F4F5-F4D2-4D2A-AB60-88D37ADCB869}" type="datetimeFigureOut">
               <a:rPr lang="en-US" dirty="0"/>
-              <a:t>1/24/17</a:t>
+              <a:t>2/28/17</a:t>
             </a:fld>
             <a:endParaRPr lang="en-US" dirty="0"/>
           </a:p>
@@ -4267,7 +4933,7 @@
           <a:p>
             <a:fld id="{D23BC6CE-6D1E-47E5-8859-F31AC5380EB2}" type="datetimeFigureOut">
               <a:rPr lang="en-US" dirty="0"/>
-              <a:t>1/24/17</a:t>
+              <a:t>2/28/17</a:t>
             </a:fld>
             <a:endParaRPr lang="en-US" dirty="0"/>
           </a:p>
@@ -4655,7 +5321,7 @@
           <a:p>
             <a:fld id="{B1B4E7C4-4DA4-404D-9965-B13F2DD7D8BF}" type="datetimeFigureOut">
               <a:rPr lang="en-US" dirty="0"/>
-              <a:t>1/24/17</a:t>
+              <a:t>2/28/17</a:t>
             </a:fld>
             <a:endParaRPr lang="en-US" dirty="0"/>
           </a:p>
@@ -4768,7 +5434,7 @@
           <a:p>
             <a:fld id="{476FB7AA-4A53-424F-AD41-70827B6504BA}" type="datetimeFigureOut">
               <a:rPr lang="en-US" dirty="0"/>
-              <a:t>1/24/17</a:t>
+              <a:t>2/28/17</a:t>
             </a:fld>
             <a:endParaRPr lang="en-US" dirty="0"/>
           </a:p>
@@ -4858,7 +5524,7 @@
           <a:p>
             <a:fld id="{E7884882-FB12-4BC8-9960-9AD8104D7FAE}" type="datetimeFigureOut">
               <a:rPr lang="en-US" dirty="0"/>
-              <a:t>1/24/17</a:t>
+              <a:t>2/28/17</a:t>
             </a:fld>
             <a:endParaRPr lang="en-US" dirty="0"/>
           </a:p>
@@ -5126,7 +5792,7 @@
           <a:p>
             <a:fld id="{F7D1BD23-6E54-4D9D-AD88-A2813C73CC25}" type="datetimeFigureOut">
               <a:rPr lang="en-US" dirty="0"/>
-              <a:t>1/24/17</a:t>
+              <a:t>2/28/17</a:t>
             </a:fld>
             <a:endParaRPr lang="en-US" dirty="0"/>
           </a:p>
@@ -5402,7 +6068,7 @@
           <a:p>
             <a:fld id="{1471A834-4F3C-4AF9-9C74-05EC35A0F292}" type="datetimeFigureOut">
               <a:rPr lang="en-US" dirty="0"/>
-              <a:t>1/24/17</a:t>
+              <a:t>2/28/17</a:t>
             </a:fld>
             <a:endParaRPr lang="en-US" dirty="0"/>
           </a:p>
@@ -5637,7 +6303,7 @@
           <a:p>
             <a:fld id="{51CF1133-3259-4C45-BABA-5B62D9C6F78D}" type="datetimeFigureOut">
               <a:rPr lang="en-US" dirty="0"/>
-              <a:t>1/24/17</a:t>
+              <a:t>2/28/17</a:t>
             </a:fld>
             <a:endParaRPr lang="en-US" dirty="0"/>
           </a:p>
@@ -6300,7 +6966,1212 @@
           <a:p>
             <a:r>
               <a:rPr lang="en-US" dirty="0" smtClean="0"/>
-              <a:t>How to BDD	</a:t>
+              <a:t>Red, Green, Refactor</a:t>
+            </a:r>
+            <a:endParaRPr lang="en-US" dirty="0"/>
+          </a:p>
+        </p:txBody>
+      </p:sp>
+      <p:sp>
+        <p:nvSpPr>
+          <p:cNvPr id="3" name="Content Placeholder 2"/>
+          <p:cNvSpPr>
+            <a:spLocks noGrp="1"/>
+          </p:cNvSpPr>
+          <p:nvPr>
+            <p:ph idx="1"/>
+          </p:nvPr>
+        </p:nvSpPr>
+        <p:spPr/>
+        <p:txBody>
+          <a:bodyPr/>
+          <a:lstStyle/>
+          <a:p>
+            <a:r>
+              <a:rPr lang="en-US" dirty="0" smtClean="0"/>
+              <a:t>Write and run tests before you write code</a:t>
+            </a:r>
+          </a:p>
+          <a:p>
+            <a:endParaRPr lang="en-US" dirty="0"/>
+          </a:p>
+          <a:p>
+            <a:r>
+              <a:rPr lang="en-US" dirty="0"/>
+              <a:t>E</a:t>
+            </a:r>
+            <a:r>
+              <a:rPr lang="en-US" dirty="0" smtClean="0"/>
+              <a:t>ncourages </a:t>
+            </a:r>
+            <a:r>
+              <a:rPr lang="en-US" dirty="0"/>
+              <a:t>small steps and improves the design</a:t>
+            </a:r>
+            <a:endParaRPr lang="en-US" dirty="0" smtClean="0"/>
+          </a:p>
+          <a:p>
+            <a:endParaRPr lang="en-US" dirty="0"/>
+          </a:p>
+          <a:p>
+            <a:r>
+              <a:rPr lang="en-US" dirty="0" smtClean="0"/>
+              <a:t>Refactoring becomes easier and faster</a:t>
+            </a:r>
+          </a:p>
+          <a:p>
+            <a:endParaRPr lang="en-US" dirty="0"/>
+          </a:p>
+          <a:p>
+            <a:r>
+              <a:rPr lang="en-US" dirty="0" smtClean="0"/>
+              <a:t>Living Documentation</a:t>
+            </a:r>
+            <a:endParaRPr lang="en-US" dirty="0"/>
+          </a:p>
+        </p:txBody>
+      </p:sp>
+    </p:spTree>
+    <p:extLst>
+      <p:ext uri="{BB962C8B-B14F-4D97-AF65-F5344CB8AC3E}">
+        <p14:creationId xmlns:p14="http://schemas.microsoft.com/office/powerpoint/2010/main" val="1678577180"/>
+      </p:ext>
+    </p:extLst>
+  </p:cSld>
+  <p:clrMapOvr>
+    <a:masterClrMapping/>
+  </p:clrMapOvr>
+  <p:timing>
+    <p:tnLst>
+      <p:par>
+        <p:cTn id="1" dur="indefinite" restart="never" nodeType="tmRoot">
+          <p:childTnLst>
+            <p:seq concurrent="1" nextAc="seek">
+              <p:cTn id="2" dur="indefinite" nodeType="mainSeq">
+                <p:childTnLst>
+                  <p:par>
+                    <p:cTn id="3" fill="hold">
+                      <p:stCondLst>
+                        <p:cond delay="indefinite"/>
+                      </p:stCondLst>
+                      <p:childTnLst>
+                        <p:par>
+                          <p:cTn id="4" fill="hold">
+                            <p:stCondLst>
+                              <p:cond delay="0"/>
+                            </p:stCondLst>
+                            <p:childTnLst>
+                              <p:par>
+                                <p:cTn id="5" presetID="1" presetClass="entr" presetSubtype="0" fill="hold" grpId="0" nodeType="clickEffect">
+                                  <p:stCondLst>
+                                    <p:cond delay="0"/>
+                                  </p:stCondLst>
+                                  <p:childTnLst>
+                                    <p:set>
+                                      <p:cBhvr>
+                                        <p:cTn id="6" dur="1" fill="hold">
+                                          <p:stCondLst>
+                                            <p:cond delay="0"/>
+                                          </p:stCondLst>
+                                        </p:cTn>
+                                        <p:tgtEl>
+                                          <p:spTgt spid="3">
+                                            <p:txEl>
+                                              <p:pRg st="0" end="0"/>
+                                            </p:txEl>
+                                          </p:spTgt>
+                                        </p:tgtEl>
+                                        <p:attrNameLst>
+                                          <p:attrName>style.visibility</p:attrName>
+                                        </p:attrNameLst>
+                                      </p:cBhvr>
+                                      <p:to>
+                                        <p:strVal val="visible"/>
+                                      </p:to>
+                                    </p:set>
+                                  </p:childTnLst>
+                                </p:cTn>
+                              </p:par>
+                            </p:childTnLst>
+                          </p:cTn>
+                        </p:par>
+                      </p:childTnLst>
+                    </p:cTn>
+                  </p:par>
+                  <p:par>
+                    <p:cTn id="7" fill="hold">
+                      <p:stCondLst>
+                        <p:cond delay="indefinite"/>
+                      </p:stCondLst>
+                      <p:childTnLst>
+                        <p:par>
+                          <p:cTn id="8" fill="hold">
+                            <p:stCondLst>
+                              <p:cond delay="0"/>
+                            </p:stCondLst>
+                            <p:childTnLst>
+                              <p:par>
+                                <p:cTn id="9" presetID="1" presetClass="entr" presetSubtype="0" fill="hold" grpId="0" nodeType="clickEffect">
+                                  <p:stCondLst>
+                                    <p:cond delay="0"/>
+                                  </p:stCondLst>
+                                  <p:childTnLst>
+                                    <p:set>
+                                      <p:cBhvr>
+                                        <p:cTn id="10" dur="1" fill="hold">
+                                          <p:stCondLst>
+                                            <p:cond delay="0"/>
+                                          </p:stCondLst>
+                                        </p:cTn>
+                                        <p:tgtEl>
+                                          <p:spTgt spid="3">
+                                            <p:txEl>
+                                              <p:pRg st="2" end="2"/>
+                                            </p:txEl>
+                                          </p:spTgt>
+                                        </p:tgtEl>
+                                        <p:attrNameLst>
+                                          <p:attrName>style.visibility</p:attrName>
+                                        </p:attrNameLst>
+                                      </p:cBhvr>
+                                      <p:to>
+                                        <p:strVal val="visible"/>
+                                      </p:to>
+                                    </p:set>
+                                  </p:childTnLst>
+                                </p:cTn>
+                              </p:par>
+                            </p:childTnLst>
+                          </p:cTn>
+                        </p:par>
+                      </p:childTnLst>
+                    </p:cTn>
+                  </p:par>
+                  <p:par>
+                    <p:cTn id="11" fill="hold">
+                      <p:stCondLst>
+                        <p:cond delay="indefinite"/>
+                      </p:stCondLst>
+                      <p:childTnLst>
+                        <p:par>
+                          <p:cTn id="12" fill="hold">
+                            <p:stCondLst>
+                              <p:cond delay="0"/>
+                            </p:stCondLst>
+                            <p:childTnLst>
+                              <p:par>
+                                <p:cTn id="13" presetID="1" presetClass="entr" presetSubtype="0" fill="hold" grpId="0" nodeType="clickEffect">
+                                  <p:stCondLst>
+                                    <p:cond delay="0"/>
+                                  </p:stCondLst>
+                                  <p:childTnLst>
+                                    <p:set>
+                                      <p:cBhvr>
+                                        <p:cTn id="14" dur="1" fill="hold">
+                                          <p:stCondLst>
+                                            <p:cond delay="0"/>
+                                          </p:stCondLst>
+                                        </p:cTn>
+                                        <p:tgtEl>
+                                          <p:spTgt spid="3">
+                                            <p:txEl>
+                                              <p:pRg st="4" end="4"/>
+                                            </p:txEl>
+                                          </p:spTgt>
+                                        </p:tgtEl>
+                                        <p:attrNameLst>
+                                          <p:attrName>style.visibility</p:attrName>
+                                        </p:attrNameLst>
+                                      </p:cBhvr>
+                                      <p:to>
+                                        <p:strVal val="visible"/>
+                                      </p:to>
+                                    </p:set>
+                                  </p:childTnLst>
+                                </p:cTn>
+                              </p:par>
+                            </p:childTnLst>
+                          </p:cTn>
+                        </p:par>
+                      </p:childTnLst>
+                    </p:cTn>
+                  </p:par>
+                  <p:par>
+                    <p:cTn id="15" fill="hold">
+                      <p:stCondLst>
+                        <p:cond delay="indefinite"/>
+                      </p:stCondLst>
+                      <p:childTnLst>
+                        <p:par>
+                          <p:cTn id="16" fill="hold">
+                            <p:stCondLst>
+                              <p:cond delay="0"/>
+                            </p:stCondLst>
+                            <p:childTnLst>
+                              <p:par>
+                                <p:cTn id="17" presetID="1" presetClass="entr" presetSubtype="0" fill="hold" grpId="0" nodeType="clickEffect">
+                                  <p:stCondLst>
+                                    <p:cond delay="0"/>
+                                  </p:stCondLst>
+                                  <p:childTnLst>
+                                    <p:set>
+                                      <p:cBhvr>
+                                        <p:cTn id="18" dur="1" fill="hold">
+                                          <p:stCondLst>
+                                            <p:cond delay="0"/>
+                                          </p:stCondLst>
+                                        </p:cTn>
+                                        <p:tgtEl>
+                                          <p:spTgt spid="3">
+                                            <p:txEl>
+                                              <p:pRg st="6" end="6"/>
+                                            </p:txEl>
+                                          </p:spTgt>
+                                        </p:tgtEl>
+                                        <p:attrNameLst>
+                                          <p:attrName>style.visibility</p:attrName>
+                                        </p:attrNameLst>
+                                      </p:cBhvr>
+                                      <p:to>
+                                        <p:strVal val="visible"/>
+                                      </p:to>
+                                    </p:set>
+                                  </p:childTnLst>
+                                </p:cTn>
+                              </p:par>
+                            </p:childTnLst>
+                          </p:cTn>
+                        </p:par>
+                      </p:childTnLst>
+                    </p:cTn>
+                  </p:par>
+                </p:childTnLst>
+              </p:cTn>
+              <p:prevCondLst>
+                <p:cond evt="onPrev" delay="0">
+                  <p:tgtEl>
+                    <p:sldTgt/>
+                  </p:tgtEl>
+                </p:cond>
+              </p:prevCondLst>
+              <p:nextCondLst>
+                <p:cond evt="onNext" delay="0">
+                  <p:tgtEl>
+                    <p:sldTgt/>
+                  </p:tgtEl>
+                </p:cond>
+              </p:nextCondLst>
+            </p:seq>
+          </p:childTnLst>
+        </p:cTn>
+      </p:par>
+    </p:tnLst>
+    <p:bldLst>
+      <p:bldP spid="3" grpId="0" build="p"/>
+    </p:bldLst>
+  </p:timing>
+</p:sld>
+</file>
+
+<file path=ppt/slides/slide3.xml><?xml version="1.0" encoding="utf-8"?>
+<p:sld xmlns:a="http://schemas.openxmlformats.org/drawingml/2006/main" xmlns:r="http://schemas.openxmlformats.org/officeDocument/2006/relationships" xmlns:p="http://schemas.openxmlformats.org/presentationml/2006/main">
+  <p:cSld>
+    <p:spTree>
+      <p:nvGrpSpPr>
+        <p:cNvPr id="1" name=""/>
+        <p:cNvGrpSpPr/>
+        <p:nvPr/>
+      </p:nvGrpSpPr>
+      <p:grpSpPr>
+        <a:xfrm>
+          <a:off x="0" y="0"/>
+          <a:ext cx="0" cy="0"/>
+          <a:chOff x="0" y="0"/>
+          <a:chExt cx="0" cy="0"/>
+        </a:xfrm>
+      </p:grpSpPr>
+      <p:sp>
+        <p:nvSpPr>
+          <p:cNvPr id="2" name="Title 1"/>
+          <p:cNvSpPr>
+            <a:spLocks noGrp="1"/>
+          </p:cNvSpPr>
+          <p:nvPr>
+            <p:ph type="title"/>
+          </p:nvPr>
+        </p:nvSpPr>
+        <p:spPr/>
+        <p:txBody>
+          <a:bodyPr/>
+          <a:lstStyle/>
+          <a:p>
+            <a:r>
+              <a:rPr lang="en-US" dirty="0" smtClean="0"/>
+              <a:t>Red, Green, Refactor</a:t>
+            </a:r>
+            <a:endParaRPr lang="en-US" dirty="0"/>
+          </a:p>
+        </p:txBody>
+      </p:sp>
+      <p:sp>
+        <p:nvSpPr>
+          <p:cNvPr id="3" name="Content Placeholder 2"/>
+          <p:cNvSpPr>
+            <a:spLocks noGrp="1"/>
+          </p:cNvSpPr>
+          <p:nvPr>
+            <p:ph idx="1"/>
+          </p:nvPr>
+        </p:nvSpPr>
+        <p:spPr/>
+        <p:txBody>
+          <a:bodyPr>
+            <a:normAutofit lnSpcReduction="10000"/>
+          </a:bodyPr>
+          <a:lstStyle/>
+          <a:p>
+            <a:r>
+              <a:rPr lang="en-US" dirty="0" smtClean="0"/>
+              <a:t>Where to start?</a:t>
+            </a:r>
+          </a:p>
+          <a:p>
+            <a:endParaRPr lang="en-US" dirty="0"/>
+          </a:p>
+          <a:p>
+            <a:r>
+              <a:rPr lang="en-US" dirty="0" smtClean="0"/>
+              <a:t>What to test and what not to test?</a:t>
+            </a:r>
+          </a:p>
+          <a:p>
+            <a:endParaRPr lang="en-US" dirty="0"/>
+          </a:p>
+          <a:p>
+            <a:r>
+              <a:rPr lang="en-US" dirty="0" smtClean="0"/>
+              <a:t>How much to test?</a:t>
+            </a:r>
+          </a:p>
+          <a:p>
+            <a:endParaRPr lang="en-US" dirty="0"/>
+          </a:p>
+          <a:p>
+            <a:r>
+              <a:rPr lang="en-US" dirty="0" smtClean="0"/>
+              <a:t>How to name tests?</a:t>
+            </a:r>
+          </a:p>
+          <a:p>
+            <a:endParaRPr lang="en-US" dirty="0"/>
+          </a:p>
+          <a:p>
+            <a:r>
+              <a:rPr lang="en-US" dirty="0" smtClean="0"/>
+              <a:t>What does it mean when a test fails?</a:t>
+            </a:r>
+          </a:p>
+          <a:p>
+            <a:endParaRPr lang="en-US" dirty="0"/>
+          </a:p>
+          <a:p>
+            <a:endParaRPr lang="en-US" dirty="0"/>
+          </a:p>
+        </p:txBody>
+      </p:sp>
+    </p:spTree>
+    <p:extLst>
+      <p:ext uri="{BB962C8B-B14F-4D97-AF65-F5344CB8AC3E}">
+        <p14:creationId xmlns:p14="http://schemas.microsoft.com/office/powerpoint/2010/main" val="1973266983"/>
+      </p:ext>
+    </p:extLst>
+  </p:cSld>
+  <p:clrMapOvr>
+    <a:masterClrMapping/>
+  </p:clrMapOvr>
+  <p:timing>
+    <p:tnLst>
+      <p:par>
+        <p:cTn id="1" dur="indefinite" restart="never" nodeType="tmRoot">
+          <p:childTnLst>
+            <p:seq concurrent="1" nextAc="seek">
+              <p:cTn id="2" dur="indefinite" nodeType="mainSeq">
+                <p:childTnLst>
+                  <p:par>
+                    <p:cTn id="3" fill="hold">
+                      <p:stCondLst>
+                        <p:cond delay="indefinite"/>
+                      </p:stCondLst>
+                      <p:childTnLst>
+                        <p:par>
+                          <p:cTn id="4" fill="hold">
+                            <p:stCondLst>
+                              <p:cond delay="0"/>
+                            </p:stCondLst>
+                            <p:childTnLst>
+                              <p:par>
+                                <p:cTn id="5" presetID="1" presetClass="entr" presetSubtype="0" fill="hold" grpId="0" nodeType="clickEffect">
+                                  <p:stCondLst>
+                                    <p:cond delay="0"/>
+                                  </p:stCondLst>
+                                  <p:childTnLst>
+                                    <p:set>
+                                      <p:cBhvr>
+                                        <p:cTn id="6" dur="1" fill="hold">
+                                          <p:stCondLst>
+                                            <p:cond delay="0"/>
+                                          </p:stCondLst>
+                                        </p:cTn>
+                                        <p:tgtEl>
+                                          <p:spTgt spid="3">
+                                            <p:txEl>
+                                              <p:pRg st="0" end="0"/>
+                                            </p:txEl>
+                                          </p:spTgt>
+                                        </p:tgtEl>
+                                        <p:attrNameLst>
+                                          <p:attrName>style.visibility</p:attrName>
+                                        </p:attrNameLst>
+                                      </p:cBhvr>
+                                      <p:to>
+                                        <p:strVal val="visible"/>
+                                      </p:to>
+                                    </p:set>
+                                  </p:childTnLst>
+                                </p:cTn>
+                              </p:par>
+                            </p:childTnLst>
+                          </p:cTn>
+                        </p:par>
+                      </p:childTnLst>
+                    </p:cTn>
+                  </p:par>
+                  <p:par>
+                    <p:cTn id="7" fill="hold">
+                      <p:stCondLst>
+                        <p:cond delay="indefinite"/>
+                      </p:stCondLst>
+                      <p:childTnLst>
+                        <p:par>
+                          <p:cTn id="8" fill="hold">
+                            <p:stCondLst>
+                              <p:cond delay="0"/>
+                            </p:stCondLst>
+                            <p:childTnLst>
+                              <p:par>
+                                <p:cTn id="9" presetID="1" presetClass="entr" presetSubtype="0" fill="hold" grpId="0" nodeType="clickEffect">
+                                  <p:stCondLst>
+                                    <p:cond delay="0"/>
+                                  </p:stCondLst>
+                                  <p:childTnLst>
+                                    <p:set>
+                                      <p:cBhvr>
+                                        <p:cTn id="10" dur="1" fill="hold">
+                                          <p:stCondLst>
+                                            <p:cond delay="0"/>
+                                          </p:stCondLst>
+                                        </p:cTn>
+                                        <p:tgtEl>
+                                          <p:spTgt spid="3">
+                                            <p:txEl>
+                                              <p:pRg st="2" end="2"/>
+                                            </p:txEl>
+                                          </p:spTgt>
+                                        </p:tgtEl>
+                                        <p:attrNameLst>
+                                          <p:attrName>style.visibility</p:attrName>
+                                        </p:attrNameLst>
+                                      </p:cBhvr>
+                                      <p:to>
+                                        <p:strVal val="visible"/>
+                                      </p:to>
+                                    </p:set>
+                                  </p:childTnLst>
+                                </p:cTn>
+                              </p:par>
+                            </p:childTnLst>
+                          </p:cTn>
+                        </p:par>
+                      </p:childTnLst>
+                    </p:cTn>
+                  </p:par>
+                  <p:par>
+                    <p:cTn id="11" fill="hold">
+                      <p:stCondLst>
+                        <p:cond delay="indefinite"/>
+                      </p:stCondLst>
+                      <p:childTnLst>
+                        <p:par>
+                          <p:cTn id="12" fill="hold">
+                            <p:stCondLst>
+                              <p:cond delay="0"/>
+                            </p:stCondLst>
+                            <p:childTnLst>
+                              <p:par>
+                                <p:cTn id="13" presetID="1" presetClass="entr" presetSubtype="0" fill="hold" grpId="0" nodeType="clickEffect">
+                                  <p:stCondLst>
+                                    <p:cond delay="0"/>
+                                  </p:stCondLst>
+                                  <p:childTnLst>
+                                    <p:set>
+                                      <p:cBhvr>
+                                        <p:cTn id="14" dur="1" fill="hold">
+                                          <p:stCondLst>
+                                            <p:cond delay="0"/>
+                                          </p:stCondLst>
+                                        </p:cTn>
+                                        <p:tgtEl>
+                                          <p:spTgt spid="3">
+                                            <p:txEl>
+                                              <p:pRg st="4" end="4"/>
+                                            </p:txEl>
+                                          </p:spTgt>
+                                        </p:tgtEl>
+                                        <p:attrNameLst>
+                                          <p:attrName>style.visibility</p:attrName>
+                                        </p:attrNameLst>
+                                      </p:cBhvr>
+                                      <p:to>
+                                        <p:strVal val="visible"/>
+                                      </p:to>
+                                    </p:set>
+                                  </p:childTnLst>
+                                </p:cTn>
+                              </p:par>
+                            </p:childTnLst>
+                          </p:cTn>
+                        </p:par>
+                      </p:childTnLst>
+                    </p:cTn>
+                  </p:par>
+                  <p:par>
+                    <p:cTn id="15" fill="hold">
+                      <p:stCondLst>
+                        <p:cond delay="indefinite"/>
+                      </p:stCondLst>
+                      <p:childTnLst>
+                        <p:par>
+                          <p:cTn id="16" fill="hold">
+                            <p:stCondLst>
+                              <p:cond delay="0"/>
+                            </p:stCondLst>
+                            <p:childTnLst>
+                              <p:par>
+                                <p:cTn id="17" presetID="1" presetClass="entr" presetSubtype="0" fill="hold" grpId="0" nodeType="clickEffect">
+                                  <p:stCondLst>
+                                    <p:cond delay="0"/>
+                                  </p:stCondLst>
+                                  <p:childTnLst>
+                                    <p:set>
+                                      <p:cBhvr>
+                                        <p:cTn id="18" dur="1" fill="hold">
+                                          <p:stCondLst>
+                                            <p:cond delay="0"/>
+                                          </p:stCondLst>
+                                        </p:cTn>
+                                        <p:tgtEl>
+                                          <p:spTgt spid="3">
+                                            <p:txEl>
+                                              <p:pRg st="6" end="6"/>
+                                            </p:txEl>
+                                          </p:spTgt>
+                                        </p:tgtEl>
+                                        <p:attrNameLst>
+                                          <p:attrName>style.visibility</p:attrName>
+                                        </p:attrNameLst>
+                                      </p:cBhvr>
+                                      <p:to>
+                                        <p:strVal val="visible"/>
+                                      </p:to>
+                                    </p:set>
+                                  </p:childTnLst>
+                                </p:cTn>
+                              </p:par>
+                            </p:childTnLst>
+                          </p:cTn>
+                        </p:par>
+                      </p:childTnLst>
+                    </p:cTn>
+                  </p:par>
+                  <p:par>
+                    <p:cTn id="19" fill="hold">
+                      <p:stCondLst>
+                        <p:cond delay="indefinite"/>
+                      </p:stCondLst>
+                      <p:childTnLst>
+                        <p:par>
+                          <p:cTn id="20" fill="hold">
+                            <p:stCondLst>
+                              <p:cond delay="0"/>
+                            </p:stCondLst>
+                            <p:childTnLst>
+                              <p:par>
+                                <p:cTn id="21" presetID="1" presetClass="entr" presetSubtype="0" fill="hold" grpId="0" nodeType="clickEffect">
+                                  <p:stCondLst>
+                                    <p:cond delay="0"/>
+                                  </p:stCondLst>
+                                  <p:childTnLst>
+                                    <p:set>
+                                      <p:cBhvr>
+                                        <p:cTn id="22" dur="1" fill="hold">
+                                          <p:stCondLst>
+                                            <p:cond delay="0"/>
+                                          </p:stCondLst>
+                                        </p:cTn>
+                                        <p:tgtEl>
+                                          <p:spTgt spid="3">
+                                            <p:txEl>
+                                              <p:pRg st="8" end="8"/>
+                                            </p:txEl>
+                                          </p:spTgt>
+                                        </p:tgtEl>
+                                        <p:attrNameLst>
+                                          <p:attrName>style.visibility</p:attrName>
+                                        </p:attrNameLst>
+                                      </p:cBhvr>
+                                      <p:to>
+                                        <p:strVal val="visible"/>
+                                      </p:to>
+                                    </p:set>
+                                  </p:childTnLst>
+                                </p:cTn>
+                              </p:par>
+                            </p:childTnLst>
+                          </p:cTn>
+                        </p:par>
+                      </p:childTnLst>
+                    </p:cTn>
+                  </p:par>
+                </p:childTnLst>
+              </p:cTn>
+              <p:prevCondLst>
+                <p:cond evt="onPrev" delay="0">
+                  <p:tgtEl>
+                    <p:sldTgt/>
+                  </p:tgtEl>
+                </p:cond>
+              </p:prevCondLst>
+              <p:nextCondLst>
+                <p:cond evt="onNext" delay="0">
+                  <p:tgtEl>
+                    <p:sldTgt/>
+                  </p:tgtEl>
+                </p:cond>
+              </p:nextCondLst>
+            </p:seq>
+          </p:childTnLst>
+        </p:cTn>
+      </p:par>
+    </p:tnLst>
+    <p:bldLst>
+      <p:bldP spid="3" grpId="0" build="p"/>
+    </p:bldLst>
+  </p:timing>
+</p:sld>
+</file>
+
+<file path=ppt/slides/slide4.xml><?xml version="1.0" encoding="utf-8"?>
+<p:sld xmlns:a="http://schemas.openxmlformats.org/drawingml/2006/main" xmlns:r="http://schemas.openxmlformats.org/officeDocument/2006/relationships" xmlns:p="http://schemas.openxmlformats.org/presentationml/2006/main">
+  <p:cSld>
+    <p:spTree>
+      <p:nvGrpSpPr>
+        <p:cNvPr id="1" name=""/>
+        <p:cNvGrpSpPr/>
+        <p:nvPr/>
+      </p:nvGrpSpPr>
+      <p:grpSpPr>
+        <a:xfrm>
+          <a:off x="0" y="0"/>
+          <a:ext cx="0" cy="0"/>
+          <a:chOff x="0" y="0"/>
+          <a:chExt cx="0" cy="0"/>
+        </a:xfrm>
+      </p:grpSpPr>
+      <p:sp>
+        <p:nvSpPr>
+          <p:cNvPr id="2" name="Title 1"/>
+          <p:cNvSpPr>
+            <a:spLocks noGrp="1"/>
+          </p:cNvSpPr>
+          <p:nvPr>
+            <p:ph type="title"/>
+          </p:nvPr>
+        </p:nvSpPr>
+        <p:spPr/>
+        <p:txBody>
+          <a:bodyPr/>
+          <a:lstStyle/>
+          <a:p>
+            <a:r>
+              <a:rPr lang="en-US" dirty="0" smtClean="0"/>
+              <a:t>Adding Structure to TDD	</a:t>
+            </a:r>
+            <a:endParaRPr lang="en-US" dirty="0"/>
+          </a:p>
+        </p:txBody>
+      </p:sp>
+      <p:sp>
+        <p:nvSpPr>
+          <p:cNvPr id="3" name="Content Placeholder 2"/>
+          <p:cNvSpPr>
+            <a:spLocks noGrp="1"/>
+          </p:cNvSpPr>
+          <p:nvPr>
+            <p:ph idx="1"/>
+          </p:nvPr>
+        </p:nvSpPr>
+        <p:spPr/>
+        <p:txBody>
+          <a:bodyPr/>
+          <a:lstStyle/>
+          <a:p>
+            <a:r>
+              <a:rPr lang="en-US" dirty="0" smtClean="0"/>
+              <a:t>Dan North</a:t>
+            </a:r>
+          </a:p>
+          <a:p>
+            <a:endParaRPr lang="en-US" dirty="0"/>
+          </a:p>
+          <a:p>
+            <a:r>
+              <a:rPr lang="en-US" dirty="0" smtClean="0"/>
+              <a:t>Outside-in point of view</a:t>
+            </a:r>
+          </a:p>
+          <a:p>
+            <a:endParaRPr lang="en-US" dirty="0"/>
+          </a:p>
+          <a:p>
+            <a:r>
+              <a:rPr lang="en-US" dirty="0" smtClean="0"/>
+              <a:t>Focus on the application’s behavior, not its implementation</a:t>
+            </a:r>
+          </a:p>
+          <a:p>
+            <a:endParaRPr lang="en-US" dirty="0" smtClean="0"/>
+          </a:p>
+          <a:p>
+            <a:r>
+              <a:rPr lang="en-US" dirty="0" smtClean="0"/>
+              <a:t>Straight </a:t>
+            </a:r>
+            <a:r>
+              <a:rPr lang="en-US" dirty="0"/>
+              <a:t>to the good </a:t>
+            </a:r>
+            <a:r>
+              <a:rPr lang="en-US" dirty="0" smtClean="0"/>
+              <a:t>stuff</a:t>
+            </a:r>
+          </a:p>
+          <a:p>
+            <a:endParaRPr lang="en-US" dirty="0"/>
+          </a:p>
+          <a:p>
+            <a:endParaRPr lang="en-US" dirty="0"/>
+          </a:p>
+        </p:txBody>
+      </p:sp>
+    </p:spTree>
+    <p:extLst>
+      <p:ext uri="{BB962C8B-B14F-4D97-AF65-F5344CB8AC3E}">
+        <p14:creationId xmlns:p14="http://schemas.microsoft.com/office/powerpoint/2010/main" val="1617828075"/>
+      </p:ext>
+    </p:extLst>
+  </p:cSld>
+  <p:clrMapOvr>
+    <a:masterClrMapping/>
+  </p:clrMapOvr>
+  <p:timing>
+    <p:tnLst>
+      <p:par>
+        <p:cTn id="1" dur="indefinite" restart="never" nodeType="tmRoot">
+          <p:childTnLst>
+            <p:seq concurrent="1" nextAc="seek">
+              <p:cTn id="2" dur="indefinite" nodeType="mainSeq">
+                <p:childTnLst>
+                  <p:par>
+                    <p:cTn id="3" fill="hold">
+                      <p:stCondLst>
+                        <p:cond delay="indefinite"/>
+                      </p:stCondLst>
+                      <p:childTnLst>
+                        <p:par>
+                          <p:cTn id="4" fill="hold">
+                            <p:stCondLst>
+                              <p:cond delay="0"/>
+                            </p:stCondLst>
+                            <p:childTnLst>
+                              <p:par>
+                                <p:cTn id="5" presetID="1" presetClass="entr" presetSubtype="0" fill="hold" grpId="0" nodeType="clickEffect">
+                                  <p:stCondLst>
+                                    <p:cond delay="0"/>
+                                  </p:stCondLst>
+                                  <p:childTnLst>
+                                    <p:set>
+                                      <p:cBhvr>
+                                        <p:cTn id="6" dur="1" fill="hold">
+                                          <p:stCondLst>
+                                            <p:cond delay="0"/>
+                                          </p:stCondLst>
+                                        </p:cTn>
+                                        <p:tgtEl>
+                                          <p:spTgt spid="3">
+                                            <p:txEl>
+                                              <p:pRg st="0" end="0"/>
+                                            </p:txEl>
+                                          </p:spTgt>
+                                        </p:tgtEl>
+                                        <p:attrNameLst>
+                                          <p:attrName>style.visibility</p:attrName>
+                                        </p:attrNameLst>
+                                      </p:cBhvr>
+                                      <p:to>
+                                        <p:strVal val="visible"/>
+                                      </p:to>
+                                    </p:set>
+                                  </p:childTnLst>
+                                </p:cTn>
+                              </p:par>
+                            </p:childTnLst>
+                          </p:cTn>
+                        </p:par>
+                      </p:childTnLst>
+                    </p:cTn>
+                  </p:par>
+                  <p:par>
+                    <p:cTn id="7" fill="hold">
+                      <p:stCondLst>
+                        <p:cond delay="indefinite"/>
+                      </p:stCondLst>
+                      <p:childTnLst>
+                        <p:par>
+                          <p:cTn id="8" fill="hold">
+                            <p:stCondLst>
+                              <p:cond delay="0"/>
+                            </p:stCondLst>
+                            <p:childTnLst>
+                              <p:par>
+                                <p:cTn id="9" presetID="1" presetClass="entr" presetSubtype="0" fill="hold" grpId="0" nodeType="clickEffect">
+                                  <p:stCondLst>
+                                    <p:cond delay="0"/>
+                                  </p:stCondLst>
+                                  <p:childTnLst>
+                                    <p:set>
+                                      <p:cBhvr>
+                                        <p:cTn id="10" dur="1" fill="hold">
+                                          <p:stCondLst>
+                                            <p:cond delay="0"/>
+                                          </p:stCondLst>
+                                        </p:cTn>
+                                        <p:tgtEl>
+                                          <p:spTgt spid="3">
+                                            <p:txEl>
+                                              <p:pRg st="2" end="2"/>
+                                            </p:txEl>
+                                          </p:spTgt>
+                                        </p:tgtEl>
+                                        <p:attrNameLst>
+                                          <p:attrName>style.visibility</p:attrName>
+                                        </p:attrNameLst>
+                                      </p:cBhvr>
+                                      <p:to>
+                                        <p:strVal val="visible"/>
+                                      </p:to>
+                                    </p:set>
+                                  </p:childTnLst>
+                                </p:cTn>
+                              </p:par>
+                            </p:childTnLst>
+                          </p:cTn>
+                        </p:par>
+                      </p:childTnLst>
+                    </p:cTn>
+                  </p:par>
+                  <p:par>
+                    <p:cTn id="11" fill="hold">
+                      <p:stCondLst>
+                        <p:cond delay="indefinite"/>
+                      </p:stCondLst>
+                      <p:childTnLst>
+                        <p:par>
+                          <p:cTn id="12" fill="hold">
+                            <p:stCondLst>
+                              <p:cond delay="0"/>
+                            </p:stCondLst>
+                            <p:childTnLst>
+                              <p:par>
+                                <p:cTn id="13" presetID="1" presetClass="entr" presetSubtype="0" fill="hold" grpId="0" nodeType="clickEffect">
+                                  <p:stCondLst>
+                                    <p:cond delay="0"/>
+                                  </p:stCondLst>
+                                  <p:childTnLst>
+                                    <p:set>
+                                      <p:cBhvr>
+                                        <p:cTn id="14" dur="1" fill="hold">
+                                          <p:stCondLst>
+                                            <p:cond delay="0"/>
+                                          </p:stCondLst>
+                                        </p:cTn>
+                                        <p:tgtEl>
+                                          <p:spTgt spid="3">
+                                            <p:txEl>
+                                              <p:pRg st="4" end="4"/>
+                                            </p:txEl>
+                                          </p:spTgt>
+                                        </p:tgtEl>
+                                        <p:attrNameLst>
+                                          <p:attrName>style.visibility</p:attrName>
+                                        </p:attrNameLst>
+                                      </p:cBhvr>
+                                      <p:to>
+                                        <p:strVal val="visible"/>
+                                      </p:to>
+                                    </p:set>
+                                  </p:childTnLst>
+                                </p:cTn>
+                              </p:par>
+                            </p:childTnLst>
+                          </p:cTn>
+                        </p:par>
+                      </p:childTnLst>
+                    </p:cTn>
+                  </p:par>
+                  <p:par>
+                    <p:cTn id="15" fill="hold">
+                      <p:stCondLst>
+                        <p:cond delay="indefinite"/>
+                      </p:stCondLst>
+                      <p:childTnLst>
+                        <p:par>
+                          <p:cTn id="16" fill="hold">
+                            <p:stCondLst>
+                              <p:cond delay="0"/>
+                            </p:stCondLst>
+                            <p:childTnLst>
+                              <p:par>
+                                <p:cTn id="17" presetID="1" presetClass="entr" presetSubtype="0" fill="hold" grpId="0" nodeType="clickEffect">
+                                  <p:stCondLst>
+                                    <p:cond delay="0"/>
+                                  </p:stCondLst>
+                                  <p:childTnLst>
+                                    <p:set>
+                                      <p:cBhvr>
+                                        <p:cTn id="18" dur="1" fill="hold">
+                                          <p:stCondLst>
+                                            <p:cond delay="0"/>
+                                          </p:stCondLst>
+                                        </p:cTn>
+                                        <p:tgtEl>
+                                          <p:spTgt spid="3">
+                                            <p:txEl>
+                                              <p:pRg st="6" end="6"/>
+                                            </p:txEl>
+                                          </p:spTgt>
+                                        </p:tgtEl>
+                                        <p:attrNameLst>
+                                          <p:attrName>style.visibility</p:attrName>
+                                        </p:attrNameLst>
+                                      </p:cBhvr>
+                                      <p:to>
+                                        <p:strVal val="visible"/>
+                                      </p:to>
+                                    </p:set>
+                                  </p:childTnLst>
+                                </p:cTn>
+                              </p:par>
+                            </p:childTnLst>
+                          </p:cTn>
+                        </p:par>
+                      </p:childTnLst>
+                    </p:cTn>
+                  </p:par>
+                </p:childTnLst>
+              </p:cTn>
+              <p:prevCondLst>
+                <p:cond evt="onPrev" delay="0">
+                  <p:tgtEl>
+                    <p:sldTgt/>
+                  </p:tgtEl>
+                </p:cond>
+              </p:prevCondLst>
+              <p:nextCondLst>
+                <p:cond evt="onNext" delay="0">
+                  <p:tgtEl>
+                    <p:sldTgt/>
+                  </p:tgtEl>
+                </p:cond>
+              </p:nextCondLst>
+            </p:seq>
+          </p:childTnLst>
+        </p:cTn>
+      </p:par>
+    </p:tnLst>
+    <p:bldLst>
+      <p:bldP spid="3" grpId="0" build="p"/>
+    </p:bldLst>
+  </p:timing>
+</p:sld>
+</file>
+
+<file path=ppt/slides/slide5.xml><?xml version="1.0" encoding="utf-8"?>
+<p:sld xmlns:a="http://schemas.openxmlformats.org/drawingml/2006/main" xmlns:r="http://schemas.openxmlformats.org/officeDocument/2006/relationships" xmlns:p="http://schemas.openxmlformats.org/presentationml/2006/main">
+  <p:cSld>
+    <p:spTree>
+      <p:nvGrpSpPr>
+        <p:cNvPr id="1" name=""/>
+        <p:cNvGrpSpPr/>
+        <p:nvPr/>
+      </p:nvGrpSpPr>
+      <p:grpSpPr>
+        <a:xfrm>
+          <a:off x="0" y="0"/>
+          <a:ext cx="0" cy="0"/>
+          <a:chOff x="0" y="0"/>
+          <a:chExt cx="0" cy="0"/>
+        </a:xfrm>
+      </p:grpSpPr>
+      <p:sp>
+        <p:nvSpPr>
+          <p:cNvPr id="2" name="Title 1"/>
+          <p:cNvSpPr>
+            <a:spLocks noGrp="1"/>
+          </p:cNvSpPr>
+          <p:nvPr>
+            <p:ph type="title"/>
+          </p:nvPr>
+        </p:nvSpPr>
+        <p:spPr/>
+        <p:txBody>
+          <a:bodyPr/>
+          <a:lstStyle/>
+          <a:p>
+            <a:r>
+              <a:rPr lang="en-US" dirty="0" smtClean="0"/>
+              <a:t>Adding Structure to TDD</a:t>
+            </a:r>
+            <a:endParaRPr lang="en-US" dirty="0"/>
+          </a:p>
+        </p:txBody>
+      </p:sp>
+      <p:sp>
+        <p:nvSpPr>
+          <p:cNvPr id="3" name="Content Placeholder 2"/>
+          <p:cNvSpPr>
+            <a:spLocks noGrp="1"/>
+          </p:cNvSpPr>
+          <p:nvPr>
+            <p:ph idx="1"/>
+          </p:nvPr>
+        </p:nvSpPr>
+        <p:spPr/>
+        <p:txBody>
+          <a:bodyPr>
+            <a:normAutofit/>
+          </a:bodyPr>
+          <a:lstStyle/>
+          <a:p>
+            <a:r>
+              <a:rPr lang="en-US" dirty="0" smtClean="0"/>
+              <a:t>What to test and what not to test?</a:t>
+            </a:r>
+          </a:p>
+          <a:p>
+            <a:pPr lvl="1"/>
+            <a:endParaRPr lang="en-US" dirty="0" smtClean="0"/>
+          </a:p>
+          <a:p>
+            <a:r>
+              <a:rPr lang="en-US" dirty="0" smtClean="0"/>
+              <a:t>How much to test?</a:t>
+            </a:r>
+          </a:p>
+          <a:p>
+            <a:endParaRPr lang="en-US" dirty="0"/>
+          </a:p>
+          <a:p>
+            <a:r>
+              <a:rPr lang="en-US" dirty="0" smtClean="0"/>
+              <a:t>How to name tests?</a:t>
+            </a:r>
+          </a:p>
+          <a:p>
+            <a:endParaRPr lang="en-US" dirty="0"/>
+          </a:p>
+          <a:p>
+            <a:r>
+              <a:rPr lang="en-US" dirty="0" smtClean="0"/>
+              <a:t>What does it mean when a test fails?</a:t>
+            </a:r>
+          </a:p>
+          <a:p>
+            <a:endParaRPr lang="en-US" dirty="0"/>
+          </a:p>
+          <a:p>
+            <a:endParaRPr lang="en-US" dirty="0"/>
+          </a:p>
+        </p:txBody>
+      </p:sp>
+    </p:spTree>
+    <p:extLst>
+      <p:ext uri="{BB962C8B-B14F-4D97-AF65-F5344CB8AC3E}">
+        <p14:creationId xmlns:p14="http://schemas.microsoft.com/office/powerpoint/2010/main" val="1831514586"/>
+      </p:ext>
+    </p:extLst>
+  </p:cSld>
+  <p:clrMapOvr>
+    <a:masterClrMapping/>
+  </p:clrMapOvr>
+  <p:timing>
+    <p:tnLst>
+      <p:par>
+        <p:cTn id="1" dur="indefinite" restart="never" nodeType="tmRoot"/>
+      </p:par>
+    </p:tnLst>
+  </p:timing>
+</p:sld>
+</file>
+
+<file path=ppt/slides/slide6.xml><?xml version="1.0" encoding="utf-8"?>
+<p:sld xmlns:a="http://schemas.openxmlformats.org/drawingml/2006/main" xmlns:r="http://schemas.openxmlformats.org/officeDocument/2006/relationships" xmlns:p="http://schemas.openxmlformats.org/presentationml/2006/main">
+  <p:cSld>
+    <p:spTree>
+      <p:nvGrpSpPr>
+        <p:cNvPr id="1" name=""/>
+        <p:cNvGrpSpPr/>
+        <p:nvPr/>
+      </p:nvGrpSpPr>
+      <p:grpSpPr>
+        <a:xfrm>
+          <a:off x="0" y="0"/>
+          <a:ext cx="0" cy="0"/>
+          <a:chOff x="0" y="0"/>
+          <a:chExt cx="0" cy="0"/>
+        </a:xfrm>
+      </p:grpSpPr>
+      <p:sp>
+        <p:nvSpPr>
+          <p:cNvPr id="2" name="Title 1"/>
+          <p:cNvSpPr>
+            <a:spLocks noGrp="1"/>
+          </p:cNvSpPr>
+          <p:nvPr>
+            <p:ph type="title"/>
+          </p:nvPr>
+        </p:nvSpPr>
+        <p:spPr/>
+        <p:txBody>
+          <a:bodyPr/>
+          <a:lstStyle/>
+          <a:p>
+            <a:r>
+              <a:rPr lang="en-US" dirty="0" smtClean="0"/>
+              <a:t>How though?</a:t>
+            </a:r>
+            <a:r>
+              <a:rPr lang="en-US" dirty="0" smtClean="0"/>
+              <a:t>	</a:t>
             </a:r>
             <a:endParaRPr lang="en-US" dirty="0"/>
           </a:p>
@@ -6517,7 +8388,7 @@
 </p:sld>
 </file>
 
-<file path=ppt/slides/slide3.xml><?xml version="1.0" encoding="utf-8"?>
+<file path=ppt/slides/slide7.xml><?xml version="1.0" encoding="utf-8"?>
 <p:sld xmlns:a="http://schemas.openxmlformats.org/drawingml/2006/main" xmlns:r="http://schemas.openxmlformats.org/officeDocument/2006/relationships" xmlns:p="http://schemas.openxmlformats.org/presentationml/2006/main">
   <p:cSld>
     <p:spTree>
@@ -6797,7 +8668,7 @@
 </p:sld>
 </file>
 
-<file path=ppt/slides/slide4.xml><?xml version="1.0" encoding="utf-8"?>
+<file path=ppt/slides/slide8.xml><?xml version="1.0" encoding="utf-8"?>
 <p:sld xmlns:a="http://schemas.openxmlformats.org/drawingml/2006/main" xmlns:r="http://schemas.openxmlformats.org/officeDocument/2006/relationships" xmlns:p="http://schemas.openxmlformats.org/presentationml/2006/main">
   <p:cSld>
     <p:spTree>
@@ -7088,7 +8959,7 @@
 </p:sld>
 </file>
 
-<file path=ppt/slides/slide5.xml><?xml version="1.0" encoding="utf-8"?>
+<file path=ppt/slides/slide9.xml><?xml version="1.0" encoding="utf-8"?>
 <p:sld xmlns:a="http://schemas.openxmlformats.org/drawingml/2006/main" xmlns:r="http://schemas.openxmlformats.org/officeDocument/2006/relationships" xmlns:p="http://schemas.openxmlformats.org/presentationml/2006/main">
   <p:cSld>
     <p:spTree>

--- a/BDD.pptx
+++ b/BDD.pptx
@@ -5,7 +5,7 @@
     <p:sldMasterId id="2147483648" r:id="rId1"/>
   </p:sldMasterIdLst>
   <p:notesMasterIdLst>
-    <p:notesMasterId r:id="rId11"/>
+    <p:notesMasterId r:id="rId14"/>
   </p:notesMasterIdLst>
   <p:sldIdLst>
     <p:sldId id="256" r:id="rId2"/>
@@ -13,10 +13,13 @@
     <p:sldId id="262" r:id="rId4"/>
     <p:sldId id="263" r:id="rId5"/>
     <p:sldId id="264" r:id="rId6"/>
-    <p:sldId id="257" r:id="rId7"/>
-    <p:sldId id="259" r:id="rId8"/>
-    <p:sldId id="260" r:id="rId9"/>
-    <p:sldId id="258" r:id="rId10"/>
+    <p:sldId id="265" r:id="rId7"/>
+    <p:sldId id="266" r:id="rId8"/>
+    <p:sldId id="257" r:id="rId9"/>
+    <p:sldId id="267" r:id="rId10"/>
+    <p:sldId id="268" r:id="rId11"/>
+    <p:sldId id="269" r:id="rId12"/>
+    <p:sldId id="270" r:id="rId13"/>
   </p:sldIdLst>
   <p:sldSz cx="12192000" cy="6858000"/>
   <p:notesSz cx="6858000" cy="9144000"/>
@@ -1179,32 +1182,560 @@
           <a:bodyPr/>
           <a:lstStyle/>
           <a:p>
-            <a:pPr marL="171450" indent="-171450">
-              <a:buFont typeface="Arial" charset="0"/>
-              <a:buChar char="•"/>
+            <a:r>
+              <a:rPr lang="en-US" sz="1200" kern="1200" dirty="0" smtClean="0">
+                <a:solidFill>
+                  <a:schemeClr val="tx1"/>
+                </a:solidFill>
+                <a:effectLst/>
+                <a:latin typeface="+mn-lt"/>
+                <a:ea typeface="+mn-ea"/>
+                <a:cs typeface="+mn-cs"/>
+              </a:rPr>
+              <a:t>1. Beginning test methods with </a:t>
+            </a:r>
+            <a:r>
+              <a:rPr lang="en-US" sz="1200" i="1" kern="1200" dirty="0" smtClean="0">
+                <a:solidFill>
+                  <a:schemeClr val="tx1"/>
+                </a:solidFill>
+                <a:effectLst/>
+                <a:latin typeface="+mn-lt"/>
+                <a:ea typeface="+mn-ea"/>
+                <a:cs typeface="+mn-cs"/>
+              </a:rPr>
+              <a:t>should </a:t>
+            </a:r>
+            <a:r>
+              <a:rPr lang="en-US" sz="1200" kern="1200" dirty="0" smtClean="0">
+                <a:solidFill>
+                  <a:schemeClr val="tx1"/>
+                </a:solidFill>
+                <a:effectLst/>
+                <a:latin typeface="+mn-lt"/>
+                <a:ea typeface="+mn-ea"/>
+                <a:cs typeface="+mn-cs"/>
+              </a:rPr>
+              <a:t>mean you can only define a test for the given class.</a:t>
+            </a:r>
+          </a:p>
+          <a:p>
+            <a:r>
+              <a:rPr lang="en-US" sz="1200" kern="1200" dirty="0" smtClean="0">
+                <a:solidFill>
+                  <a:schemeClr val="tx1"/>
+                </a:solidFill>
+                <a:effectLst/>
+                <a:latin typeface="+mn-lt"/>
+                <a:ea typeface="+mn-ea"/>
+                <a:cs typeface="+mn-cs"/>
+              </a:rPr>
+              <a:t> - Class </a:t>
+            </a:r>
+            <a:r>
+              <a:rPr lang="en-US" sz="1200" b="1" i="1" kern="1200" dirty="0" smtClean="0">
+                <a:solidFill>
+                  <a:schemeClr val="tx1"/>
+                </a:solidFill>
+                <a:effectLst/>
+                <a:latin typeface="+mn-lt"/>
+                <a:ea typeface="+mn-ea"/>
+                <a:cs typeface="+mn-cs"/>
+              </a:rPr>
+              <a:t>should </a:t>
+            </a:r>
+            <a:r>
+              <a:rPr lang="en-US" sz="1200" kern="1200" dirty="0" smtClean="0">
+                <a:solidFill>
+                  <a:schemeClr val="tx1"/>
+                </a:solidFill>
+                <a:effectLst/>
+                <a:latin typeface="+mn-lt"/>
+                <a:ea typeface="+mn-ea"/>
+                <a:cs typeface="+mn-cs"/>
+              </a:rPr>
+              <a:t>do something (</a:t>
+            </a:r>
+            <a:r>
+              <a:rPr lang="en-US" sz="1200" kern="1200" dirty="0" err="1" smtClean="0">
+                <a:solidFill>
+                  <a:schemeClr val="tx1"/>
+                </a:solidFill>
+                <a:effectLst/>
+                <a:latin typeface="+mn-lt"/>
+                <a:ea typeface="+mn-ea"/>
+                <a:cs typeface="+mn-cs"/>
+              </a:rPr>
+              <a:t>testShouldFailForMissingSurname</a:t>
+            </a:r>
+            <a:r>
+              <a:rPr lang="en-US" sz="1200" kern="1200" dirty="0" smtClean="0">
+                <a:solidFill>
+                  <a:schemeClr val="tx1"/>
+                </a:solidFill>
+                <a:effectLst/>
+                <a:latin typeface="+mn-lt"/>
+                <a:ea typeface="+mn-ea"/>
+                <a:cs typeface="+mn-cs"/>
+              </a:rPr>
+              <a:t>)</a:t>
+            </a:r>
+          </a:p>
+          <a:p>
+            <a:r>
+              <a:rPr lang="en-US" sz="1200" kern="1200" dirty="0" smtClean="0">
+                <a:solidFill>
+                  <a:schemeClr val="tx1"/>
+                </a:solidFill>
+                <a:effectLst/>
+                <a:latin typeface="+mn-lt"/>
+                <a:ea typeface="+mn-ea"/>
+                <a:cs typeface="+mn-cs"/>
+              </a:rPr>
+              <a:t> - If your test name doesn’t fit this pattern, the behavior may belong elsewhere </a:t>
+            </a:r>
+          </a:p>
+          <a:p>
+            <a:endParaRPr lang="en-US" dirty="0" smtClean="0"/>
+          </a:p>
+          <a:p>
+            <a:r>
+              <a:rPr lang="en-US" dirty="0" smtClean="0"/>
+              <a:t>2. Failed tests have 3 causes</a:t>
+            </a:r>
+            <a:endParaRPr lang="en-US" sz="1200" kern="1200" dirty="0" smtClean="0">
+              <a:solidFill>
+                <a:schemeClr val="tx1"/>
+              </a:solidFill>
+              <a:effectLst/>
+              <a:latin typeface="+mn-lt"/>
+              <a:ea typeface="+mn-ea"/>
+              <a:cs typeface="+mn-cs"/>
+            </a:endParaRPr>
+          </a:p>
+          <a:p>
+            <a:r>
+              <a:rPr lang="en-US" sz="1200" kern="1200" dirty="0" smtClean="0">
+                <a:solidFill>
+                  <a:schemeClr val="tx1"/>
+                </a:solidFill>
+                <a:effectLst/>
+                <a:latin typeface="+mn-lt"/>
+                <a:ea typeface="+mn-ea"/>
+                <a:cs typeface="+mn-cs"/>
+              </a:rPr>
+              <a:t> - A bug was introduced. Solution: fix the bug</a:t>
+            </a:r>
+          </a:p>
+          <a:p>
+            <a:r>
+              <a:rPr lang="en-US" sz="1200" kern="1200" dirty="0" smtClean="0">
+                <a:solidFill>
+                  <a:schemeClr val="tx1"/>
+                </a:solidFill>
+                <a:effectLst/>
+                <a:latin typeface="+mn-lt"/>
+                <a:ea typeface="+mn-ea"/>
+                <a:cs typeface="+mn-cs"/>
+              </a:rPr>
+              <a:t> - The intended behavior was still relevant, but moved. Solution: move test and (maybe) change it</a:t>
+            </a:r>
+          </a:p>
+          <a:p>
+            <a:r>
+              <a:rPr lang="en-US" sz="1200" kern="1200" dirty="0" smtClean="0">
+                <a:solidFill>
+                  <a:schemeClr val="tx1"/>
+                </a:solidFill>
+                <a:effectLst/>
+                <a:latin typeface="+mn-lt"/>
+                <a:ea typeface="+mn-ea"/>
+                <a:cs typeface="+mn-cs"/>
+              </a:rPr>
+              <a:t> - The behavior was no longer correct. Solution: delete the test</a:t>
+            </a:r>
+          </a:p>
+          <a:p>
+            <a:endParaRPr lang="en-US" dirty="0" smtClean="0"/>
+          </a:p>
+          <a:p>
+            <a:r>
+              <a:rPr lang="en-US" dirty="0" smtClean="0"/>
+              <a:t>3. </a:t>
+            </a:r>
+            <a:r>
+              <a:rPr lang="en-US" sz="1200" i="1" kern="1200" dirty="0" smtClean="0">
+                <a:solidFill>
+                  <a:schemeClr val="tx1"/>
+                </a:solidFill>
+                <a:effectLst/>
+                <a:latin typeface="+mn-lt"/>
+                <a:ea typeface="+mn-ea"/>
+                <a:cs typeface="+mn-cs"/>
+              </a:rPr>
+              <a:t>Should </a:t>
+            </a:r>
+            <a:r>
+              <a:rPr lang="en-US" sz="1200" kern="1200" dirty="0" smtClean="0">
+                <a:solidFill>
+                  <a:schemeClr val="tx1"/>
+                </a:solidFill>
+                <a:effectLst/>
+                <a:latin typeface="+mn-lt"/>
+                <a:ea typeface="+mn-ea"/>
+                <a:cs typeface="+mn-cs"/>
+              </a:rPr>
+              <a:t>implicitly allows you to challenge the premise of the test. “Should it? Really?”</a:t>
+            </a:r>
+          </a:p>
+          <a:p>
+            <a:r>
+              <a:rPr lang="en-US" sz="1200" kern="1200" dirty="0" smtClean="0">
+                <a:solidFill>
+                  <a:schemeClr val="tx1"/>
+                </a:solidFill>
+                <a:effectLst/>
+                <a:latin typeface="+mn-lt"/>
+                <a:ea typeface="+mn-ea"/>
+                <a:cs typeface="+mn-cs"/>
+              </a:rPr>
+              <a:t> - makes it easier to decide if a test is failing due to a bug, or because previous assumptions are not incorrect</a:t>
+            </a:r>
+            <a:endParaRPr lang="en-US" dirty="0"/>
+          </a:p>
+        </p:txBody>
+      </p:sp>
+      <p:sp>
+        <p:nvSpPr>
+          <p:cNvPr id="4" name="Slide Number Placeholder 3"/>
+          <p:cNvSpPr>
+            <a:spLocks noGrp="1"/>
+          </p:cNvSpPr>
+          <p:nvPr>
+            <p:ph type="sldNum" sz="quarter" idx="10"/>
+          </p:nvPr>
+        </p:nvSpPr>
+        <p:spPr/>
+        <p:txBody>
+          <a:bodyPr/>
+          <a:lstStyle/>
+          <a:p>
+            <a:fld id="{717C0D68-69C3-4A4C-9D46-4BC134F8A513}" type="slidenum">
+              <a:rPr lang="en-US" smtClean="0"/>
+              <a:t>7</a:t>
+            </a:fld>
+            <a:endParaRPr lang="en-US"/>
+          </a:p>
+        </p:txBody>
+      </p:sp>
+    </p:spTree>
+    <p:extLst>
+      <p:ext uri="{BB962C8B-B14F-4D97-AF65-F5344CB8AC3E}">
+        <p14:creationId xmlns:p14="http://schemas.microsoft.com/office/powerpoint/2010/main" val="1898767874"/>
+      </p:ext>
+    </p:extLst>
+  </p:cSld>
+  <p:clrMapOvr>
+    <a:masterClrMapping/>
+  </p:clrMapOvr>
+</p:notes>
+</file>
+
+<file path=ppt/notesSlides/notesSlide6.xml><?xml version="1.0" encoding="utf-8"?>
+<p:notes xmlns:a="http://schemas.openxmlformats.org/drawingml/2006/main" xmlns:r="http://schemas.openxmlformats.org/officeDocument/2006/relationships" xmlns:p="http://schemas.openxmlformats.org/presentationml/2006/main">
+  <p:cSld>
+    <p:spTree>
+      <p:nvGrpSpPr>
+        <p:cNvPr id="1" name=""/>
+        <p:cNvGrpSpPr/>
+        <p:nvPr/>
+      </p:nvGrpSpPr>
+      <p:grpSpPr>
+        <a:xfrm>
+          <a:off x="0" y="0"/>
+          <a:ext cx="0" cy="0"/>
+          <a:chOff x="0" y="0"/>
+          <a:chExt cx="0" cy="0"/>
+        </a:xfrm>
+      </p:grpSpPr>
+      <p:sp>
+        <p:nvSpPr>
+          <p:cNvPr id="2" name="Slide Image Placeholder 1"/>
+          <p:cNvSpPr>
+            <a:spLocks noGrp="1" noRot="1" noChangeAspect="1"/>
+          </p:cNvSpPr>
+          <p:nvPr>
+            <p:ph type="sldImg"/>
+          </p:nvPr>
+        </p:nvSpPr>
+        <p:spPr/>
+      </p:sp>
+      <p:sp>
+        <p:nvSpPr>
+          <p:cNvPr id="3" name="Notes Placeholder 2"/>
+          <p:cNvSpPr>
+            <a:spLocks noGrp="1"/>
+          </p:cNvSpPr>
+          <p:nvPr>
+            <p:ph type="body" idx="1"/>
+          </p:nvPr>
+        </p:nvSpPr>
+        <p:spPr/>
+        <p:txBody>
+          <a:bodyPr/>
+          <a:lstStyle/>
+          <a:p>
+            <a:pPr marL="0" marR="0" indent="0" algn="l" defTabSz="914400" rtl="0" eaLnBrk="1" fontAlgn="auto" latinLnBrk="0" hangingPunct="1">
+              <a:lnSpc>
+                <a:spcPct val="100000"/>
+              </a:lnSpc>
+              <a:spcBef>
+                <a:spcPts val="0"/>
+              </a:spcBef>
+              <a:spcAft>
+                <a:spcPts val="0"/>
+              </a:spcAft>
+              <a:buClrTx/>
+              <a:buSzTx/>
+              <a:buFontTx/>
+              <a:buNone/>
+              <a:tabLst/>
+              <a:defRPr/>
             </a:pPr>
             <a:r>
-              <a:rPr lang="en-US" dirty="0" smtClean="0"/>
-              <a:t>Naming helps keep the tests small and in the right place. With names</a:t>
-            </a:r>
-            <a:r>
-              <a:rPr lang="en-US" baseline="0" dirty="0" smtClean="0"/>
-              <a:t> callout specific system behavior [fill]</a:t>
-            </a:r>
+              <a:rPr lang="en-US" sz="1200" kern="1200" dirty="0" smtClean="0">
+                <a:solidFill>
+                  <a:schemeClr val="tx1"/>
+                </a:solidFill>
+                <a:effectLst/>
+                <a:latin typeface="+mn-lt"/>
+                <a:ea typeface="+mn-ea"/>
+                <a:cs typeface="+mn-cs"/>
+              </a:rPr>
+              <a:t>Testing in TDD is is an effective way of ensuring your code works. However, if the methods don’t describe the behavior of the system then they are lulling you into a false sense of security.</a:t>
+            </a:r>
+          </a:p>
+          <a:p>
             <a:endParaRPr lang="en-US" dirty="0" smtClean="0"/>
           </a:p>
           <a:p>
-            <a:pPr marL="628650" lvl="1" indent="-171450">
-              <a:buFont typeface="Arial" charset="0"/>
-              <a:buChar char="•"/>
+            <a:pPr marL="228600" indent="-228600">
+              <a:buAutoNum type="arabicPeriod"/>
             </a:pPr>
-            <a:endParaRPr lang="en-US" dirty="0" smtClean="0"/>
-          </a:p>
-          <a:p>
-            <a:pPr marL="171450" lvl="0" indent="-171450">
-              <a:buFont typeface="Arial" charset="0"/>
-              <a:buChar char="•"/>
+            <a:r>
+              <a:rPr lang="en-US" sz="1200" kern="1200" dirty="0" smtClean="0">
+                <a:solidFill>
+                  <a:schemeClr val="tx1"/>
+                </a:solidFill>
+                <a:effectLst/>
+                <a:latin typeface="+mn-lt"/>
+                <a:ea typeface="+mn-ea"/>
+                <a:cs typeface="+mn-cs"/>
+              </a:rPr>
+              <a:t>The test is a sentence that describes the next behavior you are interested in. You can only describe so much behavior in one sentence, so how much to test becomes moot.</a:t>
+            </a:r>
+          </a:p>
+          <a:p>
+            <a:r>
+              <a:rPr lang="en-US" sz="1200" kern="1200" dirty="0" smtClean="0">
+                <a:solidFill>
+                  <a:schemeClr val="tx1"/>
+                </a:solidFill>
+                <a:effectLst/>
+                <a:latin typeface="+mn-lt"/>
+                <a:ea typeface="+mn-ea"/>
+                <a:cs typeface="+mn-cs"/>
+              </a:rPr>
+              <a:t>In order to answer this question, we must identify the value of the features and prioritize them. This too helps with naming. </a:t>
+            </a:r>
+            <a:r>
+              <a:rPr lang="en-US" sz="1200" i="1" kern="1200" dirty="0" smtClean="0">
+                <a:solidFill>
+                  <a:schemeClr val="tx1"/>
+                </a:solidFill>
+                <a:effectLst/>
+                <a:latin typeface="+mn-lt"/>
+                <a:ea typeface="+mn-ea"/>
+                <a:cs typeface="+mn-cs"/>
+              </a:rPr>
+              <a:t>The system doesn’t do X and X is important, which means it should do X.</a:t>
+            </a:r>
+            <a:endParaRPr lang="en-US" sz="1200" kern="1200" dirty="0" smtClean="0">
+              <a:solidFill>
+                <a:schemeClr val="tx1"/>
+              </a:solidFill>
+              <a:effectLst/>
+              <a:latin typeface="+mn-lt"/>
+              <a:ea typeface="+mn-ea"/>
+              <a:cs typeface="+mn-cs"/>
+            </a:endParaRPr>
+          </a:p>
+          <a:p>
+            <a:r>
+              <a:rPr lang="en-US" sz="1200" i="1" kern="1200" dirty="0" err="1" smtClean="0">
+                <a:solidFill>
+                  <a:schemeClr val="tx1"/>
+                </a:solidFill>
+                <a:effectLst/>
+                <a:latin typeface="+mn-lt"/>
+                <a:ea typeface="+mn-ea"/>
+                <a:cs typeface="+mn-cs"/>
+              </a:rPr>
+              <a:t>shouldDoX</a:t>
+            </a:r>
+            <a:endParaRPr lang="en-US" sz="1200" kern="1200" dirty="0" smtClean="0">
+              <a:solidFill>
+                <a:schemeClr val="tx1"/>
+              </a:solidFill>
+              <a:effectLst/>
+              <a:latin typeface="+mn-lt"/>
+              <a:ea typeface="+mn-ea"/>
+              <a:cs typeface="+mn-cs"/>
+            </a:endParaRPr>
+          </a:p>
+          <a:p>
+            <a:pPr marL="228600" indent="-228600">
+              <a:buAutoNum type="arabicPeriod"/>
             </a:pPr>
+            <a:endParaRPr lang="en-US" dirty="0"/>
+          </a:p>
+        </p:txBody>
+      </p:sp>
+      <p:sp>
+        <p:nvSpPr>
+          <p:cNvPr id="4" name="Slide Number Placeholder 3"/>
+          <p:cNvSpPr>
+            <a:spLocks noGrp="1"/>
+          </p:cNvSpPr>
+          <p:nvPr>
+            <p:ph type="sldNum" sz="quarter" idx="10"/>
+          </p:nvPr>
+        </p:nvSpPr>
+        <p:spPr/>
+        <p:txBody>
+          <a:bodyPr/>
+          <a:lstStyle/>
+          <a:p>
+            <a:fld id="{717C0D68-69C3-4A4C-9D46-4BC134F8A513}" type="slidenum">
+              <a:rPr lang="en-US" smtClean="0"/>
+              <a:t>8</a:t>
+            </a:fld>
+            <a:endParaRPr lang="en-US"/>
+          </a:p>
+        </p:txBody>
+      </p:sp>
+    </p:spTree>
+    <p:extLst>
+      <p:ext uri="{BB962C8B-B14F-4D97-AF65-F5344CB8AC3E}">
+        <p14:creationId xmlns:p14="http://schemas.microsoft.com/office/powerpoint/2010/main" val="1190632337"/>
+      </p:ext>
+    </p:extLst>
+  </p:cSld>
+  <p:clrMapOvr>
+    <a:masterClrMapping/>
+  </p:clrMapOvr>
+</p:notes>
+</file>
+
+<file path=ppt/notesSlides/notesSlide7.xml><?xml version="1.0" encoding="utf-8"?>
+<p:notes xmlns:a="http://schemas.openxmlformats.org/drawingml/2006/main" xmlns:r="http://schemas.openxmlformats.org/officeDocument/2006/relationships" xmlns:p="http://schemas.openxmlformats.org/presentationml/2006/main">
+  <p:cSld>
+    <p:spTree>
+      <p:nvGrpSpPr>
+        <p:cNvPr id="1" name=""/>
+        <p:cNvGrpSpPr/>
+        <p:nvPr/>
+      </p:nvGrpSpPr>
+      <p:grpSpPr>
+        <a:xfrm>
+          <a:off x="0" y="0"/>
+          <a:ext cx="0" cy="0"/>
+          <a:chOff x="0" y="0"/>
+          <a:chExt cx="0" cy="0"/>
+        </a:xfrm>
+      </p:grpSpPr>
+      <p:sp>
+        <p:nvSpPr>
+          <p:cNvPr id="2" name="Slide Image Placeholder 1"/>
+          <p:cNvSpPr>
+            <a:spLocks noGrp="1" noRot="1" noChangeAspect="1"/>
+          </p:cNvSpPr>
+          <p:nvPr>
+            <p:ph type="sldImg"/>
+          </p:nvPr>
+        </p:nvSpPr>
+        <p:spPr/>
+      </p:sp>
+      <p:sp>
+        <p:nvSpPr>
+          <p:cNvPr id="3" name="Notes Placeholder 2"/>
+          <p:cNvSpPr>
+            <a:spLocks noGrp="1"/>
+          </p:cNvSpPr>
+          <p:nvPr>
+            <p:ph type="body" idx="1"/>
+          </p:nvPr>
+        </p:nvSpPr>
+        <p:spPr/>
+        <p:txBody>
+          <a:bodyPr/>
+          <a:lstStyle/>
+          <a:p>
+            <a:pPr marL="0" marR="0" indent="0" algn="l" defTabSz="914400" rtl="0" eaLnBrk="1" fontAlgn="auto" latinLnBrk="0" hangingPunct="1">
+              <a:lnSpc>
+                <a:spcPct val="100000"/>
+              </a:lnSpc>
+              <a:spcBef>
+                <a:spcPts val="0"/>
+              </a:spcBef>
+              <a:spcAft>
+                <a:spcPts val="0"/>
+              </a:spcAft>
+              <a:buClrTx/>
+              <a:buSzTx/>
+              <a:buFontTx/>
+              <a:buNone/>
+              <a:tabLst/>
+              <a:defRPr/>
+            </a:pPr>
+            <a:r>
+              <a:rPr lang="en-US" sz="1200" kern="1200" dirty="0" smtClean="0">
+                <a:solidFill>
+                  <a:schemeClr val="tx1"/>
+                </a:solidFill>
+                <a:effectLst/>
+                <a:latin typeface="+mn-lt"/>
+                <a:ea typeface="+mn-ea"/>
+                <a:cs typeface="+mn-cs"/>
+              </a:rPr>
+              <a:t>BDD plays into our ubiquitous language, </a:t>
+            </a:r>
+            <a:r>
+              <a:rPr lang="en-US" sz="1200" kern="1200" dirty="0" err="1" smtClean="0">
+                <a:solidFill>
+                  <a:schemeClr val="tx1"/>
+                </a:solidFill>
+                <a:effectLst/>
+                <a:latin typeface="+mn-lt"/>
+                <a:ea typeface="+mn-ea"/>
+                <a:cs typeface="+mn-cs"/>
+              </a:rPr>
+              <a:t>dveloping</a:t>
+            </a:r>
+            <a:r>
+              <a:rPr lang="en-US" sz="1200" kern="1200" dirty="0" smtClean="0">
+                <a:solidFill>
+                  <a:schemeClr val="tx1"/>
+                </a:solidFill>
+                <a:effectLst/>
+                <a:latin typeface="+mn-lt"/>
+                <a:ea typeface="+mn-ea"/>
+                <a:cs typeface="+mn-cs"/>
+              </a:rPr>
+              <a:t> a constant vocabulary for analysts, developers, tester, and the business.</a:t>
+            </a:r>
+          </a:p>
+          <a:p>
             <a:endParaRPr lang="en-US" dirty="0"/>
           </a:p>
         </p:txBody>
@@ -1235,7 +1766,237 @@
     </p:spTree>
     <p:extLst>
       <p:ext uri="{BB962C8B-B14F-4D97-AF65-F5344CB8AC3E}">
-        <p14:creationId xmlns:p14="http://schemas.microsoft.com/office/powerpoint/2010/main" val="75537446"/>
+        <p14:creationId xmlns:p14="http://schemas.microsoft.com/office/powerpoint/2010/main" val="961087559"/>
+      </p:ext>
+    </p:extLst>
+  </p:cSld>
+  <p:clrMapOvr>
+    <a:masterClrMapping/>
+  </p:clrMapOvr>
+</p:notes>
+</file>
+
+<file path=ppt/notesSlides/notesSlide8.xml><?xml version="1.0" encoding="utf-8"?>
+<p:notes xmlns:a="http://schemas.openxmlformats.org/drawingml/2006/main" xmlns:r="http://schemas.openxmlformats.org/officeDocument/2006/relationships" xmlns:p="http://schemas.openxmlformats.org/presentationml/2006/main">
+  <p:cSld>
+    <p:spTree>
+      <p:nvGrpSpPr>
+        <p:cNvPr id="1" name=""/>
+        <p:cNvGrpSpPr/>
+        <p:nvPr/>
+      </p:nvGrpSpPr>
+      <p:grpSpPr>
+        <a:xfrm>
+          <a:off x="0" y="0"/>
+          <a:ext cx="0" cy="0"/>
+          <a:chOff x="0" y="0"/>
+          <a:chExt cx="0" cy="0"/>
+        </a:xfrm>
+      </p:grpSpPr>
+      <p:sp>
+        <p:nvSpPr>
+          <p:cNvPr id="2" name="Slide Image Placeholder 1"/>
+          <p:cNvSpPr>
+            <a:spLocks noGrp="1" noRot="1" noChangeAspect="1"/>
+          </p:cNvSpPr>
+          <p:nvPr>
+            <p:ph type="sldImg"/>
+          </p:nvPr>
+        </p:nvSpPr>
+        <p:spPr/>
+      </p:sp>
+      <p:sp>
+        <p:nvSpPr>
+          <p:cNvPr id="3" name="Notes Placeholder 2"/>
+          <p:cNvSpPr>
+            <a:spLocks noGrp="1"/>
+          </p:cNvSpPr>
+          <p:nvPr>
+            <p:ph type="body" idx="1"/>
+          </p:nvPr>
+        </p:nvSpPr>
+        <p:spPr/>
+        <p:txBody>
+          <a:bodyPr/>
+          <a:lstStyle/>
+          <a:p>
+            <a:r>
+              <a:rPr lang="en-US" dirty="0" smtClean="0"/>
+              <a:t>What is the behavior here?</a:t>
+            </a:r>
+          </a:p>
+          <a:p>
+            <a:endParaRPr lang="en-US" dirty="0" smtClean="0"/>
+          </a:p>
+          <a:p>
+            <a:r>
+              <a:rPr lang="en-US" dirty="0" smtClean="0"/>
+              <a:t>How do we capture the behavior in the story?</a:t>
+            </a:r>
+          </a:p>
+          <a:p>
+            <a:endParaRPr lang="en-US" dirty="0" smtClean="0"/>
+          </a:p>
+          <a:p>
+            <a:r>
+              <a:rPr lang="en-US" dirty="0" smtClean="0"/>
+              <a:t>A story’s behavior is simply its acceptance criteria. If a feature fulfills the acceptance criteria, then it is behaving </a:t>
+            </a:r>
+            <a:r>
+              <a:rPr lang="en-US" smtClean="0"/>
+              <a:t>correctly.</a:t>
+            </a:r>
+            <a:endParaRPr lang="en-US" dirty="0" smtClean="0"/>
+          </a:p>
+        </p:txBody>
+      </p:sp>
+      <p:sp>
+        <p:nvSpPr>
+          <p:cNvPr id="4" name="Slide Number Placeholder 3"/>
+          <p:cNvSpPr>
+            <a:spLocks noGrp="1"/>
+          </p:cNvSpPr>
+          <p:nvPr>
+            <p:ph type="sldNum" sz="quarter" idx="10"/>
+          </p:nvPr>
+        </p:nvSpPr>
+        <p:spPr/>
+        <p:txBody>
+          <a:bodyPr/>
+          <a:lstStyle/>
+          <a:p>
+            <a:fld id="{717C0D68-69C3-4A4C-9D46-4BC134F8A513}" type="slidenum">
+              <a:rPr lang="en-US" smtClean="0"/>
+              <a:t>10</a:t>
+            </a:fld>
+            <a:endParaRPr lang="en-US"/>
+          </a:p>
+        </p:txBody>
+      </p:sp>
+    </p:spTree>
+    <p:extLst>
+      <p:ext uri="{BB962C8B-B14F-4D97-AF65-F5344CB8AC3E}">
+        <p14:creationId xmlns:p14="http://schemas.microsoft.com/office/powerpoint/2010/main" val="150501508"/>
+      </p:ext>
+    </p:extLst>
+  </p:cSld>
+  <p:clrMapOvr>
+    <a:masterClrMapping/>
+  </p:clrMapOvr>
+</p:notes>
+</file>
+
+<file path=ppt/notesSlides/notesSlide9.xml><?xml version="1.0" encoding="utf-8"?>
+<p:notes xmlns:a="http://schemas.openxmlformats.org/drawingml/2006/main" xmlns:r="http://schemas.openxmlformats.org/officeDocument/2006/relationships" xmlns:p="http://schemas.openxmlformats.org/presentationml/2006/main">
+  <p:cSld>
+    <p:spTree>
+      <p:nvGrpSpPr>
+        <p:cNvPr id="1" name=""/>
+        <p:cNvGrpSpPr/>
+        <p:nvPr/>
+      </p:nvGrpSpPr>
+      <p:grpSpPr>
+        <a:xfrm>
+          <a:off x="0" y="0"/>
+          <a:ext cx="0" cy="0"/>
+          <a:chOff x="0" y="0"/>
+          <a:chExt cx="0" cy="0"/>
+        </a:xfrm>
+      </p:grpSpPr>
+      <p:sp>
+        <p:nvSpPr>
+          <p:cNvPr id="2" name="Slide Image Placeholder 1"/>
+          <p:cNvSpPr>
+            <a:spLocks noGrp="1" noRot="1" noChangeAspect="1"/>
+          </p:cNvSpPr>
+          <p:nvPr>
+            <p:ph type="sldImg"/>
+          </p:nvPr>
+        </p:nvSpPr>
+        <p:spPr/>
+      </p:sp>
+      <p:sp>
+        <p:nvSpPr>
+          <p:cNvPr id="3" name="Notes Placeholder 2"/>
+          <p:cNvSpPr>
+            <a:spLocks noGrp="1"/>
+          </p:cNvSpPr>
+          <p:nvPr>
+            <p:ph type="body" idx="1"/>
+          </p:nvPr>
+        </p:nvSpPr>
+        <p:spPr/>
+        <p:txBody>
+          <a:bodyPr/>
+          <a:lstStyle/>
+          <a:p>
+            <a:r>
+              <a:rPr lang="en-US" sz="1200" kern="1200" dirty="0" smtClean="0">
+                <a:solidFill>
+                  <a:schemeClr val="tx1"/>
+                </a:solidFill>
+                <a:effectLst/>
+                <a:latin typeface="+mn-lt"/>
+                <a:ea typeface="+mn-ea"/>
+                <a:cs typeface="+mn-cs"/>
+              </a:rPr>
+              <a:t>Let’s describe acceptance criteria in terms of </a:t>
+            </a:r>
+            <a:r>
+              <a:rPr lang="en-US" sz="1200" i="1" kern="1200" dirty="0" smtClean="0">
+                <a:solidFill>
+                  <a:schemeClr val="tx1"/>
+                </a:solidFill>
+                <a:effectLst/>
+                <a:latin typeface="+mn-lt"/>
+                <a:ea typeface="+mn-ea"/>
+                <a:cs typeface="+mn-cs"/>
+              </a:rPr>
+              <a:t>scenarios</a:t>
+            </a:r>
+            <a:r>
+              <a:rPr lang="en-US" sz="1200" kern="1200" dirty="0" smtClean="0">
+                <a:solidFill>
+                  <a:schemeClr val="tx1"/>
+                </a:solidFill>
+                <a:effectLst/>
+                <a:latin typeface="+mn-lt"/>
+                <a:ea typeface="+mn-ea"/>
+                <a:cs typeface="+mn-cs"/>
+              </a:rPr>
+              <a:t>. </a:t>
+            </a:r>
+            <a:endParaRPr lang="en-US" dirty="0"/>
+          </a:p>
+        </p:txBody>
+      </p:sp>
+      <p:sp>
+        <p:nvSpPr>
+          <p:cNvPr id="4" name="Slide Number Placeholder 3"/>
+          <p:cNvSpPr>
+            <a:spLocks noGrp="1"/>
+          </p:cNvSpPr>
+          <p:nvPr>
+            <p:ph type="sldNum" sz="quarter" idx="10"/>
+          </p:nvPr>
+        </p:nvSpPr>
+        <p:spPr/>
+        <p:txBody>
+          <a:bodyPr/>
+          <a:lstStyle/>
+          <a:p>
+            <a:fld id="{717C0D68-69C3-4A4C-9D46-4BC134F8A513}" type="slidenum">
+              <a:rPr lang="en-US" smtClean="0"/>
+              <a:t>11</a:t>
+            </a:fld>
+            <a:endParaRPr lang="en-US"/>
+          </a:p>
+        </p:txBody>
+      </p:sp>
+    </p:spTree>
+    <p:extLst>
+      <p:ext uri="{BB962C8B-B14F-4D97-AF65-F5344CB8AC3E}">
+        <p14:creationId xmlns:p14="http://schemas.microsoft.com/office/powerpoint/2010/main" val="1255915243"/>
       </p:ext>
     </p:extLst>
   </p:cSld>
@@ -6932,6 +7693,634 @@
 </p:sld>
 </file>
 
+<file path=ppt/slides/slide10.xml><?xml version="1.0" encoding="utf-8"?>
+<p:sld xmlns:a="http://schemas.openxmlformats.org/drawingml/2006/main" xmlns:r="http://schemas.openxmlformats.org/officeDocument/2006/relationships" xmlns:p="http://schemas.openxmlformats.org/presentationml/2006/main">
+  <p:cSld>
+    <p:spTree>
+      <p:nvGrpSpPr>
+        <p:cNvPr id="1" name=""/>
+        <p:cNvGrpSpPr/>
+        <p:nvPr/>
+      </p:nvGrpSpPr>
+      <p:grpSpPr>
+        <a:xfrm>
+          <a:off x="0" y="0"/>
+          <a:ext cx="0" cy="0"/>
+          <a:chOff x="0" y="0"/>
+          <a:chExt cx="0" cy="0"/>
+        </a:xfrm>
+      </p:grpSpPr>
+      <p:sp>
+        <p:nvSpPr>
+          <p:cNvPr id="2" name="Title 1"/>
+          <p:cNvSpPr>
+            <a:spLocks noGrp="1"/>
+          </p:cNvSpPr>
+          <p:nvPr>
+            <p:ph type="title"/>
+          </p:nvPr>
+        </p:nvSpPr>
+        <p:spPr/>
+        <p:txBody>
+          <a:bodyPr/>
+          <a:lstStyle/>
+          <a:p>
+            <a:r>
+              <a:rPr lang="en-US" b="1" dirty="0" smtClean="0"/>
+              <a:t>Example Story</a:t>
+            </a:r>
+            <a:endParaRPr lang="en-US" dirty="0"/>
+          </a:p>
+        </p:txBody>
+      </p:sp>
+      <p:sp>
+        <p:nvSpPr>
+          <p:cNvPr id="3" name="Content Placeholder 2"/>
+          <p:cNvSpPr>
+            <a:spLocks noGrp="1"/>
+          </p:cNvSpPr>
+          <p:nvPr>
+            <p:ph idx="1"/>
+          </p:nvPr>
+        </p:nvSpPr>
+        <p:spPr>
+          <a:xfrm>
+            <a:off x="3323255" y="2011680"/>
+            <a:ext cx="5545490" cy="3703320"/>
+          </a:xfrm>
+        </p:spPr>
+        <p:txBody>
+          <a:bodyPr/>
+          <a:lstStyle/>
+          <a:p>
+            <a:pPr marL="0" indent="0">
+              <a:buNone/>
+            </a:pPr>
+            <a:endParaRPr lang="en-US" i="1" dirty="0" smtClean="0"/>
+          </a:p>
+          <a:p>
+            <a:pPr marL="0" indent="0">
+              <a:buNone/>
+            </a:pPr>
+            <a:endParaRPr lang="en-US" i="1" dirty="0" smtClean="0"/>
+          </a:p>
+          <a:p>
+            <a:pPr marL="0" indent="0">
+              <a:buNone/>
+            </a:pPr>
+            <a:r>
+              <a:rPr lang="en-US" i="1" dirty="0" smtClean="0"/>
+              <a:t>As </a:t>
+            </a:r>
+            <a:r>
+              <a:rPr lang="en-US" i="1" dirty="0"/>
+              <a:t>a former Consultant,</a:t>
+            </a:r>
+            <a:r>
+              <a:rPr lang="en-US" dirty="0"/>
+              <a:t/>
+            </a:r>
+            <a:br>
+              <a:rPr lang="en-US" dirty="0"/>
+            </a:br>
+            <a:r>
+              <a:rPr lang="en-US" i="1" dirty="0"/>
+              <a:t>I want </a:t>
+            </a:r>
+            <a:r>
+              <a:rPr lang="en-US" i="1" dirty="0" smtClean="0"/>
+              <a:t>to </a:t>
+            </a:r>
+            <a:r>
+              <a:rPr lang="en-US" i="1" dirty="0"/>
+              <a:t>pay a fee to re-enroll,</a:t>
+            </a:r>
+            <a:r>
+              <a:rPr lang="en-US" dirty="0"/>
+              <a:t/>
+            </a:r>
+            <a:br>
+              <a:rPr lang="en-US" dirty="0"/>
+            </a:br>
+            <a:r>
+              <a:rPr lang="en-US" i="1" dirty="0"/>
+              <a:t>So that I don't have to buy more stock</a:t>
+            </a:r>
+            <a:endParaRPr lang="en-US" dirty="0"/>
+          </a:p>
+        </p:txBody>
+      </p:sp>
+    </p:spTree>
+    <p:extLst>
+      <p:ext uri="{BB962C8B-B14F-4D97-AF65-F5344CB8AC3E}">
+        <p14:creationId xmlns:p14="http://schemas.microsoft.com/office/powerpoint/2010/main" val="654589727"/>
+      </p:ext>
+    </p:extLst>
+  </p:cSld>
+  <p:clrMapOvr>
+    <a:masterClrMapping/>
+  </p:clrMapOvr>
+  <p:timing>
+    <p:tnLst>
+      <p:par>
+        <p:cTn id="1" dur="indefinite" restart="never" nodeType="tmRoot"/>
+      </p:par>
+    </p:tnLst>
+  </p:timing>
+</p:sld>
+</file>
+
+<file path=ppt/slides/slide11.xml><?xml version="1.0" encoding="utf-8"?>
+<p:sld xmlns:a="http://schemas.openxmlformats.org/drawingml/2006/main" xmlns:r="http://schemas.openxmlformats.org/officeDocument/2006/relationships" xmlns:p="http://schemas.openxmlformats.org/presentationml/2006/main">
+  <p:cSld>
+    <p:spTree>
+      <p:nvGrpSpPr>
+        <p:cNvPr id="1" name=""/>
+        <p:cNvGrpSpPr/>
+        <p:nvPr/>
+      </p:nvGrpSpPr>
+      <p:grpSpPr>
+        <a:xfrm>
+          <a:off x="0" y="0"/>
+          <a:ext cx="0" cy="0"/>
+          <a:chOff x="0" y="0"/>
+          <a:chExt cx="0" cy="0"/>
+        </a:xfrm>
+      </p:grpSpPr>
+      <p:sp>
+        <p:nvSpPr>
+          <p:cNvPr id="2" name="Title 1"/>
+          <p:cNvSpPr>
+            <a:spLocks noGrp="1"/>
+          </p:cNvSpPr>
+          <p:nvPr>
+            <p:ph type="title"/>
+          </p:nvPr>
+        </p:nvSpPr>
+        <p:spPr/>
+        <p:txBody>
+          <a:bodyPr/>
+          <a:lstStyle/>
+          <a:p>
+            <a:r>
+              <a:rPr lang="en-US" dirty="0" smtClean="0"/>
+              <a:t>Acceptance Criteria</a:t>
+            </a:r>
+            <a:endParaRPr lang="en-US" dirty="0"/>
+          </a:p>
+        </p:txBody>
+      </p:sp>
+      <p:sp>
+        <p:nvSpPr>
+          <p:cNvPr id="3" name="Content Placeholder 2"/>
+          <p:cNvSpPr>
+            <a:spLocks noGrp="1"/>
+          </p:cNvSpPr>
+          <p:nvPr>
+            <p:ph idx="1"/>
+          </p:nvPr>
+        </p:nvSpPr>
+        <p:spPr/>
+        <p:txBody>
+          <a:bodyPr/>
+          <a:lstStyle/>
+          <a:p>
+            <a:pPr marL="0" indent="0">
+              <a:buNone/>
+            </a:pPr>
+            <a:r>
+              <a:rPr lang="en-US" b="1" dirty="0"/>
+              <a:t>Given </a:t>
+            </a:r>
+            <a:r>
+              <a:rPr lang="en-US" dirty="0"/>
+              <a:t>some initial </a:t>
+            </a:r>
+            <a:r>
+              <a:rPr lang="en-US" dirty="0" smtClean="0"/>
+              <a:t>context</a:t>
+            </a:r>
+            <a:br>
+              <a:rPr lang="en-US" dirty="0" smtClean="0"/>
+            </a:br>
+            <a:r>
+              <a:rPr lang="en-US" b="1" dirty="0" smtClean="0"/>
+              <a:t>When </a:t>
+            </a:r>
+            <a:r>
+              <a:rPr lang="en-US" dirty="0"/>
+              <a:t>an event </a:t>
+            </a:r>
+            <a:r>
+              <a:rPr lang="en-US" dirty="0" smtClean="0"/>
+              <a:t>occurs</a:t>
+            </a:r>
+            <a:br>
+              <a:rPr lang="en-US" dirty="0" smtClean="0"/>
+            </a:br>
+            <a:r>
+              <a:rPr lang="en-US" b="1" dirty="0" smtClean="0"/>
+              <a:t>Then</a:t>
+            </a:r>
+            <a:r>
+              <a:rPr lang="en-US" dirty="0"/>
+              <a:t> ensure some </a:t>
+            </a:r>
+            <a:r>
+              <a:rPr lang="en-US" dirty="0" smtClean="0"/>
+              <a:t>outcomes</a:t>
+            </a:r>
+          </a:p>
+          <a:p>
+            <a:pPr marL="0" indent="0">
+              <a:buNone/>
+            </a:pPr>
+            <a:endParaRPr lang="en-US" dirty="0"/>
+          </a:p>
+          <a:p>
+            <a:pPr marL="0" indent="0">
+              <a:buNone/>
+            </a:pPr>
+            <a:r>
+              <a:rPr lang="en-US" b="1" dirty="0"/>
+              <a:t>Given</a:t>
+            </a:r>
+            <a:r>
+              <a:rPr lang="en-US" dirty="0"/>
+              <a:t> a customer is a former Consultant</a:t>
+            </a:r>
+            <a:r>
+              <a:rPr lang="en-US" dirty="0"/>
+              <a:t/>
+            </a:r>
+            <a:br>
+              <a:rPr lang="en-US" dirty="0"/>
+            </a:br>
+            <a:r>
+              <a:rPr lang="en-US" dirty="0"/>
+              <a:t>    </a:t>
+            </a:r>
+            <a:r>
+              <a:rPr lang="en-US" b="1" dirty="0"/>
+              <a:t>And</a:t>
+            </a:r>
+            <a:r>
+              <a:rPr lang="en-US" dirty="0"/>
+              <a:t> they have been inactive less than 6 months</a:t>
+            </a:r>
+            <a:r>
+              <a:rPr lang="en-US" dirty="0"/>
+              <a:t/>
+            </a:r>
+            <a:br>
+              <a:rPr lang="en-US" dirty="0"/>
+            </a:br>
+            <a:r>
+              <a:rPr lang="en-US" b="1" dirty="0"/>
+              <a:t>When</a:t>
+            </a:r>
+            <a:r>
+              <a:rPr lang="en-US" dirty="0"/>
+              <a:t> presented with business </a:t>
+            </a:r>
+            <a:r>
+              <a:rPr lang="en-US" dirty="0" smtClean="0"/>
+              <a:t>opportunities</a:t>
+            </a:r>
+            <a:br>
+              <a:rPr lang="en-US" dirty="0" smtClean="0"/>
+            </a:br>
+            <a:r>
+              <a:rPr lang="en-US" b="1" dirty="0" smtClean="0"/>
+              <a:t>Then</a:t>
+            </a:r>
+            <a:r>
+              <a:rPr lang="en-US" dirty="0"/>
+              <a:t> they should be able to pay the re-enrollment fee</a:t>
+            </a:r>
+          </a:p>
+          <a:p>
+            <a:endParaRPr lang="en-US" dirty="0"/>
+          </a:p>
+        </p:txBody>
+      </p:sp>
+    </p:spTree>
+    <p:extLst>
+      <p:ext uri="{BB962C8B-B14F-4D97-AF65-F5344CB8AC3E}">
+        <p14:creationId xmlns:p14="http://schemas.microsoft.com/office/powerpoint/2010/main" val="213027883"/>
+      </p:ext>
+    </p:extLst>
+  </p:cSld>
+  <p:clrMapOvr>
+    <a:masterClrMapping/>
+  </p:clrMapOvr>
+  <p:timing>
+    <p:tnLst>
+      <p:par>
+        <p:cTn id="1" dur="indefinite" restart="never" nodeType="tmRoot">
+          <p:childTnLst>
+            <p:seq concurrent="1" nextAc="seek">
+              <p:cTn id="2" dur="indefinite" nodeType="mainSeq">
+                <p:childTnLst>
+                  <p:par>
+                    <p:cTn id="3" fill="hold">
+                      <p:stCondLst>
+                        <p:cond delay="indefinite"/>
+                      </p:stCondLst>
+                      <p:childTnLst>
+                        <p:par>
+                          <p:cTn id="4" fill="hold">
+                            <p:stCondLst>
+                              <p:cond delay="0"/>
+                            </p:stCondLst>
+                            <p:childTnLst>
+                              <p:par>
+                                <p:cTn id="5" presetID="1" presetClass="entr" presetSubtype="0" fill="hold" grpId="0" nodeType="clickEffect">
+                                  <p:stCondLst>
+                                    <p:cond delay="0"/>
+                                  </p:stCondLst>
+                                  <p:childTnLst>
+                                    <p:set>
+                                      <p:cBhvr>
+                                        <p:cTn id="6" dur="1" fill="hold">
+                                          <p:stCondLst>
+                                            <p:cond delay="0"/>
+                                          </p:stCondLst>
+                                        </p:cTn>
+                                        <p:tgtEl>
+                                          <p:spTgt spid="3">
+                                            <p:txEl>
+                                              <p:pRg st="0" end="0"/>
+                                            </p:txEl>
+                                          </p:spTgt>
+                                        </p:tgtEl>
+                                        <p:attrNameLst>
+                                          <p:attrName>style.visibility</p:attrName>
+                                        </p:attrNameLst>
+                                      </p:cBhvr>
+                                      <p:to>
+                                        <p:strVal val="visible"/>
+                                      </p:to>
+                                    </p:set>
+                                  </p:childTnLst>
+                                </p:cTn>
+                              </p:par>
+                            </p:childTnLst>
+                          </p:cTn>
+                        </p:par>
+                      </p:childTnLst>
+                    </p:cTn>
+                  </p:par>
+                  <p:par>
+                    <p:cTn id="7" fill="hold">
+                      <p:stCondLst>
+                        <p:cond delay="indefinite"/>
+                      </p:stCondLst>
+                      <p:childTnLst>
+                        <p:par>
+                          <p:cTn id="8" fill="hold">
+                            <p:stCondLst>
+                              <p:cond delay="0"/>
+                            </p:stCondLst>
+                            <p:childTnLst>
+                              <p:par>
+                                <p:cTn id="9" presetID="1" presetClass="entr" presetSubtype="0" fill="hold" grpId="0" nodeType="clickEffect">
+                                  <p:stCondLst>
+                                    <p:cond delay="0"/>
+                                  </p:stCondLst>
+                                  <p:childTnLst>
+                                    <p:set>
+                                      <p:cBhvr>
+                                        <p:cTn id="10" dur="1" fill="hold">
+                                          <p:stCondLst>
+                                            <p:cond delay="0"/>
+                                          </p:stCondLst>
+                                        </p:cTn>
+                                        <p:tgtEl>
+                                          <p:spTgt spid="3">
+                                            <p:txEl>
+                                              <p:pRg st="2" end="2"/>
+                                            </p:txEl>
+                                          </p:spTgt>
+                                        </p:tgtEl>
+                                        <p:attrNameLst>
+                                          <p:attrName>style.visibility</p:attrName>
+                                        </p:attrNameLst>
+                                      </p:cBhvr>
+                                      <p:to>
+                                        <p:strVal val="visible"/>
+                                      </p:to>
+                                    </p:set>
+                                  </p:childTnLst>
+                                </p:cTn>
+                              </p:par>
+                            </p:childTnLst>
+                          </p:cTn>
+                        </p:par>
+                      </p:childTnLst>
+                    </p:cTn>
+                  </p:par>
+                </p:childTnLst>
+              </p:cTn>
+              <p:prevCondLst>
+                <p:cond evt="onPrev" delay="0">
+                  <p:tgtEl>
+                    <p:sldTgt/>
+                  </p:tgtEl>
+                </p:cond>
+              </p:prevCondLst>
+              <p:nextCondLst>
+                <p:cond evt="onNext" delay="0">
+                  <p:tgtEl>
+                    <p:sldTgt/>
+                  </p:tgtEl>
+                </p:cond>
+              </p:nextCondLst>
+            </p:seq>
+          </p:childTnLst>
+        </p:cTn>
+      </p:par>
+    </p:tnLst>
+    <p:bldLst>
+      <p:bldP spid="3" grpId="0" uiExpand="1" build="p"/>
+    </p:bldLst>
+  </p:timing>
+</p:sld>
+</file>
+
+<file path=ppt/slides/slide12.xml><?xml version="1.0" encoding="utf-8"?>
+<p:sld xmlns:a="http://schemas.openxmlformats.org/drawingml/2006/main" xmlns:r="http://schemas.openxmlformats.org/officeDocument/2006/relationships" xmlns:p="http://schemas.openxmlformats.org/presentationml/2006/main">
+  <p:cSld>
+    <p:spTree>
+      <p:nvGrpSpPr>
+        <p:cNvPr id="1" name=""/>
+        <p:cNvGrpSpPr/>
+        <p:nvPr/>
+      </p:nvGrpSpPr>
+      <p:grpSpPr>
+        <a:xfrm>
+          <a:off x="0" y="0"/>
+          <a:ext cx="0" cy="0"/>
+          <a:chOff x="0" y="0"/>
+          <a:chExt cx="0" cy="0"/>
+        </a:xfrm>
+      </p:grpSpPr>
+      <p:sp>
+        <p:nvSpPr>
+          <p:cNvPr id="2" name="Title 1"/>
+          <p:cNvSpPr>
+            <a:spLocks noGrp="1"/>
+          </p:cNvSpPr>
+          <p:nvPr>
+            <p:ph type="title"/>
+          </p:nvPr>
+        </p:nvSpPr>
+        <p:spPr/>
+        <p:txBody>
+          <a:bodyPr/>
+          <a:lstStyle/>
+          <a:p>
+            <a:r>
+              <a:rPr lang="en-US" dirty="0" smtClean="0"/>
+              <a:t>Acceptance Criteria</a:t>
+            </a:r>
+            <a:endParaRPr lang="en-US" dirty="0"/>
+          </a:p>
+        </p:txBody>
+      </p:sp>
+      <p:sp>
+        <p:nvSpPr>
+          <p:cNvPr id="3" name="Content Placeholder 2"/>
+          <p:cNvSpPr>
+            <a:spLocks noGrp="1"/>
+          </p:cNvSpPr>
+          <p:nvPr>
+            <p:ph idx="1"/>
+          </p:nvPr>
+        </p:nvSpPr>
+        <p:spPr/>
+        <p:txBody>
+          <a:bodyPr/>
+          <a:lstStyle/>
+          <a:p>
+            <a:pPr marL="0" indent="0">
+              <a:buNone/>
+            </a:pPr>
+            <a:r>
+              <a:rPr lang="en-US" b="1" dirty="0"/>
+              <a:t>Given </a:t>
+            </a:r>
+            <a:r>
+              <a:rPr lang="en-US" dirty="0"/>
+              <a:t>some initial </a:t>
+            </a:r>
+            <a:r>
+              <a:rPr lang="en-US" dirty="0" smtClean="0"/>
+              <a:t>context</a:t>
+            </a:r>
+            <a:br>
+              <a:rPr lang="en-US" dirty="0" smtClean="0"/>
+            </a:br>
+            <a:r>
+              <a:rPr lang="en-US" b="1" dirty="0" smtClean="0"/>
+              <a:t>When </a:t>
+            </a:r>
+            <a:r>
+              <a:rPr lang="en-US" dirty="0"/>
+              <a:t>an event </a:t>
+            </a:r>
+            <a:r>
+              <a:rPr lang="en-US" dirty="0" smtClean="0"/>
+              <a:t>occurs</a:t>
+            </a:r>
+            <a:br>
+              <a:rPr lang="en-US" dirty="0" smtClean="0"/>
+            </a:br>
+            <a:r>
+              <a:rPr lang="en-US" b="1" dirty="0" smtClean="0"/>
+              <a:t>Then</a:t>
+            </a:r>
+            <a:r>
+              <a:rPr lang="en-US" dirty="0"/>
+              <a:t> ensure some </a:t>
+            </a:r>
+            <a:r>
+              <a:rPr lang="en-US" dirty="0" smtClean="0"/>
+              <a:t>outcomes</a:t>
+            </a:r>
+          </a:p>
+          <a:p>
+            <a:pPr marL="0" indent="0">
+              <a:buNone/>
+            </a:pPr>
+            <a:endParaRPr lang="en-US" dirty="0"/>
+          </a:p>
+          <a:p>
+            <a:pPr marL="0" indent="0">
+              <a:buNone/>
+            </a:pPr>
+            <a:r>
+              <a:rPr lang="en-US" b="1" dirty="0"/>
+              <a:t>Given</a:t>
+            </a:r>
+            <a:r>
+              <a:rPr lang="en-US" dirty="0"/>
+              <a:t> a customer has never been a Consultant</a:t>
+            </a:r>
+            <a:r>
+              <a:rPr lang="en-US" dirty="0"/>
+              <a:t/>
+            </a:r>
+            <a:br>
+              <a:rPr lang="en-US" dirty="0"/>
+            </a:br>
+            <a:r>
+              <a:rPr lang="en-US" b="1" dirty="0"/>
+              <a:t>When</a:t>
+            </a:r>
+            <a:r>
+              <a:rPr lang="en-US" dirty="0"/>
+              <a:t> presented with business opportunities</a:t>
+            </a:r>
+            <a:r>
+              <a:rPr lang="en-US" dirty="0"/>
+              <a:t/>
+            </a:r>
+            <a:br>
+              <a:rPr lang="en-US" dirty="0"/>
+            </a:br>
+            <a:r>
+              <a:rPr lang="en-US" b="1" dirty="0"/>
+              <a:t>Then</a:t>
+            </a:r>
+            <a:r>
+              <a:rPr lang="en-US" dirty="0"/>
+              <a:t> they should not be able to pay the re-enrollment fee</a:t>
+            </a:r>
+            <a:endParaRPr lang="en-US" dirty="0"/>
+          </a:p>
+        </p:txBody>
+      </p:sp>
+    </p:spTree>
+    <p:extLst>
+      <p:ext uri="{BB962C8B-B14F-4D97-AF65-F5344CB8AC3E}">
+        <p14:creationId xmlns:p14="http://schemas.microsoft.com/office/powerpoint/2010/main" val="1076388539"/>
+      </p:ext>
+    </p:extLst>
+  </p:cSld>
+  <p:clrMapOvr>
+    <a:masterClrMapping/>
+  </p:clrMapOvr>
+  <p:timing>
+    <p:tnLst>
+      <p:par>
+        <p:cTn id="1" dur="indefinite" restart="never" nodeType="tmRoot"/>
+      </p:par>
+    </p:tnLst>
+  </p:timing>
+</p:sld>
+</file>
+
 <file path=ppt/slides/slide2.xml><?xml version="1.0" encoding="utf-8"?>
 <p:sld xmlns:a="http://schemas.openxmlformats.org/drawingml/2006/main" xmlns:r="http://schemas.openxmlformats.org/officeDocument/2006/relationships" xmlns:p="http://schemas.openxmlformats.org/presentationml/2006/main">
   <p:cSld>
@@ -8068,18 +9457,26 @@
         <p:spPr/>
         <p:txBody>
           <a:bodyPr>
-            <a:normAutofit/>
+            <a:normAutofit lnSpcReduction="10000"/>
           </a:bodyPr>
           <a:lstStyle/>
           <a:p>
             <a:r>
               <a:rPr lang="en-US" dirty="0" smtClean="0"/>
+              <a:t>Where to start?</a:t>
+            </a:r>
+          </a:p>
+          <a:p>
+            <a:endParaRPr lang="en-US" dirty="0" smtClean="0"/>
+          </a:p>
+          <a:p>
+            <a:r>
+              <a:rPr lang="en-US" dirty="0" smtClean="0"/>
               <a:t>What to test and what not to test?</a:t>
             </a:r>
           </a:p>
           <a:p>
-            <a:pPr lvl="1"/>
-            <a:endParaRPr lang="en-US" dirty="0" smtClean="0"/>
+            <a:endParaRPr lang="en-US" dirty="0"/>
           </a:p>
           <a:p>
             <a:r>
@@ -8167,11 +9564,7 @@
           <a:p>
             <a:r>
               <a:rPr lang="en-US" dirty="0" smtClean="0"/>
-              <a:t>How though?</a:t>
-            </a:r>
-            <a:r>
-              <a:rPr lang="en-US" dirty="0" smtClean="0"/>
-              <a:t>	</a:t>
+              <a:t>Naming Test Methods</a:t>
             </a:r>
             <a:endParaRPr lang="en-US" dirty="0"/>
           </a:p>
@@ -8192,62 +9585,424 @@
           <a:bodyPr/>
           <a:lstStyle/>
           <a:p>
-            <a:pPr marL="514350" indent="-514350">
-              <a:buFont typeface="+mj-lt"/>
-              <a:buAutoNum type="arabicPeriod"/>
-            </a:pPr>
-            <a:r>
-              <a:rPr lang="en-US" dirty="0" smtClean="0"/>
-              <a:t>Write the story</a:t>
-            </a:r>
-          </a:p>
-          <a:p>
-            <a:pPr marL="0" indent="0">
-              <a:buNone/>
-            </a:pPr>
+            <a:r>
+              <a:rPr lang="en-US" dirty="0" err="1" smtClean="0"/>
+              <a:t>AgileDox</a:t>
+            </a:r>
             <a:endParaRPr lang="en-US" dirty="0" smtClean="0"/>
           </a:p>
           <a:p>
-            <a:pPr marL="0" indent="0">
-              <a:buNone/>
-            </a:pPr>
-            <a:r>
-              <a:rPr lang="en-US" dirty="0"/>
-              <a:t>	</a:t>
-            </a:r>
-            <a:r>
-              <a:rPr lang="en-US" dirty="0" smtClean="0"/>
-              <a:t>IC-7</a:t>
-            </a:r>
-            <a:br>
-              <a:rPr lang="en-US" dirty="0" smtClean="0"/>
-            </a:br>
-            <a:r>
-              <a:rPr lang="en-US" dirty="0" smtClean="0"/>
-              <a:t>	As a Consultant,</a:t>
-            </a:r>
-            <a:br>
-              <a:rPr lang="en-US" dirty="0" smtClean="0"/>
-            </a:br>
-            <a:r>
-              <a:rPr lang="en-US" dirty="0" smtClean="0"/>
-              <a:t>	I want my purchasing funds allocated when I become eligible,</a:t>
-            </a:r>
-            <a:br>
-              <a:rPr lang="en-US" dirty="0" smtClean="0"/>
-            </a:br>
-            <a:r>
-              <a:rPr lang="en-US" dirty="0" smtClean="0"/>
-              <a:t>	So that I can enroll in the IAP program</a:t>
-            </a:r>
-            <a:endParaRPr lang="en-US" b="1" dirty="0" smtClean="0"/>
-          </a:p>
-        </p:txBody>
-      </p:sp>
+            <a:endParaRPr lang="en-US" dirty="0"/>
+          </a:p>
+          <a:p>
+            <a:endParaRPr lang="en-US" dirty="0" smtClean="0"/>
+          </a:p>
+          <a:p>
+            <a:endParaRPr lang="en-US" dirty="0"/>
+          </a:p>
+          <a:p>
+            <a:endParaRPr lang="en-US" dirty="0" smtClean="0"/>
+          </a:p>
+          <a:p>
+            <a:endParaRPr lang="en-US" dirty="0"/>
+          </a:p>
+          <a:p>
+            <a:endParaRPr lang="en-US" dirty="0" smtClean="0"/>
+          </a:p>
+          <a:p>
+            <a:endParaRPr lang="en-US" dirty="0"/>
+          </a:p>
+          <a:p>
+            <a:endParaRPr lang="en-US" dirty="0"/>
+          </a:p>
+        </p:txBody>
+      </p:sp>
+      <p:pic>
+        <p:nvPicPr>
+          <p:cNvPr id="6" name="Picture 5"/>
+          <p:cNvPicPr>
+            <a:picLocks noChangeAspect="1"/>
+          </p:cNvPicPr>
+          <p:nvPr/>
+        </p:nvPicPr>
+        <p:blipFill>
+          <a:blip r:embed="rId2">
+            <a:extLst>
+              <a:ext uri="{28A0092B-C50C-407E-A947-70E740481C1C}">
+                <a14:useLocalDpi xmlns:a14="http://schemas.microsoft.com/office/drawing/2010/main" val="0"/>
+              </a:ext>
+            </a:extLst>
+          </a:blip>
+          <a:stretch>
+            <a:fillRect/>
+          </a:stretch>
+        </p:blipFill>
+        <p:spPr>
+          <a:xfrm>
+            <a:off x="2339200" y="2547620"/>
+            <a:ext cx="6423800" cy="1267080"/>
+          </a:xfrm>
+          <a:prstGeom prst="rect">
+            <a:avLst/>
+          </a:prstGeom>
+        </p:spPr>
+      </p:pic>
+      <p:pic>
+        <p:nvPicPr>
+          <p:cNvPr id="7" name="Picture 6"/>
+          <p:cNvPicPr>
+            <a:picLocks noChangeAspect="1"/>
+          </p:cNvPicPr>
+          <p:nvPr/>
+        </p:nvPicPr>
+        <p:blipFill>
+          <a:blip r:embed="rId3">
+            <a:extLst>
+              <a:ext uri="{28A0092B-C50C-407E-A947-70E740481C1C}">
+                <a14:useLocalDpi xmlns:a14="http://schemas.microsoft.com/office/drawing/2010/main" val="0"/>
+              </a:ext>
+            </a:extLst>
+          </a:blip>
+          <a:stretch>
+            <a:fillRect/>
+          </a:stretch>
+        </p:blipFill>
+        <p:spPr>
+          <a:xfrm>
+            <a:off x="1535360" y="4536695"/>
+            <a:ext cx="8152152" cy="1110329"/>
+          </a:xfrm>
+          <a:prstGeom prst="rect">
+            <a:avLst/>
+          </a:prstGeom>
+        </p:spPr>
+      </p:pic>
     </p:spTree>
     <p:extLst>
       <p:ext uri="{BB962C8B-B14F-4D97-AF65-F5344CB8AC3E}">
-        <p14:creationId xmlns:p14="http://schemas.microsoft.com/office/powerpoint/2010/main" val="1451881014"/>
+        <p14:creationId xmlns:p14="http://schemas.microsoft.com/office/powerpoint/2010/main" val="496866981"/>
+      </p:ext>
+    </p:extLst>
+  </p:cSld>
+  <p:clrMapOvr>
+    <a:masterClrMapping/>
+  </p:clrMapOvr>
+  <p:timing>
+    <p:tnLst>
+      <p:par>
+        <p:cTn id="1" dur="indefinite" restart="never" nodeType="tmRoot">
+          <p:childTnLst>
+            <p:seq concurrent="1" nextAc="seek">
+              <p:cTn id="2" dur="indefinite" nodeType="mainSeq">
+                <p:childTnLst>
+                  <p:par>
+                    <p:cTn id="3" fill="hold">
+                      <p:stCondLst>
+                        <p:cond delay="indefinite"/>
+                      </p:stCondLst>
+                      <p:childTnLst>
+                        <p:par>
+                          <p:cTn id="4" fill="hold">
+                            <p:stCondLst>
+                              <p:cond delay="0"/>
+                            </p:stCondLst>
+                            <p:childTnLst>
+                              <p:par>
+                                <p:cTn id="5" presetID="1" presetClass="entr" presetSubtype="0" fill="hold" nodeType="clickEffect">
+                                  <p:stCondLst>
+                                    <p:cond delay="0"/>
+                                  </p:stCondLst>
+                                  <p:childTnLst>
+                                    <p:set>
+                                      <p:cBhvr>
+                                        <p:cTn id="6" dur="1" fill="hold">
+                                          <p:stCondLst>
+                                            <p:cond delay="0"/>
+                                          </p:stCondLst>
+                                        </p:cTn>
+                                        <p:tgtEl>
+                                          <p:spTgt spid="3">
+                                            <p:txEl>
+                                              <p:pRg st="0" end="0"/>
+                                            </p:txEl>
+                                          </p:spTgt>
+                                        </p:tgtEl>
+                                        <p:attrNameLst>
+                                          <p:attrName>style.visibility</p:attrName>
+                                        </p:attrNameLst>
+                                      </p:cBhvr>
+                                      <p:to>
+                                        <p:strVal val="visible"/>
+                                      </p:to>
+                                    </p:set>
+                                  </p:childTnLst>
+                                </p:cTn>
+                              </p:par>
+                            </p:childTnLst>
+                          </p:cTn>
+                        </p:par>
+                      </p:childTnLst>
+                    </p:cTn>
+                  </p:par>
+                  <p:par>
+                    <p:cTn id="7" fill="hold">
+                      <p:stCondLst>
+                        <p:cond delay="indefinite"/>
+                      </p:stCondLst>
+                      <p:childTnLst>
+                        <p:par>
+                          <p:cTn id="8" fill="hold">
+                            <p:stCondLst>
+                              <p:cond delay="0"/>
+                            </p:stCondLst>
+                            <p:childTnLst>
+                              <p:par>
+                                <p:cTn id="9" presetID="1" presetClass="entr" presetSubtype="0" fill="hold" nodeType="clickEffect">
+                                  <p:stCondLst>
+                                    <p:cond delay="0"/>
+                                  </p:stCondLst>
+                                  <p:childTnLst>
+                                    <p:set>
+                                      <p:cBhvr>
+                                        <p:cTn id="10" dur="1" fill="hold">
+                                          <p:stCondLst>
+                                            <p:cond delay="0"/>
+                                          </p:stCondLst>
+                                        </p:cTn>
+                                        <p:tgtEl>
+                                          <p:spTgt spid="6"/>
+                                        </p:tgtEl>
+                                        <p:attrNameLst>
+                                          <p:attrName>style.visibility</p:attrName>
+                                        </p:attrNameLst>
+                                      </p:cBhvr>
+                                      <p:to>
+                                        <p:strVal val="visible"/>
+                                      </p:to>
+                                    </p:set>
+                                  </p:childTnLst>
+                                </p:cTn>
+                              </p:par>
+                            </p:childTnLst>
+                          </p:cTn>
+                        </p:par>
+                      </p:childTnLst>
+                    </p:cTn>
+                  </p:par>
+                  <p:par>
+                    <p:cTn id="11" fill="hold">
+                      <p:stCondLst>
+                        <p:cond delay="indefinite"/>
+                      </p:stCondLst>
+                      <p:childTnLst>
+                        <p:par>
+                          <p:cTn id="12" fill="hold">
+                            <p:stCondLst>
+                              <p:cond delay="0"/>
+                            </p:stCondLst>
+                            <p:childTnLst>
+                              <p:par>
+                                <p:cTn id="13" presetID="1" presetClass="entr" presetSubtype="0" fill="hold" nodeType="clickEffect">
+                                  <p:stCondLst>
+                                    <p:cond delay="0"/>
+                                  </p:stCondLst>
+                                  <p:childTnLst>
+                                    <p:set>
+                                      <p:cBhvr>
+                                        <p:cTn id="14" dur="1" fill="hold">
+                                          <p:stCondLst>
+                                            <p:cond delay="0"/>
+                                          </p:stCondLst>
+                                        </p:cTn>
+                                        <p:tgtEl>
+                                          <p:spTgt spid="7"/>
+                                        </p:tgtEl>
+                                        <p:attrNameLst>
+                                          <p:attrName>style.visibility</p:attrName>
+                                        </p:attrNameLst>
+                                      </p:cBhvr>
+                                      <p:to>
+                                        <p:strVal val="visible"/>
+                                      </p:to>
+                                    </p:set>
+                                  </p:childTnLst>
+                                </p:cTn>
+                              </p:par>
+                            </p:childTnLst>
+                          </p:cTn>
+                        </p:par>
+                      </p:childTnLst>
+                    </p:cTn>
+                  </p:par>
+                </p:childTnLst>
+              </p:cTn>
+              <p:prevCondLst>
+                <p:cond evt="onPrev" delay="0">
+                  <p:tgtEl>
+                    <p:sldTgt/>
+                  </p:tgtEl>
+                </p:cond>
+              </p:prevCondLst>
+              <p:nextCondLst>
+                <p:cond evt="onNext" delay="0">
+                  <p:tgtEl>
+                    <p:sldTgt/>
+                  </p:tgtEl>
+                </p:cond>
+              </p:nextCondLst>
+            </p:seq>
+          </p:childTnLst>
+        </p:cTn>
+      </p:par>
+    </p:tnLst>
+  </p:timing>
+</p:sld>
+</file>
+
+<file path=ppt/slides/slide7.xml><?xml version="1.0" encoding="utf-8"?>
+<p:sld xmlns:a="http://schemas.openxmlformats.org/drawingml/2006/main" xmlns:r="http://schemas.openxmlformats.org/officeDocument/2006/relationships" xmlns:p="http://schemas.openxmlformats.org/presentationml/2006/main">
+  <p:cSld>
+    <p:spTree>
+      <p:nvGrpSpPr>
+        <p:cNvPr id="1" name=""/>
+        <p:cNvGrpSpPr/>
+        <p:nvPr/>
+      </p:nvGrpSpPr>
+      <p:grpSpPr>
+        <a:xfrm>
+          <a:off x="0" y="0"/>
+          <a:ext cx="0" cy="0"/>
+          <a:chOff x="0" y="0"/>
+          <a:chExt cx="0" cy="0"/>
+        </a:xfrm>
+      </p:grpSpPr>
+      <p:sp>
+        <p:nvSpPr>
+          <p:cNvPr id="2" name="Title 1"/>
+          <p:cNvSpPr>
+            <a:spLocks noGrp="1"/>
+          </p:cNvSpPr>
+          <p:nvPr>
+            <p:ph type="title"/>
+          </p:nvPr>
+        </p:nvSpPr>
+        <p:spPr/>
+        <p:txBody>
+          <a:bodyPr/>
+          <a:lstStyle/>
+          <a:p>
+            <a:r>
+              <a:rPr lang="en-US" dirty="0" smtClean="0"/>
+              <a:t>Naming Test Methods</a:t>
+            </a:r>
+            <a:endParaRPr lang="en-US" dirty="0"/>
+          </a:p>
+        </p:txBody>
+      </p:sp>
+      <p:sp>
+        <p:nvSpPr>
+          <p:cNvPr id="3" name="Content Placeholder 2"/>
+          <p:cNvSpPr>
+            <a:spLocks noGrp="1"/>
+          </p:cNvSpPr>
+          <p:nvPr>
+            <p:ph idx="1"/>
+          </p:nvPr>
+        </p:nvSpPr>
+        <p:spPr/>
+        <p:txBody>
+          <a:bodyPr>
+            <a:normAutofit/>
+          </a:bodyPr>
+          <a:lstStyle/>
+          <a:p>
+            <a:r>
+              <a:rPr lang="en-US" dirty="0" smtClean="0"/>
+              <a:t>A </a:t>
+            </a:r>
+            <a:r>
+              <a:rPr lang="en-US" dirty="0"/>
+              <a:t>simple sentence template keeps test methods </a:t>
+            </a:r>
+            <a:r>
+              <a:rPr lang="en-US" dirty="0" smtClean="0"/>
+              <a:t>focused</a:t>
+            </a:r>
+          </a:p>
+          <a:p>
+            <a:pPr lvl="1"/>
+            <a:r>
+              <a:rPr lang="en-US" dirty="0" smtClean="0"/>
+              <a:t>Beginning with </a:t>
+            </a:r>
+            <a:r>
+              <a:rPr lang="en-US" i="1" dirty="0" smtClean="0"/>
+              <a:t>Should</a:t>
+            </a:r>
+            <a:r>
+              <a:rPr lang="en-US" dirty="0" smtClean="0"/>
+              <a:t> helps limit the scope of your tests</a:t>
+            </a:r>
+          </a:p>
+          <a:p>
+            <a:pPr lvl="1"/>
+            <a:endParaRPr lang="en-US" dirty="0" smtClean="0"/>
+          </a:p>
+          <a:p>
+            <a:r>
+              <a:rPr lang="en-US" dirty="0" smtClean="0"/>
+              <a:t>Expressive names are helpful when tests fail</a:t>
+            </a:r>
+          </a:p>
+          <a:p>
+            <a:pPr lvl="1"/>
+            <a:r>
+              <a:rPr lang="en-US" dirty="0" smtClean="0"/>
+              <a:t>A bug was introduced</a:t>
+            </a:r>
+          </a:p>
+          <a:p>
+            <a:pPr lvl="1"/>
+            <a:r>
+              <a:rPr lang="en-US" dirty="0" smtClean="0"/>
+              <a:t>The behavior moved</a:t>
+            </a:r>
+          </a:p>
+          <a:p>
+            <a:pPr lvl="1"/>
+            <a:r>
+              <a:rPr lang="en-US" dirty="0" smtClean="0"/>
+              <a:t>The behavior is no longer correct</a:t>
+            </a:r>
+          </a:p>
+          <a:p>
+            <a:endParaRPr lang="en-US" dirty="0" smtClean="0"/>
+          </a:p>
+          <a:p>
+            <a:r>
+              <a:rPr lang="en-US" i="1" dirty="0" smtClean="0"/>
+              <a:t>Should </a:t>
+            </a:r>
+            <a:r>
+              <a:rPr lang="en-US" dirty="0" smtClean="0"/>
+              <a:t>allows you </a:t>
+            </a:r>
+            <a:r>
+              <a:rPr lang="en-US" dirty="0"/>
+              <a:t>to challenge the </a:t>
+            </a:r>
+            <a:r>
+              <a:rPr lang="en-US" dirty="0" smtClean="0"/>
+              <a:t>premise</a:t>
+            </a:r>
+            <a:endParaRPr lang="en-US" dirty="0"/>
+          </a:p>
+        </p:txBody>
+      </p:sp>
+    </p:spTree>
+    <p:extLst>
+      <p:ext uri="{BB962C8B-B14F-4D97-AF65-F5344CB8AC3E}">
+        <p14:creationId xmlns:p14="http://schemas.microsoft.com/office/powerpoint/2010/main" val="1830484542"/>
       </p:ext>
     </p:extLst>
   </p:cSld>
@@ -8339,238 +10094,7 @@
                                         <p:tgtEl>
                                           <p:spTgt spid="3">
                                             <p:txEl>
-                                              <p:pRg st="2" end="2"/>
-                                            </p:txEl>
-                                          </p:spTgt>
-                                        </p:tgtEl>
-                                        <p:attrNameLst>
-                                          <p:attrName>style.visibility</p:attrName>
-                                        </p:attrNameLst>
-                                      </p:cBhvr>
-                                      <p:to>
-                                        <p:strVal val="visible"/>
-                                      </p:to>
-                                    </p:set>
-                                  </p:childTnLst>
-                                </p:cTn>
-                              </p:par>
-                            </p:childTnLst>
-                          </p:cTn>
-                        </p:par>
-                      </p:childTnLst>
-                    </p:cTn>
-                  </p:par>
-                </p:childTnLst>
-              </p:cTn>
-              <p:prevCondLst>
-                <p:cond evt="onPrev" delay="0">
-                  <p:tgtEl>
-                    <p:sldTgt/>
-                  </p:tgtEl>
-                </p:cond>
-              </p:prevCondLst>
-              <p:nextCondLst>
-                <p:cond evt="onNext" delay="0">
-                  <p:tgtEl>
-                    <p:sldTgt/>
-                  </p:tgtEl>
-                </p:cond>
-              </p:nextCondLst>
-            </p:seq>
-          </p:childTnLst>
-        </p:cTn>
-      </p:par>
-    </p:tnLst>
-    <p:bldLst>
-      <p:bldP spid="3" grpId="0" uiExpand="1" build="p"/>
-    </p:bldLst>
-  </p:timing>
-</p:sld>
-</file>
-
-<file path=ppt/slides/slide7.xml><?xml version="1.0" encoding="utf-8"?>
-<p:sld xmlns:a="http://schemas.openxmlformats.org/drawingml/2006/main" xmlns:r="http://schemas.openxmlformats.org/officeDocument/2006/relationships" xmlns:p="http://schemas.openxmlformats.org/presentationml/2006/main">
-  <p:cSld>
-    <p:spTree>
-      <p:nvGrpSpPr>
-        <p:cNvPr id="1" name=""/>
-        <p:cNvGrpSpPr/>
-        <p:nvPr/>
-      </p:nvGrpSpPr>
-      <p:grpSpPr>
-        <a:xfrm>
-          <a:off x="0" y="0"/>
-          <a:ext cx="0" cy="0"/>
-          <a:chOff x="0" y="0"/>
-          <a:chExt cx="0" cy="0"/>
-        </a:xfrm>
-      </p:grpSpPr>
-      <p:sp>
-        <p:nvSpPr>
-          <p:cNvPr id="2" name="Title 1"/>
-          <p:cNvSpPr>
-            <a:spLocks noGrp="1"/>
-          </p:cNvSpPr>
-          <p:nvPr>
-            <p:ph type="title"/>
-          </p:nvPr>
-        </p:nvSpPr>
-        <p:spPr/>
-        <p:txBody>
-          <a:bodyPr/>
-          <a:lstStyle/>
-          <a:p>
-            <a:r>
-              <a:rPr lang="en-US" dirty="0" smtClean="0"/>
-              <a:t>How to BDD</a:t>
-            </a:r>
-            <a:endParaRPr lang="en-US" dirty="0"/>
-          </a:p>
-        </p:txBody>
-      </p:sp>
-      <p:sp>
-        <p:nvSpPr>
-          <p:cNvPr id="3" name="Content Placeholder 2"/>
-          <p:cNvSpPr>
-            <a:spLocks noGrp="1"/>
-          </p:cNvSpPr>
-          <p:nvPr>
-            <p:ph idx="1"/>
-          </p:nvPr>
-        </p:nvSpPr>
-        <p:spPr/>
-        <p:txBody>
-          <a:bodyPr/>
-          <a:lstStyle/>
-          <a:p>
-            <a:pPr marL="514350" marR="0" lvl="0" indent="-514350" defTabSz="914400" eaLnBrk="1" fontAlgn="auto" latinLnBrk="0" hangingPunct="1">
-              <a:lnSpc>
-                <a:spcPct val="100000"/>
-              </a:lnSpc>
-              <a:spcBef>
-                <a:spcPts val="0"/>
-              </a:spcBef>
-              <a:spcAft>
-                <a:spcPts val="0"/>
-              </a:spcAft>
-              <a:buClrTx/>
-              <a:buSzTx/>
-              <a:buFont typeface="+mj-lt"/>
-              <a:buAutoNum type="arabicPeriod" startAt="2"/>
-              <a:tabLst/>
-              <a:defRPr/>
-            </a:pPr>
-            <a:r>
-              <a:rPr lang="en-US" dirty="0" smtClean="0"/>
-              <a:t>Write the scenarios</a:t>
-            </a:r>
-          </a:p>
-          <a:p>
-            <a:pPr marL="514350" marR="0" lvl="0" indent="-514350" defTabSz="914400" eaLnBrk="1" fontAlgn="auto" latinLnBrk="0" hangingPunct="1">
-              <a:lnSpc>
-                <a:spcPct val="100000"/>
-              </a:lnSpc>
-              <a:spcBef>
-                <a:spcPts val="0"/>
-              </a:spcBef>
-              <a:spcAft>
-                <a:spcPts val="0"/>
-              </a:spcAft>
-              <a:buClrTx/>
-              <a:buSzTx/>
-              <a:buFont typeface="+mj-lt"/>
-              <a:buAutoNum type="arabicPeriod" startAt="2"/>
-              <a:tabLst/>
-              <a:defRPr/>
-            </a:pPr>
-            <a:endParaRPr lang="en-US" dirty="0"/>
-          </a:p>
-          <a:p>
-            <a:pPr marL="0" marR="0" lvl="0" indent="0" defTabSz="914400" eaLnBrk="1" fontAlgn="auto" latinLnBrk="0" hangingPunct="1">
-              <a:lnSpc>
-                <a:spcPct val="100000"/>
-              </a:lnSpc>
-              <a:spcBef>
-                <a:spcPts val="0"/>
-              </a:spcBef>
-              <a:spcAft>
-                <a:spcPts val="0"/>
-              </a:spcAft>
-              <a:buClrTx/>
-              <a:buSzTx/>
-              <a:buNone/>
-              <a:tabLst/>
-              <a:defRPr/>
-            </a:pPr>
-            <a:r>
-              <a:rPr lang="en-US" dirty="0" smtClean="0"/>
-              <a:t>	Given I have booked 3 parties</a:t>
-            </a:r>
-            <a:br>
-              <a:rPr lang="en-US" dirty="0" smtClean="0"/>
-            </a:br>
-            <a:r>
-              <a:rPr lang="en-US" dirty="0" smtClean="0"/>
-              <a:t>	When I activate</a:t>
-            </a:r>
-            <a:br>
-              <a:rPr lang="en-US" dirty="0" smtClean="0"/>
-            </a:br>
-            <a:r>
-              <a:rPr lang="en-US" dirty="0" smtClean="0"/>
-              <a:t>	Then my purchasing funds should be allocated</a:t>
-            </a:r>
-            <a:endParaRPr lang="en-US" dirty="0"/>
-          </a:p>
-        </p:txBody>
-      </p:sp>
-    </p:spTree>
-    <p:extLst>
-      <p:ext uri="{BB962C8B-B14F-4D97-AF65-F5344CB8AC3E}">
-        <p14:creationId xmlns:p14="http://schemas.microsoft.com/office/powerpoint/2010/main" val="1458593296"/>
-      </p:ext>
-    </p:extLst>
-  </p:cSld>
-  <p:clrMapOvr>
-    <a:masterClrMapping/>
-  </p:clrMapOvr>
-  <p:timing>
-    <p:tnLst>
-      <p:par>
-        <p:cTn id="1" dur="indefinite" restart="never" nodeType="tmRoot">
-          <p:childTnLst>
-            <p:seq concurrent="1" nextAc="seek">
-              <p:cTn id="2" dur="indefinite" nodeType="mainSeq">
-                <p:childTnLst>
-                  <p:par>
-                    <p:cTn id="3" fill="hold">
-                      <p:stCondLst>
-                        <p:cond delay="indefinite"/>
-                      </p:stCondLst>
-                      <p:childTnLst>
-                        <p:par>
-                          <p:cTn id="4" fill="hold">
-                            <p:stCondLst>
-                              <p:cond delay="0"/>
-                            </p:stCondLst>
-                            <p:childTnLst>
-                              <p:par>
-                                <p:cTn id="5" presetID="1" presetClass="entr" presetSubtype="0" fill="hold" grpId="0" nodeType="clickEffect">
-                                  <p:stCondLst>
-                                    <p:cond delay="0"/>
-                                  </p:stCondLst>
-                                  <p:childTnLst>
-                                    <p:set>
-                                      <p:cBhvr>
-                                        <p:cTn id="6" dur="1" fill="hold">
-                                          <p:stCondLst>
-                                            <p:cond delay="0"/>
-                                          </p:stCondLst>
-                                        </p:cTn>
-                                        <p:tgtEl>
-                                          <p:spTgt spid="3">
-                                            <p:txEl>
-                                              <p:pRg st="0" end="0"/>
+                                              <p:pRg st="1" end="1"/>
                                             </p:txEl>
                                           </p:spTgt>
                                         </p:tgtEl>
@@ -8592,26 +10116,26 @@
                     </p:cTn>
                   </p:par>
                   <p:par>
-                    <p:cTn id="7" fill="hold">
+                    <p:cTn id="11" fill="hold">
                       <p:stCondLst>
                         <p:cond delay="indefinite"/>
                       </p:stCondLst>
                       <p:childTnLst>
                         <p:par>
-                          <p:cTn id="8" fill="hold">
+                          <p:cTn id="12" fill="hold">
                             <p:stCondLst>
                               <p:cond delay="0"/>
                             </p:stCondLst>
                             <p:childTnLst>
                               <p:par>
-                                <p:cTn id="9" presetID="1" presetClass="entr" presetSubtype="0" fill="hold" grpId="0" nodeType="clickEffect">
+                                <p:cTn id="13" presetID="1" presetClass="entr" presetSubtype="0" fill="hold" grpId="0" nodeType="clickEffect">
                                   <p:stCondLst>
                                     <p:cond delay="0"/>
                                   </p:stCondLst>
                                   <p:childTnLst>
                                     <p:set>
                                       <p:cBhvr>
-                                        <p:cTn id="10" dur="1" fill="hold">
+                                        <p:cTn id="14" dur="1" fill="hold">
                                           <p:stCondLst>
                                             <p:cond delay="0"/>
                                           </p:stCondLst>
@@ -8619,7 +10143,203 @@
                                         <p:tgtEl>
                                           <p:spTgt spid="3">
                                             <p:txEl>
-                                              <p:pRg st="2" end="2"/>
+                                              <p:pRg st="3" end="3"/>
+                                            </p:txEl>
+                                          </p:spTgt>
+                                        </p:tgtEl>
+                                        <p:attrNameLst>
+                                          <p:attrName>style.visibility</p:attrName>
+                                        </p:attrNameLst>
+                                      </p:cBhvr>
+                                      <p:to>
+                                        <p:strVal val="visible"/>
+                                      </p:to>
+                                    </p:set>
+                                  </p:childTnLst>
+                                </p:cTn>
+                              </p:par>
+                            </p:childTnLst>
+                          </p:cTn>
+                        </p:par>
+                      </p:childTnLst>
+                    </p:cTn>
+                  </p:par>
+                  <p:par>
+                    <p:cTn id="15" fill="hold">
+                      <p:stCondLst>
+                        <p:cond delay="indefinite"/>
+                      </p:stCondLst>
+                      <p:childTnLst>
+                        <p:par>
+                          <p:cTn id="16" fill="hold">
+                            <p:stCondLst>
+                              <p:cond delay="0"/>
+                            </p:stCondLst>
+                            <p:childTnLst>
+                              <p:par>
+                                <p:cTn id="17" presetID="1" presetClass="entr" presetSubtype="0" fill="hold" grpId="0" nodeType="clickEffect">
+                                  <p:stCondLst>
+                                    <p:cond delay="0"/>
+                                  </p:stCondLst>
+                                  <p:childTnLst>
+                                    <p:set>
+                                      <p:cBhvr>
+                                        <p:cTn id="18" dur="1" fill="hold">
+                                          <p:stCondLst>
+                                            <p:cond delay="0"/>
+                                          </p:stCondLst>
+                                        </p:cTn>
+                                        <p:tgtEl>
+                                          <p:spTgt spid="3">
+                                            <p:txEl>
+                                              <p:pRg st="4" end="4"/>
+                                            </p:txEl>
+                                          </p:spTgt>
+                                        </p:tgtEl>
+                                        <p:attrNameLst>
+                                          <p:attrName>style.visibility</p:attrName>
+                                        </p:attrNameLst>
+                                      </p:cBhvr>
+                                      <p:to>
+                                        <p:strVal val="visible"/>
+                                      </p:to>
+                                    </p:set>
+                                  </p:childTnLst>
+                                </p:cTn>
+                              </p:par>
+                            </p:childTnLst>
+                          </p:cTn>
+                        </p:par>
+                      </p:childTnLst>
+                    </p:cTn>
+                  </p:par>
+                  <p:par>
+                    <p:cTn id="19" fill="hold">
+                      <p:stCondLst>
+                        <p:cond delay="indefinite"/>
+                      </p:stCondLst>
+                      <p:childTnLst>
+                        <p:par>
+                          <p:cTn id="20" fill="hold">
+                            <p:stCondLst>
+                              <p:cond delay="0"/>
+                            </p:stCondLst>
+                            <p:childTnLst>
+                              <p:par>
+                                <p:cTn id="21" presetID="1" presetClass="entr" presetSubtype="0" fill="hold" grpId="0" nodeType="clickEffect">
+                                  <p:stCondLst>
+                                    <p:cond delay="0"/>
+                                  </p:stCondLst>
+                                  <p:childTnLst>
+                                    <p:set>
+                                      <p:cBhvr>
+                                        <p:cTn id="22" dur="1" fill="hold">
+                                          <p:stCondLst>
+                                            <p:cond delay="0"/>
+                                          </p:stCondLst>
+                                        </p:cTn>
+                                        <p:tgtEl>
+                                          <p:spTgt spid="3">
+                                            <p:txEl>
+                                              <p:pRg st="5" end="5"/>
+                                            </p:txEl>
+                                          </p:spTgt>
+                                        </p:tgtEl>
+                                        <p:attrNameLst>
+                                          <p:attrName>style.visibility</p:attrName>
+                                        </p:attrNameLst>
+                                      </p:cBhvr>
+                                      <p:to>
+                                        <p:strVal val="visible"/>
+                                      </p:to>
+                                    </p:set>
+                                  </p:childTnLst>
+                                </p:cTn>
+                              </p:par>
+                            </p:childTnLst>
+                          </p:cTn>
+                        </p:par>
+                      </p:childTnLst>
+                    </p:cTn>
+                  </p:par>
+                  <p:par>
+                    <p:cTn id="23" fill="hold">
+                      <p:stCondLst>
+                        <p:cond delay="indefinite"/>
+                      </p:stCondLst>
+                      <p:childTnLst>
+                        <p:par>
+                          <p:cTn id="24" fill="hold">
+                            <p:stCondLst>
+                              <p:cond delay="0"/>
+                            </p:stCondLst>
+                            <p:childTnLst>
+                              <p:par>
+                                <p:cTn id="25" presetID="1" presetClass="entr" presetSubtype="0" fill="hold" grpId="0" nodeType="clickEffect">
+                                  <p:stCondLst>
+                                    <p:cond delay="0"/>
+                                  </p:stCondLst>
+                                  <p:childTnLst>
+                                    <p:set>
+                                      <p:cBhvr>
+                                        <p:cTn id="26" dur="1" fill="hold">
+                                          <p:stCondLst>
+                                            <p:cond delay="0"/>
+                                          </p:stCondLst>
+                                        </p:cTn>
+                                        <p:tgtEl>
+                                          <p:spTgt spid="3">
+                                            <p:txEl>
+                                              <p:pRg st="6" end="6"/>
+                                            </p:txEl>
+                                          </p:spTgt>
+                                        </p:tgtEl>
+                                        <p:attrNameLst>
+                                          <p:attrName>style.visibility</p:attrName>
+                                        </p:attrNameLst>
+                                      </p:cBhvr>
+                                      <p:to>
+                                        <p:strVal val="visible"/>
+                                      </p:to>
+                                    </p:set>
+                                  </p:childTnLst>
+                                </p:cTn>
+                              </p:par>
+                            </p:childTnLst>
+                          </p:cTn>
+                        </p:par>
+                      </p:childTnLst>
+                    </p:cTn>
+                  </p:par>
+                  <p:par>
+                    <p:cTn id="27" fill="hold">
+                      <p:stCondLst>
+                        <p:cond delay="indefinite"/>
+                      </p:stCondLst>
+                      <p:childTnLst>
+                        <p:par>
+                          <p:cTn id="28" fill="hold">
+                            <p:stCondLst>
+                              <p:cond delay="0"/>
+                            </p:stCondLst>
+                            <p:childTnLst>
+                              <p:par>
+                                <p:cTn id="29" presetID="1" presetClass="entr" presetSubtype="0" fill="hold" grpId="0" nodeType="clickEffect">
+                                  <p:stCondLst>
+                                    <p:cond delay="0"/>
+                                  </p:stCondLst>
+                                  <p:childTnLst>
+                                    <p:set>
+                                      <p:cBhvr>
+                                        <p:cTn id="30" dur="1" fill="hold">
+                                          <p:stCondLst>
+                                            <p:cond delay="0"/>
+                                          </p:stCondLst>
+                                        </p:cTn>
+                                        <p:tgtEl>
+                                          <p:spTgt spid="3">
+                                            <p:txEl>
+                                              <p:pRg st="8" end="8"/>
                                             </p:txEl>
                                           </p:spTgt>
                                         </p:tgtEl>
@@ -8702,7 +10422,11 @@
           <a:p>
             <a:r>
               <a:rPr lang="en-US" dirty="0" smtClean="0"/>
-              <a:t>How to BDD</a:t>
+              <a:t>“Behavior” is a mor</a:t>
+            </a:r>
+            <a:r>
+              <a:rPr lang="en-US" dirty="0" smtClean="0"/>
+              <a:t>e useful word</a:t>
             </a:r>
             <a:endParaRPr lang="en-US" dirty="0"/>
           </a:p>
@@ -8722,6 +10446,20 @@
         <p:txBody>
           <a:bodyPr/>
           <a:lstStyle/>
+          <a:p>
+            <a:pPr>
+              <a:lnSpc>
+                <a:spcPct val="100000"/>
+              </a:lnSpc>
+              <a:spcBef>
+                <a:spcPts val="0"/>
+              </a:spcBef>
+            </a:pPr>
+            <a:r>
+              <a:rPr lang="en-US" b="1" dirty="0" smtClean="0"/>
+              <a:t>BDD helps to drive TDD</a:t>
+            </a:r>
+          </a:p>
           <a:p>
             <a:pPr marL="514350" marR="0" lvl="0" indent="-514350" defTabSz="914400" eaLnBrk="1" fontAlgn="auto" latinLnBrk="0" hangingPunct="1">
               <a:lnSpc>
@@ -8736,325 +10474,118 @@
               <a:buClrTx/>
               <a:buSzTx/>
               <a:buFont typeface="+mj-lt"/>
-              <a:buAutoNum type="arabicPeriod" startAt="2"/>
+              <a:buNone/>
               <a:tabLst/>
               <a:defRPr/>
             </a:pPr>
-            <a:r>
-              <a:rPr lang="en-US" dirty="0" smtClean="0"/>
-              <a:t>Write the scenarios</a:t>
-            </a:r>
-          </a:p>
-          <a:p>
-            <a:pPr marL="514350" marR="0" lvl="0" indent="-514350" defTabSz="914400" eaLnBrk="1" fontAlgn="auto" latinLnBrk="0" hangingPunct="1">
+            <a:endParaRPr lang="en-US" b="1" dirty="0"/>
+          </a:p>
+          <a:p>
+            <a:pPr>
               <a:lnSpc>
                 <a:spcPct val="100000"/>
               </a:lnSpc>
               <a:spcBef>
                 <a:spcPts val="0"/>
               </a:spcBef>
-              <a:spcAft>
-                <a:spcPts val="0"/>
-              </a:spcAft>
-              <a:buClrTx/>
-              <a:buSzTx/>
-              <a:buFont typeface="+mj-lt"/>
-              <a:buAutoNum type="arabicPeriod" startAt="2"/>
-              <a:tabLst/>
-              <a:defRPr/>
             </a:pPr>
-            <a:endParaRPr lang="en-US" dirty="0"/>
-          </a:p>
-          <a:p>
-            <a:pPr marL="0" marR="0" lvl="0" indent="0" defTabSz="914400" eaLnBrk="1" fontAlgn="auto" latinLnBrk="0" hangingPunct="1">
+            <a:r>
+              <a:rPr lang="en-US" b="1" dirty="0" smtClean="0"/>
+              <a:t>Why do we write software?</a:t>
+            </a:r>
+          </a:p>
+          <a:p>
+            <a:pPr lvl="1">
               <a:lnSpc>
                 <a:spcPct val="100000"/>
               </a:lnSpc>
               <a:spcBef>
                 <a:spcPts val="0"/>
               </a:spcBef>
-              <a:spcAft>
+            </a:pPr>
+            <a:r>
+              <a:rPr lang="en-US" dirty="0" smtClean="0"/>
+              <a:t>Business value</a:t>
+            </a:r>
+          </a:p>
+          <a:p>
+            <a:pPr lvl="1">
+              <a:lnSpc>
+                <a:spcPct val="100000"/>
+              </a:lnSpc>
+              <a:spcBef>
                 <a:spcPts val="0"/>
-              </a:spcAft>
-              <a:buClrTx/>
-              <a:buSzTx/>
-              <a:buNone/>
-              <a:tabLst/>
-              <a:defRPr/>
+              </a:spcBef>
             </a:pPr>
+            <a:endParaRPr lang="en-US" b="1" dirty="0"/>
+          </a:p>
+          <a:p>
+            <a:pPr>
+              <a:lnSpc>
+                <a:spcPct val="100000"/>
+              </a:lnSpc>
+              <a:spcBef>
+                <a:spcPts val="0"/>
+              </a:spcBef>
+            </a:pPr>
+            <a:r>
+              <a:rPr lang="en-US" b="1" dirty="0" smtClean="0"/>
+              <a:t>Better Mindset</a:t>
+            </a:r>
+          </a:p>
+          <a:p>
+            <a:pPr lvl="1">
+              <a:lnSpc>
+                <a:spcPct val="100000"/>
+              </a:lnSpc>
+              <a:spcBef>
+                <a:spcPts val="0"/>
+              </a:spcBef>
+            </a:pPr>
+            <a:r>
+              <a:rPr lang="en-US" dirty="0"/>
+              <a:t>“what is the next most important thing the system should do</a:t>
+            </a:r>
             <a:r>
               <a:rPr lang="en-US" dirty="0" smtClean="0"/>
-              <a:t>	Given I have booked 3 parties</a:t>
-            </a:r>
-            <a:br>
-              <a:rPr lang="en-US" dirty="0" smtClean="0"/>
-            </a:br>
-            <a:r>
-              <a:rPr lang="en-US" dirty="0" smtClean="0"/>
-              <a:t>	And I have an outstanding payment plan</a:t>
-            </a:r>
-            <a:br>
-              <a:rPr lang="en-US" dirty="0" smtClean="0"/>
-            </a:br>
-            <a:r>
-              <a:rPr lang="en-US" dirty="0" smtClean="0"/>
-              <a:t>	When I activate</a:t>
-            </a:r>
-            <a:br>
-              <a:rPr lang="en-US" dirty="0" smtClean="0"/>
-            </a:br>
-            <a:r>
-              <a:rPr lang="en-US" dirty="0" smtClean="0"/>
-              <a:t>	</a:t>
-            </a:r>
-            <a:r>
-              <a:rPr lang="en-US" smtClean="0"/>
-              <a:t>Then no funds should be allocated</a:t>
-            </a:r>
-            <a:endParaRPr lang="en-US" dirty="0"/>
+              <a:t>?”</a:t>
+            </a:r>
+          </a:p>
+          <a:p>
+            <a:pPr lvl="1">
+              <a:lnSpc>
+                <a:spcPct val="100000"/>
+              </a:lnSpc>
+              <a:spcBef>
+                <a:spcPts val="0"/>
+              </a:spcBef>
+            </a:pPr>
+            <a:r>
+              <a:rPr lang="en-US" b="1" dirty="0" smtClean="0"/>
+              <a:t>The system doesn’t do X and X is important</a:t>
+            </a:r>
+          </a:p>
+          <a:p>
+            <a:pPr lvl="2">
+              <a:lnSpc>
+                <a:spcPct val="100000"/>
+              </a:lnSpc>
+              <a:spcBef>
+                <a:spcPts val="0"/>
+              </a:spcBef>
+            </a:pPr>
+            <a:r>
+              <a:rPr lang="en-US" b="1" i="1" dirty="0" err="1" smtClean="0"/>
+              <a:t>shouldDoX</a:t>
+            </a:r>
+            <a:endParaRPr lang="en-US" b="1" i="1" dirty="0" smtClean="0"/>
           </a:p>
         </p:txBody>
       </p:sp>
     </p:spTree>
     <p:extLst>
       <p:ext uri="{BB962C8B-B14F-4D97-AF65-F5344CB8AC3E}">
-        <p14:creationId xmlns:p14="http://schemas.microsoft.com/office/powerpoint/2010/main" val="1948024535"/>
-      </p:ext>
-    </p:extLst>
-  </p:cSld>
-  <p:clrMapOvr>
-    <a:masterClrMapping/>
-  </p:clrMapOvr>
-  <p:timing>
-    <p:tnLst>
-      <p:par>
-        <p:cTn id="1" dur="indefinite" restart="never" nodeType="tmRoot">
-          <p:childTnLst>
-            <p:seq concurrent="1" nextAc="seek">
-              <p:cTn id="2" dur="indefinite" nodeType="mainSeq">
-                <p:childTnLst>
-                  <p:par>
-                    <p:cTn id="3" fill="hold">
-                      <p:stCondLst>
-                        <p:cond delay="indefinite"/>
-                      </p:stCondLst>
-                      <p:childTnLst>
-                        <p:par>
-                          <p:cTn id="4" fill="hold">
-                            <p:stCondLst>
-                              <p:cond delay="0"/>
-                            </p:stCondLst>
-                            <p:childTnLst>
-                              <p:par>
-                                <p:cTn id="5" presetID="1" presetClass="entr" presetSubtype="0" fill="hold" grpId="0" nodeType="clickEffect">
-                                  <p:stCondLst>
-                                    <p:cond delay="0"/>
-                                  </p:stCondLst>
-                                  <p:childTnLst>
-                                    <p:set>
-                                      <p:cBhvr>
-                                        <p:cTn id="6" dur="1" fill="hold">
-                                          <p:stCondLst>
-                                            <p:cond delay="0"/>
-                                          </p:stCondLst>
-                                        </p:cTn>
-                                        <p:tgtEl>
-                                          <p:spTgt spid="3">
-                                            <p:txEl>
-                                              <p:pRg st="0" end="0"/>
-                                            </p:txEl>
-                                          </p:spTgt>
-                                        </p:tgtEl>
-                                        <p:attrNameLst>
-                                          <p:attrName>style.visibility</p:attrName>
-                                        </p:attrNameLst>
-                                      </p:cBhvr>
-                                      <p:to>
-                                        <p:strVal val="visible"/>
-                                      </p:to>
-                                    </p:set>
-                                  </p:childTnLst>
-                                </p:cTn>
-                              </p:par>
-                            </p:childTnLst>
-                          </p:cTn>
-                        </p:par>
-                      </p:childTnLst>
-                    </p:cTn>
-                  </p:par>
-                  <p:par>
-                    <p:cTn id="7" fill="hold">
-                      <p:stCondLst>
-                        <p:cond delay="indefinite"/>
-                      </p:stCondLst>
-                      <p:childTnLst>
-                        <p:par>
-                          <p:cTn id="8" fill="hold">
-                            <p:stCondLst>
-                              <p:cond delay="0"/>
-                            </p:stCondLst>
-                            <p:childTnLst>
-                              <p:par>
-                                <p:cTn id="9" presetID="1" presetClass="entr" presetSubtype="0" fill="hold" grpId="0" nodeType="clickEffect">
-                                  <p:stCondLst>
-                                    <p:cond delay="0"/>
-                                  </p:stCondLst>
-                                  <p:childTnLst>
-                                    <p:set>
-                                      <p:cBhvr>
-                                        <p:cTn id="10" dur="1" fill="hold">
-                                          <p:stCondLst>
-                                            <p:cond delay="0"/>
-                                          </p:stCondLst>
-                                        </p:cTn>
-                                        <p:tgtEl>
-                                          <p:spTgt spid="3">
-                                            <p:txEl>
-                                              <p:pRg st="2" end="2"/>
-                                            </p:txEl>
-                                          </p:spTgt>
-                                        </p:tgtEl>
-                                        <p:attrNameLst>
-                                          <p:attrName>style.visibility</p:attrName>
-                                        </p:attrNameLst>
-                                      </p:cBhvr>
-                                      <p:to>
-                                        <p:strVal val="visible"/>
-                                      </p:to>
-                                    </p:set>
-                                  </p:childTnLst>
-                                </p:cTn>
-                              </p:par>
-                            </p:childTnLst>
-                          </p:cTn>
-                        </p:par>
-                      </p:childTnLst>
-                    </p:cTn>
-                  </p:par>
-                </p:childTnLst>
-              </p:cTn>
-              <p:prevCondLst>
-                <p:cond evt="onPrev" delay="0">
-                  <p:tgtEl>
-                    <p:sldTgt/>
-                  </p:tgtEl>
-                </p:cond>
-              </p:prevCondLst>
-              <p:nextCondLst>
-                <p:cond evt="onNext" delay="0">
-                  <p:tgtEl>
-                    <p:sldTgt/>
-                  </p:tgtEl>
-                </p:cond>
-              </p:nextCondLst>
-            </p:seq>
-          </p:childTnLst>
-        </p:cTn>
-      </p:par>
-    </p:tnLst>
-    <p:bldLst>
-      <p:bldP spid="3" grpId="0" build="p"/>
-    </p:bldLst>
-  </p:timing>
-</p:sld>
-</file>
-
-<file path=ppt/slides/slide9.xml><?xml version="1.0" encoding="utf-8"?>
-<p:sld xmlns:a="http://schemas.openxmlformats.org/drawingml/2006/main" xmlns:r="http://schemas.openxmlformats.org/officeDocument/2006/relationships" xmlns:p="http://schemas.openxmlformats.org/presentationml/2006/main">
-  <p:cSld>
-    <p:spTree>
-      <p:nvGrpSpPr>
-        <p:cNvPr id="1" name=""/>
-        <p:cNvGrpSpPr/>
-        <p:nvPr/>
-      </p:nvGrpSpPr>
-      <p:grpSpPr>
-        <a:xfrm>
-          <a:off x="0" y="0"/>
-          <a:ext cx="0" cy="0"/>
-          <a:chOff x="0" y="0"/>
-          <a:chExt cx="0" cy="0"/>
-        </a:xfrm>
-      </p:grpSpPr>
-      <p:sp>
-        <p:nvSpPr>
-          <p:cNvPr id="2" name="Title 1"/>
-          <p:cNvSpPr>
-            <a:spLocks noGrp="1"/>
-          </p:cNvSpPr>
-          <p:nvPr>
-            <p:ph type="title"/>
-          </p:nvPr>
-        </p:nvSpPr>
-        <p:spPr/>
-        <p:txBody>
-          <a:bodyPr/>
-          <a:lstStyle/>
-          <a:p>
-            <a:r>
-              <a:rPr lang="en-US" dirty="0" smtClean="0"/>
-              <a:t>Benefits of BDD</a:t>
-            </a:r>
-            <a:endParaRPr lang="en-US" dirty="0"/>
-          </a:p>
-        </p:txBody>
-      </p:sp>
-      <p:sp>
-        <p:nvSpPr>
-          <p:cNvPr id="3" name="Content Placeholder 2"/>
-          <p:cNvSpPr>
-            <a:spLocks noGrp="1"/>
-          </p:cNvSpPr>
-          <p:nvPr>
-            <p:ph idx="1"/>
-          </p:nvPr>
-        </p:nvSpPr>
-        <p:spPr/>
-        <p:txBody>
-          <a:bodyPr/>
-          <a:lstStyle/>
-          <a:p>
-            <a:r>
-              <a:rPr lang="en-US" dirty="0" smtClean="0"/>
-              <a:t>Naming conventions keep tests small</a:t>
-            </a:r>
-          </a:p>
-          <a:p>
-            <a:endParaRPr lang="en-US" dirty="0" smtClean="0"/>
-          </a:p>
-          <a:p>
-            <a:r>
-              <a:rPr lang="en-US" dirty="0" smtClean="0"/>
-              <a:t>Reinforces the ubiquitous language</a:t>
-            </a:r>
-          </a:p>
-          <a:p>
-            <a:endParaRPr lang="en-US" dirty="0" smtClean="0"/>
-          </a:p>
-          <a:p>
-            <a:r>
-              <a:rPr lang="en-US" dirty="0" smtClean="0"/>
-              <a:t>Better work prioritization</a:t>
-            </a:r>
-          </a:p>
-          <a:p>
-            <a:endParaRPr lang="en-US" dirty="0" smtClean="0"/>
-          </a:p>
-          <a:p>
-            <a:r>
-              <a:rPr lang="en-US" dirty="0" smtClean="0"/>
-              <a:t>Executable requirements</a:t>
-            </a:r>
-          </a:p>
-          <a:p>
-            <a:endParaRPr lang="en-US" dirty="0"/>
-          </a:p>
-        </p:txBody>
-      </p:sp>
-    </p:spTree>
-    <p:extLst>
-      <p:ext uri="{BB962C8B-B14F-4D97-AF65-F5344CB8AC3E}">
-        <p14:creationId xmlns:p14="http://schemas.microsoft.com/office/powerpoint/2010/main" val="1289815738"/>
+        <p14:creationId xmlns:p14="http://schemas.microsoft.com/office/powerpoint/2010/main" val="1451881014"/>
       </p:ext>
     </p:extLst>
   </p:cSld>
@@ -9195,7 +10726,7 @@
                                         <p:tgtEl>
                                           <p:spTgt spid="3">
                                             <p:txEl>
-                                              <p:pRg st="4" end="4"/>
+                                              <p:pRg st="3" end="3"/>
                                             </p:txEl>
                                           </p:spTgt>
                                         </p:tgtEl>
@@ -9244,7 +10775,7 @@
                                         <p:tgtEl>
                                           <p:spTgt spid="3">
                                             <p:txEl>
-                                              <p:pRg st="6" end="6"/>
+                                              <p:pRg st="5" end="5"/>
                                             </p:txEl>
                                           </p:spTgt>
                                         </p:tgtEl>
@@ -9278,7 +10809,7 @@
                             </p:stCondLst>
                             <p:childTnLst>
                               <p:par>
-                                <p:cTn id="21" presetID="1" presetClass="entr" presetSubtype="0" fill="hold" grpId="1" nodeType="clickEffect">
+                                <p:cTn id="21" presetID="1" presetClass="entr" presetSubtype="0" fill="hold" grpId="0" nodeType="clickEffect">
                                   <p:stCondLst>
                                     <p:cond delay="0"/>
                                   </p:stCondLst>
@@ -9293,7 +10824,7 @@
                                         <p:tgtEl>
                                           <p:spTgt spid="3">
                                             <p:txEl>
-                                              <p:pRg st="0" end="0"/>
+                                              <p:pRg st="6" end="6"/>
                                             </p:txEl>
                                           </p:spTgt>
                                         </p:tgtEl>
@@ -9308,26 +10839,39 @@
                                   </p:childTnLst>
                                 </p:cTn>
                               </p:par>
-                            </p:childTnLst>
-                          </p:cTn>
-                        </p:par>
-                      </p:childTnLst>
-                    </p:cTn>
-                  </p:par>
-                  <p:par>
-                    <p:cTn id="23" fill="hold">
-                      <p:stCondLst>
-                        <p:cond delay="indefinite"/>
-                      </p:stCondLst>
-                      <p:childTnLst>
-                        <p:par>
-                          <p:cTn id="24" fill="hold">
-                            <p:stCondLst>
-                              <p:cond delay="0"/>
-                            </p:stCondLst>
-                            <p:childTnLst>
                               <p:par>
-                                <p:cTn id="25" presetID="1" presetClass="entr" presetSubtype="0" fill="hold" grpId="1" nodeType="clickEffect">
+                                <p:cTn id="23" presetID="1" presetClass="entr" presetSubtype="0" fill="hold" grpId="0" nodeType="withEffect">
+                                  <p:stCondLst>
+                                    <p:cond delay="0"/>
+                                  </p:stCondLst>
+                                  <p:childTnLst>
+                                    <p:set>
+                                      <p:cBhvr>
+                                        <p:cTn id="24" dur="1" fill="hold">
+                                          <p:stCondLst>
+                                            <p:cond delay="0"/>
+                                          </p:stCondLst>
+                                        </p:cTn>
+                                        <p:tgtEl>
+                                          <p:spTgt spid="3">
+                                            <p:txEl>
+                                              <p:pRg st="7" end="7"/>
+                                            </p:txEl>
+                                          </p:spTgt>
+                                        </p:tgtEl>
+                                        <p:attrNameLst>
+                                          <p:attrName>style.visibility</p:attrName>
+                                        </p:attrNameLst>
+                                      </p:cBhvr>
+                                      <p:to>
+                                        <p:strVal val="visible"/>
+                                      </p:to>
+                                    </p:set>
+                                  </p:childTnLst>
+                                </p:cTn>
+                              </p:par>
+                              <p:par>
+                                <p:cTn id="25" presetID="1" presetClass="entr" presetSubtype="0" fill="hold" grpId="0" nodeType="withEffect">
                                   <p:stCondLst>
                                     <p:cond delay="0"/>
                                   </p:stCondLst>
@@ -9342,105 +10886,7 @@
                                         <p:tgtEl>
                                           <p:spTgt spid="3">
                                             <p:txEl>
-                                              <p:pRg st="2" end="2"/>
-                                            </p:txEl>
-                                          </p:spTgt>
-                                        </p:tgtEl>
-                                        <p:attrNameLst>
-                                          <p:attrName>style.visibility</p:attrName>
-                                        </p:attrNameLst>
-                                      </p:cBhvr>
-                                      <p:to>
-                                        <p:strVal val="visible"/>
-                                      </p:to>
-                                    </p:set>
-                                  </p:childTnLst>
-                                </p:cTn>
-                              </p:par>
-                            </p:childTnLst>
-                          </p:cTn>
-                        </p:par>
-                      </p:childTnLst>
-                    </p:cTn>
-                  </p:par>
-                  <p:par>
-                    <p:cTn id="27" fill="hold">
-                      <p:stCondLst>
-                        <p:cond delay="indefinite"/>
-                      </p:stCondLst>
-                      <p:childTnLst>
-                        <p:par>
-                          <p:cTn id="28" fill="hold">
-                            <p:stCondLst>
-                              <p:cond delay="0"/>
-                            </p:stCondLst>
-                            <p:childTnLst>
-                              <p:par>
-                                <p:cTn id="29" presetID="1" presetClass="entr" presetSubtype="0" fill="hold" grpId="1" nodeType="clickEffect">
-                                  <p:stCondLst>
-                                    <p:cond delay="0"/>
-                                  </p:stCondLst>
-                                  <p:childTnLst>
-                                    <p:set>
-                                      <p:cBhvr>
-                                        <p:cTn id="30" dur="1" fill="hold">
-                                          <p:stCondLst>
-                                            <p:cond delay="0"/>
-                                          </p:stCondLst>
-                                        </p:cTn>
-                                        <p:tgtEl>
-                                          <p:spTgt spid="3">
-                                            <p:txEl>
-                                              <p:pRg st="4" end="4"/>
-                                            </p:txEl>
-                                          </p:spTgt>
-                                        </p:tgtEl>
-                                        <p:attrNameLst>
-                                          <p:attrName>style.visibility</p:attrName>
-                                        </p:attrNameLst>
-                                      </p:cBhvr>
-                                      <p:to>
-                                        <p:strVal val="visible"/>
-                                      </p:to>
-                                    </p:set>
-                                  </p:childTnLst>
-                                </p:cTn>
-                              </p:par>
-                            </p:childTnLst>
-                          </p:cTn>
-                        </p:par>
-                      </p:childTnLst>
-                    </p:cTn>
-                  </p:par>
-                  <p:par>
-                    <p:cTn id="31" fill="hold">
-                      <p:stCondLst>
-                        <p:cond delay="indefinite"/>
-                      </p:stCondLst>
-                      <p:childTnLst>
-                        <p:par>
-                          <p:cTn id="32" fill="hold">
-                            <p:stCondLst>
-                              <p:cond delay="0"/>
-                            </p:stCondLst>
-                            <p:childTnLst>
-                              <p:par>
-                                <p:cTn id="33" presetID="1" presetClass="entr" presetSubtype="0" fill="hold" grpId="1" nodeType="clickEffect">
-                                  <p:stCondLst>
-                                    <p:cond delay="0"/>
-                                  </p:stCondLst>
-                                  <p:childTnLst>
-                                    <p:set>
-                                      <p:cBhvr>
-                                        <p:cTn id="34" dur="1" fill="hold">
-                                          <p:stCondLst>
-                                            <p:cond delay="0"/>
-                                          </p:stCondLst>
-                                        </p:cTn>
-                                        <p:tgtEl>
-                                          <p:spTgt spid="3">
-                                            <p:txEl>
-                                              <p:pRg st="6" end="6"/>
+                                              <p:pRg st="8" end="8"/>
                                             </p:txEl>
                                           </p:spTgt>
                                         </p:tgtEl>
@@ -9483,8 +10929,430 @@
       </p:par>
     </p:tnLst>
     <p:bldLst>
-      <p:bldP spid="3" grpId="0" build="p"/>
-      <p:bldP spid="3" grpId="1" build="p"/>
+      <p:bldP spid="3" grpId="0" uiExpand="1" build="p"/>
+    </p:bldLst>
+  </p:timing>
+</p:sld>
+</file>
+
+<file path=ppt/slides/slide9.xml><?xml version="1.0" encoding="utf-8"?>
+<p:sld xmlns:a="http://schemas.openxmlformats.org/drawingml/2006/main" xmlns:r="http://schemas.openxmlformats.org/officeDocument/2006/relationships" xmlns:p="http://schemas.openxmlformats.org/presentationml/2006/main">
+  <p:cSld>
+    <p:spTree>
+      <p:nvGrpSpPr>
+        <p:cNvPr id="1" name=""/>
+        <p:cNvGrpSpPr/>
+        <p:nvPr/>
+      </p:nvGrpSpPr>
+      <p:grpSpPr>
+        <a:xfrm>
+          <a:off x="0" y="0"/>
+          <a:ext cx="0" cy="0"/>
+          <a:chOff x="0" y="0"/>
+          <a:chExt cx="0" cy="0"/>
+        </a:xfrm>
+      </p:grpSpPr>
+      <p:sp>
+        <p:nvSpPr>
+          <p:cNvPr id="2" name="Title 1"/>
+          <p:cNvSpPr>
+            <a:spLocks noGrp="1"/>
+          </p:cNvSpPr>
+          <p:nvPr>
+            <p:ph type="title"/>
+          </p:nvPr>
+        </p:nvSpPr>
+        <p:spPr/>
+        <p:txBody>
+          <a:bodyPr/>
+          <a:lstStyle/>
+          <a:p>
+            <a:r>
+              <a:rPr lang="en-US" b="1" dirty="0"/>
+              <a:t>Requirements are Behavior, Too</a:t>
+            </a:r>
+            <a:endParaRPr lang="en-US" dirty="0"/>
+          </a:p>
+        </p:txBody>
+      </p:sp>
+      <p:sp>
+        <p:nvSpPr>
+          <p:cNvPr id="3" name="Content Placeholder 2"/>
+          <p:cNvSpPr>
+            <a:spLocks noGrp="1"/>
+          </p:cNvSpPr>
+          <p:nvPr>
+            <p:ph idx="1"/>
+          </p:nvPr>
+        </p:nvSpPr>
+        <p:spPr/>
+        <p:txBody>
+          <a:bodyPr/>
+          <a:lstStyle/>
+          <a:p>
+            <a:r>
+              <a:rPr lang="en-US" dirty="0" smtClean="0"/>
+              <a:t>Ubiquitous Language</a:t>
+            </a:r>
+          </a:p>
+          <a:p>
+            <a:pPr lvl="1"/>
+            <a:r>
+              <a:rPr lang="en-US" dirty="0" smtClean="0"/>
+              <a:t>Analyst, developers, testers, and the business</a:t>
+            </a:r>
+          </a:p>
+          <a:p>
+            <a:pPr lvl="1"/>
+            <a:endParaRPr lang="en-US" dirty="0"/>
+          </a:p>
+          <a:p>
+            <a:pPr marL="0" indent="0">
+              <a:buNone/>
+            </a:pPr>
+            <a:r>
+              <a:rPr lang="en-US" dirty="0" smtClean="0"/>
+              <a:t>Story Language</a:t>
+            </a:r>
+            <a:r>
+              <a:rPr lang="en-US" b="1" dirty="0" smtClean="0"/>
+              <a:t/>
+            </a:r>
+            <a:br>
+              <a:rPr lang="en-US" b="1" dirty="0" smtClean="0"/>
+            </a:br>
+            <a:r>
+              <a:rPr lang="en-US" b="1" dirty="0" smtClean="0"/>
+              <a:t>As a </a:t>
+            </a:r>
+            <a:r>
+              <a:rPr lang="en-US" dirty="0" smtClean="0"/>
+              <a:t>[x] </a:t>
+            </a:r>
+            <a:r>
+              <a:rPr lang="mr-IN" dirty="0" smtClean="0"/>
+              <a:t>–</a:t>
+            </a:r>
+            <a:r>
+              <a:rPr lang="en-US" dirty="0" smtClean="0"/>
+              <a:t> person or role</a:t>
+            </a:r>
+            <a:br>
+              <a:rPr lang="en-US" dirty="0" smtClean="0"/>
+            </a:br>
+            <a:r>
+              <a:rPr lang="en-US" b="1" dirty="0" smtClean="0"/>
+              <a:t>I want</a:t>
+            </a:r>
+            <a:r>
+              <a:rPr lang="en-US" dirty="0" smtClean="0"/>
+              <a:t> [y] </a:t>
+            </a:r>
+            <a:r>
+              <a:rPr lang="mr-IN" dirty="0" smtClean="0"/>
+              <a:t>–</a:t>
+            </a:r>
+            <a:r>
+              <a:rPr lang="en-US" dirty="0" smtClean="0"/>
+              <a:t> some feature</a:t>
+            </a:r>
+            <a:br>
+              <a:rPr lang="en-US" dirty="0" smtClean="0"/>
+            </a:br>
+            <a:r>
+              <a:rPr lang="en-US" b="1" dirty="0" smtClean="0"/>
+              <a:t>So that </a:t>
+            </a:r>
+            <a:r>
+              <a:rPr lang="en-US" dirty="0" smtClean="0"/>
+              <a:t>[z] </a:t>
+            </a:r>
+            <a:r>
+              <a:rPr lang="mr-IN" dirty="0" smtClean="0"/>
+              <a:t>–</a:t>
+            </a:r>
+            <a:r>
+              <a:rPr lang="en-US" dirty="0" smtClean="0"/>
+              <a:t> the benefit or value of the feature</a:t>
+            </a:r>
+          </a:p>
+          <a:p>
+            <a:pPr marL="0" indent="0">
+              <a:buNone/>
+            </a:pPr>
+            <a:endParaRPr lang="en-US" dirty="0"/>
+          </a:p>
+          <a:p>
+            <a:r>
+              <a:rPr lang="en-US" dirty="0"/>
+              <a:t>Can’t specify </a:t>
+            </a:r>
+            <a:r>
+              <a:rPr lang="en-US" b="1" i="1" dirty="0"/>
+              <a:t>so that</a:t>
+            </a:r>
+            <a:r>
+              <a:rPr lang="en-US" dirty="0"/>
+              <a:t>?</a:t>
+            </a:r>
+            <a:r>
+              <a:rPr lang="en-US" i="1" dirty="0"/>
+              <a:t> </a:t>
+            </a:r>
+            <a:r>
+              <a:rPr lang="en-US" dirty="0"/>
+              <a:t>Probably isn’t important</a:t>
+            </a:r>
+            <a:r>
+              <a:rPr lang="en-US" dirty="0" smtClean="0"/>
+              <a:t>.</a:t>
+            </a:r>
+          </a:p>
+          <a:p>
+            <a:pPr marL="0" indent="0">
+              <a:buNone/>
+            </a:pPr>
+            <a:endParaRPr lang="en-US" dirty="0" smtClean="0"/>
+          </a:p>
+        </p:txBody>
+      </p:sp>
+    </p:spTree>
+    <p:extLst>
+      <p:ext uri="{BB962C8B-B14F-4D97-AF65-F5344CB8AC3E}">
+        <p14:creationId xmlns:p14="http://schemas.microsoft.com/office/powerpoint/2010/main" val="1154998856"/>
+      </p:ext>
+    </p:extLst>
+  </p:cSld>
+  <p:clrMapOvr>
+    <a:masterClrMapping/>
+  </p:clrMapOvr>
+  <p:timing>
+    <p:tnLst>
+      <p:par>
+        <p:cTn id="1" dur="indefinite" restart="never" nodeType="tmRoot">
+          <p:childTnLst>
+            <p:seq concurrent="1" nextAc="seek">
+              <p:cTn id="2" dur="indefinite" nodeType="mainSeq">
+                <p:childTnLst>
+                  <p:par>
+                    <p:cTn id="3" fill="hold">
+                      <p:stCondLst>
+                        <p:cond delay="indefinite"/>
+                      </p:stCondLst>
+                      <p:childTnLst>
+                        <p:par>
+                          <p:cTn id="4" fill="hold">
+                            <p:stCondLst>
+                              <p:cond delay="0"/>
+                            </p:stCondLst>
+                            <p:childTnLst>
+                              <p:par>
+                                <p:cTn id="5" presetID="1" presetClass="entr" presetSubtype="0" fill="hold" grpId="0" nodeType="clickEffect">
+                                  <p:stCondLst>
+                                    <p:cond delay="0"/>
+                                  </p:stCondLst>
+                                  <p:childTnLst>
+                                    <p:set>
+                                      <p:cBhvr>
+                                        <p:cTn id="6" dur="1" fill="hold">
+                                          <p:stCondLst>
+                                            <p:cond delay="0"/>
+                                          </p:stCondLst>
+                                        </p:cTn>
+                                        <p:tgtEl>
+                                          <p:spTgt spid="3">
+                                            <p:txEl>
+                                              <p:pRg st="0" end="0"/>
+                                            </p:txEl>
+                                          </p:spTgt>
+                                        </p:tgtEl>
+                                        <p:attrNameLst>
+                                          <p:attrName>style.visibility</p:attrName>
+                                        </p:attrNameLst>
+                                      </p:cBhvr>
+                                      <p:to>
+                                        <p:strVal val="visible"/>
+                                      </p:to>
+                                    </p:set>
+                                  </p:childTnLst>
+                                </p:cTn>
+                              </p:par>
+                            </p:childTnLst>
+                          </p:cTn>
+                        </p:par>
+                      </p:childTnLst>
+                    </p:cTn>
+                  </p:par>
+                  <p:par>
+                    <p:cTn id="7" fill="hold">
+                      <p:stCondLst>
+                        <p:cond delay="indefinite"/>
+                      </p:stCondLst>
+                      <p:childTnLst>
+                        <p:par>
+                          <p:cTn id="8" fill="hold">
+                            <p:stCondLst>
+                              <p:cond delay="0"/>
+                            </p:stCondLst>
+                            <p:childTnLst>
+                              <p:par>
+                                <p:cTn id="9" presetID="1" presetClass="entr" presetSubtype="0" fill="hold" grpId="0" nodeType="clickEffect">
+                                  <p:stCondLst>
+                                    <p:cond delay="0"/>
+                                  </p:stCondLst>
+                                  <p:childTnLst>
+                                    <p:set>
+                                      <p:cBhvr>
+                                        <p:cTn id="10" dur="1" fill="hold">
+                                          <p:stCondLst>
+                                            <p:cond delay="0"/>
+                                          </p:stCondLst>
+                                        </p:cTn>
+                                        <p:tgtEl>
+                                          <p:spTgt spid="3">
+                                            <p:txEl>
+                                              <p:pRg st="1" end="1"/>
+                                            </p:txEl>
+                                          </p:spTgt>
+                                        </p:tgtEl>
+                                        <p:attrNameLst>
+                                          <p:attrName>style.visibility</p:attrName>
+                                        </p:attrNameLst>
+                                      </p:cBhvr>
+                                      <p:to>
+                                        <p:strVal val="visible"/>
+                                      </p:to>
+                                    </p:set>
+                                  </p:childTnLst>
+                                </p:cTn>
+                              </p:par>
+                            </p:childTnLst>
+                          </p:cTn>
+                        </p:par>
+                      </p:childTnLst>
+                    </p:cTn>
+                  </p:par>
+                  <p:par>
+                    <p:cTn id="11" fill="hold">
+                      <p:stCondLst>
+                        <p:cond delay="indefinite"/>
+                      </p:stCondLst>
+                      <p:childTnLst>
+                        <p:par>
+                          <p:cTn id="12" fill="hold">
+                            <p:stCondLst>
+                              <p:cond delay="0"/>
+                            </p:stCondLst>
+                            <p:childTnLst>
+                              <p:par>
+                                <p:cTn id="13" presetID="1" presetClass="entr" presetSubtype="0" fill="hold" grpId="0" nodeType="clickEffect">
+                                  <p:stCondLst>
+                                    <p:cond delay="0"/>
+                                  </p:stCondLst>
+                                  <p:childTnLst>
+                                    <p:set>
+                                      <p:cBhvr>
+                                        <p:cTn id="14" dur="1" fill="hold">
+                                          <p:stCondLst>
+                                            <p:cond delay="0"/>
+                                          </p:stCondLst>
+                                        </p:cTn>
+                                        <p:tgtEl>
+                                          <p:spTgt spid="3">
+                                            <p:txEl>
+                                              <p:pRg st="3" end="3"/>
+                                            </p:txEl>
+                                          </p:spTgt>
+                                        </p:tgtEl>
+                                        <p:attrNameLst>
+                                          <p:attrName>style.visibility</p:attrName>
+                                        </p:attrNameLst>
+                                      </p:cBhvr>
+                                      <p:to>
+                                        <p:strVal val="visible"/>
+                                      </p:to>
+                                    </p:set>
+                                  </p:childTnLst>
+                                </p:cTn>
+                              </p:par>
+                            </p:childTnLst>
+                          </p:cTn>
+                        </p:par>
+                      </p:childTnLst>
+                    </p:cTn>
+                  </p:par>
+                  <p:par>
+                    <p:cTn id="15" fill="hold">
+                      <p:stCondLst>
+                        <p:cond delay="indefinite"/>
+                      </p:stCondLst>
+                      <p:childTnLst>
+                        <p:par>
+                          <p:cTn id="16" fill="hold">
+                            <p:stCondLst>
+                              <p:cond delay="0"/>
+                            </p:stCondLst>
+                            <p:childTnLst>
+                              <p:par>
+                                <p:cTn id="17" presetID="1" presetClass="entr" presetSubtype="0" fill="hold" grpId="0" nodeType="clickEffect">
+                                  <p:stCondLst>
+                                    <p:cond delay="0"/>
+                                  </p:stCondLst>
+                                  <p:childTnLst>
+                                    <p:set>
+                                      <p:cBhvr>
+                                        <p:cTn id="18" dur="1" fill="hold">
+                                          <p:stCondLst>
+                                            <p:cond delay="0"/>
+                                          </p:stCondLst>
+                                        </p:cTn>
+                                        <p:tgtEl>
+                                          <p:spTgt spid="3">
+                                            <p:txEl>
+                                              <p:pRg st="5" end="5"/>
+                                            </p:txEl>
+                                          </p:spTgt>
+                                        </p:tgtEl>
+                                        <p:attrNameLst>
+                                          <p:attrName>style.visibility</p:attrName>
+                                        </p:attrNameLst>
+                                      </p:cBhvr>
+                                      <p:to>
+                                        <p:strVal val="visible"/>
+                                      </p:to>
+                                    </p:set>
+                                  </p:childTnLst>
+                                </p:cTn>
+                              </p:par>
+                            </p:childTnLst>
+                          </p:cTn>
+                        </p:par>
+                      </p:childTnLst>
+                    </p:cTn>
+                  </p:par>
+                </p:childTnLst>
+              </p:cTn>
+              <p:prevCondLst>
+                <p:cond evt="onPrev" delay="0">
+                  <p:tgtEl>
+                    <p:sldTgt/>
+                  </p:tgtEl>
+                </p:cond>
+              </p:prevCondLst>
+              <p:nextCondLst>
+                <p:cond evt="onNext" delay="0">
+                  <p:tgtEl>
+                    <p:sldTgt/>
+                  </p:tgtEl>
+                </p:cond>
+              </p:nextCondLst>
+            </p:seq>
+          </p:childTnLst>
+        </p:cTn>
+      </p:par>
+    </p:tnLst>
+    <p:bldLst>
+      <p:bldP spid="3" grpId="0" uiExpand="1" build="p"/>
     </p:bldLst>
   </p:timing>
 </p:sld>

--- a/BDD.pptx
+++ b/BDD.pptx
@@ -5,7 +5,7 @@
     <p:sldMasterId id="2147483648" r:id="rId1"/>
   </p:sldMasterIdLst>
   <p:notesMasterIdLst>
-    <p:notesMasterId r:id="rId14"/>
+    <p:notesMasterId r:id="rId23"/>
   </p:notesMasterIdLst>
   <p:sldIdLst>
     <p:sldId id="256" r:id="rId2"/>
@@ -17,9 +17,18 @@
     <p:sldId id="266" r:id="rId8"/>
     <p:sldId id="257" r:id="rId9"/>
     <p:sldId id="267" r:id="rId10"/>
-    <p:sldId id="268" r:id="rId11"/>
-    <p:sldId id="269" r:id="rId12"/>
-    <p:sldId id="270" r:id="rId13"/>
+    <p:sldId id="271" r:id="rId11"/>
+    <p:sldId id="272" r:id="rId12"/>
+    <p:sldId id="268" r:id="rId13"/>
+    <p:sldId id="269" r:id="rId14"/>
+    <p:sldId id="270" r:id="rId15"/>
+    <p:sldId id="273" r:id="rId16"/>
+    <p:sldId id="274" r:id="rId17"/>
+    <p:sldId id="275" r:id="rId18"/>
+    <p:sldId id="276" r:id="rId19"/>
+    <p:sldId id="278" r:id="rId20"/>
+    <p:sldId id="279" r:id="rId21"/>
+    <p:sldId id="280" r:id="rId22"/>
   </p:sldIdLst>
   <p:sldSz cx="12192000" cy="6858000"/>
   <p:notesSz cx="6858000" cy="9144000"/>
@@ -748,6 +757,1021 @@
 </p:notes>
 </file>
 
+<file path=ppt/notesSlides/notesSlide10.xml><?xml version="1.0" encoding="utf-8"?>
+<p:notes xmlns:a="http://schemas.openxmlformats.org/drawingml/2006/main" xmlns:r="http://schemas.openxmlformats.org/officeDocument/2006/relationships" xmlns:p="http://schemas.openxmlformats.org/presentationml/2006/main">
+  <p:cSld>
+    <p:spTree>
+      <p:nvGrpSpPr>
+        <p:cNvPr id="1" name=""/>
+        <p:cNvGrpSpPr/>
+        <p:nvPr/>
+      </p:nvGrpSpPr>
+      <p:grpSpPr>
+        <a:xfrm>
+          <a:off x="0" y="0"/>
+          <a:ext cx="0" cy="0"/>
+          <a:chOff x="0" y="0"/>
+          <a:chExt cx="0" cy="0"/>
+        </a:xfrm>
+      </p:grpSpPr>
+      <p:sp>
+        <p:nvSpPr>
+          <p:cNvPr id="2" name="Slide Image Placeholder 1"/>
+          <p:cNvSpPr>
+            <a:spLocks noGrp="1" noRot="1" noChangeAspect="1"/>
+          </p:cNvSpPr>
+          <p:nvPr>
+            <p:ph type="sldImg"/>
+          </p:nvPr>
+        </p:nvSpPr>
+        <p:spPr/>
+      </p:sp>
+      <p:sp>
+        <p:nvSpPr>
+          <p:cNvPr id="3" name="Notes Placeholder 2"/>
+          <p:cNvSpPr>
+            <a:spLocks noGrp="1"/>
+          </p:cNvSpPr>
+          <p:nvPr>
+            <p:ph type="body" idx="1"/>
+          </p:nvPr>
+        </p:nvSpPr>
+        <p:spPr/>
+        <p:txBody>
+          <a:bodyPr/>
+          <a:lstStyle/>
+          <a:p>
+            <a:r>
+              <a:rPr lang="en-US" dirty="0" smtClean="0"/>
+              <a:t>What is the behavior here?</a:t>
+            </a:r>
+          </a:p>
+          <a:p>
+            <a:endParaRPr lang="en-US" dirty="0" smtClean="0"/>
+          </a:p>
+          <a:p>
+            <a:r>
+              <a:rPr lang="en-US" dirty="0" smtClean="0"/>
+              <a:t>How do we capture the behavior in the story?</a:t>
+            </a:r>
+          </a:p>
+          <a:p>
+            <a:endParaRPr lang="en-US" dirty="0" smtClean="0"/>
+          </a:p>
+          <a:p>
+            <a:r>
+              <a:rPr lang="en-US" dirty="0" smtClean="0"/>
+              <a:t>A story’s behavior is simply its acceptance criteria. If a feature fulfills the acceptance criteria, then it is behaving correctly.</a:t>
+            </a:r>
+          </a:p>
+        </p:txBody>
+      </p:sp>
+      <p:sp>
+        <p:nvSpPr>
+          <p:cNvPr id="4" name="Slide Number Placeholder 3"/>
+          <p:cNvSpPr>
+            <a:spLocks noGrp="1"/>
+          </p:cNvSpPr>
+          <p:nvPr>
+            <p:ph type="sldNum" sz="quarter" idx="10"/>
+          </p:nvPr>
+        </p:nvSpPr>
+        <p:spPr/>
+        <p:txBody>
+          <a:bodyPr/>
+          <a:lstStyle/>
+          <a:p>
+            <a:fld id="{717C0D68-69C3-4A4C-9D46-4BC134F8A513}" type="slidenum">
+              <a:rPr lang="en-US" smtClean="0"/>
+              <a:t>12</a:t>
+            </a:fld>
+            <a:endParaRPr lang="en-US"/>
+          </a:p>
+        </p:txBody>
+      </p:sp>
+    </p:spTree>
+    <p:extLst>
+      <p:ext uri="{BB962C8B-B14F-4D97-AF65-F5344CB8AC3E}">
+        <p14:creationId xmlns:p14="http://schemas.microsoft.com/office/powerpoint/2010/main" val="150501508"/>
+      </p:ext>
+    </p:extLst>
+  </p:cSld>
+  <p:clrMapOvr>
+    <a:masterClrMapping/>
+  </p:clrMapOvr>
+</p:notes>
+</file>
+
+<file path=ppt/notesSlides/notesSlide11.xml><?xml version="1.0" encoding="utf-8"?>
+<p:notes xmlns:a="http://schemas.openxmlformats.org/drawingml/2006/main" xmlns:r="http://schemas.openxmlformats.org/officeDocument/2006/relationships" xmlns:p="http://schemas.openxmlformats.org/presentationml/2006/main">
+  <p:cSld>
+    <p:spTree>
+      <p:nvGrpSpPr>
+        <p:cNvPr id="1" name=""/>
+        <p:cNvGrpSpPr/>
+        <p:nvPr/>
+      </p:nvGrpSpPr>
+      <p:grpSpPr>
+        <a:xfrm>
+          <a:off x="0" y="0"/>
+          <a:ext cx="0" cy="0"/>
+          <a:chOff x="0" y="0"/>
+          <a:chExt cx="0" cy="0"/>
+        </a:xfrm>
+      </p:grpSpPr>
+      <p:sp>
+        <p:nvSpPr>
+          <p:cNvPr id="2" name="Slide Image Placeholder 1"/>
+          <p:cNvSpPr>
+            <a:spLocks noGrp="1" noRot="1" noChangeAspect="1"/>
+          </p:cNvSpPr>
+          <p:nvPr>
+            <p:ph type="sldImg"/>
+          </p:nvPr>
+        </p:nvSpPr>
+        <p:spPr/>
+      </p:sp>
+      <p:sp>
+        <p:nvSpPr>
+          <p:cNvPr id="3" name="Notes Placeholder 2"/>
+          <p:cNvSpPr>
+            <a:spLocks noGrp="1"/>
+          </p:cNvSpPr>
+          <p:nvPr>
+            <p:ph type="body" idx="1"/>
+          </p:nvPr>
+        </p:nvSpPr>
+        <p:spPr/>
+        <p:txBody>
+          <a:bodyPr/>
+          <a:lstStyle/>
+          <a:p>
+            <a:r>
+              <a:rPr lang="en-US" sz="1200" kern="1200" dirty="0" smtClean="0">
+                <a:solidFill>
+                  <a:schemeClr val="tx1"/>
+                </a:solidFill>
+                <a:effectLst/>
+                <a:latin typeface="+mn-lt"/>
+                <a:ea typeface="+mn-ea"/>
+                <a:cs typeface="+mn-cs"/>
+              </a:rPr>
+              <a:t>Let’s describe acceptance criteria in terms of </a:t>
+            </a:r>
+            <a:r>
+              <a:rPr lang="en-US" sz="1200" i="1" kern="1200" dirty="0" smtClean="0">
+                <a:solidFill>
+                  <a:schemeClr val="tx1"/>
+                </a:solidFill>
+                <a:effectLst/>
+                <a:latin typeface="+mn-lt"/>
+                <a:ea typeface="+mn-ea"/>
+                <a:cs typeface="+mn-cs"/>
+              </a:rPr>
+              <a:t>scenarios</a:t>
+            </a:r>
+            <a:r>
+              <a:rPr lang="en-US" sz="1200" kern="1200" dirty="0" smtClean="0">
+                <a:solidFill>
+                  <a:schemeClr val="tx1"/>
+                </a:solidFill>
+                <a:effectLst/>
+                <a:latin typeface="+mn-lt"/>
+                <a:ea typeface="+mn-ea"/>
+                <a:cs typeface="+mn-cs"/>
+              </a:rPr>
+              <a:t>. </a:t>
+            </a:r>
+            <a:endParaRPr lang="en-US" dirty="0"/>
+          </a:p>
+        </p:txBody>
+      </p:sp>
+      <p:sp>
+        <p:nvSpPr>
+          <p:cNvPr id="4" name="Slide Number Placeholder 3"/>
+          <p:cNvSpPr>
+            <a:spLocks noGrp="1"/>
+          </p:cNvSpPr>
+          <p:nvPr>
+            <p:ph type="sldNum" sz="quarter" idx="10"/>
+          </p:nvPr>
+        </p:nvSpPr>
+        <p:spPr/>
+        <p:txBody>
+          <a:bodyPr/>
+          <a:lstStyle/>
+          <a:p>
+            <a:fld id="{717C0D68-69C3-4A4C-9D46-4BC134F8A513}" type="slidenum">
+              <a:rPr lang="en-US" smtClean="0"/>
+              <a:t>13</a:t>
+            </a:fld>
+            <a:endParaRPr lang="en-US"/>
+          </a:p>
+        </p:txBody>
+      </p:sp>
+    </p:spTree>
+    <p:extLst>
+      <p:ext uri="{BB962C8B-B14F-4D97-AF65-F5344CB8AC3E}">
+        <p14:creationId xmlns:p14="http://schemas.microsoft.com/office/powerpoint/2010/main" val="1255915243"/>
+      </p:ext>
+    </p:extLst>
+  </p:cSld>
+  <p:clrMapOvr>
+    <a:masterClrMapping/>
+  </p:clrMapOvr>
+</p:notes>
+</file>
+
+<file path=ppt/notesSlides/notesSlide12.xml><?xml version="1.0" encoding="utf-8"?>
+<p:notes xmlns:a="http://schemas.openxmlformats.org/drawingml/2006/main" xmlns:r="http://schemas.openxmlformats.org/officeDocument/2006/relationships" xmlns:p="http://schemas.openxmlformats.org/presentationml/2006/main">
+  <p:cSld>
+    <p:spTree>
+      <p:nvGrpSpPr>
+        <p:cNvPr id="1" name=""/>
+        <p:cNvGrpSpPr/>
+        <p:nvPr/>
+      </p:nvGrpSpPr>
+      <p:grpSpPr>
+        <a:xfrm>
+          <a:off x="0" y="0"/>
+          <a:ext cx="0" cy="0"/>
+          <a:chOff x="0" y="0"/>
+          <a:chExt cx="0" cy="0"/>
+        </a:xfrm>
+      </p:grpSpPr>
+      <p:sp>
+        <p:nvSpPr>
+          <p:cNvPr id="2" name="Slide Image Placeholder 1"/>
+          <p:cNvSpPr>
+            <a:spLocks noGrp="1" noRot="1" noChangeAspect="1"/>
+          </p:cNvSpPr>
+          <p:nvPr>
+            <p:ph type="sldImg"/>
+          </p:nvPr>
+        </p:nvSpPr>
+        <p:spPr/>
+      </p:sp>
+      <p:sp>
+        <p:nvSpPr>
+          <p:cNvPr id="3" name="Notes Placeholder 2"/>
+          <p:cNvSpPr>
+            <a:spLocks noGrp="1"/>
+          </p:cNvSpPr>
+          <p:nvPr>
+            <p:ph type="body" idx="1"/>
+          </p:nvPr>
+        </p:nvSpPr>
+        <p:spPr/>
+        <p:txBody>
+          <a:bodyPr/>
+          <a:lstStyle/>
+          <a:p>
+            <a:pPr marL="0" marR="0" indent="0" algn="l" defTabSz="914400" rtl="0" eaLnBrk="1" fontAlgn="auto" latinLnBrk="0" hangingPunct="1">
+              <a:lnSpc>
+                <a:spcPct val="100000"/>
+              </a:lnSpc>
+              <a:spcBef>
+                <a:spcPts val="0"/>
+              </a:spcBef>
+              <a:spcAft>
+                <a:spcPts val="0"/>
+              </a:spcAft>
+              <a:buClrTx/>
+              <a:buSzTx/>
+              <a:buFontTx/>
+              <a:buNone/>
+              <a:tabLst/>
+              <a:defRPr/>
+            </a:pPr>
+            <a:r>
+              <a:rPr lang="en-US" dirty="0" smtClean="0"/>
+              <a:t>1. </a:t>
+            </a:r>
+            <a:r>
+              <a:rPr lang="en-US" sz="1200" b="0" i="0" kern="1200" dirty="0" smtClean="0">
+                <a:solidFill>
+                  <a:schemeClr val="tx1"/>
+                </a:solidFill>
+                <a:effectLst/>
+                <a:latin typeface="+mn-lt"/>
+                <a:ea typeface="+mn-ea"/>
+                <a:cs typeface="+mn-cs"/>
+              </a:rPr>
+              <a:t>BDD testing framework that is part of Cucumber family and uses Gherkin parser</a:t>
+            </a:r>
+          </a:p>
+          <a:p>
+            <a:endParaRPr lang="en-US" dirty="0" smtClean="0"/>
+          </a:p>
+          <a:p>
+            <a:pPr marL="0" marR="0" indent="0" algn="l" defTabSz="914400" rtl="0" eaLnBrk="1" fontAlgn="auto" latinLnBrk="0" hangingPunct="1">
+              <a:lnSpc>
+                <a:spcPct val="100000"/>
+              </a:lnSpc>
+              <a:spcBef>
+                <a:spcPts val="0"/>
+              </a:spcBef>
+              <a:spcAft>
+                <a:spcPts val="0"/>
+              </a:spcAft>
+              <a:buClrTx/>
+              <a:buSzTx/>
+              <a:buFontTx/>
+              <a:buNone/>
+              <a:tabLst/>
+              <a:defRPr/>
+            </a:pPr>
+            <a:r>
+              <a:rPr lang="en-US" dirty="0" smtClean="0"/>
+              <a:t>2. </a:t>
+            </a:r>
+            <a:r>
+              <a:rPr lang="en-US" sz="1200" b="0" i="0" kern="1200" dirty="0" smtClean="0">
+                <a:solidFill>
+                  <a:schemeClr val="tx1"/>
+                </a:solidFill>
+                <a:effectLst/>
+                <a:latin typeface="+mn-lt"/>
+                <a:ea typeface="+mn-ea"/>
+                <a:cs typeface="+mn-cs"/>
+              </a:rPr>
+              <a:t>Allows us to write our acceptance criteria using DSL and map to executable code</a:t>
+            </a:r>
+          </a:p>
+          <a:p>
+            <a:endParaRPr lang="en-US" dirty="0" smtClean="0"/>
+          </a:p>
+          <a:p>
+            <a:r>
+              <a:rPr lang="en-US" dirty="0" smtClean="0"/>
+              <a:t>3. F</a:t>
+            </a:r>
+            <a:r>
+              <a:rPr lang="en-US" sz="1200" b="0" i="0" kern="1200" dirty="0" smtClean="0">
+                <a:solidFill>
+                  <a:schemeClr val="tx1"/>
+                </a:solidFill>
+                <a:effectLst/>
+                <a:latin typeface="+mn-lt"/>
+                <a:ea typeface="+mn-ea"/>
+                <a:cs typeface="+mn-cs"/>
+              </a:rPr>
+              <a:t>eature files and step definitions</a:t>
+            </a:r>
+          </a:p>
+          <a:p>
+            <a:endParaRPr lang="en-US" sz="1200" b="0" i="0" kern="1200" dirty="0" smtClean="0">
+              <a:solidFill>
+                <a:schemeClr val="tx1"/>
+              </a:solidFill>
+              <a:effectLst/>
+              <a:latin typeface="+mn-lt"/>
+              <a:ea typeface="+mn-ea"/>
+              <a:cs typeface="+mn-cs"/>
+            </a:endParaRPr>
+          </a:p>
+          <a:p>
+            <a:pPr marL="0" marR="0" indent="0" algn="l" defTabSz="914400" rtl="0" eaLnBrk="1" fontAlgn="auto" latinLnBrk="0" hangingPunct="1">
+              <a:lnSpc>
+                <a:spcPct val="100000"/>
+              </a:lnSpc>
+              <a:spcBef>
+                <a:spcPts val="0"/>
+              </a:spcBef>
+              <a:spcAft>
+                <a:spcPts val="0"/>
+              </a:spcAft>
+              <a:buClrTx/>
+              <a:buSzTx/>
+              <a:buFontTx/>
+              <a:buNone/>
+              <a:tabLst/>
+              <a:defRPr/>
+            </a:pPr>
+            <a:r>
+              <a:rPr lang="en-US" sz="1200" b="0" i="0" kern="1200" dirty="0" smtClean="0">
+                <a:solidFill>
+                  <a:schemeClr val="tx1"/>
+                </a:solidFill>
+                <a:effectLst/>
+                <a:latin typeface="+mn-lt"/>
+                <a:ea typeface="+mn-ea"/>
+                <a:cs typeface="+mn-cs"/>
+              </a:rPr>
+              <a:t>4. One feature (user story), Many scenarios (acceptance criteria)</a:t>
+            </a:r>
+          </a:p>
+          <a:p>
+            <a:endParaRPr lang="en-US" dirty="0"/>
+          </a:p>
+        </p:txBody>
+      </p:sp>
+      <p:sp>
+        <p:nvSpPr>
+          <p:cNvPr id="4" name="Slide Number Placeholder 3"/>
+          <p:cNvSpPr>
+            <a:spLocks noGrp="1"/>
+          </p:cNvSpPr>
+          <p:nvPr>
+            <p:ph type="sldNum" sz="quarter" idx="10"/>
+          </p:nvPr>
+        </p:nvSpPr>
+        <p:spPr/>
+        <p:txBody>
+          <a:bodyPr/>
+          <a:lstStyle/>
+          <a:p>
+            <a:fld id="{717C0D68-69C3-4A4C-9D46-4BC134F8A513}" type="slidenum">
+              <a:rPr lang="en-US" smtClean="0"/>
+              <a:t>17</a:t>
+            </a:fld>
+            <a:endParaRPr lang="en-US"/>
+          </a:p>
+        </p:txBody>
+      </p:sp>
+    </p:spTree>
+    <p:extLst>
+      <p:ext uri="{BB962C8B-B14F-4D97-AF65-F5344CB8AC3E}">
+        <p14:creationId xmlns:p14="http://schemas.microsoft.com/office/powerpoint/2010/main" val="190092049"/>
+      </p:ext>
+    </p:extLst>
+  </p:cSld>
+  <p:clrMapOvr>
+    <a:masterClrMapping/>
+  </p:clrMapOvr>
+</p:notes>
+</file>
+
+<file path=ppt/notesSlides/notesSlide13.xml><?xml version="1.0" encoding="utf-8"?>
+<p:notes xmlns:a="http://schemas.openxmlformats.org/drawingml/2006/main" xmlns:r="http://schemas.openxmlformats.org/officeDocument/2006/relationships" xmlns:p="http://schemas.openxmlformats.org/presentationml/2006/main">
+  <p:cSld>
+    <p:spTree>
+      <p:nvGrpSpPr>
+        <p:cNvPr id="1" name=""/>
+        <p:cNvGrpSpPr/>
+        <p:nvPr/>
+      </p:nvGrpSpPr>
+      <p:grpSpPr>
+        <a:xfrm>
+          <a:off x="0" y="0"/>
+          <a:ext cx="0" cy="0"/>
+          <a:chOff x="0" y="0"/>
+          <a:chExt cx="0" cy="0"/>
+        </a:xfrm>
+      </p:grpSpPr>
+      <p:sp>
+        <p:nvSpPr>
+          <p:cNvPr id="2" name="Slide Image Placeholder 1"/>
+          <p:cNvSpPr>
+            <a:spLocks noGrp="1" noRot="1" noChangeAspect="1"/>
+          </p:cNvSpPr>
+          <p:nvPr>
+            <p:ph type="sldImg"/>
+          </p:nvPr>
+        </p:nvSpPr>
+        <p:spPr/>
+      </p:sp>
+      <p:sp>
+        <p:nvSpPr>
+          <p:cNvPr id="3" name="Notes Placeholder 2"/>
+          <p:cNvSpPr>
+            <a:spLocks noGrp="1"/>
+          </p:cNvSpPr>
+          <p:nvPr>
+            <p:ph type="body" idx="1"/>
+          </p:nvPr>
+        </p:nvSpPr>
+        <p:spPr/>
+        <p:txBody>
+          <a:bodyPr/>
+          <a:lstStyle/>
+          <a:p>
+            <a:pPr marL="228600" marR="0" indent="-228600" algn="l" defTabSz="914400" rtl="0" eaLnBrk="1" fontAlgn="auto" latinLnBrk="0" hangingPunct="1">
+              <a:lnSpc>
+                <a:spcPct val="100000"/>
+              </a:lnSpc>
+              <a:spcBef>
+                <a:spcPts val="0"/>
+              </a:spcBef>
+              <a:spcAft>
+                <a:spcPts val="0"/>
+              </a:spcAft>
+              <a:buClrTx/>
+              <a:buSzTx/>
+              <a:buFontTx/>
+              <a:buAutoNum type="arabicPeriod"/>
+              <a:tabLst/>
+              <a:defRPr/>
+            </a:pPr>
+            <a:r>
+              <a:rPr lang="en-US" sz="1200" b="0" i="0" kern="1200" dirty="0" smtClean="0">
+                <a:solidFill>
+                  <a:schemeClr val="tx1"/>
+                </a:solidFill>
+                <a:effectLst/>
+                <a:latin typeface="+mn-lt"/>
+                <a:ea typeface="+mn-ea"/>
+                <a:cs typeface="+mn-cs"/>
+              </a:rPr>
+              <a:t>Regex in Given-When-Then</a:t>
+            </a:r>
+          </a:p>
+          <a:p>
+            <a:pPr marL="685800" marR="0" lvl="1" indent="-228600" algn="l" defTabSz="914400" rtl="0" eaLnBrk="1" fontAlgn="auto" latinLnBrk="0" hangingPunct="1">
+              <a:lnSpc>
+                <a:spcPct val="100000"/>
+              </a:lnSpc>
+              <a:spcBef>
+                <a:spcPts val="0"/>
+              </a:spcBef>
+              <a:spcAft>
+                <a:spcPts val="0"/>
+              </a:spcAft>
+              <a:buClrTx/>
+              <a:buSzTx/>
+              <a:buFontTx/>
+              <a:buAutoNum type="arabicPeriod"/>
+              <a:tabLst/>
+              <a:defRPr/>
+            </a:pPr>
+            <a:r>
+              <a:rPr lang="en-US" sz="1200" b="0" i="0" kern="1200" dirty="0" smtClean="0">
+                <a:solidFill>
+                  <a:schemeClr val="tx1"/>
+                </a:solidFill>
+                <a:effectLst/>
+                <a:latin typeface="+mn-lt"/>
+                <a:ea typeface="+mn-ea"/>
+                <a:cs typeface="+mn-cs"/>
+              </a:rPr>
+              <a:t>allow reuse with minimal effort</a:t>
+            </a:r>
+          </a:p>
+          <a:p>
+            <a:pPr marL="685800" marR="0" lvl="1" indent="-228600" algn="l" defTabSz="914400" rtl="0" eaLnBrk="1" fontAlgn="auto" latinLnBrk="0" hangingPunct="1">
+              <a:lnSpc>
+                <a:spcPct val="100000"/>
+              </a:lnSpc>
+              <a:spcBef>
+                <a:spcPts val="0"/>
+              </a:spcBef>
+              <a:spcAft>
+                <a:spcPts val="0"/>
+              </a:spcAft>
+              <a:buClrTx/>
+              <a:buSzTx/>
+              <a:buFontTx/>
+              <a:buAutoNum type="arabicPeriod"/>
+              <a:tabLst/>
+              <a:defRPr/>
+            </a:pPr>
+            <a:endParaRPr lang="en-US" sz="1200" b="0" i="0" kern="1200" dirty="0" smtClean="0">
+              <a:solidFill>
+                <a:schemeClr val="tx1"/>
+              </a:solidFill>
+              <a:effectLst/>
+              <a:latin typeface="+mn-lt"/>
+              <a:ea typeface="+mn-ea"/>
+              <a:cs typeface="+mn-cs"/>
+            </a:endParaRPr>
+          </a:p>
+          <a:p>
+            <a:pPr marL="228600" marR="0" lvl="0" indent="-228600" algn="l" defTabSz="914400" rtl="0" eaLnBrk="1" fontAlgn="auto" latinLnBrk="0" hangingPunct="1">
+              <a:lnSpc>
+                <a:spcPct val="100000"/>
+              </a:lnSpc>
+              <a:spcBef>
+                <a:spcPts val="0"/>
+              </a:spcBef>
+              <a:spcAft>
+                <a:spcPts val="0"/>
+              </a:spcAft>
+              <a:buClrTx/>
+              <a:buSzTx/>
+              <a:buFontTx/>
+              <a:buAutoNum type="arabicPeriod"/>
+              <a:tabLst/>
+              <a:defRPr/>
+            </a:pPr>
+            <a:r>
+              <a:rPr lang="en-US" sz="1200" b="0" i="0" kern="1200" dirty="0" smtClean="0">
+                <a:solidFill>
+                  <a:schemeClr val="tx1"/>
+                </a:solidFill>
+                <a:effectLst/>
+                <a:latin typeface="+mn-lt"/>
+                <a:ea typeface="+mn-ea"/>
+                <a:cs typeface="+mn-cs"/>
+              </a:rPr>
+              <a:t>tags (@</a:t>
+            </a:r>
+            <a:r>
+              <a:rPr lang="en-US" sz="1200" b="0" i="0" kern="1200" dirty="0" err="1" smtClean="0">
+                <a:solidFill>
+                  <a:schemeClr val="tx1"/>
+                </a:solidFill>
+                <a:effectLst/>
+                <a:latin typeface="+mn-lt"/>
+                <a:ea typeface="+mn-ea"/>
+                <a:cs typeface="+mn-cs"/>
+              </a:rPr>
+              <a:t>myTag</a:t>
+            </a:r>
+            <a:r>
+              <a:rPr lang="en-US" sz="1200" b="0" i="0" kern="1200" dirty="0" smtClean="0">
+                <a:solidFill>
+                  <a:schemeClr val="tx1"/>
+                </a:solidFill>
+                <a:effectLst/>
+                <a:latin typeface="+mn-lt"/>
+                <a:ea typeface="+mn-ea"/>
+                <a:cs typeface="+mn-cs"/>
+              </a:rPr>
+              <a:t>)</a:t>
+            </a:r>
+          </a:p>
+          <a:p>
+            <a:pPr marL="685800" marR="0" lvl="1" indent="-228600" algn="l" defTabSz="914400" rtl="0" eaLnBrk="1" fontAlgn="auto" latinLnBrk="0" hangingPunct="1">
+              <a:lnSpc>
+                <a:spcPct val="100000"/>
+              </a:lnSpc>
+              <a:spcBef>
+                <a:spcPts val="0"/>
+              </a:spcBef>
+              <a:spcAft>
+                <a:spcPts val="0"/>
+              </a:spcAft>
+              <a:buClrTx/>
+              <a:buSzTx/>
+              <a:buFontTx/>
+              <a:buAutoNum type="arabicPeriod"/>
+              <a:tabLst/>
+              <a:defRPr/>
+            </a:pPr>
+            <a:r>
+              <a:rPr lang="en-US" sz="1200" b="0" i="0" kern="1200" dirty="0" smtClean="0">
+                <a:solidFill>
+                  <a:schemeClr val="tx1"/>
+                </a:solidFill>
+                <a:effectLst/>
+                <a:latin typeface="+mn-lt"/>
+                <a:ea typeface="+mn-ea"/>
+                <a:cs typeface="+mn-cs"/>
+              </a:rPr>
+              <a:t>used to filter scenarios and control execution (</a:t>
+            </a:r>
+            <a:r>
+              <a:rPr lang="en-US" sz="1200" b="0" i="0" kern="1200" dirty="0" err="1" smtClean="0">
+                <a:solidFill>
+                  <a:schemeClr val="tx1"/>
+                </a:solidFill>
+                <a:effectLst/>
+                <a:latin typeface="+mn-lt"/>
+                <a:ea typeface="+mn-ea"/>
+                <a:cs typeface="+mn-cs"/>
+              </a:rPr>
+              <a:t>BeforeScenario</a:t>
+            </a:r>
+            <a:r>
+              <a:rPr lang="en-US" sz="1200" b="0" i="0" kern="1200" dirty="0" smtClean="0">
+                <a:solidFill>
+                  <a:schemeClr val="tx1"/>
+                </a:solidFill>
+                <a:effectLst/>
+                <a:latin typeface="+mn-lt"/>
+                <a:ea typeface="+mn-ea"/>
+                <a:cs typeface="+mn-cs"/>
+              </a:rPr>
+              <a:t>)</a:t>
+            </a:r>
+          </a:p>
+          <a:p>
+            <a:pPr marL="685800" marR="0" lvl="1" indent="-228600" algn="l" defTabSz="914400" rtl="0" eaLnBrk="1" fontAlgn="auto" latinLnBrk="0" hangingPunct="1">
+              <a:lnSpc>
+                <a:spcPct val="100000"/>
+              </a:lnSpc>
+              <a:spcBef>
+                <a:spcPts val="0"/>
+              </a:spcBef>
+              <a:spcAft>
+                <a:spcPts val="0"/>
+              </a:spcAft>
+              <a:buClrTx/>
+              <a:buSzTx/>
+              <a:buFontTx/>
+              <a:buAutoNum type="arabicPeriod"/>
+              <a:tabLst/>
+              <a:defRPr/>
+            </a:pPr>
+            <a:r>
+              <a:rPr lang="en-US" sz="1200" b="0" i="0" kern="1200" dirty="0" err="1" smtClean="0">
+                <a:solidFill>
+                  <a:schemeClr val="tx1"/>
+                </a:solidFill>
+                <a:effectLst/>
+                <a:latin typeface="+mn-lt"/>
+                <a:ea typeface="+mn-ea"/>
+                <a:cs typeface="+mn-cs"/>
+              </a:rPr>
+              <a:t>SpecFlow</a:t>
+            </a:r>
+            <a:r>
+              <a:rPr lang="en-US" sz="1200" b="0" i="0" kern="1200" dirty="0" smtClean="0">
+                <a:solidFill>
+                  <a:schemeClr val="tx1"/>
+                </a:solidFill>
+                <a:effectLst/>
+                <a:latin typeface="+mn-lt"/>
+                <a:ea typeface="+mn-ea"/>
+                <a:cs typeface="+mn-cs"/>
+              </a:rPr>
+              <a:t> generates categories from the tags.</a:t>
+            </a:r>
+          </a:p>
+          <a:p>
+            <a:pPr marL="685800" marR="0" lvl="1" indent="-228600" algn="l" defTabSz="914400" rtl="0" eaLnBrk="1" fontAlgn="auto" latinLnBrk="0" hangingPunct="1">
+              <a:lnSpc>
+                <a:spcPct val="100000"/>
+              </a:lnSpc>
+              <a:spcBef>
+                <a:spcPts val="0"/>
+              </a:spcBef>
+              <a:spcAft>
+                <a:spcPts val="0"/>
+              </a:spcAft>
+              <a:buClrTx/>
+              <a:buSzTx/>
+              <a:buFontTx/>
+              <a:buAutoNum type="arabicPeriod"/>
+              <a:tabLst/>
+              <a:defRPr/>
+            </a:pPr>
+            <a:r>
+              <a:rPr lang="en-US" sz="1200" b="0" i="0" kern="1200" dirty="0" err="1" smtClean="0">
+                <a:solidFill>
+                  <a:schemeClr val="tx1"/>
+                </a:solidFill>
+                <a:effectLst/>
+                <a:latin typeface="+mn-lt"/>
+                <a:ea typeface="+mn-ea"/>
+                <a:cs typeface="+mn-cs"/>
+              </a:rPr>
+              <a:t>SpecFlow</a:t>
+            </a:r>
+            <a:r>
+              <a:rPr lang="en-US" sz="1200" b="0" i="0" kern="1200" dirty="0" smtClean="0">
+                <a:solidFill>
+                  <a:schemeClr val="tx1"/>
+                </a:solidFill>
+                <a:effectLst/>
+                <a:latin typeface="+mn-lt"/>
+                <a:ea typeface="+mn-ea"/>
+                <a:cs typeface="+mn-cs"/>
+              </a:rPr>
+              <a:t> treats the </a:t>
+            </a:r>
+            <a:r>
+              <a:rPr lang="en-US" dirty="0" smtClean="0"/>
+              <a:t>@ignore</a:t>
+            </a:r>
+            <a:r>
+              <a:rPr lang="en-US" sz="1200" b="0" i="0" kern="1200" dirty="0" smtClean="0">
+                <a:solidFill>
+                  <a:schemeClr val="tx1"/>
+                </a:solidFill>
+                <a:effectLst/>
+                <a:latin typeface="+mn-lt"/>
+                <a:ea typeface="+mn-ea"/>
+                <a:cs typeface="+mn-cs"/>
+              </a:rPr>
+              <a:t> tag as a special tag</a:t>
+            </a:r>
+          </a:p>
+          <a:p>
+            <a:pPr marL="228600" marR="0" lvl="0" indent="-228600" algn="l" defTabSz="914400" rtl="0" eaLnBrk="1" fontAlgn="auto" latinLnBrk="0" hangingPunct="1">
+              <a:lnSpc>
+                <a:spcPct val="100000"/>
+              </a:lnSpc>
+              <a:spcBef>
+                <a:spcPts val="0"/>
+              </a:spcBef>
+              <a:spcAft>
+                <a:spcPts val="0"/>
+              </a:spcAft>
+              <a:buClrTx/>
+              <a:buSzTx/>
+              <a:buFontTx/>
+              <a:buAutoNum type="arabicPeriod"/>
+              <a:tabLst/>
+              <a:defRPr/>
+            </a:pPr>
+            <a:endParaRPr lang="en-US" sz="1200" b="0" i="0" kern="1200" dirty="0" smtClean="0">
+              <a:solidFill>
+                <a:schemeClr val="tx1"/>
+              </a:solidFill>
+              <a:effectLst/>
+              <a:latin typeface="+mn-lt"/>
+              <a:ea typeface="+mn-ea"/>
+              <a:cs typeface="+mn-cs"/>
+            </a:endParaRPr>
+          </a:p>
+          <a:p>
+            <a:pPr marL="228600" marR="0" lvl="0" indent="-228600" algn="l" defTabSz="914400" rtl="0" eaLnBrk="1" fontAlgn="auto" latinLnBrk="0" hangingPunct="1">
+              <a:lnSpc>
+                <a:spcPct val="100000"/>
+              </a:lnSpc>
+              <a:spcBef>
+                <a:spcPts val="0"/>
+              </a:spcBef>
+              <a:spcAft>
+                <a:spcPts val="0"/>
+              </a:spcAft>
+              <a:buClrTx/>
+              <a:buSzTx/>
+              <a:buFontTx/>
+              <a:buAutoNum type="arabicPeriod"/>
+              <a:tabLst/>
+              <a:defRPr/>
+            </a:pPr>
+            <a:r>
+              <a:rPr lang="en-US" sz="1200" b="0" i="0" u="none" strike="noStrike" kern="1200" dirty="0" smtClean="0">
+                <a:solidFill>
+                  <a:schemeClr val="tx1"/>
+                </a:solidFill>
+                <a:effectLst/>
+                <a:latin typeface="+mn-lt"/>
+                <a:ea typeface="+mn-ea"/>
+                <a:cs typeface="+mn-cs"/>
+                <a:hlinkClick r:id="rId3"/>
+              </a:rPr>
+              <a:t>Hooks</a:t>
+            </a:r>
+            <a:endParaRPr lang="en-US" sz="1200" b="0" i="0" u="none" strike="noStrike" kern="1200" dirty="0" smtClean="0">
+              <a:solidFill>
+                <a:schemeClr val="tx1"/>
+              </a:solidFill>
+              <a:effectLst/>
+              <a:latin typeface="+mn-lt"/>
+              <a:ea typeface="+mn-ea"/>
+              <a:cs typeface="+mn-cs"/>
+            </a:endParaRPr>
+          </a:p>
+          <a:p>
+            <a:pPr marL="685800" marR="0" lvl="1" indent="-228600" algn="l" defTabSz="914400" rtl="0" eaLnBrk="1" fontAlgn="auto" latinLnBrk="0" hangingPunct="1">
+              <a:lnSpc>
+                <a:spcPct val="100000"/>
+              </a:lnSpc>
+              <a:spcBef>
+                <a:spcPts val="0"/>
+              </a:spcBef>
+              <a:spcAft>
+                <a:spcPts val="0"/>
+              </a:spcAft>
+              <a:buClrTx/>
+              <a:buSzTx/>
+              <a:buFontTx/>
+              <a:buAutoNum type="arabicPeriod"/>
+              <a:tabLst/>
+              <a:defRPr/>
+            </a:pPr>
+            <a:r>
+              <a:rPr lang="en-US" sz="1200" b="0" i="0" kern="1200" dirty="0" smtClean="0">
+                <a:solidFill>
+                  <a:schemeClr val="tx1"/>
+                </a:solidFill>
+                <a:effectLst/>
+                <a:latin typeface="+mn-lt"/>
+                <a:ea typeface="+mn-ea"/>
+                <a:cs typeface="+mn-cs"/>
+              </a:rPr>
+              <a:t>same type of setup/tear-down as other testing frameworks</a:t>
+            </a:r>
+          </a:p>
+          <a:p>
+            <a:pPr marL="228600" marR="0" lvl="0" indent="-228600" algn="l" defTabSz="914400" rtl="0" eaLnBrk="1" fontAlgn="auto" latinLnBrk="0" hangingPunct="1">
+              <a:lnSpc>
+                <a:spcPct val="100000"/>
+              </a:lnSpc>
+              <a:spcBef>
+                <a:spcPts val="0"/>
+              </a:spcBef>
+              <a:spcAft>
+                <a:spcPts val="0"/>
+              </a:spcAft>
+              <a:buClrTx/>
+              <a:buSzTx/>
+              <a:buFontTx/>
+              <a:buAutoNum type="arabicPeriod"/>
+              <a:tabLst/>
+              <a:defRPr/>
+            </a:pPr>
+            <a:endParaRPr lang="en-US" sz="1200" b="0" i="0" kern="1200" dirty="0" smtClean="0">
+              <a:solidFill>
+                <a:schemeClr val="tx1"/>
+              </a:solidFill>
+              <a:effectLst/>
+              <a:latin typeface="+mn-lt"/>
+              <a:ea typeface="+mn-ea"/>
+              <a:cs typeface="+mn-cs"/>
+            </a:endParaRPr>
+          </a:p>
+          <a:p>
+            <a:pPr marL="685800" marR="0" lvl="1" indent="-228600" algn="l" defTabSz="914400" rtl="0" eaLnBrk="1" fontAlgn="auto" latinLnBrk="0" hangingPunct="1">
+              <a:lnSpc>
+                <a:spcPct val="100000"/>
+              </a:lnSpc>
+              <a:spcBef>
+                <a:spcPts val="0"/>
+              </a:spcBef>
+              <a:spcAft>
+                <a:spcPts val="0"/>
+              </a:spcAft>
+              <a:buClrTx/>
+              <a:buSzTx/>
+              <a:buFontTx/>
+              <a:buAutoNum type="arabicPeriod"/>
+              <a:tabLst/>
+              <a:defRPr/>
+            </a:pPr>
+            <a:endParaRPr lang="en-US" sz="1200" b="0" i="0" kern="1200" dirty="0" smtClean="0">
+              <a:solidFill>
+                <a:schemeClr val="tx1"/>
+              </a:solidFill>
+              <a:effectLst/>
+              <a:latin typeface="+mn-lt"/>
+              <a:ea typeface="+mn-ea"/>
+              <a:cs typeface="+mn-cs"/>
+            </a:endParaRPr>
+          </a:p>
+          <a:p>
+            <a:pPr marL="228600" marR="0" lvl="0" indent="-228600" algn="l" defTabSz="914400" rtl="0" eaLnBrk="1" fontAlgn="auto" latinLnBrk="0" hangingPunct="1">
+              <a:lnSpc>
+                <a:spcPct val="100000"/>
+              </a:lnSpc>
+              <a:spcBef>
+                <a:spcPts val="0"/>
+              </a:spcBef>
+              <a:spcAft>
+                <a:spcPts val="0"/>
+              </a:spcAft>
+              <a:buClrTx/>
+              <a:buSzTx/>
+              <a:buFontTx/>
+              <a:buAutoNum type="arabicPeriod"/>
+              <a:tabLst/>
+              <a:defRPr/>
+            </a:pPr>
+            <a:endParaRPr lang="en-US" sz="1200" b="0" i="0" kern="1200" dirty="0" smtClean="0">
+              <a:solidFill>
+                <a:schemeClr val="tx1"/>
+              </a:solidFill>
+              <a:effectLst/>
+              <a:latin typeface="+mn-lt"/>
+              <a:ea typeface="+mn-ea"/>
+              <a:cs typeface="+mn-cs"/>
+            </a:endParaRPr>
+          </a:p>
+          <a:p>
+            <a:endParaRPr lang="en-US" dirty="0"/>
+          </a:p>
+        </p:txBody>
+      </p:sp>
+      <p:sp>
+        <p:nvSpPr>
+          <p:cNvPr id="4" name="Slide Number Placeholder 3"/>
+          <p:cNvSpPr>
+            <a:spLocks noGrp="1"/>
+          </p:cNvSpPr>
+          <p:nvPr>
+            <p:ph type="sldNum" sz="quarter" idx="10"/>
+          </p:nvPr>
+        </p:nvSpPr>
+        <p:spPr/>
+        <p:txBody>
+          <a:bodyPr/>
+          <a:lstStyle/>
+          <a:p>
+            <a:fld id="{717C0D68-69C3-4A4C-9D46-4BC134F8A513}" type="slidenum">
+              <a:rPr lang="en-US" smtClean="0"/>
+              <a:t>18</a:t>
+            </a:fld>
+            <a:endParaRPr lang="en-US"/>
+          </a:p>
+        </p:txBody>
+      </p:sp>
+    </p:spTree>
+    <p:extLst>
+      <p:ext uri="{BB962C8B-B14F-4D97-AF65-F5344CB8AC3E}">
+        <p14:creationId xmlns:p14="http://schemas.microsoft.com/office/powerpoint/2010/main" val="339790917"/>
+      </p:ext>
+    </p:extLst>
+  </p:cSld>
+  <p:clrMapOvr>
+    <a:masterClrMapping/>
+  </p:clrMapOvr>
+</p:notes>
+</file>
+
 <file path=ppt/notesSlides/notesSlide2.xml><?xml version="1.0" encoding="utf-8"?>
 <p:notes xmlns:a="http://schemas.openxmlformats.org/drawingml/2006/main" xmlns:r="http://schemas.openxmlformats.org/officeDocument/2006/relationships" xmlns:p="http://schemas.openxmlformats.org/presentationml/2006/main">
   <p:cSld>
@@ -1821,32 +2845,224 @@
           <a:lstStyle/>
           <a:p>
             <a:r>
+              <a:rPr lang="en-US" sz="1200" b="0" i="1" kern="1200" dirty="0" smtClean="0">
+                <a:solidFill>
+                  <a:schemeClr val="tx1"/>
+                </a:solidFill>
+                <a:effectLst/>
+                <a:latin typeface="+mn-lt"/>
+                <a:ea typeface="+mn-ea"/>
+                <a:cs typeface="+mn-cs"/>
+              </a:rPr>
+              <a:t>Description of behavior in natural language, but with a defined structure</a:t>
+            </a:r>
+            <a:r>
+              <a:rPr lang="en-US" sz="1200" b="0" i="0" kern="1200" dirty="0" smtClean="0">
+                <a:solidFill>
+                  <a:schemeClr val="tx1"/>
+                </a:solidFill>
+                <a:effectLst/>
+                <a:latin typeface="+mn-lt"/>
+                <a:ea typeface="+mn-ea"/>
+                <a:cs typeface="+mn-cs"/>
+              </a:rPr>
+              <a:t> Translate criteria understood by business into testable code</a:t>
+            </a:r>
+          </a:p>
+          <a:p>
+            <a:r>
+              <a:rPr lang="en-US" sz="1200" b="0" i="0" kern="1200" baseline="0" dirty="0" smtClean="0">
+                <a:solidFill>
+                  <a:schemeClr val="tx1"/>
+                </a:solidFill>
+                <a:effectLst/>
+                <a:latin typeface="+mn-lt"/>
+                <a:ea typeface="+mn-ea"/>
+                <a:cs typeface="+mn-cs"/>
+              </a:rPr>
+              <a:t> - </a:t>
+            </a:r>
+            <a:r>
+              <a:rPr lang="en-US" sz="1200" b="0" i="0" kern="1200" dirty="0" smtClean="0">
+                <a:solidFill>
+                  <a:schemeClr val="tx1"/>
+                </a:solidFill>
+                <a:effectLst/>
+                <a:latin typeface="+mn-lt"/>
+                <a:ea typeface="+mn-ea"/>
+                <a:cs typeface="+mn-cs"/>
+              </a:rPr>
+              <a:t>Business gains more confidence system is working correctly.</a:t>
+            </a:r>
+          </a:p>
+          <a:p>
+            <a:endParaRPr lang="en-US" sz="1200" b="0" i="0" kern="1200" dirty="0" smtClean="0">
+              <a:solidFill>
+                <a:schemeClr val="tx1"/>
+              </a:solidFill>
+              <a:effectLst/>
+              <a:latin typeface="+mn-lt"/>
+              <a:ea typeface="+mn-ea"/>
+              <a:cs typeface="+mn-cs"/>
+            </a:endParaRPr>
+          </a:p>
+          <a:p>
+            <a:pPr lvl="0"/>
+            <a:r>
               <a:rPr lang="en-US" dirty="0" smtClean="0"/>
-              <a:t>What is the behavior here?</a:t>
-            </a:r>
-          </a:p>
-          <a:p>
+              <a:t>Feature tests for product owner</a:t>
+            </a:r>
+          </a:p>
+          <a:p>
+            <a:pPr lvl="1"/>
+            <a:r>
+              <a:rPr lang="en-US" dirty="0" smtClean="0"/>
+              <a:t>End-to-end black box tests (scrape websites / simulate users)</a:t>
+            </a:r>
+          </a:p>
+          <a:p>
+            <a:pPr lvl="1"/>
             <a:endParaRPr lang="en-US" dirty="0" smtClean="0"/>
           </a:p>
           <a:p>
+            <a:pPr lvl="0"/>
             <a:r>
               <a:rPr lang="en-US" dirty="0" smtClean="0"/>
-              <a:t>How do we capture the behavior in the story?</a:t>
-            </a:r>
-          </a:p>
-          <a:p>
+              <a:t>Technical tests for architect</a:t>
+            </a:r>
+          </a:p>
+          <a:p>
+            <a:pPr lvl="1"/>
+            <a:r>
+              <a:rPr lang="en-US" dirty="0" smtClean="0"/>
+              <a:t>Performance criteria (executes in 1 second)</a:t>
+            </a:r>
+          </a:p>
+          <a:p>
+            <a:pPr lvl="1"/>
+            <a:r>
+              <a:rPr lang="en-US" dirty="0" smtClean="0"/>
+              <a:t>Architectural (POSTs to some web service)</a:t>
+            </a:r>
+          </a:p>
+          <a:p>
+            <a:pPr lvl="1"/>
             <a:endParaRPr lang="en-US" dirty="0" smtClean="0"/>
           </a:p>
           <a:p>
+            <a:pPr marL="0" marR="0" lvl="0" indent="0" algn="l" defTabSz="914400" rtl="0" eaLnBrk="1" fontAlgn="auto" latinLnBrk="0" hangingPunct="1">
+              <a:lnSpc>
+                <a:spcPct val="100000"/>
+              </a:lnSpc>
+              <a:spcBef>
+                <a:spcPts val="0"/>
+              </a:spcBef>
+              <a:spcAft>
+                <a:spcPts val="0"/>
+              </a:spcAft>
+              <a:buClrTx/>
+              <a:buSzTx/>
+              <a:buFontTx/>
+              <a:buNone/>
+              <a:tabLst/>
+              <a:defRPr/>
+            </a:pPr>
             <a:r>
               <a:rPr lang="en-US" dirty="0" smtClean="0"/>
-              <a:t>A story’s behavior is simply its acceptance criteria. If a feature fulfills the acceptance criteria, then it is behaving </a:t>
-            </a:r>
-            <a:r>
-              <a:rPr lang="en-US" smtClean="0"/>
-              <a:t>correctly.</a:t>
-            </a:r>
+              <a:t>Negative tests for unusual or invalid uses</a:t>
+            </a:r>
+          </a:p>
+          <a:p>
+            <a:pPr marL="0" marR="0" lvl="0" indent="0" algn="l" defTabSz="914400" rtl="0" eaLnBrk="1" fontAlgn="auto" latinLnBrk="0" hangingPunct="1">
+              <a:lnSpc>
+                <a:spcPct val="100000"/>
+              </a:lnSpc>
+              <a:spcBef>
+                <a:spcPts val="0"/>
+              </a:spcBef>
+              <a:spcAft>
+                <a:spcPts val="0"/>
+              </a:spcAft>
+              <a:buClrTx/>
+              <a:buSzTx/>
+              <a:buFontTx/>
+              <a:buNone/>
+              <a:tabLst/>
+              <a:defRPr/>
+            </a:pPr>
+            <a:r>
+              <a:rPr lang="en-US" sz="1200" b="0" i="0" kern="1200" baseline="0" dirty="0" smtClean="0">
+                <a:solidFill>
+                  <a:schemeClr val="tx1"/>
+                </a:solidFill>
+                <a:effectLst/>
+                <a:latin typeface="+mn-lt"/>
+                <a:ea typeface="+mn-ea"/>
+                <a:cs typeface="+mn-cs"/>
+              </a:rPr>
+              <a:t>          </a:t>
+            </a:r>
+            <a:r>
+              <a:rPr lang="en-US" sz="1200" b="0" i="0" kern="1200" dirty="0" smtClean="0">
+                <a:solidFill>
+                  <a:schemeClr val="tx1"/>
+                </a:solidFill>
+                <a:effectLst/>
+                <a:latin typeface="+mn-lt"/>
+                <a:ea typeface="+mn-ea"/>
+                <a:cs typeface="+mn-cs"/>
+              </a:rPr>
+              <a:t>error conditions and checking for logs/messages</a:t>
+            </a:r>
+          </a:p>
+          <a:p>
+            <a:pPr marL="0" marR="0" lvl="0" indent="0" algn="l" defTabSz="914400" rtl="0" eaLnBrk="1" fontAlgn="auto" latinLnBrk="0" hangingPunct="1">
+              <a:lnSpc>
+                <a:spcPct val="100000"/>
+              </a:lnSpc>
+              <a:spcBef>
+                <a:spcPts val="0"/>
+              </a:spcBef>
+              <a:spcAft>
+                <a:spcPts val="0"/>
+              </a:spcAft>
+              <a:buClrTx/>
+              <a:buSzTx/>
+              <a:buFontTx/>
+              <a:buNone/>
+              <a:tabLst/>
+              <a:defRPr/>
+            </a:pPr>
             <a:endParaRPr lang="en-US" dirty="0" smtClean="0"/>
+          </a:p>
+          <a:p>
+            <a:pPr lvl="1"/>
+            <a:r>
+              <a:rPr lang="en-US" sz="1200" b="0" i="0" kern="1200" dirty="0" smtClean="0">
+                <a:solidFill>
+                  <a:schemeClr val="tx1"/>
+                </a:solidFill>
+                <a:effectLst/>
+                <a:latin typeface="+mn-lt"/>
+                <a:ea typeface="+mn-ea"/>
+                <a:cs typeface="+mn-cs"/>
+              </a:rPr>
+              <a:t>	</a:t>
+            </a:r>
+          </a:p>
+          <a:p>
+            <a:endParaRPr lang="en-US" sz="1200" b="0" i="0" kern="1200" dirty="0" smtClean="0">
+              <a:solidFill>
+                <a:schemeClr val="tx1"/>
+              </a:solidFill>
+              <a:effectLst/>
+              <a:latin typeface="+mn-lt"/>
+              <a:ea typeface="+mn-ea"/>
+              <a:cs typeface="+mn-cs"/>
+            </a:endParaRPr>
+          </a:p>
+          <a:p>
+            <a:endParaRPr lang="en-US" dirty="0"/>
           </a:p>
         </p:txBody>
       </p:sp>
@@ -1876,7 +3092,7 @@
     </p:spTree>
     <p:extLst>
       <p:ext uri="{BB962C8B-B14F-4D97-AF65-F5344CB8AC3E}">
-        <p14:creationId xmlns:p14="http://schemas.microsoft.com/office/powerpoint/2010/main" val="150501508"/>
+        <p14:creationId xmlns:p14="http://schemas.microsoft.com/office/powerpoint/2010/main" val="1997162968"/>
       </p:ext>
     </p:extLst>
   </p:cSld>
@@ -1930,8 +3146,25 @@
           <a:bodyPr/>
           <a:lstStyle/>
           <a:p>
-            <a:r>
-              <a:rPr lang="en-US" sz="1200" kern="1200" dirty="0" smtClean="0">
+            <a:pPr marL="0" marR="0" indent="0" algn="l" defTabSz="914400" rtl="0" eaLnBrk="1" fontAlgn="auto" latinLnBrk="0" hangingPunct="1">
+              <a:lnSpc>
+                <a:spcPct val="100000"/>
+              </a:lnSpc>
+              <a:spcBef>
+                <a:spcPts val="0"/>
+              </a:spcBef>
+              <a:spcAft>
+                <a:spcPts val="0"/>
+              </a:spcAft>
+              <a:buClrTx/>
+              <a:buSzTx/>
+              <a:buFontTx/>
+              <a:buNone/>
+              <a:tabLst/>
+              <a:defRPr/>
+            </a:pPr>
+            <a:r>
+              <a:rPr lang="en-US" sz="1200" b="0" i="0" kern="1200" dirty="0" smtClean="0">
                 <a:solidFill>
                   <a:schemeClr val="tx1"/>
                 </a:solidFill>
@@ -1940,10 +3173,10 @@
                 <a:ea typeface="+mn-ea"/>
                 <a:cs typeface="+mn-cs"/>
               </a:rPr>
-              <a:t>Let’s describe acceptance criteria in terms of </a:t>
-            </a:r>
-            <a:r>
-              <a:rPr lang="en-US" sz="1200" i="1" kern="1200" dirty="0" smtClean="0">
+              <a:t>Scenarios should contain no implementation details. If the acceptance criteria is defined, then it doesn't matter how it is </a:t>
+            </a:r>
+            <a:r>
+              <a:rPr lang="en-US" sz="1200" b="0" i="0" kern="1200" dirty="0" err="1" smtClean="0">
                 <a:solidFill>
                   <a:schemeClr val="tx1"/>
                 </a:solidFill>
@@ -1952,10 +3185,10 @@
                 <a:ea typeface="+mn-ea"/>
                 <a:cs typeface="+mn-cs"/>
               </a:rPr>
-              <a:t>scenarios</a:t>
-            </a:r>
-            <a:r>
-              <a:rPr lang="en-US" sz="1200" kern="1200" dirty="0" smtClean="0">
+              <a:t>satisfied.SQL</a:t>
+            </a:r>
+            <a:r>
+              <a:rPr lang="en-US" sz="1200" b="0" i="0" kern="1200" dirty="0" smtClean="0">
                 <a:solidFill>
                   <a:schemeClr val="tx1"/>
                 </a:solidFill>
@@ -1964,8 +3197,34 @@
                 <a:ea typeface="+mn-ea"/>
                 <a:cs typeface="+mn-cs"/>
               </a:rPr>
-              <a:t>. </a:t>
-            </a:r>
+              <a:t> or NoSQL, </a:t>
+            </a:r>
+            <a:r>
+              <a:rPr lang="en-US" sz="1200" b="0" i="0" kern="1200" dirty="0" err="1" smtClean="0">
+                <a:solidFill>
+                  <a:schemeClr val="tx1"/>
+                </a:solidFill>
+                <a:effectLst/>
+                <a:latin typeface="+mn-lt"/>
+                <a:ea typeface="+mn-ea"/>
+                <a:cs typeface="+mn-cs"/>
+              </a:rPr>
+              <a:t>.net</a:t>
+            </a:r>
+            <a:r>
+              <a:rPr lang="en-US" sz="1200" b="0" i="0" kern="1200" dirty="0" smtClean="0">
+                <a:solidFill>
+                  <a:schemeClr val="tx1"/>
+                </a:solidFill>
+                <a:effectLst/>
+                <a:latin typeface="+mn-lt"/>
+                <a:ea typeface="+mn-ea"/>
+                <a:cs typeface="+mn-cs"/>
+              </a:rPr>
+              <a:t> or Java, app or web page, etc.</a:t>
+            </a:r>
+          </a:p>
+          <a:p>
             <a:endParaRPr lang="en-US" dirty="0"/>
           </a:p>
         </p:txBody>
@@ -1996,7 +3255,7 @@
     </p:spTree>
     <p:extLst>
       <p:ext uri="{BB962C8B-B14F-4D97-AF65-F5344CB8AC3E}">
-        <p14:creationId xmlns:p14="http://schemas.microsoft.com/office/powerpoint/2010/main" val="1255915243"/>
+        <p14:creationId xmlns:p14="http://schemas.microsoft.com/office/powerpoint/2010/main" val="848819306"/>
       </p:ext>
     </p:extLst>
   </p:cSld>
@@ -7726,8 +8985,8 @@
           <a:lstStyle/>
           <a:p>
             <a:r>
-              <a:rPr lang="en-US" b="1" dirty="0" smtClean="0"/>
-              <a:t>Example Story</a:t>
+              <a:rPr lang="en-US" dirty="0" smtClean="0"/>
+              <a:t>Executable Criteria</a:t>
             </a:r>
             <a:endParaRPr lang="en-US" dirty="0"/>
           </a:p>
@@ -7743,68 +9002,47 @@
             <p:ph idx="1"/>
           </p:nvPr>
         </p:nvSpPr>
-        <p:spPr>
-          <a:xfrm>
-            <a:off x="3323255" y="2011680"/>
-            <a:ext cx="5545490" cy="3703320"/>
-          </a:xfrm>
-        </p:spPr>
+        <p:spPr/>
         <p:txBody>
           <a:bodyPr/>
           <a:lstStyle/>
           <a:p>
-            <a:pPr marL="0" indent="0">
-              <a:buNone/>
-            </a:pPr>
-            <a:endParaRPr lang="en-US" i="1" dirty="0" smtClean="0"/>
-          </a:p>
-          <a:p>
-            <a:pPr marL="0" indent="0">
-              <a:buNone/>
-            </a:pPr>
-            <a:endParaRPr lang="en-US" i="1" dirty="0" smtClean="0"/>
-          </a:p>
-          <a:p>
-            <a:pPr marL="0" indent="0">
-              <a:buNone/>
-            </a:pPr>
-            <a:r>
-              <a:rPr lang="en-US" i="1" dirty="0" smtClean="0"/>
-              <a:t>As </a:t>
-            </a:r>
-            <a:r>
-              <a:rPr lang="en-US" i="1" dirty="0"/>
-              <a:t>a former Consultant,</a:t>
-            </a:r>
-            <a:r>
-              <a:rPr lang="en-US" dirty="0"/>
-              <a:t/>
+            <a:r>
+              <a:rPr lang="en-US" dirty="0" smtClean="0"/>
+              <a:t>Different tests for different stakeholders</a:t>
             </a:r>
             <a:br>
-              <a:rPr lang="en-US" dirty="0"/>
+              <a:rPr lang="en-US" dirty="0" smtClean="0"/>
             </a:br>
-            <a:r>
-              <a:rPr lang="en-US" i="1" dirty="0"/>
-              <a:t>I want </a:t>
-            </a:r>
-            <a:r>
-              <a:rPr lang="en-US" i="1" dirty="0" smtClean="0"/>
-              <a:t>to </a:t>
-            </a:r>
-            <a:r>
-              <a:rPr lang="en-US" i="1" dirty="0"/>
-              <a:t>pay a fee to re-enroll,</a:t>
-            </a:r>
-            <a:r>
-              <a:rPr lang="en-US" dirty="0"/>
-              <a:t/>
-            </a:r>
-            <a:br>
-              <a:rPr lang="en-US" dirty="0"/>
-            </a:br>
-            <a:r>
-              <a:rPr lang="en-US" i="1" dirty="0"/>
-              <a:t>So that I don't have to buy more stock</a:t>
+            <a:endParaRPr lang="en-US" dirty="0" smtClean="0"/>
+          </a:p>
+          <a:p>
+            <a:pPr lvl="1"/>
+            <a:r>
+              <a:rPr lang="en-US" dirty="0" smtClean="0"/>
+              <a:t>Feature tests for product owner</a:t>
+            </a:r>
+          </a:p>
+          <a:p>
+            <a:pPr lvl="1"/>
+            <a:endParaRPr lang="en-US" dirty="0" smtClean="0"/>
+          </a:p>
+          <a:p>
+            <a:pPr lvl="1"/>
+            <a:r>
+              <a:rPr lang="en-US" dirty="0" smtClean="0"/>
+              <a:t>Technical tests for architect</a:t>
+            </a:r>
+          </a:p>
+          <a:p>
+            <a:pPr lvl="3"/>
+            <a:endParaRPr lang="en-US" dirty="0"/>
+          </a:p>
+          <a:p>
+            <a:pPr lvl="1"/>
+            <a:r>
+              <a:rPr lang="en-US" dirty="0" smtClean="0"/>
+              <a:t>Negative tests for unusual or invalid uses</a:t>
             </a:r>
             <a:endParaRPr lang="en-US" dirty="0"/>
           </a:p>
@@ -7813,7 +9051,7 @@
     </p:spTree>
     <p:extLst>
       <p:ext uri="{BB962C8B-B14F-4D97-AF65-F5344CB8AC3E}">
-        <p14:creationId xmlns:p14="http://schemas.microsoft.com/office/powerpoint/2010/main" val="654589727"/>
+        <p14:creationId xmlns:p14="http://schemas.microsoft.com/office/powerpoint/2010/main" val="129425276"/>
       </p:ext>
     </p:extLst>
   </p:cSld>
@@ -7823,9 +9061,231 @@
   <p:timing>
     <p:tnLst>
       <p:par>
-        <p:cTn id="1" dur="indefinite" restart="never" nodeType="tmRoot"/>
+        <p:cTn id="1" dur="indefinite" restart="never" nodeType="tmRoot">
+          <p:childTnLst>
+            <p:seq concurrent="1" nextAc="seek">
+              <p:cTn id="2" dur="indefinite" nodeType="mainSeq">
+                <p:childTnLst>
+                  <p:par>
+                    <p:cTn id="3" fill="hold">
+                      <p:stCondLst>
+                        <p:cond delay="indefinite"/>
+                      </p:stCondLst>
+                      <p:childTnLst>
+                        <p:par>
+                          <p:cTn id="4" fill="hold">
+                            <p:stCondLst>
+                              <p:cond delay="0"/>
+                            </p:stCondLst>
+                            <p:childTnLst>
+                              <p:par>
+                                <p:cTn id="5" presetID="1" presetClass="entr" presetSubtype="0" fill="hold" grpId="0" nodeType="clickEffect">
+                                  <p:stCondLst>
+                                    <p:cond delay="0"/>
+                                  </p:stCondLst>
+                                  <p:childTnLst>
+                                    <p:set>
+                                      <p:cBhvr>
+                                        <p:cTn id="6" dur="1" fill="hold">
+                                          <p:stCondLst>
+                                            <p:cond delay="0"/>
+                                          </p:stCondLst>
+                                        </p:cTn>
+                                        <p:tgtEl>
+                                          <p:spTgt spid="3">
+                                            <p:txEl>
+                                              <p:pRg st="0" end="0"/>
+                                            </p:txEl>
+                                          </p:spTgt>
+                                        </p:tgtEl>
+                                        <p:attrNameLst>
+                                          <p:attrName>style.visibility</p:attrName>
+                                        </p:attrNameLst>
+                                      </p:cBhvr>
+                                      <p:to>
+                                        <p:strVal val="visible"/>
+                                      </p:to>
+                                    </p:set>
+                                  </p:childTnLst>
+                                </p:cTn>
+                              </p:par>
+                            </p:childTnLst>
+                          </p:cTn>
+                        </p:par>
+                      </p:childTnLst>
+                    </p:cTn>
+                  </p:par>
+                  <p:par>
+                    <p:cTn id="7" fill="hold">
+                      <p:stCondLst>
+                        <p:cond delay="indefinite"/>
+                      </p:stCondLst>
+                      <p:childTnLst>
+                        <p:par>
+                          <p:cTn id="8" fill="hold">
+                            <p:stCondLst>
+                              <p:cond delay="0"/>
+                            </p:stCondLst>
+                            <p:childTnLst>
+                              <p:par>
+                                <p:cTn id="9" presetID="1" presetClass="entr" presetSubtype="0" fill="hold" grpId="0" nodeType="clickEffect">
+                                  <p:stCondLst>
+                                    <p:cond delay="0"/>
+                                  </p:stCondLst>
+                                  <p:childTnLst>
+                                    <p:set>
+                                      <p:cBhvr>
+                                        <p:cTn id="10" dur="1" fill="hold">
+                                          <p:stCondLst>
+                                            <p:cond delay="0"/>
+                                          </p:stCondLst>
+                                        </p:cTn>
+                                        <p:tgtEl>
+                                          <p:spTgt spid="3">
+                                            <p:txEl>
+                                              <p:pRg st="1" end="1"/>
+                                            </p:txEl>
+                                          </p:spTgt>
+                                        </p:tgtEl>
+                                        <p:attrNameLst>
+                                          <p:attrName>style.visibility</p:attrName>
+                                        </p:attrNameLst>
+                                      </p:cBhvr>
+                                      <p:to>
+                                        <p:strVal val="visible"/>
+                                      </p:to>
+                                    </p:set>
+                                  </p:childTnLst>
+                                </p:cTn>
+                              </p:par>
+                            </p:childTnLst>
+                          </p:cTn>
+                        </p:par>
+                      </p:childTnLst>
+                    </p:cTn>
+                  </p:par>
+                  <p:par>
+                    <p:cTn id="11" fill="hold">
+                      <p:stCondLst>
+                        <p:cond delay="indefinite"/>
+                      </p:stCondLst>
+                      <p:childTnLst>
+                        <p:par>
+                          <p:cTn id="12" fill="hold">
+                            <p:stCondLst>
+                              <p:cond delay="0"/>
+                            </p:stCondLst>
+                            <p:childTnLst>
+                              <p:par>
+                                <p:cTn id="13" presetID="1" presetClass="entr" presetSubtype="0" fill="hold" grpId="0" nodeType="clickEffect">
+                                  <p:stCondLst>
+                                    <p:cond delay="0"/>
+                                  </p:stCondLst>
+                                  <p:childTnLst>
+                                    <p:set>
+                                      <p:cBhvr>
+                                        <p:cTn id="14" dur="1" fill="hold">
+                                          <p:stCondLst>
+                                            <p:cond delay="0"/>
+                                          </p:stCondLst>
+                                        </p:cTn>
+                                        <p:tgtEl>
+                                          <p:spTgt spid="3">
+                                            <p:txEl>
+                                              <p:pRg st="3" end="3"/>
+                                            </p:txEl>
+                                          </p:spTgt>
+                                        </p:tgtEl>
+                                        <p:attrNameLst>
+                                          <p:attrName>style.visibility</p:attrName>
+                                        </p:attrNameLst>
+                                      </p:cBhvr>
+                                      <p:to>
+                                        <p:strVal val="visible"/>
+                                      </p:to>
+                                    </p:set>
+                                  </p:childTnLst>
+                                </p:cTn>
+                              </p:par>
+                            </p:childTnLst>
+                          </p:cTn>
+                        </p:par>
+                      </p:childTnLst>
+                    </p:cTn>
+                  </p:par>
+                  <p:par>
+                    <p:cTn id="15" fill="hold">
+                      <p:stCondLst>
+                        <p:cond delay="indefinite"/>
+                      </p:stCondLst>
+                      <p:childTnLst>
+                        <p:par>
+                          <p:cTn id="16" fill="hold">
+                            <p:stCondLst>
+                              <p:cond delay="0"/>
+                            </p:stCondLst>
+                            <p:childTnLst>
+                              <p:par>
+                                <p:cTn id="17" presetID="1" presetClass="entr" presetSubtype="0" fill="hold" grpId="0" nodeType="clickEffect">
+                                  <p:stCondLst>
+                                    <p:cond delay="0"/>
+                                  </p:stCondLst>
+                                  <p:childTnLst>
+                                    <p:set>
+                                      <p:cBhvr>
+                                        <p:cTn id="18" dur="1" fill="hold">
+                                          <p:stCondLst>
+                                            <p:cond delay="0"/>
+                                          </p:stCondLst>
+                                        </p:cTn>
+                                        <p:tgtEl>
+                                          <p:spTgt spid="3">
+                                            <p:txEl>
+                                              <p:pRg st="5" end="5"/>
+                                            </p:txEl>
+                                          </p:spTgt>
+                                        </p:tgtEl>
+                                        <p:attrNameLst>
+                                          <p:attrName>style.visibility</p:attrName>
+                                        </p:attrNameLst>
+                                      </p:cBhvr>
+                                      <p:to>
+                                        <p:strVal val="visible"/>
+                                      </p:to>
+                                    </p:set>
+                                  </p:childTnLst>
+                                </p:cTn>
+                              </p:par>
+                            </p:childTnLst>
+                          </p:cTn>
+                        </p:par>
+                      </p:childTnLst>
+                    </p:cTn>
+                  </p:par>
+                </p:childTnLst>
+              </p:cTn>
+              <p:prevCondLst>
+                <p:cond evt="onPrev" delay="0">
+                  <p:tgtEl>
+                    <p:sldTgt/>
+                  </p:tgtEl>
+                </p:cond>
+              </p:prevCondLst>
+              <p:nextCondLst>
+                <p:cond evt="onNext" delay="0">
+                  <p:tgtEl>
+                    <p:sldTgt/>
+                  </p:tgtEl>
+                </p:cond>
+              </p:nextCondLst>
+            </p:seq>
+          </p:childTnLst>
+        </p:cTn>
       </p:par>
     </p:tnLst>
+    <p:bldLst>
+      <p:bldP spid="3" grpId="0" uiExpand="1" build="p"/>
+    </p:bldLst>
   </p:timing>
 </p:sld>
 </file>
@@ -7864,9 +9324,643 @@
           <a:p>
             <a:r>
               <a:rPr lang="en-US" dirty="0" smtClean="0"/>
-              <a:t>Acceptance Criteria</a:t>
-            </a:r>
-            <a:endParaRPr lang="en-US" dirty="0"/>
+              <a:t>DSL of BDD</a:t>
+            </a:r>
+            <a:endParaRPr lang="en-US" dirty="0"/>
+          </a:p>
+        </p:txBody>
+      </p:sp>
+      <p:sp>
+        <p:nvSpPr>
+          <p:cNvPr id="3" name="Content Placeholder 2"/>
+          <p:cNvSpPr>
+            <a:spLocks noGrp="1"/>
+          </p:cNvSpPr>
+          <p:nvPr>
+            <p:ph idx="1"/>
+          </p:nvPr>
+        </p:nvSpPr>
+        <p:spPr/>
+        <p:txBody>
+          <a:bodyPr>
+            <a:normAutofit lnSpcReduction="10000"/>
+          </a:bodyPr>
+          <a:lstStyle/>
+          <a:p>
+            <a:pPr marL="0" lvl="0" indent="0">
+              <a:lnSpc>
+                <a:spcPct val="100000"/>
+              </a:lnSpc>
+              <a:spcBef>
+                <a:spcPts val="0"/>
+              </a:spcBef>
+              <a:buNone/>
+            </a:pPr>
+            <a:r>
+              <a:rPr lang="en-US" b="1" dirty="0" smtClean="0"/>
+              <a:t>Given: </a:t>
+            </a:r>
+          </a:p>
+          <a:p>
+            <a:pPr marL="0" lvl="0" indent="0">
+              <a:lnSpc>
+                <a:spcPct val="100000"/>
+              </a:lnSpc>
+              <a:spcBef>
+                <a:spcPts val="0"/>
+              </a:spcBef>
+              <a:buNone/>
+            </a:pPr>
+            <a:r>
+              <a:rPr lang="en-US" dirty="0" smtClean="0"/>
+              <a:t>The </a:t>
+            </a:r>
+            <a:r>
+              <a:rPr lang="en-US" dirty="0"/>
+              <a:t>purpose of </a:t>
+            </a:r>
+            <a:r>
+              <a:rPr lang="en-US" i="1" dirty="0" smtClean="0"/>
+              <a:t>Given</a:t>
+            </a:r>
+            <a:r>
+              <a:rPr lang="en-US" dirty="0" smtClean="0"/>
+              <a:t> is </a:t>
+            </a:r>
+            <a:r>
+              <a:rPr lang="en-US" dirty="0"/>
+              <a:t>to put the system in a known state before the user starts interacting with the system</a:t>
+            </a:r>
+            <a:r>
+              <a:rPr lang="en-US" dirty="0" smtClean="0"/>
+              <a:t>.</a:t>
+            </a:r>
+            <a:endParaRPr lang="en-US" dirty="0"/>
+          </a:p>
+          <a:p>
+            <a:pPr marL="0" lvl="0" indent="0">
+              <a:lnSpc>
+                <a:spcPct val="100000"/>
+              </a:lnSpc>
+              <a:spcBef>
+                <a:spcPts val="0"/>
+              </a:spcBef>
+              <a:buNone/>
+            </a:pPr>
+            <a:endParaRPr lang="en-US" b="1" dirty="0" smtClean="0"/>
+          </a:p>
+          <a:p>
+            <a:pPr marL="0" lvl="0" indent="0">
+              <a:lnSpc>
+                <a:spcPct val="100000"/>
+              </a:lnSpc>
+              <a:spcBef>
+                <a:spcPts val="0"/>
+              </a:spcBef>
+              <a:buNone/>
+            </a:pPr>
+            <a:r>
+              <a:rPr lang="en-US" b="1" dirty="0" smtClean="0"/>
+              <a:t>When:</a:t>
+            </a:r>
+            <a:endParaRPr lang="en-US" dirty="0" smtClean="0"/>
+          </a:p>
+          <a:p>
+            <a:pPr marL="0" lvl="0" indent="0">
+              <a:lnSpc>
+                <a:spcPct val="100000"/>
+              </a:lnSpc>
+              <a:spcBef>
+                <a:spcPts val="0"/>
+              </a:spcBef>
+              <a:buNone/>
+            </a:pPr>
+            <a:r>
+              <a:rPr lang="en-US" dirty="0"/>
+              <a:t>The purpose of </a:t>
+            </a:r>
+            <a:r>
+              <a:rPr lang="en-US" i="1" dirty="0"/>
+              <a:t>When</a:t>
+            </a:r>
+            <a:r>
+              <a:rPr lang="en-US" dirty="0"/>
+              <a:t> steps is to describe the key action the user performs</a:t>
+            </a:r>
+            <a:r>
+              <a:rPr lang="en-US" dirty="0" smtClean="0"/>
+              <a:t>.</a:t>
+            </a:r>
+          </a:p>
+          <a:p>
+            <a:pPr marL="0" lvl="0" indent="0">
+              <a:lnSpc>
+                <a:spcPct val="100000"/>
+              </a:lnSpc>
+              <a:spcBef>
+                <a:spcPts val="0"/>
+              </a:spcBef>
+              <a:buNone/>
+            </a:pPr>
+            <a:endParaRPr lang="en-US" b="1" dirty="0"/>
+          </a:p>
+          <a:p>
+            <a:pPr marL="0" lvl="0" indent="0">
+              <a:lnSpc>
+                <a:spcPct val="100000"/>
+              </a:lnSpc>
+              <a:spcBef>
+                <a:spcPts val="0"/>
+              </a:spcBef>
+              <a:buNone/>
+            </a:pPr>
+            <a:r>
+              <a:rPr lang="en-US" b="1" dirty="0" smtClean="0"/>
+              <a:t>Then:</a:t>
+            </a:r>
+          </a:p>
+          <a:p>
+            <a:pPr marL="0" lvl="0" indent="0">
+              <a:lnSpc>
+                <a:spcPct val="100000"/>
+              </a:lnSpc>
+              <a:spcBef>
+                <a:spcPts val="0"/>
+              </a:spcBef>
+              <a:buNone/>
+            </a:pPr>
+            <a:r>
+              <a:rPr lang="en-US" dirty="0"/>
+              <a:t>The purpose of </a:t>
+            </a:r>
+            <a:r>
+              <a:rPr lang="en-US" i="1" dirty="0"/>
+              <a:t>Then</a:t>
+            </a:r>
+            <a:r>
+              <a:rPr lang="en-US" dirty="0"/>
+              <a:t> steps is to observe outcomes.</a:t>
+            </a:r>
+            <a:endParaRPr lang="en-US" b="1" dirty="0"/>
+          </a:p>
+        </p:txBody>
+      </p:sp>
+    </p:spTree>
+    <p:extLst>
+      <p:ext uri="{BB962C8B-B14F-4D97-AF65-F5344CB8AC3E}">
+        <p14:creationId xmlns:p14="http://schemas.microsoft.com/office/powerpoint/2010/main" val="1303864935"/>
+      </p:ext>
+    </p:extLst>
+  </p:cSld>
+  <p:clrMapOvr>
+    <a:masterClrMapping/>
+  </p:clrMapOvr>
+  <p:timing>
+    <p:tnLst>
+      <p:par>
+        <p:cTn id="1" dur="indefinite" restart="never" nodeType="tmRoot">
+          <p:childTnLst>
+            <p:seq concurrent="1" nextAc="seek">
+              <p:cTn id="2" dur="indefinite" nodeType="mainSeq">
+                <p:childTnLst>
+                  <p:par>
+                    <p:cTn id="3" fill="hold">
+                      <p:stCondLst>
+                        <p:cond delay="indefinite"/>
+                      </p:stCondLst>
+                      <p:childTnLst>
+                        <p:par>
+                          <p:cTn id="4" fill="hold">
+                            <p:stCondLst>
+                              <p:cond delay="0"/>
+                            </p:stCondLst>
+                            <p:childTnLst>
+                              <p:par>
+                                <p:cTn id="5" presetID="1" presetClass="entr" presetSubtype="0" fill="hold" nodeType="clickEffect">
+                                  <p:stCondLst>
+                                    <p:cond delay="0"/>
+                                  </p:stCondLst>
+                                  <p:childTnLst>
+                                    <p:set>
+                                      <p:cBhvr>
+                                        <p:cTn id="6" dur="1" fill="hold">
+                                          <p:stCondLst>
+                                            <p:cond delay="0"/>
+                                          </p:stCondLst>
+                                        </p:cTn>
+                                        <p:tgtEl>
+                                          <p:spTgt spid="3">
+                                            <p:txEl>
+                                              <p:pRg st="0" end="0"/>
+                                            </p:txEl>
+                                          </p:spTgt>
+                                        </p:tgtEl>
+                                        <p:attrNameLst>
+                                          <p:attrName>style.visibility</p:attrName>
+                                        </p:attrNameLst>
+                                      </p:cBhvr>
+                                      <p:to>
+                                        <p:strVal val="visible"/>
+                                      </p:to>
+                                    </p:set>
+                                  </p:childTnLst>
+                                </p:cTn>
+                              </p:par>
+                              <p:par>
+                                <p:cTn id="7" presetID="1" presetClass="entr" presetSubtype="0" fill="hold" nodeType="withEffect">
+                                  <p:stCondLst>
+                                    <p:cond delay="0"/>
+                                  </p:stCondLst>
+                                  <p:childTnLst>
+                                    <p:set>
+                                      <p:cBhvr>
+                                        <p:cTn id="8" dur="1" fill="hold">
+                                          <p:stCondLst>
+                                            <p:cond delay="0"/>
+                                          </p:stCondLst>
+                                        </p:cTn>
+                                        <p:tgtEl>
+                                          <p:spTgt spid="3">
+                                            <p:txEl>
+                                              <p:pRg st="1" end="1"/>
+                                            </p:txEl>
+                                          </p:spTgt>
+                                        </p:tgtEl>
+                                        <p:attrNameLst>
+                                          <p:attrName>style.visibility</p:attrName>
+                                        </p:attrNameLst>
+                                      </p:cBhvr>
+                                      <p:to>
+                                        <p:strVal val="visible"/>
+                                      </p:to>
+                                    </p:set>
+                                  </p:childTnLst>
+                                </p:cTn>
+                              </p:par>
+                            </p:childTnLst>
+                          </p:cTn>
+                        </p:par>
+                      </p:childTnLst>
+                    </p:cTn>
+                  </p:par>
+                  <p:par>
+                    <p:cTn id="9" fill="hold">
+                      <p:stCondLst>
+                        <p:cond delay="indefinite"/>
+                      </p:stCondLst>
+                      <p:childTnLst>
+                        <p:par>
+                          <p:cTn id="10" fill="hold">
+                            <p:stCondLst>
+                              <p:cond delay="0"/>
+                            </p:stCondLst>
+                            <p:childTnLst>
+                              <p:par>
+                                <p:cTn id="11" presetID="1" presetClass="entr" presetSubtype="0" fill="hold" nodeType="clickEffect">
+                                  <p:stCondLst>
+                                    <p:cond delay="0"/>
+                                  </p:stCondLst>
+                                  <p:childTnLst>
+                                    <p:set>
+                                      <p:cBhvr>
+                                        <p:cTn id="12" dur="1" fill="hold">
+                                          <p:stCondLst>
+                                            <p:cond delay="0"/>
+                                          </p:stCondLst>
+                                        </p:cTn>
+                                        <p:tgtEl>
+                                          <p:spTgt spid="3">
+                                            <p:txEl>
+                                              <p:pRg st="3" end="3"/>
+                                            </p:txEl>
+                                          </p:spTgt>
+                                        </p:tgtEl>
+                                        <p:attrNameLst>
+                                          <p:attrName>style.visibility</p:attrName>
+                                        </p:attrNameLst>
+                                      </p:cBhvr>
+                                      <p:to>
+                                        <p:strVal val="visible"/>
+                                      </p:to>
+                                    </p:set>
+                                  </p:childTnLst>
+                                </p:cTn>
+                              </p:par>
+                              <p:par>
+                                <p:cTn id="13" presetID="1" presetClass="entr" presetSubtype="0" fill="hold" nodeType="withEffect">
+                                  <p:stCondLst>
+                                    <p:cond delay="0"/>
+                                  </p:stCondLst>
+                                  <p:childTnLst>
+                                    <p:set>
+                                      <p:cBhvr>
+                                        <p:cTn id="14" dur="1" fill="hold">
+                                          <p:stCondLst>
+                                            <p:cond delay="0"/>
+                                          </p:stCondLst>
+                                        </p:cTn>
+                                        <p:tgtEl>
+                                          <p:spTgt spid="3">
+                                            <p:txEl>
+                                              <p:pRg st="4" end="4"/>
+                                            </p:txEl>
+                                          </p:spTgt>
+                                        </p:tgtEl>
+                                        <p:attrNameLst>
+                                          <p:attrName>style.visibility</p:attrName>
+                                        </p:attrNameLst>
+                                      </p:cBhvr>
+                                      <p:to>
+                                        <p:strVal val="visible"/>
+                                      </p:to>
+                                    </p:set>
+                                  </p:childTnLst>
+                                </p:cTn>
+                              </p:par>
+                            </p:childTnLst>
+                          </p:cTn>
+                        </p:par>
+                      </p:childTnLst>
+                    </p:cTn>
+                  </p:par>
+                  <p:par>
+                    <p:cTn id="15" fill="hold">
+                      <p:stCondLst>
+                        <p:cond delay="indefinite"/>
+                      </p:stCondLst>
+                      <p:childTnLst>
+                        <p:par>
+                          <p:cTn id="16" fill="hold">
+                            <p:stCondLst>
+                              <p:cond delay="0"/>
+                            </p:stCondLst>
+                            <p:childTnLst>
+                              <p:par>
+                                <p:cTn id="17" presetID="1" presetClass="entr" presetSubtype="0" fill="hold" nodeType="clickEffect">
+                                  <p:stCondLst>
+                                    <p:cond delay="0"/>
+                                  </p:stCondLst>
+                                  <p:childTnLst>
+                                    <p:set>
+                                      <p:cBhvr>
+                                        <p:cTn id="18" dur="1" fill="hold">
+                                          <p:stCondLst>
+                                            <p:cond delay="0"/>
+                                          </p:stCondLst>
+                                        </p:cTn>
+                                        <p:tgtEl>
+                                          <p:spTgt spid="3">
+                                            <p:txEl>
+                                              <p:pRg st="6" end="6"/>
+                                            </p:txEl>
+                                          </p:spTgt>
+                                        </p:tgtEl>
+                                        <p:attrNameLst>
+                                          <p:attrName>style.visibility</p:attrName>
+                                        </p:attrNameLst>
+                                      </p:cBhvr>
+                                      <p:to>
+                                        <p:strVal val="visible"/>
+                                      </p:to>
+                                    </p:set>
+                                  </p:childTnLst>
+                                </p:cTn>
+                              </p:par>
+                              <p:par>
+                                <p:cTn id="19" presetID="1" presetClass="entr" presetSubtype="0" fill="hold" nodeType="withEffect">
+                                  <p:stCondLst>
+                                    <p:cond delay="0"/>
+                                  </p:stCondLst>
+                                  <p:childTnLst>
+                                    <p:set>
+                                      <p:cBhvr>
+                                        <p:cTn id="20" dur="1" fill="hold">
+                                          <p:stCondLst>
+                                            <p:cond delay="0"/>
+                                          </p:stCondLst>
+                                        </p:cTn>
+                                        <p:tgtEl>
+                                          <p:spTgt spid="3">
+                                            <p:txEl>
+                                              <p:pRg st="7" end="7"/>
+                                            </p:txEl>
+                                          </p:spTgt>
+                                        </p:tgtEl>
+                                        <p:attrNameLst>
+                                          <p:attrName>style.visibility</p:attrName>
+                                        </p:attrNameLst>
+                                      </p:cBhvr>
+                                      <p:to>
+                                        <p:strVal val="visible"/>
+                                      </p:to>
+                                    </p:set>
+                                  </p:childTnLst>
+                                </p:cTn>
+                              </p:par>
+                            </p:childTnLst>
+                          </p:cTn>
+                        </p:par>
+                      </p:childTnLst>
+                    </p:cTn>
+                  </p:par>
+                </p:childTnLst>
+              </p:cTn>
+              <p:prevCondLst>
+                <p:cond evt="onPrev" delay="0">
+                  <p:tgtEl>
+                    <p:sldTgt/>
+                  </p:tgtEl>
+                </p:cond>
+              </p:prevCondLst>
+              <p:nextCondLst>
+                <p:cond evt="onNext" delay="0">
+                  <p:tgtEl>
+                    <p:sldTgt/>
+                  </p:tgtEl>
+                </p:cond>
+              </p:nextCondLst>
+            </p:seq>
+          </p:childTnLst>
+        </p:cTn>
+      </p:par>
+    </p:tnLst>
+  </p:timing>
+</p:sld>
+</file>
+
+<file path=ppt/slides/slide12.xml><?xml version="1.0" encoding="utf-8"?>
+<p:sld xmlns:a="http://schemas.openxmlformats.org/drawingml/2006/main" xmlns:r="http://schemas.openxmlformats.org/officeDocument/2006/relationships" xmlns:p="http://schemas.openxmlformats.org/presentationml/2006/main">
+  <p:cSld>
+    <p:spTree>
+      <p:nvGrpSpPr>
+        <p:cNvPr id="1" name=""/>
+        <p:cNvGrpSpPr/>
+        <p:nvPr/>
+      </p:nvGrpSpPr>
+      <p:grpSpPr>
+        <a:xfrm>
+          <a:off x="0" y="0"/>
+          <a:ext cx="0" cy="0"/>
+          <a:chOff x="0" y="0"/>
+          <a:chExt cx="0" cy="0"/>
+        </a:xfrm>
+      </p:grpSpPr>
+      <p:sp>
+        <p:nvSpPr>
+          <p:cNvPr id="2" name="Title 1"/>
+          <p:cNvSpPr>
+            <a:spLocks noGrp="1"/>
+          </p:cNvSpPr>
+          <p:nvPr>
+            <p:ph type="title"/>
+          </p:nvPr>
+        </p:nvSpPr>
+        <p:spPr/>
+        <p:txBody>
+          <a:bodyPr/>
+          <a:lstStyle/>
+          <a:p>
+            <a:r>
+              <a:rPr lang="en-US" b="1" smtClean="0"/>
+              <a:t>User Stories</a:t>
+            </a:r>
+            <a:endParaRPr lang="en-US" dirty="0"/>
+          </a:p>
+        </p:txBody>
+      </p:sp>
+      <p:sp>
+        <p:nvSpPr>
+          <p:cNvPr id="3" name="Content Placeholder 2"/>
+          <p:cNvSpPr>
+            <a:spLocks noGrp="1"/>
+          </p:cNvSpPr>
+          <p:nvPr>
+            <p:ph idx="1"/>
+          </p:nvPr>
+        </p:nvSpPr>
+        <p:spPr>
+          <a:xfrm>
+            <a:off x="3323255" y="2011680"/>
+            <a:ext cx="5545490" cy="3703320"/>
+          </a:xfrm>
+        </p:spPr>
+        <p:txBody>
+          <a:bodyPr/>
+          <a:lstStyle/>
+          <a:p>
+            <a:pPr marL="0" indent="0">
+              <a:buNone/>
+            </a:pPr>
+            <a:endParaRPr lang="en-US" i="1" dirty="0" smtClean="0"/>
+          </a:p>
+          <a:p>
+            <a:pPr marL="0" indent="0">
+              <a:buNone/>
+            </a:pPr>
+            <a:endParaRPr lang="en-US" i="1" dirty="0" smtClean="0"/>
+          </a:p>
+          <a:p>
+            <a:pPr marL="0" indent="0">
+              <a:buNone/>
+            </a:pPr>
+            <a:r>
+              <a:rPr lang="en-US" i="1" dirty="0" smtClean="0"/>
+              <a:t>As </a:t>
+            </a:r>
+            <a:r>
+              <a:rPr lang="en-US" i="1" dirty="0"/>
+              <a:t>a former Consultant,</a:t>
+            </a:r>
+            <a:r>
+              <a:rPr lang="en-US" dirty="0"/>
+              <a:t/>
+            </a:r>
+            <a:br>
+              <a:rPr lang="en-US" dirty="0"/>
+            </a:br>
+            <a:r>
+              <a:rPr lang="en-US" i="1" dirty="0"/>
+              <a:t>I want </a:t>
+            </a:r>
+            <a:r>
+              <a:rPr lang="en-US" i="1" dirty="0" smtClean="0"/>
+              <a:t>to </a:t>
+            </a:r>
+            <a:r>
+              <a:rPr lang="en-US" i="1" dirty="0"/>
+              <a:t>pay a fee to re-enroll,</a:t>
+            </a:r>
+            <a:r>
+              <a:rPr lang="en-US" dirty="0"/>
+              <a:t/>
+            </a:r>
+            <a:br>
+              <a:rPr lang="en-US" dirty="0"/>
+            </a:br>
+            <a:r>
+              <a:rPr lang="en-US" i="1" dirty="0"/>
+              <a:t>So that I don't have to buy more stock</a:t>
+            </a:r>
+            <a:endParaRPr lang="en-US" dirty="0"/>
+          </a:p>
+        </p:txBody>
+      </p:sp>
+    </p:spTree>
+    <p:extLst>
+      <p:ext uri="{BB962C8B-B14F-4D97-AF65-F5344CB8AC3E}">
+        <p14:creationId xmlns:p14="http://schemas.microsoft.com/office/powerpoint/2010/main" val="654589727"/>
+      </p:ext>
+    </p:extLst>
+  </p:cSld>
+  <p:clrMapOvr>
+    <a:masterClrMapping/>
+  </p:clrMapOvr>
+  <p:timing>
+    <p:tnLst>
+      <p:par>
+        <p:cTn id="1" dur="indefinite" restart="never" nodeType="tmRoot"/>
+      </p:par>
+    </p:tnLst>
+  </p:timing>
+</p:sld>
+</file>
+
+<file path=ppt/slides/slide13.xml><?xml version="1.0" encoding="utf-8"?>
+<p:sld xmlns:a="http://schemas.openxmlformats.org/drawingml/2006/main" xmlns:r="http://schemas.openxmlformats.org/officeDocument/2006/relationships" xmlns:p="http://schemas.openxmlformats.org/presentationml/2006/main">
+  <p:cSld>
+    <p:spTree>
+      <p:nvGrpSpPr>
+        <p:cNvPr id="1" name=""/>
+        <p:cNvGrpSpPr/>
+        <p:nvPr/>
+      </p:nvGrpSpPr>
+      <p:grpSpPr>
+        <a:xfrm>
+          <a:off x="0" y="0"/>
+          <a:ext cx="0" cy="0"/>
+          <a:chOff x="0" y="0"/>
+          <a:chExt cx="0" cy="0"/>
+        </a:xfrm>
+      </p:grpSpPr>
+      <p:sp>
+        <p:nvSpPr>
+          <p:cNvPr id="2" name="Title 1"/>
+          <p:cNvSpPr>
+            <a:spLocks noGrp="1"/>
+          </p:cNvSpPr>
+          <p:nvPr>
+            <p:ph type="title"/>
+          </p:nvPr>
+        </p:nvSpPr>
+        <p:spPr/>
+        <p:txBody>
+          <a:bodyPr/>
+          <a:lstStyle/>
+          <a:p>
+            <a:r>
+              <a:rPr lang="en-US" dirty="0" smtClean="0"/>
+              <a:t>Scenarios</a:t>
+            </a:r>
           </a:p>
         </p:txBody>
       </p:sp>
@@ -8148,7 +10242,7 @@
 </p:sld>
 </file>
 
-<file path=ppt/slides/slide12.xml><?xml version="1.0" encoding="utf-8"?>
+<file path=ppt/slides/slide14.xml><?xml version="1.0" encoding="utf-8"?>
 <p:sld xmlns:a="http://schemas.openxmlformats.org/drawingml/2006/main" xmlns:r="http://schemas.openxmlformats.org/officeDocument/2006/relationships" xmlns:p="http://schemas.openxmlformats.org/presentationml/2006/main">
   <p:cSld>
     <p:spTree>
@@ -8182,7 +10276,7 @@
           <a:p>
             <a:r>
               <a:rPr lang="en-US" dirty="0" smtClean="0"/>
-              <a:t>Acceptance Criteria</a:t>
+              <a:t>Scenarios</a:t>
             </a:r>
             <a:endParaRPr lang="en-US" dirty="0"/>
           </a:p>
@@ -8305,6 +10399,2490 @@
     <p:extLst>
       <p:ext uri="{BB962C8B-B14F-4D97-AF65-F5344CB8AC3E}">
         <p14:creationId xmlns:p14="http://schemas.microsoft.com/office/powerpoint/2010/main" val="1076388539"/>
+      </p:ext>
+    </p:extLst>
+  </p:cSld>
+  <p:clrMapOvr>
+    <a:masterClrMapping/>
+  </p:clrMapOvr>
+  <p:timing>
+    <p:tnLst>
+      <p:par>
+        <p:cTn id="1" dur="indefinite" restart="never" nodeType="tmRoot"/>
+      </p:par>
+    </p:tnLst>
+  </p:timing>
+</p:sld>
+</file>
+
+<file path=ppt/slides/slide15.xml><?xml version="1.0" encoding="utf-8"?>
+<p:sld xmlns:a="http://schemas.openxmlformats.org/drawingml/2006/main" xmlns:r="http://schemas.openxmlformats.org/officeDocument/2006/relationships" xmlns:p="http://schemas.openxmlformats.org/presentationml/2006/main">
+  <p:cSld>
+    <p:spTree>
+      <p:nvGrpSpPr>
+        <p:cNvPr id="1" name=""/>
+        <p:cNvGrpSpPr/>
+        <p:nvPr/>
+      </p:nvGrpSpPr>
+      <p:grpSpPr>
+        <a:xfrm>
+          <a:off x="0" y="0"/>
+          <a:ext cx="0" cy="0"/>
+          <a:chOff x="0" y="0"/>
+          <a:chExt cx="0" cy="0"/>
+        </a:xfrm>
+      </p:grpSpPr>
+      <p:sp>
+        <p:nvSpPr>
+          <p:cNvPr id="2" name="Title 1"/>
+          <p:cNvSpPr>
+            <a:spLocks noGrp="1"/>
+          </p:cNvSpPr>
+          <p:nvPr>
+            <p:ph type="title"/>
+          </p:nvPr>
+        </p:nvSpPr>
+        <p:spPr/>
+        <p:txBody>
+          <a:bodyPr/>
+          <a:lstStyle/>
+          <a:p>
+            <a:r>
+              <a:rPr lang="en-US" dirty="0" smtClean="0"/>
+              <a:t>Future Project Planning</a:t>
+            </a:r>
+            <a:endParaRPr lang="en-US" dirty="0"/>
+          </a:p>
+        </p:txBody>
+      </p:sp>
+      <p:sp>
+        <p:nvSpPr>
+          <p:cNvPr id="3" name="Content Placeholder 2"/>
+          <p:cNvSpPr>
+            <a:spLocks noGrp="1"/>
+          </p:cNvSpPr>
+          <p:nvPr>
+            <p:ph idx="1"/>
+          </p:nvPr>
+        </p:nvSpPr>
+        <p:spPr/>
+        <p:txBody>
+          <a:bodyPr>
+            <a:normAutofit lnSpcReduction="10000"/>
+          </a:bodyPr>
+          <a:lstStyle/>
+          <a:p>
+            <a:pPr marL="0" marR="0" lvl="0" indent="0" defTabSz="914400" eaLnBrk="1" fontAlgn="auto" latinLnBrk="0" hangingPunct="1">
+              <a:lnSpc>
+                <a:spcPct val="100000"/>
+              </a:lnSpc>
+              <a:spcBef>
+                <a:spcPts val="0"/>
+              </a:spcBef>
+              <a:spcAft>
+                <a:spcPts val="0"/>
+              </a:spcAft>
+              <a:buClrTx/>
+              <a:buSzTx/>
+              <a:buFontTx/>
+              <a:buNone/>
+              <a:tabLst/>
+              <a:defRPr/>
+            </a:pPr>
+            <a:r>
+              <a:rPr lang="en-US" dirty="0" smtClean="0"/>
+              <a:t>Large user stories are created as epics</a:t>
+            </a:r>
+          </a:p>
+          <a:p>
+            <a:pPr marL="0" marR="0" lvl="0" indent="0" defTabSz="914400" eaLnBrk="1" fontAlgn="auto" latinLnBrk="0" hangingPunct="1">
+              <a:lnSpc>
+                <a:spcPct val="100000"/>
+              </a:lnSpc>
+              <a:spcBef>
+                <a:spcPts val="0"/>
+              </a:spcBef>
+              <a:spcAft>
+                <a:spcPts val="0"/>
+              </a:spcAft>
+              <a:buClrTx/>
+              <a:buSzTx/>
+              <a:buFontTx/>
+              <a:buNone/>
+              <a:tabLst/>
+              <a:defRPr/>
+            </a:pPr>
+            <a:endParaRPr lang="en-US" dirty="0" smtClean="0"/>
+          </a:p>
+          <a:p>
+            <a:pPr marL="0" marR="0" lvl="0" indent="0" defTabSz="914400" eaLnBrk="1" fontAlgn="auto" latinLnBrk="0" hangingPunct="1">
+              <a:lnSpc>
+                <a:spcPct val="100000"/>
+              </a:lnSpc>
+              <a:spcBef>
+                <a:spcPts val="0"/>
+              </a:spcBef>
+              <a:spcAft>
+                <a:spcPts val="0"/>
+              </a:spcAft>
+              <a:buClrTx/>
+              <a:buSzTx/>
+              <a:buFontTx/>
+              <a:buNone/>
+              <a:tabLst/>
+              <a:defRPr/>
+            </a:pPr>
+            <a:endParaRPr lang="en-US" dirty="0"/>
+          </a:p>
+          <a:p>
+            <a:pPr marL="0" marR="0" lvl="0" indent="0" defTabSz="914400" eaLnBrk="1" fontAlgn="auto" latinLnBrk="0" hangingPunct="1">
+              <a:lnSpc>
+                <a:spcPct val="100000"/>
+              </a:lnSpc>
+              <a:spcBef>
+                <a:spcPts val="0"/>
+              </a:spcBef>
+              <a:spcAft>
+                <a:spcPts val="0"/>
+              </a:spcAft>
+              <a:buClrTx/>
+              <a:buSzTx/>
+              <a:buFontTx/>
+              <a:buNone/>
+              <a:tabLst/>
+              <a:defRPr/>
+            </a:pPr>
+            <a:r>
+              <a:rPr lang="en-US" dirty="0" smtClean="0"/>
+              <a:t>Epic is broken down into smaller user stories (no larger than 8 pts)</a:t>
+            </a:r>
+          </a:p>
+          <a:p>
+            <a:pPr marL="0" marR="0" lvl="0" indent="0" defTabSz="914400" eaLnBrk="1" fontAlgn="auto" latinLnBrk="0" hangingPunct="1">
+              <a:lnSpc>
+                <a:spcPct val="100000"/>
+              </a:lnSpc>
+              <a:spcBef>
+                <a:spcPts val="0"/>
+              </a:spcBef>
+              <a:spcAft>
+                <a:spcPts val="0"/>
+              </a:spcAft>
+              <a:buClrTx/>
+              <a:buSzTx/>
+              <a:buFontTx/>
+              <a:buNone/>
+              <a:tabLst/>
+              <a:defRPr/>
+            </a:pPr>
+            <a:endParaRPr lang="en-US" dirty="0" smtClean="0"/>
+          </a:p>
+          <a:p>
+            <a:pPr marL="0" marR="0" lvl="0" indent="0" defTabSz="914400" eaLnBrk="1" fontAlgn="auto" latinLnBrk="0" hangingPunct="1">
+              <a:lnSpc>
+                <a:spcPct val="100000"/>
+              </a:lnSpc>
+              <a:spcBef>
+                <a:spcPts val="0"/>
+              </a:spcBef>
+              <a:spcAft>
+                <a:spcPts val="0"/>
+              </a:spcAft>
+              <a:buClrTx/>
+              <a:buSzTx/>
+              <a:buFontTx/>
+              <a:buNone/>
+              <a:tabLst/>
+              <a:defRPr/>
+            </a:pPr>
+            <a:endParaRPr lang="en-US" dirty="0"/>
+          </a:p>
+          <a:p>
+            <a:pPr marL="0" marR="0" lvl="0" indent="0" defTabSz="914400" eaLnBrk="1" fontAlgn="auto" latinLnBrk="0" hangingPunct="1">
+              <a:lnSpc>
+                <a:spcPct val="100000"/>
+              </a:lnSpc>
+              <a:spcBef>
+                <a:spcPts val="0"/>
+              </a:spcBef>
+              <a:spcAft>
+                <a:spcPts val="0"/>
+              </a:spcAft>
+              <a:buClrTx/>
+              <a:buSzTx/>
+              <a:buFontTx/>
+              <a:buNone/>
+              <a:tabLst/>
+              <a:defRPr/>
+            </a:pPr>
+            <a:r>
+              <a:rPr lang="en-US" dirty="0" smtClean="0"/>
+              <a:t>Document scenarios, both positive and negative, for stories</a:t>
+            </a:r>
+          </a:p>
+          <a:p>
+            <a:pPr marL="0" marR="0" lvl="0" indent="0" defTabSz="914400" eaLnBrk="1" fontAlgn="auto" latinLnBrk="0" hangingPunct="1">
+              <a:lnSpc>
+                <a:spcPct val="100000"/>
+              </a:lnSpc>
+              <a:spcBef>
+                <a:spcPts val="0"/>
+              </a:spcBef>
+              <a:spcAft>
+                <a:spcPts val="0"/>
+              </a:spcAft>
+              <a:buClrTx/>
+              <a:buSzTx/>
+              <a:buFontTx/>
+              <a:buNone/>
+              <a:tabLst/>
+              <a:defRPr/>
+            </a:pPr>
+            <a:endParaRPr lang="en-US" dirty="0" smtClean="0"/>
+          </a:p>
+          <a:p>
+            <a:pPr marL="0" marR="0" lvl="0" indent="0" defTabSz="914400" eaLnBrk="1" fontAlgn="auto" latinLnBrk="0" hangingPunct="1">
+              <a:lnSpc>
+                <a:spcPct val="100000"/>
+              </a:lnSpc>
+              <a:spcBef>
+                <a:spcPts val="0"/>
+              </a:spcBef>
+              <a:spcAft>
+                <a:spcPts val="0"/>
+              </a:spcAft>
+              <a:buClrTx/>
+              <a:buSzTx/>
+              <a:buFontTx/>
+              <a:buNone/>
+              <a:tabLst/>
+              <a:defRPr/>
+            </a:pPr>
+            <a:endParaRPr lang="en-US" dirty="0"/>
+          </a:p>
+          <a:p>
+            <a:pPr marL="0" marR="0" lvl="0" indent="0" defTabSz="914400" eaLnBrk="1" fontAlgn="auto" latinLnBrk="0" hangingPunct="1">
+              <a:lnSpc>
+                <a:spcPct val="100000"/>
+              </a:lnSpc>
+              <a:spcBef>
+                <a:spcPts val="0"/>
+              </a:spcBef>
+              <a:spcAft>
+                <a:spcPts val="0"/>
+              </a:spcAft>
+              <a:buClrTx/>
+              <a:buSzTx/>
+              <a:buFontTx/>
+              <a:buNone/>
+              <a:tabLst/>
+              <a:defRPr/>
+            </a:pPr>
+            <a:r>
+              <a:rPr lang="en-US" dirty="0" smtClean="0"/>
+              <a:t>Break stories into subtasks</a:t>
+            </a:r>
+            <a:endParaRPr lang="en-US" dirty="0"/>
+          </a:p>
+        </p:txBody>
+      </p:sp>
+      <p:sp>
+        <p:nvSpPr>
+          <p:cNvPr id="4" name="Down Arrow 3"/>
+          <p:cNvSpPr/>
+          <p:nvPr/>
+        </p:nvSpPr>
+        <p:spPr>
+          <a:xfrm>
+            <a:off x="1317840" y="2392680"/>
+            <a:ext cx="411480" cy="472440"/>
+          </a:xfrm>
+          <a:prstGeom prst="downArrow">
+            <a:avLst/>
+          </a:prstGeom>
+        </p:spPr>
+        <p:style>
+          <a:lnRef idx="2">
+            <a:schemeClr val="accent1">
+              <a:shade val="50000"/>
+            </a:schemeClr>
+          </a:lnRef>
+          <a:fillRef idx="1">
+            <a:schemeClr val="accent1"/>
+          </a:fillRef>
+          <a:effectRef idx="0">
+            <a:schemeClr val="accent1"/>
+          </a:effectRef>
+          <a:fontRef idx="minor">
+            <a:schemeClr val="lt1"/>
+          </a:fontRef>
+        </p:style>
+        <p:txBody>
+          <a:bodyPr rtlCol="0" anchor="ctr"/>
+          <a:lstStyle/>
+          <a:p>
+            <a:pPr algn="ctr"/>
+            <a:endParaRPr lang="en-US"/>
+          </a:p>
+        </p:txBody>
+      </p:sp>
+      <p:sp>
+        <p:nvSpPr>
+          <p:cNvPr id="5" name="Down Arrow 4"/>
+          <p:cNvSpPr/>
+          <p:nvPr/>
+        </p:nvSpPr>
+        <p:spPr>
+          <a:xfrm>
+            <a:off x="1317840" y="3528854"/>
+            <a:ext cx="411480" cy="472440"/>
+          </a:xfrm>
+          <a:prstGeom prst="downArrow">
+            <a:avLst/>
+          </a:prstGeom>
+        </p:spPr>
+        <p:style>
+          <a:lnRef idx="2">
+            <a:schemeClr val="accent1">
+              <a:shade val="50000"/>
+            </a:schemeClr>
+          </a:lnRef>
+          <a:fillRef idx="1">
+            <a:schemeClr val="accent1"/>
+          </a:fillRef>
+          <a:effectRef idx="0">
+            <a:schemeClr val="accent1"/>
+          </a:effectRef>
+          <a:fontRef idx="minor">
+            <a:schemeClr val="lt1"/>
+          </a:fontRef>
+        </p:style>
+        <p:txBody>
+          <a:bodyPr rtlCol="0" anchor="ctr"/>
+          <a:lstStyle/>
+          <a:p>
+            <a:pPr algn="ctr"/>
+            <a:endParaRPr lang="en-US"/>
+          </a:p>
+        </p:txBody>
+      </p:sp>
+      <p:sp>
+        <p:nvSpPr>
+          <p:cNvPr id="6" name="Down Arrow 5"/>
+          <p:cNvSpPr/>
+          <p:nvPr/>
+        </p:nvSpPr>
+        <p:spPr>
+          <a:xfrm>
+            <a:off x="1317840" y="4665028"/>
+            <a:ext cx="411480" cy="472440"/>
+          </a:xfrm>
+          <a:prstGeom prst="downArrow">
+            <a:avLst/>
+          </a:prstGeom>
+        </p:spPr>
+        <p:style>
+          <a:lnRef idx="2">
+            <a:schemeClr val="accent1">
+              <a:shade val="50000"/>
+            </a:schemeClr>
+          </a:lnRef>
+          <a:fillRef idx="1">
+            <a:schemeClr val="accent1"/>
+          </a:fillRef>
+          <a:effectRef idx="0">
+            <a:schemeClr val="accent1"/>
+          </a:effectRef>
+          <a:fontRef idx="minor">
+            <a:schemeClr val="lt1"/>
+          </a:fontRef>
+        </p:style>
+        <p:txBody>
+          <a:bodyPr rtlCol="0" anchor="ctr"/>
+          <a:lstStyle/>
+          <a:p>
+            <a:pPr algn="ctr"/>
+            <a:endParaRPr lang="en-US"/>
+          </a:p>
+        </p:txBody>
+      </p:sp>
+    </p:spTree>
+    <p:extLst>
+      <p:ext uri="{BB962C8B-B14F-4D97-AF65-F5344CB8AC3E}">
+        <p14:creationId xmlns:p14="http://schemas.microsoft.com/office/powerpoint/2010/main" val="2017868623"/>
+      </p:ext>
+    </p:extLst>
+  </p:cSld>
+  <p:clrMapOvr>
+    <a:masterClrMapping/>
+  </p:clrMapOvr>
+  <p:timing>
+    <p:tnLst>
+      <p:par>
+        <p:cTn id="1" dur="indefinite" restart="never" nodeType="tmRoot">
+          <p:childTnLst>
+            <p:seq concurrent="1" nextAc="seek">
+              <p:cTn id="2" dur="indefinite" nodeType="mainSeq">
+                <p:childTnLst>
+                  <p:par>
+                    <p:cTn id="3" fill="hold">
+                      <p:stCondLst>
+                        <p:cond delay="indefinite"/>
+                      </p:stCondLst>
+                      <p:childTnLst>
+                        <p:par>
+                          <p:cTn id="4" fill="hold">
+                            <p:stCondLst>
+                              <p:cond delay="0"/>
+                            </p:stCondLst>
+                            <p:childTnLst>
+                              <p:par>
+                                <p:cTn id="5" presetID="1" presetClass="entr" presetSubtype="0" fill="hold" grpId="0" nodeType="clickEffect">
+                                  <p:stCondLst>
+                                    <p:cond delay="0"/>
+                                  </p:stCondLst>
+                                  <p:childTnLst>
+                                    <p:set>
+                                      <p:cBhvr>
+                                        <p:cTn id="6" dur="1" fill="hold">
+                                          <p:stCondLst>
+                                            <p:cond delay="0"/>
+                                          </p:stCondLst>
+                                        </p:cTn>
+                                        <p:tgtEl>
+                                          <p:spTgt spid="3">
+                                            <p:txEl>
+                                              <p:pRg st="0" end="0"/>
+                                            </p:txEl>
+                                          </p:spTgt>
+                                        </p:tgtEl>
+                                        <p:attrNameLst>
+                                          <p:attrName>style.visibility</p:attrName>
+                                        </p:attrNameLst>
+                                      </p:cBhvr>
+                                      <p:to>
+                                        <p:strVal val="visible"/>
+                                      </p:to>
+                                    </p:set>
+                                  </p:childTnLst>
+                                </p:cTn>
+                              </p:par>
+                            </p:childTnLst>
+                          </p:cTn>
+                        </p:par>
+                      </p:childTnLst>
+                    </p:cTn>
+                  </p:par>
+                  <p:par>
+                    <p:cTn id="7" fill="hold">
+                      <p:stCondLst>
+                        <p:cond delay="indefinite"/>
+                      </p:stCondLst>
+                      <p:childTnLst>
+                        <p:par>
+                          <p:cTn id="8" fill="hold">
+                            <p:stCondLst>
+                              <p:cond delay="0"/>
+                            </p:stCondLst>
+                            <p:childTnLst>
+                              <p:par>
+                                <p:cTn id="9" presetID="1" presetClass="entr" presetSubtype="0" fill="hold" grpId="0" nodeType="clickEffect">
+                                  <p:stCondLst>
+                                    <p:cond delay="0"/>
+                                  </p:stCondLst>
+                                  <p:childTnLst>
+                                    <p:set>
+                                      <p:cBhvr>
+                                        <p:cTn id="10" dur="1" fill="hold">
+                                          <p:stCondLst>
+                                            <p:cond delay="0"/>
+                                          </p:stCondLst>
+                                        </p:cTn>
+                                        <p:tgtEl>
+                                          <p:spTgt spid="4"/>
+                                        </p:tgtEl>
+                                        <p:attrNameLst>
+                                          <p:attrName>style.visibility</p:attrName>
+                                        </p:attrNameLst>
+                                      </p:cBhvr>
+                                      <p:to>
+                                        <p:strVal val="visible"/>
+                                      </p:to>
+                                    </p:set>
+                                  </p:childTnLst>
+                                </p:cTn>
+                              </p:par>
+                              <p:par>
+                                <p:cTn id="11" presetID="1" presetClass="entr" presetSubtype="0" fill="hold" grpId="0" nodeType="withEffect">
+                                  <p:stCondLst>
+                                    <p:cond delay="0"/>
+                                  </p:stCondLst>
+                                  <p:childTnLst>
+                                    <p:set>
+                                      <p:cBhvr>
+                                        <p:cTn id="12" dur="1" fill="hold">
+                                          <p:stCondLst>
+                                            <p:cond delay="0"/>
+                                          </p:stCondLst>
+                                        </p:cTn>
+                                        <p:tgtEl>
+                                          <p:spTgt spid="3">
+                                            <p:txEl>
+                                              <p:pRg st="3" end="3"/>
+                                            </p:txEl>
+                                          </p:spTgt>
+                                        </p:tgtEl>
+                                        <p:attrNameLst>
+                                          <p:attrName>style.visibility</p:attrName>
+                                        </p:attrNameLst>
+                                      </p:cBhvr>
+                                      <p:to>
+                                        <p:strVal val="visible"/>
+                                      </p:to>
+                                    </p:set>
+                                  </p:childTnLst>
+                                </p:cTn>
+                              </p:par>
+                            </p:childTnLst>
+                          </p:cTn>
+                        </p:par>
+                      </p:childTnLst>
+                    </p:cTn>
+                  </p:par>
+                  <p:par>
+                    <p:cTn id="13" fill="hold">
+                      <p:stCondLst>
+                        <p:cond delay="indefinite"/>
+                      </p:stCondLst>
+                      <p:childTnLst>
+                        <p:par>
+                          <p:cTn id="14" fill="hold">
+                            <p:stCondLst>
+                              <p:cond delay="0"/>
+                            </p:stCondLst>
+                            <p:childTnLst>
+                              <p:par>
+                                <p:cTn id="15" presetID="1" presetClass="entr" presetSubtype="0" fill="hold" grpId="0" nodeType="clickEffect">
+                                  <p:stCondLst>
+                                    <p:cond delay="0"/>
+                                  </p:stCondLst>
+                                  <p:childTnLst>
+                                    <p:set>
+                                      <p:cBhvr>
+                                        <p:cTn id="16" dur="1" fill="hold">
+                                          <p:stCondLst>
+                                            <p:cond delay="0"/>
+                                          </p:stCondLst>
+                                        </p:cTn>
+                                        <p:tgtEl>
+                                          <p:spTgt spid="5"/>
+                                        </p:tgtEl>
+                                        <p:attrNameLst>
+                                          <p:attrName>style.visibility</p:attrName>
+                                        </p:attrNameLst>
+                                      </p:cBhvr>
+                                      <p:to>
+                                        <p:strVal val="visible"/>
+                                      </p:to>
+                                    </p:set>
+                                  </p:childTnLst>
+                                </p:cTn>
+                              </p:par>
+                              <p:par>
+                                <p:cTn id="17" presetID="1" presetClass="entr" presetSubtype="0" fill="hold" grpId="0" nodeType="withEffect">
+                                  <p:stCondLst>
+                                    <p:cond delay="0"/>
+                                  </p:stCondLst>
+                                  <p:childTnLst>
+                                    <p:set>
+                                      <p:cBhvr>
+                                        <p:cTn id="18" dur="1" fill="hold">
+                                          <p:stCondLst>
+                                            <p:cond delay="0"/>
+                                          </p:stCondLst>
+                                        </p:cTn>
+                                        <p:tgtEl>
+                                          <p:spTgt spid="3">
+                                            <p:txEl>
+                                              <p:pRg st="6" end="6"/>
+                                            </p:txEl>
+                                          </p:spTgt>
+                                        </p:tgtEl>
+                                        <p:attrNameLst>
+                                          <p:attrName>style.visibility</p:attrName>
+                                        </p:attrNameLst>
+                                      </p:cBhvr>
+                                      <p:to>
+                                        <p:strVal val="visible"/>
+                                      </p:to>
+                                    </p:set>
+                                  </p:childTnLst>
+                                </p:cTn>
+                              </p:par>
+                            </p:childTnLst>
+                          </p:cTn>
+                        </p:par>
+                      </p:childTnLst>
+                    </p:cTn>
+                  </p:par>
+                  <p:par>
+                    <p:cTn id="19" fill="hold">
+                      <p:stCondLst>
+                        <p:cond delay="indefinite"/>
+                      </p:stCondLst>
+                      <p:childTnLst>
+                        <p:par>
+                          <p:cTn id="20" fill="hold">
+                            <p:stCondLst>
+                              <p:cond delay="0"/>
+                            </p:stCondLst>
+                            <p:childTnLst>
+                              <p:par>
+                                <p:cTn id="21" presetID="1" presetClass="entr" presetSubtype="0" fill="hold" grpId="0" nodeType="clickEffect">
+                                  <p:stCondLst>
+                                    <p:cond delay="0"/>
+                                  </p:stCondLst>
+                                  <p:childTnLst>
+                                    <p:set>
+                                      <p:cBhvr>
+                                        <p:cTn id="22" dur="1" fill="hold">
+                                          <p:stCondLst>
+                                            <p:cond delay="0"/>
+                                          </p:stCondLst>
+                                        </p:cTn>
+                                        <p:tgtEl>
+                                          <p:spTgt spid="6"/>
+                                        </p:tgtEl>
+                                        <p:attrNameLst>
+                                          <p:attrName>style.visibility</p:attrName>
+                                        </p:attrNameLst>
+                                      </p:cBhvr>
+                                      <p:to>
+                                        <p:strVal val="visible"/>
+                                      </p:to>
+                                    </p:set>
+                                  </p:childTnLst>
+                                </p:cTn>
+                              </p:par>
+                              <p:par>
+                                <p:cTn id="23" presetID="1" presetClass="entr" presetSubtype="0" fill="hold" grpId="0" nodeType="withEffect">
+                                  <p:stCondLst>
+                                    <p:cond delay="0"/>
+                                  </p:stCondLst>
+                                  <p:childTnLst>
+                                    <p:set>
+                                      <p:cBhvr>
+                                        <p:cTn id="24" dur="1" fill="hold">
+                                          <p:stCondLst>
+                                            <p:cond delay="0"/>
+                                          </p:stCondLst>
+                                        </p:cTn>
+                                        <p:tgtEl>
+                                          <p:spTgt spid="3">
+                                            <p:txEl>
+                                              <p:pRg st="9" end="9"/>
+                                            </p:txEl>
+                                          </p:spTgt>
+                                        </p:tgtEl>
+                                        <p:attrNameLst>
+                                          <p:attrName>style.visibility</p:attrName>
+                                        </p:attrNameLst>
+                                      </p:cBhvr>
+                                      <p:to>
+                                        <p:strVal val="visible"/>
+                                      </p:to>
+                                    </p:set>
+                                  </p:childTnLst>
+                                </p:cTn>
+                              </p:par>
+                            </p:childTnLst>
+                          </p:cTn>
+                        </p:par>
+                      </p:childTnLst>
+                    </p:cTn>
+                  </p:par>
+                </p:childTnLst>
+              </p:cTn>
+              <p:prevCondLst>
+                <p:cond evt="onPrev" delay="0">
+                  <p:tgtEl>
+                    <p:sldTgt/>
+                  </p:tgtEl>
+                </p:cond>
+              </p:prevCondLst>
+              <p:nextCondLst>
+                <p:cond evt="onNext" delay="0">
+                  <p:tgtEl>
+                    <p:sldTgt/>
+                  </p:tgtEl>
+                </p:cond>
+              </p:nextCondLst>
+            </p:seq>
+          </p:childTnLst>
+        </p:cTn>
+      </p:par>
+    </p:tnLst>
+    <p:bldLst>
+      <p:bldP spid="3" grpId="0" uiExpand="1" build="p"/>
+      <p:bldP spid="4" grpId="0" animBg="1"/>
+      <p:bldP spid="5" grpId="0" animBg="1"/>
+      <p:bldP spid="6" grpId="0" animBg="1"/>
+    </p:bldLst>
+  </p:timing>
+</p:sld>
+</file>
+
+<file path=ppt/slides/slide16.xml><?xml version="1.0" encoding="utf-8"?>
+<p:sld xmlns:a="http://schemas.openxmlformats.org/drawingml/2006/main" xmlns:r="http://schemas.openxmlformats.org/officeDocument/2006/relationships" xmlns:p="http://schemas.openxmlformats.org/presentationml/2006/main">
+  <p:cSld>
+    <p:spTree>
+      <p:nvGrpSpPr>
+        <p:cNvPr id="1" name=""/>
+        <p:cNvGrpSpPr/>
+        <p:nvPr/>
+      </p:nvGrpSpPr>
+      <p:grpSpPr>
+        <a:xfrm>
+          <a:off x="0" y="0"/>
+          <a:ext cx="0" cy="0"/>
+          <a:chOff x="0" y="0"/>
+          <a:chExt cx="0" cy="0"/>
+        </a:xfrm>
+      </p:grpSpPr>
+      <p:sp>
+        <p:nvSpPr>
+          <p:cNvPr id="2" name="TextBox 1"/>
+          <p:cNvSpPr txBox="1"/>
+          <p:nvPr/>
+        </p:nvSpPr>
+        <p:spPr>
+          <a:xfrm>
+            <a:off x="0" y="3002280"/>
+            <a:ext cx="12192000" cy="923330"/>
+          </a:xfrm>
+          <a:prstGeom prst="rect">
+            <a:avLst/>
+          </a:prstGeom>
+          <a:noFill/>
+        </p:spPr>
+        <p:txBody>
+          <a:bodyPr wrap="square" rtlCol="0">
+            <a:spAutoFit/>
+          </a:bodyPr>
+          <a:lstStyle/>
+          <a:p>
+            <a:pPr algn="ctr"/>
+            <a:r>
+              <a:rPr lang="en-US" sz="5400" dirty="0" err="1" smtClean="0"/>
+              <a:t>Specflow</a:t>
+            </a:r>
+            <a:endParaRPr lang="en-US" sz="5400" dirty="0"/>
+          </a:p>
+        </p:txBody>
+      </p:sp>
+      <p:sp>
+        <p:nvSpPr>
+          <p:cNvPr id="3" name="TextBox 2"/>
+          <p:cNvSpPr txBox="1"/>
+          <p:nvPr/>
+        </p:nvSpPr>
+        <p:spPr>
+          <a:xfrm>
+            <a:off x="0" y="4114800"/>
+            <a:ext cx="12192000" cy="369332"/>
+          </a:xfrm>
+          <a:prstGeom prst="rect">
+            <a:avLst/>
+          </a:prstGeom>
+          <a:noFill/>
+        </p:spPr>
+        <p:txBody>
+          <a:bodyPr wrap="square" rtlCol="0">
+            <a:spAutoFit/>
+          </a:bodyPr>
+          <a:lstStyle/>
+          <a:p>
+            <a:pPr algn="ctr"/>
+            <a:r>
+              <a:rPr lang="en-US" dirty="0" smtClean="0"/>
+              <a:t>That’s right Bryan</a:t>
+            </a:r>
+            <a:endParaRPr lang="en-US" dirty="0"/>
+          </a:p>
+        </p:txBody>
+      </p:sp>
+      <p:sp>
+        <p:nvSpPr>
+          <p:cNvPr id="4" name="TextBox 3"/>
+          <p:cNvSpPr txBox="1"/>
+          <p:nvPr/>
+        </p:nvSpPr>
+        <p:spPr>
+          <a:xfrm>
+            <a:off x="0" y="4484132"/>
+            <a:ext cx="12192000" cy="369332"/>
+          </a:xfrm>
+          <a:prstGeom prst="rect">
+            <a:avLst/>
+          </a:prstGeom>
+          <a:noFill/>
+        </p:spPr>
+        <p:txBody>
+          <a:bodyPr wrap="square" rtlCol="0">
+            <a:spAutoFit/>
+          </a:bodyPr>
+          <a:lstStyle/>
+          <a:p>
+            <a:pPr algn="ctr"/>
+            <a:r>
+              <a:rPr lang="en-US" dirty="0" smtClean="0"/>
+              <a:t>Terrible Animations</a:t>
+            </a:r>
+            <a:endParaRPr lang="en-US" dirty="0"/>
+          </a:p>
+        </p:txBody>
+      </p:sp>
+      <p:sp>
+        <p:nvSpPr>
+          <p:cNvPr id="5" name="TextBox 4"/>
+          <p:cNvSpPr txBox="1"/>
+          <p:nvPr/>
+        </p:nvSpPr>
+        <p:spPr>
+          <a:xfrm>
+            <a:off x="6949440" y="4484132"/>
+            <a:ext cx="822960" cy="369332"/>
+          </a:xfrm>
+          <a:prstGeom prst="rect">
+            <a:avLst/>
+          </a:prstGeom>
+          <a:noFill/>
+        </p:spPr>
+        <p:txBody>
+          <a:bodyPr wrap="square" rtlCol="0">
+            <a:spAutoFit/>
+          </a:bodyPr>
+          <a:lstStyle/>
+          <a:p>
+            <a:r>
+              <a:rPr lang="en-US" dirty="0" smtClean="0"/>
+              <a:t>!!!!</a:t>
+            </a:r>
+            <a:endParaRPr lang="en-US" dirty="0"/>
+          </a:p>
+        </p:txBody>
+      </p:sp>
+      <p:pic>
+        <p:nvPicPr>
+          <p:cNvPr id="6" name="Picture 5"/>
+          <p:cNvPicPr>
+            <a:picLocks noChangeAspect="1"/>
+          </p:cNvPicPr>
+          <p:nvPr/>
+        </p:nvPicPr>
+        <p:blipFill>
+          <a:blip r:embed="rId2">
+            <a:extLst>
+              <a:ext uri="{28A0092B-C50C-407E-A947-70E740481C1C}">
+                <a14:useLocalDpi xmlns:a14="http://schemas.microsoft.com/office/drawing/2010/main" val="0"/>
+              </a:ext>
+            </a:extLst>
+          </a:blip>
+          <a:stretch>
+            <a:fillRect/>
+          </a:stretch>
+        </p:blipFill>
+        <p:spPr>
+          <a:xfrm rot="1931329">
+            <a:off x="1000761" y="602938"/>
+            <a:ext cx="2070100" cy="2501900"/>
+          </a:xfrm>
+          <a:prstGeom prst="rect">
+            <a:avLst/>
+          </a:prstGeom>
+        </p:spPr>
+      </p:pic>
+    </p:spTree>
+    <p:extLst>
+      <p:ext uri="{BB962C8B-B14F-4D97-AF65-F5344CB8AC3E}">
+        <p14:creationId xmlns:p14="http://schemas.microsoft.com/office/powerpoint/2010/main" val="997740223"/>
+      </p:ext>
+    </p:extLst>
+  </p:cSld>
+  <p:clrMapOvr>
+    <a:masterClrMapping/>
+  </p:clrMapOvr>
+  <p:timing>
+    <p:tnLst>
+      <p:par>
+        <p:cTn id="1" dur="indefinite" restart="never" nodeType="tmRoot">
+          <p:childTnLst>
+            <p:seq concurrent="1" nextAc="seek">
+              <p:cTn id="2" dur="indefinite" nodeType="mainSeq">
+                <p:childTnLst>
+                  <p:par>
+                    <p:cTn id="3" fill="hold">
+                      <p:stCondLst>
+                        <p:cond delay="indefinite"/>
+                      </p:stCondLst>
+                      <p:childTnLst>
+                        <p:par>
+                          <p:cTn id="4" fill="hold">
+                            <p:stCondLst>
+                              <p:cond delay="0"/>
+                            </p:stCondLst>
+                            <p:childTnLst>
+                              <p:par>
+                                <p:cTn id="5" presetID="45" presetClass="entr" presetSubtype="0" fill="hold" grpId="0" nodeType="clickEffect">
+                                  <p:stCondLst>
+                                    <p:cond delay="0"/>
+                                  </p:stCondLst>
+                                  <p:childTnLst>
+                                    <p:set>
+                                      <p:cBhvr>
+                                        <p:cTn id="6" dur="1" fill="hold">
+                                          <p:stCondLst>
+                                            <p:cond delay="0"/>
+                                          </p:stCondLst>
+                                        </p:cTn>
+                                        <p:tgtEl>
+                                          <p:spTgt spid="2"/>
+                                        </p:tgtEl>
+                                        <p:attrNameLst>
+                                          <p:attrName>style.visibility</p:attrName>
+                                        </p:attrNameLst>
+                                      </p:cBhvr>
+                                      <p:to>
+                                        <p:strVal val="visible"/>
+                                      </p:to>
+                                    </p:set>
+                                    <p:animEffect transition="in" filter="fade">
+                                      <p:cBhvr>
+                                        <p:cTn id="7" dur="2000"/>
+                                        <p:tgtEl>
+                                          <p:spTgt spid="2"/>
+                                        </p:tgtEl>
+                                      </p:cBhvr>
+                                    </p:animEffect>
+                                    <p:anim calcmode="lin" valueType="num">
+                                      <p:cBhvr>
+                                        <p:cTn id="8" dur="2000" fill="hold"/>
+                                        <p:tgtEl>
+                                          <p:spTgt spid="2"/>
+                                        </p:tgtEl>
+                                        <p:attrNameLst>
+                                          <p:attrName>ppt_w</p:attrName>
+                                        </p:attrNameLst>
+                                      </p:cBhvr>
+                                      <p:tavLst>
+                                        <p:tav tm="0" fmla="#ppt_w*sin(2.5*pi*$)">
+                                          <p:val>
+                                            <p:fltVal val="0"/>
+                                          </p:val>
+                                        </p:tav>
+                                        <p:tav tm="100000">
+                                          <p:val>
+                                            <p:fltVal val="1"/>
+                                          </p:val>
+                                        </p:tav>
+                                      </p:tavLst>
+                                    </p:anim>
+                                    <p:anim calcmode="lin" valueType="num">
+                                      <p:cBhvr>
+                                        <p:cTn id="9" dur="2000" fill="hold"/>
+                                        <p:tgtEl>
+                                          <p:spTgt spid="2"/>
+                                        </p:tgtEl>
+                                        <p:attrNameLst>
+                                          <p:attrName>ppt_h</p:attrName>
+                                        </p:attrNameLst>
+                                      </p:cBhvr>
+                                      <p:tavLst>
+                                        <p:tav tm="0">
+                                          <p:val>
+                                            <p:strVal val="#ppt_h"/>
+                                          </p:val>
+                                        </p:tav>
+                                        <p:tav tm="100000">
+                                          <p:val>
+                                            <p:strVal val="#ppt_h"/>
+                                          </p:val>
+                                        </p:tav>
+                                      </p:tavLst>
+                                    </p:anim>
+                                  </p:childTnLst>
+                                </p:cTn>
+                              </p:par>
+                            </p:childTnLst>
+                          </p:cTn>
+                        </p:par>
+                      </p:childTnLst>
+                    </p:cTn>
+                  </p:par>
+                  <p:par>
+                    <p:cTn id="10" fill="hold">
+                      <p:stCondLst>
+                        <p:cond delay="indefinite"/>
+                      </p:stCondLst>
+                      <p:childTnLst>
+                        <p:par>
+                          <p:cTn id="11" fill="hold">
+                            <p:stCondLst>
+                              <p:cond delay="0"/>
+                            </p:stCondLst>
+                            <p:childTnLst>
+                              <p:par>
+                                <p:cTn id="12" presetID="38" presetClass="entr" presetSubtype="0" accel="50000" fill="hold" grpId="0" nodeType="clickEffect">
+                                  <p:stCondLst>
+                                    <p:cond delay="0"/>
+                                  </p:stCondLst>
+                                  <p:iterate type="lt">
+                                    <p:tmPct val="50000"/>
+                                  </p:iterate>
+                                  <p:childTnLst>
+                                    <p:set>
+                                      <p:cBhvr>
+                                        <p:cTn id="13" dur="1" fill="hold">
+                                          <p:stCondLst>
+                                            <p:cond delay="0"/>
+                                          </p:stCondLst>
+                                        </p:cTn>
+                                        <p:tgtEl>
+                                          <p:spTgt spid="3"/>
+                                        </p:tgtEl>
+                                        <p:attrNameLst>
+                                          <p:attrName>style.visibility</p:attrName>
+                                        </p:attrNameLst>
+                                      </p:cBhvr>
+                                      <p:to>
+                                        <p:strVal val="visible"/>
+                                      </p:to>
+                                    </p:set>
+                                    <p:set>
+                                      <p:cBhvr>
+                                        <p:cTn id="14" dur="455" fill="hold">
+                                          <p:stCondLst>
+                                            <p:cond delay="0"/>
+                                          </p:stCondLst>
+                                        </p:cTn>
+                                        <p:tgtEl>
+                                          <p:spTgt spid="3"/>
+                                        </p:tgtEl>
+                                        <p:attrNameLst>
+                                          <p:attrName>style.rotation</p:attrName>
+                                        </p:attrNameLst>
+                                      </p:cBhvr>
+                                      <p:to>
+                                        <p:strVal val="-45.0"/>
+                                      </p:to>
+                                    </p:set>
+                                    <p:anim calcmode="lin" valueType="num">
+                                      <p:cBhvr>
+                                        <p:cTn id="15" dur="455" fill="hold">
+                                          <p:stCondLst>
+                                            <p:cond delay="455"/>
+                                          </p:stCondLst>
+                                        </p:cTn>
+                                        <p:tgtEl>
+                                          <p:spTgt spid="3"/>
+                                        </p:tgtEl>
+                                        <p:attrNameLst>
+                                          <p:attrName>style.rotation</p:attrName>
+                                        </p:attrNameLst>
+                                      </p:cBhvr>
+                                      <p:tavLst>
+                                        <p:tav tm="0">
+                                          <p:val>
+                                            <p:fltVal val="-45"/>
+                                          </p:val>
+                                        </p:tav>
+                                        <p:tav tm="69900">
+                                          <p:val>
+                                            <p:fltVal val="45"/>
+                                          </p:val>
+                                        </p:tav>
+                                        <p:tav tm="100000">
+                                          <p:val>
+                                            <p:fltVal val="0"/>
+                                          </p:val>
+                                        </p:tav>
+                                      </p:tavLst>
+                                    </p:anim>
+                                    <p:anim calcmode="lin" valueType="num">
+                                      <p:cBhvr>
+                                        <p:cTn id="16" dur="455" fill="hold">
+                                          <p:stCondLst>
+                                            <p:cond delay="0"/>
+                                          </p:stCondLst>
+                                        </p:cTn>
+                                        <p:tgtEl>
+                                          <p:spTgt spid="3"/>
+                                        </p:tgtEl>
+                                        <p:attrNameLst>
+                                          <p:attrName>ppt_y</p:attrName>
+                                        </p:attrNameLst>
+                                      </p:cBhvr>
+                                      <p:tavLst>
+                                        <p:tav tm="0">
+                                          <p:val>
+                                            <p:strVal val="#ppt_y-1"/>
+                                          </p:val>
+                                        </p:tav>
+                                        <p:tav tm="100000">
+                                          <p:val>
+                                            <p:strVal val="#ppt_y-(0.354*#ppt_w-0.172*#ppt_h)"/>
+                                          </p:val>
+                                        </p:tav>
+                                      </p:tavLst>
+                                    </p:anim>
+                                    <p:anim calcmode="lin" valueType="num">
+                                      <p:cBhvr>
+                                        <p:cTn id="17" dur="156" decel="50000" autoRev="1" fill="hold">
+                                          <p:stCondLst>
+                                            <p:cond delay="455"/>
+                                          </p:stCondLst>
+                                        </p:cTn>
+                                        <p:tgtEl>
+                                          <p:spTgt spid="3"/>
+                                        </p:tgtEl>
+                                        <p:attrNameLst>
+                                          <p:attrName>ppt_y</p:attrName>
+                                        </p:attrNameLst>
+                                      </p:cBhvr>
+                                      <p:tavLst>
+                                        <p:tav tm="0">
+                                          <p:val>
+                                            <p:strVal val="#ppt_y-(0.354*#ppt_w-0.172*#ppt_h)"/>
+                                          </p:val>
+                                        </p:tav>
+                                        <p:tav tm="100000">
+                                          <p:val>
+                                            <p:strVal val="#ppt_y-(0.354*#ppt_w-0.172*#ppt_h)-#ppt_h/2"/>
+                                          </p:val>
+                                        </p:tav>
+                                      </p:tavLst>
+                                    </p:anim>
+                                    <p:anim calcmode="lin" valueType="num">
+                                      <p:cBhvr>
+                                        <p:cTn id="18" dur="136" fill="hold">
+                                          <p:stCondLst>
+                                            <p:cond delay="864"/>
+                                          </p:stCondLst>
+                                        </p:cTn>
+                                        <p:tgtEl>
+                                          <p:spTgt spid="3"/>
+                                        </p:tgtEl>
+                                        <p:attrNameLst>
+                                          <p:attrName>ppt_y</p:attrName>
+                                        </p:attrNameLst>
+                                      </p:cBhvr>
+                                      <p:tavLst>
+                                        <p:tav tm="0">
+                                          <p:val>
+                                            <p:strVal val="#ppt_y-(0.354*#ppt_w-0.172*#ppt_h)"/>
+                                          </p:val>
+                                        </p:tav>
+                                        <p:tav tm="100000">
+                                          <p:val>
+                                            <p:strVal val="#ppt_y"/>
+                                          </p:val>
+                                        </p:tav>
+                                      </p:tavLst>
+                                    </p:anim>
+                                  </p:childTnLst>
+                                </p:cTn>
+                              </p:par>
+                            </p:childTnLst>
+                          </p:cTn>
+                        </p:par>
+                      </p:childTnLst>
+                    </p:cTn>
+                  </p:par>
+                  <p:par>
+                    <p:cTn id="19" fill="hold">
+                      <p:stCondLst>
+                        <p:cond delay="indefinite"/>
+                      </p:stCondLst>
+                      <p:childTnLst>
+                        <p:par>
+                          <p:cTn id="20" fill="hold">
+                            <p:stCondLst>
+                              <p:cond delay="0"/>
+                            </p:stCondLst>
+                            <p:childTnLst>
+                              <p:par>
+                                <p:cTn id="21" presetID="41" presetClass="entr" presetSubtype="0" fill="hold" grpId="0" nodeType="clickEffect">
+                                  <p:stCondLst>
+                                    <p:cond delay="0"/>
+                                  </p:stCondLst>
+                                  <p:iterate type="lt">
+                                    <p:tmPct val="10000"/>
+                                  </p:iterate>
+                                  <p:childTnLst>
+                                    <p:set>
+                                      <p:cBhvr>
+                                        <p:cTn id="22" dur="1" fill="hold">
+                                          <p:stCondLst>
+                                            <p:cond delay="0"/>
+                                          </p:stCondLst>
+                                        </p:cTn>
+                                        <p:tgtEl>
+                                          <p:spTgt spid="4"/>
+                                        </p:tgtEl>
+                                        <p:attrNameLst>
+                                          <p:attrName>style.visibility</p:attrName>
+                                        </p:attrNameLst>
+                                      </p:cBhvr>
+                                      <p:to>
+                                        <p:strVal val="visible"/>
+                                      </p:to>
+                                    </p:set>
+                                    <p:anim calcmode="lin" valueType="num">
+                                      <p:cBhvr>
+                                        <p:cTn id="23" dur="500" fill="hold"/>
+                                        <p:tgtEl>
+                                          <p:spTgt spid="4"/>
+                                        </p:tgtEl>
+                                        <p:attrNameLst>
+                                          <p:attrName>ppt_x</p:attrName>
+                                        </p:attrNameLst>
+                                      </p:cBhvr>
+                                      <p:tavLst>
+                                        <p:tav tm="0">
+                                          <p:val>
+                                            <p:strVal val="#ppt_x"/>
+                                          </p:val>
+                                        </p:tav>
+                                        <p:tav tm="50000">
+                                          <p:val>
+                                            <p:strVal val="#ppt_x+.1"/>
+                                          </p:val>
+                                        </p:tav>
+                                        <p:tav tm="100000">
+                                          <p:val>
+                                            <p:strVal val="#ppt_x"/>
+                                          </p:val>
+                                        </p:tav>
+                                      </p:tavLst>
+                                    </p:anim>
+                                    <p:anim calcmode="lin" valueType="num">
+                                      <p:cBhvr>
+                                        <p:cTn id="24" dur="500" fill="hold"/>
+                                        <p:tgtEl>
+                                          <p:spTgt spid="4"/>
+                                        </p:tgtEl>
+                                        <p:attrNameLst>
+                                          <p:attrName>ppt_y</p:attrName>
+                                        </p:attrNameLst>
+                                      </p:cBhvr>
+                                      <p:tavLst>
+                                        <p:tav tm="0">
+                                          <p:val>
+                                            <p:strVal val="#ppt_y"/>
+                                          </p:val>
+                                        </p:tav>
+                                        <p:tav tm="100000">
+                                          <p:val>
+                                            <p:strVal val="#ppt_y"/>
+                                          </p:val>
+                                        </p:tav>
+                                      </p:tavLst>
+                                    </p:anim>
+                                    <p:anim calcmode="lin" valueType="num">
+                                      <p:cBhvr>
+                                        <p:cTn id="25" dur="500" fill="hold"/>
+                                        <p:tgtEl>
+                                          <p:spTgt spid="4"/>
+                                        </p:tgtEl>
+                                        <p:attrNameLst>
+                                          <p:attrName>ppt_h</p:attrName>
+                                        </p:attrNameLst>
+                                      </p:cBhvr>
+                                      <p:tavLst>
+                                        <p:tav tm="0">
+                                          <p:val>
+                                            <p:strVal val="#ppt_h/10"/>
+                                          </p:val>
+                                        </p:tav>
+                                        <p:tav tm="50000">
+                                          <p:val>
+                                            <p:strVal val="#ppt_h+.01"/>
+                                          </p:val>
+                                        </p:tav>
+                                        <p:tav tm="100000">
+                                          <p:val>
+                                            <p:strVal val="#ppt_h"/>
+                                          </p:val>
+                                        </p:tav>
+                                      </p:tavLst>
+                                    </p:anim>
+                                    <p:anim calcmode="lin" valueType="num">
+                                      <p:cBhvr>
+                                        <p:cTn id="26" dur="500" fill="hold"/>
+                                        <p:tgtEl>
+                                          <p:spTgt spid="4"/>
+                                        </p:tgtEl>
+                                        <p:attrNameLst>
+                                          <p:attrName>ppt_w</p:attrName>
+                                        </p:attrNameLst>
+                                      </p:cBhvr>
+                                      <p:tavLst>
+                                        <p:tav tm="0">
+                                          <p:val>
+                                            <p:strVal val="#ppt_w/10"/>
+                                          </p:val>
+                                        </p:tav>
+                                        <p:tav tm="50000">
+                                          <p:val>
+                                            <p:strVal val="#ppt_w+.01"/>
+                                          </p:val>
+                                        </p:tav>
+                                        <p:tav tm="100000">
+                                          <p:val>
+                                            <p:strVal val="#ppt_w"/>
+                                          </p:val>
+                                        </p:tav>
+                                      </p:tavLst>
+                                    </p:anim>
+                                    <p:animEffect transition="in" filter="fade">
+                                      <p:cBhvr>
+                                        <p:cTn id="27" dur="500" tmFilter="0,0; .5, 1; 1, 1"/>
+                                        <p:tgtEl>
+                                          <p:spTgt spid="4"/>
+                                        </p:tgtEl>
+                                      </p:cBhvr>
+                                    </p:animEffect>
+                                  </p:childTnLst>
+                                </p:cTn>
+                              </p:par>
+                            </p:childTnLst>
+                          </p:cTn>
+                        </p:par>
+                      </p:childTnLst>
+                    </p:cTn>
+                  </p:par>
+                  <p:par>
+                    <p:cTn id="28" fill="hold">
+                      <p:stCondLst>
+                        <p:cond delay="indefinite"/>
+                      </p:stCondLst>
+                      <p:childTnLst>
+                        <p:par>
+                          <p:cTn id="29" fill="hold">
+                            <p:stCondLst>
+                              <p:cond delay="0"/>
+                            </p:stCondLst>
+                            <p:childTnLst>
+                              <p:par>
+                                <p:cTn id="30" presetID="26" presetClass="entr" presetSubtype="0" fill="hold" grpId="0" nodeType="clickEffect">
+                                  <p:stCondLst>
+                                    <p:cond delay="0"/>
+                                  </p:stCondLst>
+                                  <p:childTnLst>
+                                    <p:set>
+                                      <p:cBhvr>
+                                        <p:cTn id="31" dur="1" fill="hold">
+                                          <p:stCondLst>
+                                            <p:cond delay="0"/>
+                                          </p:stCondLst>
+                                        </p:cTn>
+                                        <p:tgtEl>
+                                          <p:spTgt spid="5"/>
+                                        </p:tgtEl>
+                                        <p:attrNameLst>
+                                          <p:attrName>style.visibility</p:attrName>
+                                        </p:attrNameLst>
+                                      </p:cBhvr>
+                                      <p:to>
+                                        <p:strVal val="visible"/>
+                                      </p:to>
+                                    </p:set>
+                                    <p:animEffect transition="in" filter="wipe(down)">
+                                      <p:cBhvr>
+                                        <p:cTn id="32" dur="580">
+                                          <p:stCondLst>
+                                            <p:cond delay="0"/>
+                                          </p:stCondLst>
+                                        </p:cTn>
+                                        <p:tgtEl>
+                                          <p:spTgt spid="5"/>
+                                        </p:tgtEl>
+                                      </p:cBhvr>
+                                    </p:animEffect>
+                                    <p:anim calcmode="lin" valueType="num">
+                                      <p:cBhvr>
+                                        <p:cTn id="33" dur="1822" tmFilter="0,0; 0.14,0.36; 0.43,0.73; 0.71,0.91; 1.0,1.0">
+                                          <p:stCondLst>
+                                            <p:cond delay="0"/>
+                                          </p:stCondLst>
+                                        </p:cTn>
+                                        <p:tgtEl>
+                                          <p:spTgt spid="5"/>
+                                        </p:tgtEl>
+                                        <p:attrNameLst>
+                                          <p:attrName>ppt_x</p:attrName>
+                                        </p:attrNameLst>
+                                      </p:cBhvr>
+                                      <p:tavLst>
+                                        <p:tav tm="0">
+                                          <p:val>
+                                            <p:strVal val="#ppt_x-0.25"/>
+                                          </p:val>
+                                        </p:tav>
+                                        <p:tav tm="100000">
+                                          <p:val>
+                                            <p:strVal val="#ppt_x"/>
+                                          </p:val>
+                                        </p:tav>
+                                      </p:tavLst>
+                                    </p:anim>
+                                    <p:anim calcmode="lin" valueType="num">
+                                      <p:cBhvr>
+                                        <p:cTn id="34" dur="664" tmFilter="0.0,0.0; 0.25,0.07; 0.50,0.2; 0.75,0.467; 1.0,1.0">
+                                          <p:stCondLst>
+                                            <p:cond delay="0"/>
+                                          </p:stCondLst>
+                                        </p:cTn>
+                                        <p:tgtEl>
+                                          <p:spTgt spid="5"/>
+                                        </p:tgtEl>
+                                        <p:attrNameLst>
+                                          <p:attrName>ppt_y</p:attrName>
+                                        </p:attrNameLst>
+                                      </p:cBhvr>
+                                      <p:tavLst>
+                                        <p:tav tm="0" fmla="#ppt_y-sin(pi*$)/3">
+                                          <p:val>
+                                            <p:fltVal val="0.5"/>
+                                          </p:val>
+                                        </p:tav>
+                                        <p:tav tm="100000">
+                                          <p:val>
+                                            <p:fltVal val="1"/>
+                                          </p:val>
+                                        </p:tav>
+                                      </p:tavLst>
+                                    </p:anim>
+                                    <p:anim calcmode="lin" valueType="num">
+                                      <p:cBhvr>
+                                        <p:cTn id="35" dur="664" tmFilter="0, 0; 0.125,0.2665; 0.25,0.4; 0.375,0.465; 0.5,0.5;  0.625,0.535; 0.75,0.6; 0.875,0.7335; 1,1">
+                                          <p:stCondLst>
+                                            <p:cond delay="664"/>
+                                          </p:stCondLst>
+                                        </p:cTn>
+                                        <p:tgtEl>
+                                          <p:spTgt spid="5"/>
+                                        </p:tgtEl>
+                                        <p:attrNameLst>
+                                          <p:attrName>ppt_y</p:attrName>
+                                        </p:attrNameLst>
+                                      </p:cBhvr>
+                                      <p:tavLst>
+                                        <p:tav tm="0" fmla="#ppt_y-sin(pi*$)/9">
+                                          <p:val>
+                                            <p:fltVal val="0"/>
+                                          </p:val>
+                                        </p:tav>
+                                        <p:tav tm="100000">
+                                          <p:val>
+                                            <p:fltVal val="1"/>
+                                          </p:val>
+                                        </p:tav>
+                                      </p:tavLst>
+                                    </p:anim>
+                                    <p:anim calcmode="lin" valueType="num">
+                                      <p:cBhvr>
+                                        <p:cTn id="36" dur="332" tmFilter="0, 0; 0.125,0.2665; 0.25,0.4; 0.375,0.465; 0.5,0.5;  0.625,0.535; 0.75,0.6; 0.875,0.7335; 1,1">
+                                          <p:stCondLst>
+                                            <p:cond delay="1324"/>
+                                          </p:stCondLst>
+                                        </p:cTn>
+                                        <p:tgtEl>
+                                          <p:spTgt spid="5"/>
+                                        </p:tgtEl>
+                                        <p:attrNameLst>
+                                          <p:attrName>ppt_y</p:attrName>
+                                        </p:attrNameLst>
+                                      </p:cBhvr>
+                                      <p:tavLst>
+                                        <p:tav tm="0" fmla="#ppt_y-sin(pi*$)/27">
+                                          <p:val>
+                                            <p:fltVal val="0"/>
+                                          </p:val>
+                                        </p:tav>
+                                        <p:tav tm="100000">
+                                          <p:val>
+                                            <p:fltVal val="1"/>
+                                          </p:val>
+                                        </p:tav>
+                                      </p:tavLst>
+                                    </p:anim>
+                                    <p:anim calcmode="lin" valueType="num">
+                                      <p:cBhvr>
+                                        <p:cTn id="37" dur="164" tmFilter="0, 0; 0.125,0.2665; 0.25,0.4; 0.375,0.465; 0.5,0.5;  0.625,0.535; 0.75,0.6; 0.875,0.7335; 1,1">
+                                          <p:stCondLst>
+                                            <p:cond delay="1656"/>
+                                          </p:stCondLst>
+                                        </p:cTn>
+                                        <p:tgtEl>
+                                          <p:spTgt spid="5"/>
+                                        </p:tgtEl>
+                                        <p:attrNameLst>
+                                          <p:attrName>ppt_y</p:attrName>
+                                        </p:attrNameLst>
+                                      </p:cBhvr>
+                                      <p:tavLst>
+                                        <p:tav tm="0" fmla="#ppt_y-sin(pi*$)/81">
+                                          <p:val>
+                                            <p:fltVal val="0"/>
+                                          </p:val>
+                                        </p:tav>
+                                        <p:tav tm="100000">
+                                          <p:val>
+                                            <p:fltVal val="1"/>
+                                          </p:val>
+                                        </p:tav>
+                                      </p:tavLst>
+                                    </p:anim>
+                                    <p:animScale>
+                                      <p:cBhvr>
+                                        <p:cTn id="38" dur="26">
+                                          <p:stCondLst>
+                                            <p:cond delay="650"/>
+                                          </p:stCondLst>
+                                        </p:cTn>
+                                        <p:tgtEl>
+                                          <p:spTgt spid="5"/>
+                                        </p:tgtEl>
+                                      </p:cBhvr>
+                                      <p:to x="100000" y="60000"/>
+                                    </p:animScale>
+                                    <p:animScale>
+                                      <p:cBhvr>
+                                        <p:cTn id="39" dur="166" decel="50000">
+                                          <p:stCondLst>
+                                            <p:cond delay="676"/>
+                                          </p:stCondLst>
+                                        </p:cTn>
+                                        <p:tgtEl>
+                                          <p:spTgt spid="5"/>
+                                        </p:tgtEl>
+                                      </p:cBhvr>
+                                      <p:to x="100000" y="100000"/>
+                                    </p:animScale>
+                                    <p:animScale>
+                                      <p:cBhvr>
+                                        <p:cTn id="40" dur="26">
+                                          <p:stCondLst>
+                                            <p:cond delay="1312"/>
+                                          </p:stCondLst>
+                                        </p:cTn>
+                                        <p:tgtEl>
+                                          <p:spTgt spid="5"/>
+                                        </p:tgtEl>
+                                      </p:cBhvr>
+                                      <p:to x="100000" y="80000"/>
+                                    </p:animScale>
+                                    <p:animScale>
+                                      <p:cBhvr>
+                                        <p:cTn id="41" dur="166" decel="50000">
+                                          <p:stCondLst>
+                                            <p:cond delay="1338"/>
+                                          </p:stCondLst>
+                                        </p:cTn>
+                                        <p:tgtEl>
+                                          <p:spTgt spid="5"/>
+                                        </p:tgtEl>
+                                      </p:cBhvr>
+                                      <p:to x="100000" y="100000"/>
+                                    </p:animScale>
+                                    <p:animScale>
+                                      <p:cBhvr>
+                                        <p:cTn id="42" dur="26">
+                                          <p:stCondLst>
+                                            <p:cond delay="1642"/>
+                                          </p:stCondLst>
+                                        </p:cTn>
+                                        <p:tgtEl>
+                                          <p:spTgt spid="5"/>
+                                        </p:tgtEl>
+                                      </p:cBhvr>
+                                      <p:to x="100000" y="90000"/>
+                                    </p:animScale>
+                                    <p:animScale>
+                                      <p:cBhvr>
+                                        <p:cTn id="43" dur="166" decel="50000">
+                                          <p:stCondLst>
+                                            <p:cond delay="1668"/>
+                                          </p:stCondLst>
+                                        </p:cTn>
+                                        <p:tgtEl>
+                                          <p:spTgt spid="5"/>
+                                        </p:tgtEl>
+                                      </p:cBhvr>
+                                      <p:to x="100000" y="100000"/>
+                                    </p:animScale>
+                                    <p:animScale>
+                                      <p:cBhvr>
+                                        <p:cTn id="44" dur="26">
+                                          <p:stCondLst>
+                                            <p:cond delay="1808"/>
+                                          </p:stCondLst>
+                                        </p:cTn>
+                                        <p:tgtEl>
+                                          <p:spTgt spid="5"/>
+                                        </p:tgtEl>
+                                      </p:cBhvr>
+                                      <p:to x="100000" y="95000"/>
+                                    </p:animScale>
+                                    <p:animScale>
+                                      <p:cBhvr>
+                                        <p:cTn id="45" dur="166" decel="50000">
+                                          <p:stCondLst>
+                                            <p:cond delay="1834"/>
+                                          </p:stCondLst>
+                                        </p:cTn>
+                                        <p:tgtEl>
+                                          <p:spTgt spid="5"/>
+                                        </p:tgtEl>
+                                      </p:cBhvr>
+                                      <p:to x="100000" y="100000"/>
+                                    </p:animScale>
+                                  </p:childTnLst>
+                                </p:cTn>
+                              </p:par>
+                            </p:childTnLst>
+                          </p:cTn>
+                        </p:par>
+                      </p:childTnLst>
+                    </p:cTn>
+                  </p:par>
+                  <p:par>
+                    <p:cTn id="46" fill="hold">
+                      <p:stCondLst>
+                        <p:cond delay="indefinite"/>
+                      </p:stCondLst>
+                      <p:childTnLst>
+                        <p:par>
+                          <p:cTn id="47" fill="hold">
+                            <p:stCondLst>
+                              <p:cond delay="0"/>
+                            </p:stCondLst>
+                            <p:childTnLst>
+                              <p:par>
+                                <p:cTn id="48" presetID="49" presetClass="entr" presetSubtype="0" decel="100000" fill="hold" nodeType="clickEffect">
+                                  <p:stCondLst>
+                                    <p:cond delay="0"/>
+                                  </p:stCondLst>
+                                  <p:childTnLst>
+                                    <p:set>
+                                      <p:cBhvr>
+                                        <p:cTn id="49" dur="1" fill="hold">
+                                          <p:stCondLst>
+                                            <p:cond delay="0"/>
+                                          </p:stCondLst>
+                                        </p:cTn>
+                                        <p:tgtEl>
+                                          <p:spTgt spid="6"/>
+                                        </p:tgtEl>
+                                        <p:attrNameLst>
+                                          <p:attrName>style.visibility</p:attrName>
+                                        </p:attrNameLst>
+                                      </p:cBhvr>
+                                      <p:to>
+                                        <p:strVal val="visible"/>
+                                      </p:to>
+                                    </p:set>
+                                    <p:anim calcmode="lin" valueType="num">
+                                      <p:cBhvr>
+                                        <p:cTn id="50" dur="500" fill="hold"/>
+                                        <p:tgtEl>
+                                          <p:spTgt spid="6"/>
+                                        </p:tgtEl>
+                                        <p:attrNameLst>
+                                          <p:attrName>ppt_w</p:attrName>
+                                        </p:attrNameLst>
+                                      </p:cBhvr>
+                                      <p:tavLst>
+                                        <p:tav tm="0">
+                                          <p:val>
+                                            <p:fltVal val="0"/>
+                                          </p:val>
+                                        </p:tav>
+                                        <p:tav tm="100000">
+                                          <p:val>
+                                            <p:strVal val="#ppt_w"/>
+                                          </p:val>
+                                        </p:tav>
+                                      </p:tavLst>
+                                    </p:anim>
+                                    <p:anim calcmode="lin" valueType="num">
+                                      <p:cBhvr>
+                                        <p:cTn id="51" dur="500" fill="hold"/>
+                                        <p:tgtEl>
+                                          <p:spTgt spid="6"/>
+                                        </p:tgtEl>
+                                        <p:attrNameLst>
+                                          <p:attrName>ppt_h</p:attrName>
+                                        </p:attrNameLst>
+                                      </p:cBhvr>
+                                      <p:tavLst>
+                                        <p:tav tm="0">
+                                          <p:val>
+                                            <p:fltVal val="0"/>
+                                          </p:val>
+                                        </p:tav>
+                                        <p:tav tm="100000">
+                                          <p:val>
+                                            <p:strVal val="#ppt_h"/>
+                                          </p:val>
+                                        </p:tav>
+                                      </p:tavLst>
+                                    </p:anim>
+                                    <p:anim calcmode="lin" valueType="num">
+                                      <p:cBhvr>
+                                        <p:cTn id="52" dur="500" fill="hold"/>
+                                        <p:tgtEl>
+                                          <p:spTgt spid="6"/>
+                                        </p:tgtEl>
+                                        <p:attrNameLst>
+                                          <p:attrName>style.rotation</p:attrName>
+                                        </p:attrNameLst>
+                                      </p:cBhvr>
+                                      <p:tavLst>
+                                        <p:tav tm="0">
+                                          <p:val>
+                                            <p:fltVal val="360"/>
+                                          </p:val>
+                                        </p:tav>
+                                        <p:tav tm="100000">
+                                          <p:val>
+                                            <p:fltVal val="0"/>
+                                          </p:val>
+                                        </p:tav>
+                                      </p:tavLst>
+                                    </p:anim>
+                                    <p:animEffect transition="in" filter="fade">
+                                      <p:cBhvr>
+                                        <p:cTn id="53" dur="500"/>
+                                        <p:tgtEl>
+                                          <p:spTgt spid="6"/>
+                                        </p:tgtEl>
+                                      </p:cBhvr>
+                                    </p:animEffect>
+                                  </p:childTnLst>
+                                </p:cTn>
+                              </p:par>
+                            </p:childTnLst>
+                          </p:cTn>
+                        </p:par>
+                      </p:childTnLst>
+                    </p:cTn>
+                  </p:par>
+                </p:childTnLst>
+              </p:cTn>
+              <p:prevCondLst>
+                <p:cond evt="onPrev" delay="0">
+                  <p:tgtEl>
+                    <p:sldTgt/>
+                  </p:tgtEl>
+                </p:cond>
+              </p:prevCondLst>
+              <p:nextCondLst>
+                <p:cond evt="onNext" delay="0">
+                  <p:tgtEl>
+                    <p:sldTgt/>
+                  </p:tgtEl>
+                </p:cond>
+              </p:nextCondLst>
+            </p:seq>
+          </p:childTnLst>
+        </p:cTn>
+      </p:par>
+    </p:tnLst>
+    <p:bldLst>
+      <p:bldP spid="2" grpId="0"/>
+      <p:bldP spid="3" grpId="0"/>
+      <p:bldP spid="4" grpId="0"/>
+      <p:bldP spid="5" grpId="0"/>
+    </p:bldLst>
+  </p:timing>
+</p:sld>
+</file>
+
+<file path=ppt/slides/slide17.xml><?xml version="1.0" encoding="utf-8"?>
+<p:sld xmlns:a="http://schemas.openxmlformats.org/drawingml/2006/main" xmlns:r="http://schemas.openxmlformats.org/officeDocument/2006/relationships" xmlns:p="http://schemas.openxmlformats.org/presentationml/2006/main">
+  <p:cSld>
+    <p:spTree>
+      <p:nvGrpSpPr>
+        <p:cNvPr id="1" name=""/>
+        <p:cNvGrpSpPr/>
+        <p:nvPr/>
+      </p:nvGrpSpPr>
+      <p:grpSpPr>
+        <a:xfrm>
+          <a:off x="0" y="0"/>
+          <a:ext cx="0" cy="0"/>
+          <a:chOff x="0" y="0"/>
+          <a:chExt cx="0" cy="0"/>
+        </a:xfrm>
+      </p:grpSpPr>
+      <p:sp>
+        <p:nvSpPr>
+          <p:cNvPr id="2" name="Title 1"/>
+          <p:cNvSpPr>
+            <a:spLocks noGrp="1"/>
+          </p:cNvSpPr>
+          <p:nvPr>
+            <p:ph type="title"/>
+          </p:nvPr>
+        </p:nvSpPr>
+        <p:spPr/>
+        <p:txBody>
+          <a:bodyPr/>
+          <a:lstStyle/>
+          <a:p>
+            <a:r>
+              <a:rPr lang="en-US" dirty="0" err="1" smtClean="0"/>
+              <a:t>Specflow</a:t>
+            </a:r>
+            <a:r>
+              <a:rPr lang="en-US" dirty="0" smtClean="0"/>
+              <a:t>	</a:t>
+            </a:r>
+            <a:endParaRPr lang="en-US" dirty="0"/>
+          </a:p>
+        </p:txBody>
+      </p:sp>
+      <p:sp>
+        <p:nvSpPr>
+          <p:cNvPr id="3" name="Content Placeholder 2"/>
+          <p:cNvSpPr>
+            <a:spLocks noGrp="1"/>
+          </p:cNvSpPr>
+          <p:nvPr>
+            <p:ph idx="1"/>
+          </p:nvPr>
+        </p:nvSpPr>
+        <p:spPr/>
+        <p:txBody>
+          <a:bodyPr/>
+          <a:lstStyle/>
+          <a:p>
+            <a:r>
+              <a:rPr lang="en-US" dirty="0" smtClean="0"/>
+              <a:t>Member of the Cucumber </a:t>
+            </a:r>
+            <a:r>
+              <a:rPr lang="en-US" dirty="0"/>
+              <a:t>family and uses Gherkin </a:t>
+            </a:r>
+            <a:r>
+              <a:rPr lang="en-US" dirty="0" smtClean="0"/>
+              <a:t>parser</a:t>
+            </a:r>
+          </a:p>
+          <a:p>
+            <a:endParaRPr lang="en-US" dirty="0"/>
+          </a:p>
+          <a:p>
+            <a:r>
+              <a:rPr lang="en-US" dirty="0" smtClean="0"/>
+              <a:t>Write in DSL </a:t>
+            </a:r>
+            <a:r>
+              <a:rPr lang="en-US" dirty="0"/>
+              <a:t>and map to executable </a:t>
+            </a:r>
+            <a:r>
+              <a:rPr lang="en-US" dirty="0" smtClean="0"/>
+              <a:t>code</a:t>
+            </a:r>
+          </a:p>
+          <a:p>
+            <a:endParaRPr lang="en-US" dirty="0"/>
+          </a:p>
+          <a:p>
+            <a:r>
+              <a:rPr lang="en-US" dirty="0" smtClean="0"/>
+              <a:t>Features, Scenarios, Steps</a:t>
+            </a:r>
+          </a:p>
+          <a:p>
+            <a:endParaRPr lang="en-US" dirty="0"/>
+          </a:p>
+          <a:p>
+            <a:r>
+              <a:rPr lang="en-US" dirty="0"/>
+              <a:t>One </a:t>
+            </a:r>
+            <a:r>
+              <a:rPr lang="en-US" dirty="0" smtClean="0"/>
+              <a:t>feature, many scenarios</a:t>
+            </a:r>
+            <a:endParaRPr lang="en-US" dirty="0"/>
+          </a:p>
+          <a:p>
+            <a:endParaRPr lang="en-US" dirty="0"/>
+          </a:p>
+        </p:txBody>
+      </p:sp>
+    </p:spTree>
+    <p:extLst>
+      <p:ext uri="{BB962C8B-B14F-4D97-AF65-F5344CB8AC3E}">
+        <p14:creationId xmlns:p14="http://schemas.microsoft.com/office/powerpoint/2010/main" val="568422711"/>
+      </p:ext>
+    </p:extLst>
+  </p:cSld>
+  <p:clrMapOvr>
+    <a:masterClrMapping/>
+  </p:clrMapOvr>
+  <p:timing>
+    <p:tnLst>
+      <p:par>
+        <p:cTn id="1" dur="indefinite" restart="never" nodeType="tmRoot">
+          <p:childTnLst>
+            <p:seq concurrent="1" nextAc="seek">
+              <p:cTn id="2" dur="indefinite" nodeType="mainSeq">
+                <p:childTnLst>
+                  <p:par>
+                    <p:cTn id="3" fill="hold">
+                      <p:stCondLst>
+                        <p:cond delay="indefinite"/>
+                      </p:stCondLst>
+                      <p:childTnLst>
+                        <p:par>
+                          <p:cTn id="4" fill="hold">
+                            <p:stCondLst>
+                              <p:cond delay="0"/>
+                            </p:stCondLst>
+                            <p:childTnLst>
+                              <p:par>
+                                <p:cTn id="5" presetID="1" presetClass="entr" presetSubtype="0" fill="hold" grpId="0" nodeType="clickEffect">
+                                  <p:stCondLst>
+                                    <p:cond delay="0"/>
+                                  </p:stCondLst>
+                                  <p:childTnLst>
+                                    <p:set>
+                                      <p:cBhvr>
+                                        <p:cTn id="6" dur="1" fill="hold">
+                                          <p:stCondLst>
+                                            <p:cond delay="0"/>
+                                          </p:stCondLst>
+                                        </p:cTn>
+                                        <p:tgtEl>
+                                          <p:spTgt spid="3">
+                                            <p:txEl>
+                                              <p:pRg st="0" end="0"/>
+                                            </p:txEl>
+                                          </p:spTgt>
+                                        </p:tgtEl>
+                                        <p:attrNameLst>
+                                          <p:attrName>style.visibility</p:attrName>
+                                        </p:attrNameLst>
+                                      </p:cBhvr>
+                                      <p:to>
+                                        <p:strVal val="visible"/>
+                                      </p:to>
+                                    </p:set>
+                                  </p:childTnLst>
+                                </p:cTn>
+                              </p:par>
+                            </p:childTnLst>
+                          </p:cTn>
+                        </p:par>
+                      </p:childTnLst>
+                    </p:cTn>
+                  </p:par>
+                  <p:par>
+                    <p:cTn id="7" fill="hold">
+                      <p:stCondLst>
+                        <p:cond delay="indefinite"/>
+                      </p:stCondLst>
+                      <p:childTnLst>
+                        <p:par>
+                          <p:cTn id="8" fill="hold">
+                            <p:stCondLst>
+                              <p:cond delay="0"/>
+                            </p:stCondLst>
+                            <p:childTnLst>
+                              <p:par>
+                                <p:cTn id="9" presetID="1" presetClass="entr" presetSubtype="0" fill="hold" grpId="0" nodeType="clickEffect">
+                                  <p:stCondLst>
+                                    <p:cond delay="0"/>
+                                  </p:stCondLst>
+                                  <p:childTnLst>
+                                    <p:set>
+                                      <p:cBhvr>
+                                        <p:cTn id="10" dur="1" fill="hold">
+                                          <p:stCondLst>
+                                            <p:cond delay="0"/>
+                                          </p:stCondLst>
+                                        </p:cTn>
+                                        <p:tgtEl>
+                                          <p:spTgt spid="3">
+                                            <p:txEl>
+                                              <p:pRg st="2" end="2"/>
+                                            </p:txEl>
+                                          </p:spTgt>
+                                        </p:tgtEl>
+                                        <p:attrNameLst>
+                                          <p:attrName>style.visibility</p:attrName>
+                                        </p:attrNameLst>
+                                      </p:cBhvr>
+                                      <p:to>
+                                        <p:strVal val="visible"/>
+                                      </p:to>
+                                    </p:set>
+                                  </p:childTnLst>
+                                </p:cTn>
+                              </p:par>
+                            </p:childTnLst>
+                          </p:cTn>
+                        </p:par>
+                      </p:childTnLst>
+                    </p:cTn>
+                  </p:par>
+                  <p:par>
+                    <p:cTn id="11" fill="hold">
+                      <p:stCondLst>
+                        <p:cond delay="indefinite"/>
+                      </p:stCondLst>
+                      <p:childTnLst>
+                        <p:par>
+                          <p:cTn id="12" fill="hold">
+                            <p:stCondLst>
+                              <p:cond delay="0"/>
+                            </p:stCondLst>
+                            <p:childTnLst>
+                              <p:par>
+                                <p:cTn id="13" presetID="1" presetClass="entr" presetSubtype="0" fill="hold" grpId="0" nodeType="clickEffect">
+                                  <p:stCondLst>
+                                    <p:cond delay="0"/>
+                                  </p:stCondLst>
+                                  <p:childTnLst>
+                                    <p:set>
+                                      <p:cBhvr>
+                                        <p:cTn id="14" dur="1" fill="hold">
+                                          <p:stCondLst>
+                                            <p:cond delay="0"/>
+                                          </p:stCondLst>
+                                        </p:cTn>
+                                        <p:tgtEl>
+                                          <p:spTgt spid="3">
+                                            <p:txEl>
+                                              <p:pRg st="4" end="4"/>
+                                            </p:txEl>
+                                          </p:spTgt>
+                                        </p:tgtEl>
+                                        <p:attrNameLst>
+                                          <p:attrName>style.visibility</p:attrName>
+                                        </p:attrNameLst>
+                                      </p:cBhvr>
+                                      <p:to>
+                                        <p:strVal val="visible"/>
+                                      </p:to>
+                                    </p:set>
+                                  </p:childTnLst>
+                                </p:cTn>
+                              </p:par>
+                            </p:childTnLst>
+                          </p:cTn>
+                        </p:par>
+                      </p:childTnLst>
+                    </p:cTn>
+                  </p:par>
+                  <p:par>
+                    <p:cTn id="15" fill="hold">
+                      <p:stCondLst>
+                        <p:cond delay="indefinite"/>
+                      </p:stCondLst>
+                      <p:childTnLst>
+                        <p:par>
+                          <p:cTn id="16" fill="hold">
+                            <p:stCondLst>
+                              <p:cond delay="0"/>
+                            </p:stCondLst>
+                            <p:childTnLst>
+                              <p:par>
+                                <p:cTn id="17" presetID="1" presetClass="entr" presetSubtype="0" fill="hold" grpId="0" nodeType="clickEffect">
+                                  <p:stCondLst>
+                                    <p:cond delay="0"/>
+                                  </p:stCondLst>
+                                  <p:childTnLst>
+                                    <p:set>
+                                      <p:cBhvr>
+                                        <p:cTn id="18" dur="1" fill="hold">
+                                          <p:stCondLst>
+                                            <p:cond delay="0"/>
+                                          </p:stCondLst>
+                                        </p:cTn>
+                                        <p:tgtEl>
+                                          <p:spTgt spid="3">
+                                            <p:txEl>
+                                              <p:pRg st="6" end="6"/>
+                                            </p:txEl>
+                                          </p:spTgt>
+                                        </p:tgtEl>
+                                        <p:attrNameLst>
+                                          <p:attrName>style.visibility</p:attrName>
+                                        </p:attrNameLst>
+                                      </p:cBhvr>
+                                      <p:to>
+                                        <p:strVal val="visible"/>
+                                      </p:to>
+                                    </p:set>
+                                  </p:childTnLst>
+                                </p:cTn>
+                              </p:par>
+                            </p:childTnLst>
+                          </p:cTn>
+                        </p:par>
+                      </p:childTnLst>
+                    </p:cTn>
+                  </p:par>
+                </p:childTnLst>
+              </p:cTn>
+              <p:prevCondLst>
+                <p:cond evt="onPrev" delay="0">
+                  <p:tgtEl>
+                    <p:sldTgt/>
+                  </p:tgtEl>
+                </p:cond>
+              </p:prevCondLst>
+              <p:nextCondLst>
+                <p:cond evt="onNext" delay="0">
+                  <p:tgtEl>
+                    <p:sldTgt/>
+                  </p:tgtEl>
+                </p:cond>
+              </p:nextCondLst>
+            </p:seq>
+          </p:childTnLst>
+        </p:cTn>
+      </p:par>
+    </p:tnLst>
+    <p:bldLst>
+      <p:bldP spid="3" grpId="0" build="p"/>
+    </p:bldLst>
+  </p:timing>
+</p:sld>
+</file>
+
+<file path=ppt/slides/slide18.xml><?xml version="1.0" encoding="utf-8"?>
+<p:sld xmlns:a="http://schemas.openxmlformats.org/drawingml/2006/main" xmlns:r="http://schemas.openxmlformats.org/officeDocument/2006/relationships" xmlns:p="http://schemas.openxmlformats.org/presentationml/2006/main">
+  <p:cSld>
+    <p:spTree>
+      <p:nvGrpSpPr>
+        <p:cNvPr id="1" name=""/>
+        <p:cNvGrpSpPr/>
+        <p:nvPr/>
+      </p:nvGrpSpPr>
+      <p:grpSpPr>
+        <a:xfrm>
+          <a:off x="0" y="0"/>
+          <a:ext cx="0" cy="0"/>
+          <a:chOff x="0" y="0"/>
+          <a:chExt cx="0" cy="0"/>
+        </a:xfrm>
+      </p:grpSpPr>
+      <p:sp>
+        <p:nvSpPr>
+          <p:cNvPr id="2" name="Title 1"/>
+          <p:cNvSpPr>
+            <a:spLocks noGrp="1"/>
+          </p:cNvSpPr>
+          <p:nvPr>
+            <p:ph type="title"/>
+          </p:nvPr>
+        </p:nvSpPr>
+        <p:spPr/>
+        <p:txBody>
+          <a:bodyPr/>
+          <a:lstStyle/>
+          <a:p>
+            <a:r>
+              <a:rPr lang="en-US" dirty="0" err="1" smtClean="0"/>
+              <a:t>Specflow</a:t>
+            </a:r>
+            <a:r>
+              <a:rPr lang="en-US" dirty="0" smtClean="0"/>
+              <a:t> Features</a:t>
+            </a:r>
+            <a:endParaRPr lang="en-US" dirty="0"/>
+          </a:p>
+        </p:txBody>
+      </p:sp>
+      <p:sp>
+        <p:nvSpPr>
+          <p:cNvPr id="3" name="Content Placeholder 2"/>
+          <p:cNvSpPr>
+            <a:spLocks noGrp="1"/>
+          </p:cNvSpPr>
+          <p:nvPr>
+            <p:ph idx="1"/>
+          </p:nvPr>
+        </p:nvSpPr>
+        <p:spPr/>
+        <p:txBody>
+          <a:bodyPr/>
+          <a:lstStyle/>
+          <a:p>
+            <a:r>
+              <a:rPr lang="en-US" dirty="0" smtClean="0"/>
+              <a:t>Given, When, Then steps allow regular expressions</a:t>
+            </a:r>
+          </a:p>
+          <a:p>
+            <a:endParaRPr lang="en-US" dirty="0"/>
+          </a:p>
+          <a:p>
+            <a:r>
+              <a:rPr lang="en-US" dirty="0" smtClean="0"/>
+              <a:t>Scenario Tags - @</a:t>
+            </a:r>
+            <a:r>
+              <a:rPr lang="en-US" dirty="0" err="1" smtClean="0"/>
+              <a:t>myTag</a:t>
+            </a:r>
+            <a:endParaRPr lang="en-US" dirty="0" smtClean="0"/>
+          </a:p>
+          <a:p>
+            <a:endParaRPr lang="en-US" dirty="0"/>
+          </a:p>
+          <a:p>
+            <a:r>
+              <a:rPr lang="en-US" dirty="0" smtClean="0"/>
+              <a:t>Hooks (</a:t>
+            </a:r>
+            <a:r>
+              <a:rPr lang="en-US" dirty="0" err="1" smtClean="0"/>
+              <a:t>BeforeFeature</a:t>
+            </a:r>
+            <a:r>
+              <a:rPr lang="en-US" dirty="0" smtClean="0"/>
+              <a:t>, </a:t>
+            </a:r>
+            <a:r>
+              <a:rPr lang="en-US" dirty="0" err="1" smtClean="0"/>
+              <a:t>AfterFeature</a:t>
+            </a:r>
+            <a:r>
+              <a:rPr lang="en-US" dirty="0" smtClean="0"/>
+              <a:t>)</a:t>
+            </a:r>
+            <a:endParaRPr lang="en-US" dirty="0"/>
+          </a:p>
+        </p:txBody>
+      </p:sp>
+    </p:spTree>
+    <p:extLst>
+      <p:ext uri="{BB962C8B-B14F-4D97-AF65-F5344CB8AC3E}">
+        <p14:creationId xmlns:p14="http://schemas.microsoft.com/office/powerpoint/2010/main" val="1283356863"/>
+      </p:ext>
+    </p:extLst>
+  </p:cSld>
+  <p:clrMapOvr>
+    <a:masterClrMapping/>
+  </p:clrMapOvr>
+  <p:timing>
+    <p:tnLst>
+      <p:par>
+        <p:cTn id="1" dur="indefinite" restart="never" nodeType="tmRoot"/>
+      </p:par>
+    </p:tnLst>
+  </p:timing>
+</p:sld>
+</file>
+
+<file path=ppt/slides/slide19.xml><?xml version="1.0" encoding="utf-8"?>
+<p:sld xmlns:a="http://schemas.openxmlformats.org/drawingml/2006/main" xmlns:r="http://schemas.openxmlformats.org/officeDocument/2006/relationships" xmlns:p="http://schemas.openxmlformats.org/presentationml/2006/main">
+  <p:cSld>
+    <p:spTree>
+      <p:nvGrpSpPr>
+        <p:cNvPr id="1" name=""/>
+        <p:cNvGrpSpPr/>
+        <p:nvPr/>
+      </p:nvGrpSpPr>
+      <p:grpSpPr>
+        <a:xfrm>
+          <a:off x="0" y="0"/>
+          <a:ext cx="0" cy="0"/>
+          <a:chOff x="0" y="0"/>
+          <a:chExt cx="0" cy="0"/>
+        </a:xfrm>
+      </p:grpSpPr>
+      <p:sp>
+        <p:nvSpPr>
+          <p:cNvPr id="2" name="Title 1"/>
+          <p:cNvSpPr>
+            <a:spLocks noGrp="1"/>
+          </p:cNvSpPr>
+          <p:nvPr>
+            <p:ph type="title"/>
+          </p:nvPr>
+        </p:nvSpPr>
+        <p:spPr/>
+        <p:txBody>
+          <a:bodyPr/>
+          <a:lstStyle/>
+          <a:p>
+            <a:pPr algn="ctr"/>
+            <a:r>
+              <a:rPr lang="en-US" dirty="0"/>
+              <a:t>Exercise</a:t>
+            </a:r>
+          </a:p>
+        </p:txBody>
+      </p:sp>
+      <p:sp>
+        <p:nvSpPr>
+          <p:cNvPr id="3" name="Content Placeholder 2"/>
+          <p:cNvSpPr>
+            <a:spLocks noGrp="1"/>
+          </p:cNvSpPr>
+          <p:nvPr>
+            <p:ph idx="1"/>
+          </p:nvPr>
+        </p:nvSpPr>
+        <p:spPr/>
+        <p:txBody>
+          <a:bodyPr>
+            <a:normAutofit fontScale="92500" lnSpcReduction="20000"/>
+          </a:bodyPr>
+          <a:lstStyle/>
+          <a:p>
+            <a:pPr marL="0" indent="0">
+              <a:buNone/>
+            </a:pPr>
+            <a:r>
+              <a:rPr lang="en-US" i="1" dirty="0"/>
+              <a:t>As a former Consultant,</a:t>
+            </a:r>
+            <a:r>
+              <a:rPr lang="en-US" dirty="0"/>
+              <a:t/>
+            </a:r>
+            <a:br>
+              <a:rPr lang="en-US" dirty="0"/>
+            </a:br>
+            <a:r>
+              <a:rPr lang="en-US" i="1" dirty="0"/>
+              <a:t>I want to pay a fee to re-enroll,</a:t>
+            </a:r>
+            <a:r>
+              <a:rPr lang="en-US" dirty="0"/>
+              <a:t/>
+            </a:r>
+            <a:br>
+              <a:rPr lang="en-US" dirty="0"/>
+            </a:br>
+            <a:r>
+              <a:rPr lang="en-US" i="1" dirty="0"/>
+              <a:t>So that I don't have to buy more stock</a:t>
+            </a:r>
+            <a:endParaRPr lang="en-US" dirty="0"/>
+          </a:p>
+          <a:p>
+            <a:endParaRPr lang="en-US" dirty="0"/>
+          </a:p>
+          <a:p>
+            <a:pPr marL="0" indent="0">
+              <a:buNone/>
+            </a:pPr>
+            <a:r>
+              <a:rPr lang="en-US" b="1" dirty="0"/>
+              <a:t>Given</a:t>
+            </a:r>
+            <a:r>
+              <a:rPr lang="en-US" dirty="0"/>
+              <a:t> a customer is a former Consultant</a:t>
+            </a:r>
+            <a:br>
+              <a:rPr lang="en-US" dirty="0"/>
+            </a:br>
+            <a:r>
+              <a:rPr lang="en-US" dirty="0"/>
+              <a:t>    </a:t>
+            </a:r>
+            <a:r>
+              <a:rPr lang="en-US" b="1" dirty="0"/>
+              <a:t>And</a:t>
+            </a:r>
+            <a:r>
+              <a:rPr lang="en-US" dirty="0"/>
+              <a:t> they have been inactive less than 6 months</a:t>
+            </a:r>
+            <a:br>
+              <a:rPr lang="en-US" dirty="0"/>
+            </a:br>
+            <a:r>
+              <a:rPr lang="en-US" b="1" dirty="0"/>
+              <a:t>When</a:t>
+            </a:r>
+            <a:r>
+              <a:rPr lang="en-US" dirty="0"/>
+              <a:t> presented with business opportunities</a:t>
+            </a:r>
+            <a:br>
+              <a:rPr lang="en-US" dirty="0"/>
+            </a:br>
+            <a:r>
+              <a:rPr lang="en-US" b="1" dirty="0"/>
+              <a:t>Then</a:t>
+            </a:r>
+            <a:r>
+              <a:rPr lang="en-US" dirty="0"/>
+              <a:t> they should be able to pay the re-enrollment fee</a:t>
+            </a:r>
+          </a:p>
+          <a:p>
+            <a:endParaRPr lang="en-US" dirty="0"/>
+          </a:p>
+          <a:p>
+            <a:pPr marL="0" indent="0">
+              <a:buNone/>
+            </a:pPr>
+            <a:r>
+              <a:rPr lang="en-US" b="1" dirty="0"/>
+              <a:t>Given</a:t>
+            </a:r>
+            <a:r>
+              <a:rPr lang="en-US" dirty="0"/>
+              <a:t> a customer has never been a Consultant</a:t>
+            </a:r>
+            <a:br>
+              <a:rPr lang="en-US" dirty="0"/>
+            </a:br>
+            <a:r>
+              <a:rPr lang="en-US" b="1" dirty="0"/>
+              <a:t>When</a:t>
+            </a:r>
+            <a:r>
+              <a:rPr lang="en-US" dirty="0"/>
+              <a:t> presented with business opportunities</a:t>
+            </a:r>
+            <a:br>
+              <a:rPr lang="en-US" dirty="0"/>
+            </a:br>
+            <a:r>
+              <a:rPr lang="en-US" b="1" dirty="0"/>
+              <a:t>Then</a:t>
+            </a:r>
+            <a:r>
+              <a:rPr lang="en-US" dirty="0"/>
+              <a:t> they should not be able to pay the re-enrollment fee</a:t>
+            </a:r>
+          </a:p>
+          <a:p>
+            <a:endParaRPr lang="en-US" dirty="0"/>
+          </a:p>
+        </p:txBody>
+      </p:sp>
+    </p:spTree>
+    <p:extLst>
+      <p:ext uri="{BB962C8B-B14F-4D97-AF65-F5344CB8AC3E}">
+        <p14:creationId xmlns:p14="http://schemas.microsoft.com/office/powerpoint/2010/main" val="1300973891"/>
       </p:ext>
     </p:extLst>
   </p:cSld>
@@ -8658,6 +13236,444 @@
     <p:bldLst>
       <p:bldP spid="3" grpId="0" build="p"/>
     </p:bldLst>
+  </p:timing>
+</p:sld>
+</file>
+
+<file path=ppt/slides/slide20.xml><?xml version="1.0" encoding="utf-8"?>
+<p:sld xmlns:a="http://schemas.openxmlformats.org/drawingml/2006/main" xmlns:r="http://schemas.openxmlformats.org/officeDocument/2006/relationships" xmlns:p="http://schemas.openxmlformats.org/presentationml/2006/main">
+  <p:cSld>
+    <p:spTree>
+      <p:nvGrpSpPr>
+        <p:cNvPr id="1" name=""/>
+        <p:cNvGrpSpPr/>
+        <p:nvPr/>
+      </p:nvGrpSpPr>
+      <p:grpSpPr>
+        <a:xfrm>
+          <a:off x="0" y="0"/>
+          <a:ext cx="0" cy="0"/>
+          <a:chOff x="0" y="0"/>
+          <a:chExt cx="0" cy="0"/>
+        </a:xfrm>
+      </p:grpSpPr>
+      <p:sp>
+        <p:nvSpPr>
+          <p:cNvPr id="2" name="Title 1"/>
+          <p:cNvSpPr>
+            <a:spLocks noGrp="1"/>
+          </p:cNvSpPr>
+          <p:nvPr>
+            <p:ph type="title"/>
+          </p:nvPr>
+        </p:nvSpPr>
+        <p:spPr/>
+        <p:txBody>
+          <a:bodyPr/>
+          <a:lstStyle/>
+          <a:p>
+            <a:r>
+              <a:rPr lang="en-US" dirty="0" smtClean="0"/>
+              <a:t>Key Takeaways</a:t>
+            </a:r>
+            <a:endParaRPr lang="en-US" dirty="0"/>
+          </a:p>
+        </p:txBody>
+      </p:sp>
+      <p:sp>
+        <p:nvSpPr>
+          <p:cNvPr id="3" name="Content Placeholder 2"/>
+          <p:cNvSpPr>
+            <a:spLocks noGrp="1"/>
+          </p:cNvSpPr>
+          <p:nvPr>
+            <p:ph idx="1"/>
+          </p:nvPr>
+        </p:nvSpPr>
+        <p:spPr/>
+        <p:txBody>
+          <a:bodyPr/>
+          <a:lstStyle/>
+          <a:p>
+            <a:r>
+              <a:rPr lang="en-US" dirty="0" smtClean="0"/>
+              <a:t>Focuses on behavior rather than implementation details</a:t>
+            </a:r>
+          </a:p>
+          <a:p>
+            <a:endParaRPr lang="en-US" dirty="0"/>
+          </a:p>
+          <a:p>
+            <a:r>
+              <a:rPr lang="en-US" dirty="0" smtClean="0"/>
+              <a:t>Naturally keeps test scope small</a:t>
+            </a:r>
+          </a:p>
+          <a:p>
+            <a:endParaRPr lang="en-US" dirty="0"/>
+          </a:p>
+          <a:p>
+            <a:r>
+              <a:rPr lang="en-US" dirty="0" smtClean="0"/>
+              <a:t>End up with executable requirements</a:t>
+            </a:r>
+          </a:p>
+          <a:p>
+            <a:endParaRPr lang="en-US" dirty="0"/>
+          </a:p>
+          <a:p>
+            <a:r>
+              <a:rPr lang="en-US" dirty="0" smtClean="0"/>
+              <a:t>Better prioritization of work</a:t>
+            </a:r>
+          </a:p>
+          <a:p>
+            <a:pPr lvl="1"/>
+            <a:r>
+              <a:rPr lang="en-US" dirty="0"/>
+              <a:t>"what's the next most important thing the system should do?"</a:t>
+            </a:r>
+            <a:endParaRPr lang="en-US" dirty="0"/>
+          </a:p>
+        </p:txBody>
+      </p:sp>
+    </p:spTree>
+    <p:extLst>
+      <p:ext uri="{BB962C8B-B14F-4D97-AF65-F5344CB8AC3E}">
+        <p14:creationId xmlns:p14="http://schemas.microsoft.com/office/powerpoint/2010/main" val="1937175930"/>
+      </p:ext>
+    </p:extLst>
+  </p:cSld>
+  <p:clrMapOvr>
+    <a:masterClrMapping/>
+  </p:clrMapOvr>
+  <p:timing>
+    <p:tnLst>
+      <p:par>
+        <p:cTn id="1" dur="indefinite" restart="never" nodeType="tmRoot">
+          <p:childTnLst>
+            <p:seq concurrent="1" nextAc="seek">
+              <p:cTn id="2" dur="indefinite" nodeType="mainSeq">
+                <p:childTnLst>
+                  <p:par>
+                    <p:cTn id="3" fill="hold">
+                      <p:stCondLst>
+                        <p:cond delay="indefinite"/>
+                      </p:stCondLst>
+                      <p:childTnLst>
+                        <p:par>
+                          <p:cTn id="4" fill="hold">
+                            <p:stCondLst>
+                              <p:cond delay="0"/>
+                            </p:stCondLst>
+                            <p:childTnLst>
+                              <p:par>
+                                <p:cTn id="5" presetID="1" presetClass="entr" presetSubtype="0" fill="hold" grpId="0" nodeType="clickEffect">
+                                  <p:stCondLst>
+                                    <p:cond delay="0"/>
+                                  </p:stCondLst>
+                                  <p:childTnLst>
+                                    <p:set>
+                                      <p:cBhvr>
+                                        <p:cTn id="6" dur="1" fill="hold">
+                                          <p:stCondLst>
+                                            <p:cond delay="0"/>
+                                          </p:stCondLst>
+                                        </p:cTn>
+                                        <p:tgtEl>
+                                          <p:spTgt spid="3">
+                                            <p:txEl>
+                                              <p:pRg st="0" end="0"/>
+                                            </p:txEl>
+                                          </p:spTgt>
+                                        </p:tgtEl>
+                                        <p:attrNameLst>
+                                          <p:attrName>style.visibility</p:attrName>
+                                        </p:attrNameLst>
+                                      </p:cBhvr>
+                                      <p:to>
+                                        <p:strVal val="visible"/>
+                                      </p:to>
+                                    </p:set>
+                                  </p:childTnLst>
+                                </p:cTn>
+                              </p:par>
+                            </p:childTnLst>
+                          </p:cTn>
+                        </p:par>
+                      </p:childTnLst>
+                    </p:cTn>
+                  </p:par>
+                  <p:par>
+                    <p:cTn id="7" fill="hold">
+                      <p:stCondLst>
+                        <p:cond delay="indefinite"/>
+                      </p:stCondLst>
+                      <p:childTnLst>
+                        <p:par>
+                          <p:cTn id="8" fill="hold">
+                            <p:stCondLst>
+                              <p:cond delay="0"/>
+                            </p:stCondLst>
+                            <p:childTnLst>
+                              <p:par>
+                                <p:cTn id="9" presetID="1" presetClass="entr" presetSubtype="0" fill="hold" grpId="0" nodeType="clickEffect">
+                                  <p:stCondLst>
+                                    <p:cond delay="0"/>
+                                  </p:stCondLst>
+                                  <p:childTnLst>
+                                    <p:set>
+                                      <p:cBhvr>
+                                        <p:cTn id="10" dur="1" fill="hold">
+                                          <p:stCondLst>
+                                            <p:cond delay="0"/>
+                                          </p:stCondLst>
+                                        </p:cTn>
+                                        <p:tgtEl>
+                                          <p:spTgt spid="3">
+                                            <p:txEl>
+                                              <p:pRg st="2" end="2"/>
+                                            </p:txEl>
+                                          </p:spTgt>
+                                        </p:tgtEl>
+                                        <p:attrNameLst>
+                                          <p:attrName>style.visibility</p:attrName>
+                                        </p:attrNameLst>
+                                      </p:cBhvr>
+                                      <p:to>
+                                        <p:strVal val="visible"/>
+                                      </p:to>
+                                    </p:set>
+                                  </p:childTnLst>
+                                </p:cTn>
+                              </p:par>
+                            </p:childTnLst>
+                          </p:cTn>
+                        </p:par>
+                      </p:childTnLst>
+                    </p:cTn>
+                  </p:par>
+                  <p:par>
+                    <p:cTn id="11" fill="hold">
+                      <p:stCondLst>
+                        <p:cond delay="indefinite"/>
+                      </p:stCondLst>
+                      <p:childTnLst>
+                        <p:par>
+                          <p:cTn id="12" fill="hold">
+                            <p:stCondLst>
+                              <p:cond delay="0"/>
+                            </p:stCondLst>
+                            <p:childTnLst>
+                              <p:par>
+                                <p:cTn id="13" presetID="1" presetClass="entr" presetSubtype="0" fill="hold" grpId="0" nodeType="clickEffect">
+                                  <p:stCondLst>
+                                    <p:cond delay="0"/>
+                                  </p:stCondLst>
+                                  <p:childTnLst>
+                                    <p:set>
+                                      <p:cBhvr>
+                                        <p:cTn id="14" dur="1" fill="hold">
+                                          <p:stCondLst>
+                                            <p:cond delay="0"/>
+                                          </p:stCondLst>
+                                        </p:cTn>
+                                        <p:tgtEl>
+                                          <p:spTgt spid="3">
+                                            <p:txEl>
+                                              <p:pRg st="4" end="4"/>
+                                            </p:txEl>
+                                          </p:spTgt>
+                                        </p:tgtEl>
+                                        <p:attrNameLst>
+                                          <p:attrName>style.visibility</p:attrName>
+                                        </p:attrNameLst>
+                                      </p:cBhvr>
+                                      <p:to>
+                                        <p:strVal val="visible"/>
+                                      </p:to>
+                                    </p:set>
+                                  </p:childTnLst>
+                                </p:cTn>
+                              </p:par>
+                            </p:childTnLst>
+                          </p:cTn>
+                        </p:par>
+                      </p:childTnLst>
+                    </p:cTn>
+                  </p:par>
+                  <p:par>
+                    <p:cTn id="15" fill="hold">
+                      <p:stCondLst>
+                        <p:cond delay="indefinite"/>
+                      </p:stCondLst>
+                      <p:childTnLst>
+                        <p:par>
+                          <p:cTn id="16" fill="hold">
+                            <p:stCondLst>
+                              <p:cond delay="0"/>
+                            </p:stCondLst>
+                            <p:childTnLst>
+                              <p:par>
+                                <p:cTn id="17" presetID="1" presetClass="entr" presetSubtype="0" fill="hold" grpId="0" nodeType="clickEffect">
+                                  <p:stCondLst>
+                                    <p:cond delay="0"/>
+                                  </p:stCondLst>
+                                  <p:childTnLst>
+                                    <p:set>
+                                      <p:cBhvr>
+                                        <p:cTn id="18" dur="1" fill="hold">
+                                          <p:stCondLst>
+                                            <p:cond delay="0"/>
+                                          </p:stCondLst>
+                                        </p:cTn>
+                                        <p:tgtEl>
+                                          <p:spTgt spid="3">
+                                            <p:txEl>
+                                              <p:pRg st="6" end="6"/>
+                                            </p:txEl>
+                                          </p:spTgt>
+                                        </p:tgtEl>
+                                        <p:attrNameLst>
+                                          <p:attrName>style.visibility</p:attrName>
+                                        </p:attrNameLst>
+                                      </p:cBhvr>
+                                      <p:to>
+                                        <p:strVal val="visible"/>
+                                      </p:to>
+                                    </p:set>
+                                  </p:childTnLst>
+                                </p:cTn>
+                              </p:par>
+                              <p:par>
+                                <p:cTn id="19" presetID="1" presetClass="entr" presetSubtype="0" fill="hold" grpId="0" nodeType="withEffect">
+                                  <p:stCondLst>
+                                    <p:cond delay="0"/>
+                                  </p:stCondLst>
+                                  <p:childTnLst>
+                                    <p:set>
+                                      <p:cBhvr>
+                                        <p:cTn id="20" dur="1" fill="hold">
+                                          <p:stCondLst>
+                                            <p:cond delay="0"/>
+                                          </p:stCondLst>
+                                        </p:cTn>
+                                        <p:tgtEl>
+                                          <p:spTgt spid="3">
+                                            <p:txEl>
+                                              <p:pRg st="7" end="7"/>
+                                            </p:txEl>
+                                          </p:spTgt>
+                                        </p:tgtEl>
+                                        <p:attrNameLst>
+                                          <p:attrName>style.visibility</p:attrName>
+                                        </p:attrNameLst>
+                                      </p:cBhvr>
+                                      <p:to>
+                                        <p:strVal val="visible"/>
+                                      </p:to>
+                                    </p:set>
+                                  </p:childTnLst>
+                                </p:cTn>
+                              </p:par>
+                            </p:childTnLst>
+                          </p:cTn>
+                        </p:par>
+                      </p:childTnLst>
+                    </p:cTn>
+                  </p:par>
+                </p:childTnLst>
+              </p:cTn>
+              <p:prevCondLst>
+                <p:cond evt="onPrev" delay="0">
+                  <p:tgtEl>
+                    <p:sldTgt/>
+                  </p:tgtEl>
+                </p:cond>
+              </p:prevCondLst>
+              <p:nextCondLst>
+                <p:cond evt="onNext" delay="0">
+                  <p:tgtEl>
+                    <p:sldTgt/>
+                  </p:tgtEl>
+                </p:cond>
+              </p:nextCondLst>
+            </p:seq>
+          </p:childTnLst>
+        </p:cTn>
+      </p:par>
+    </p:tnLst>
+    <p:bldLst>
+      <p:bldP spid="3" grpId="0" build="p"/>
+    </p:bldLst>
+  </p:timing>
+</p:sld>
+</file>
+
+<file path=ppt/slides/slide21.xml><?xml version="1.0" encoding="utf-8"?>
+<p:sld xmlns:a="http://schemas.openxmlformats.org/drawingml/2006/main" xmlns:r="http://schemas.openxmlformats.org/officeDocument/2006/relationships" xmlns:p="http://schemas.openxmlformats.org/presentationml/2006/main">
+  <p:cSld>
+    <p:spTree>
+      <p:nvGrpSpPr>
+        <p:cNvPr id="1" name=""/>
+        <p:cNvGrpSpPr/>
+        <p:nvPr/>
+      </p:nvGrpSpPr>
+      <p:grpSpPr>
+        <a:xfrm>
+          <a:off x="0" y="0"/>
+          <a:ext cx="0" cy="0"/>
+          <a:chOff x="0" y="0"/>
+          <a:chExt cx="0" cy="0"/>
+        </a:xfrm>
+      </p:grpSpPr>
+      <p:sp>
+        <p:nvSpPr>
+          <p:cNvPr id="2" name="TextBox 1"/>
+          <p:cNvSpPr txBox="1"/>
+          <p:nvPr/>
+        </p:nvSpPr>
+        <p:spPr>
+          <a:xfrm>
+            <a:off x="0" y="2971800"/>
+            <a:ext cx="12192000" cy="923330"/>
+          </a:xfrm>
+          <a:prstGeom prst="rect">
+            <a:avLst/>
+          </a:prstGeom>
+          <a:noFill/>
+        </p:spPr>
+        <p:txBody>
+          <a:bodyPr wrap="square" rtlCol="0">
+            <a:spAutoFit/>
+          </a:bodyPr>
+          <a:lstStyle/>
+          <a:p>
+            <a:pPr algn="ctr"/>
+            <a:r>
+              <a:rPr lang="en-US" sz="5400" dirty="0" smtClean="0"/>
+              <a:t>Questions?</a:t>
+            </a:r>
+            <a:endParaRPr lang="en-US" sz="5400" dirty="0"/>
+          </a:p>
+        </p:txBody>
+      </p:sp>
+    </p:spTree>
+    <p:extLst>
+      <p:ext uri="{BB962C8B-B14F-4D97-AF65-F5344CB8AC3E}">
+        <p14:creationId xmlns:p14="http://schemas.microsoft.com/office/powerpoint/2010/main" val="41409812"/>
+      </p:ext>
+    </p:extLst>
+  </p:cSld>
+  <p:clrMapOvr>
+    <a:masterClrMapping/>
+  </p:clrMapOvr>
+  <p:timing>
+    <p:tnLst>
+      <p:par>
+        <p:cTn id="1" dur="indefinite" restart="never" nodeType="tmRoot"/>
+      </p:par>
+    </p:tnLst>
   </p:timing>
 </p:sld>
 </file>

--- a/BDD.pptx
+++ b/BDD.pptx
@@ -5,7 +5,7 @@
     <p:sldMasterId id="2147483648" r:id="rId1"/>
   </p:sldMasterIdLst>
   <p:notesMasterIdLst>
-    <p:notesMasterId r:id="rId23"/>
+    <p:notesMasterId r:id="rId25"/>
   </p:notesMasterIdLst>
   <p:sldIdLst>
     <p:sldId id="256" r:id="rId2"/>
@@ -15,20 +15,22 @@
     <p:sldId id="264" r:id="rId6"/>
     <p:sldId id="265" r:id="rId7"/>
     <p:sldId id="266" r:id="rId8"/>
-    <p:sldId id="257" r:id="rId9"/>
-    <p:sldId id="267" r:id="rId10"/>
-    <p:sldId id="271" r:id="rId11"/>
-    <p:sldId id="272" r:id="rId12"/>
-    <p:sldId id="268" r:id="rId13"/>
-    <p:sldId id="269" r:id="rId14"/>
-    <p:sldId id="270" r:id="rId15"/>
-    <p:sldId id="273" r:id="rId16"/>
-    <p:sldId id="274" r:id="rId17"/>
-    <p:sldId id="275" r:id="rId18"/>
-    <p:sldId id="276" r:id="rId19"/>
-    <p:sldId id="278" r:id="rId20"/>
-    <p:sldId id="279" r:id="rId21"/>
-    <p:sldId id="280" r:id="rId22"/>
+    <p:sldId id="281" r:id="rId9"/>
+    <p:sldId id="282" r:id="rId10"/>
+    <p:sldId id="257" r:id="rId11"/>
+    <p:sldId id="267" r:id="rId12"/>
+    <p:sldId id="271" r:id="rId13"/>
+    <p:sldId id="272" r:id="rId14"/>
+    <p:sldId id="268" r:id="rId15"/>
+    <p:sldId id="269" r:id="rId16"/>
+    <p:sldId id="270" r:id="rId17"/>
+    <p:sldId id="273" r:id="rId18"/>
+    <p:sldId id="274" r:id="rId19"/>
+    <p:sldId id="275" r:id="rId20"/>
+    <p:sldId id="276" r:id="rId21"/>
+    <p:sldId id="278" r:id="rId22"/>
+    <p:sldId id="279" r:id="rId23"/>
+    <p:sldId id="280" r:id="rId24"/>
   </p:sldIdLst>
   <p:sldSz cx="12192000" cy="6858000"/>
   <p:notesSz cx="6858000" cy="9144000"/>
@@ -217,7 +219,7 @@
           <a:p>
             <a:fld id="{E7601D3C-7BE0-7B48-A0F2-E8752B26D0DC}" type="datetimeFigureOut">
               <a:rPr lang="en-US" smtClean="0"/>
-              <a:t>2/28/17</a:t>
+              <a:t>3/1/2017</a:t>
             </a:fld>
             <a:endParaRPr lang="en-US"/>
           </a:p>
@@ -281,38 +283,37 @@
           <a:p>
             <a:pPr lvl="0"/>
             <a:r>
-              <a:rPr lang="en-US" smtClean="0"/>
+              <a:rPr lang="en-US"/>
               <a:t>Click to edit Master text styles</a:t>
             </a:r>
           </a:p>
           <a:p>
             <a:pPr lvl="1"/>
             <a:r>
-              <a:rPr lang="en-US" smtClean="0"/>
+              <a:rPr lang="en-US"/>
               <a:t>Second level</a:t>
             </a:r>
           </a:p>
           <a:p>
             <a:pPr lvl="2"/>
             <a:r>
-              <a:rPr lang="en-US" smtClean="0"/>
+              <a:rPr lang="en-US"/>
               <a:t>Third level</a:t>
             </a:r>
           </a:p>
           <a:p>
             <a:pPr lvl="3"/>
             <a:r>
-              <a:rPr lang="en-US" smtClean="0"/>
+              <a:rPr lang="en-US"/>
               <a:t>Fourth level</a:t>
             </a:r>
           </a:p>
           <a:p>
             <a:pPr lvl="4"/>
             <a:r>
-              <a:rPr lang="en-US" smtClean="0"/>
+              <a:rPr lang="en-US"/>
               <a:t>Fifth level</a:t>
             </a:r>
-            <a:endParaRPr lang="en-US"/>
           </a:p>
         </p:txBody>
       </p:sp>
@@ -534,7 +535,7 @@
               <a:buChar char="-"/>
             </a:pPr>
             <a:r>
-              <a:rPr lang="en-US" sz="1200" b="0" i="0" kern="1200" dirty="0" smtClean="0">
+              <a:rPr lang="en-US" sz="1200" b="0" i="0" kern="1200" dirty="0">
                 <a:solidFill>
                   <a:schemeClr val="tx1"/>
                 </a:solidFill>
@@ -546,7 +547,7 @@
               <a:t>The idea is that you have to write only</a:t>
             </a:r>
             <a:r>
-              <a:rPr lang="en-US" sz="1200" b="0" i="0" kern="1200" baseline="0" dirty="0" smtClean="0">
+              <a:rPr lang="en-US" sz="1200" b="0" i="0" kern="1200" baseline="0" dirty="0">
                 <a:solidFill>
                   <a:schemeClr val="tx1"/>
                 </a:solidFill>
@@ -558,7 +559,7 @@
               <a:t> enough code to get your tests to pass.</a:t>
             </a:r>
             <a:r>
-              <a:rPr lang="en-US" sz="1200" b="0" i="0" kern="1200" dirty="0" smtClean="0">
+              <a:rPr lang="en-US" sz="1200" b="0" i="0" kern="1200" dirty="0">
                 <a:solidFill>
                   <a:schemeClr val="tx1"/>
                 </a:solidFill>
@@ -575,7 +576,7 @@
               <a:buFontTx/>
               <a:buChar char="-"/>
             </a:pPr>
-            <a:endParaRPr lang="en-US" sz="1200" b="0" i="0" kern="1200" dirty="0" smtClean="0">
+            <a:endParaRPr lang="en-US" sz="1200" b="0" i="0" kern="1200" dirty="0">
               <a:solidFill>
                 <a:schemeClr val="tx1"/>
               </a:solidFill>
@@ -604,7 +605,7 @@
               <a:defRPr/>
             </a:pPr>
             <a:r>
-              <a:rPr lang="en-US" sz="1200" b="0" i="0" kern="1200" dirty="0" smtClean="0">
+              <a:rPr lang="en-US" sz="1200" b="0" i="0" kern="1200" dirty="0">
                 <a:solidFill>
                   <a:schemeClr val="tx1"/>
                 </a:solidFill>
@@ -621,7 +622,7 @@
               <a:buFontTx/>
               <a:buChar char="-"/>
             </a:pPr>
-            <a:endParaRPr lang="en-US" sz="1200" b="0" i="0" kern="1200" dirty="0" smtClean="0">
+            <a:endParaRPr lang="en-US" sz="1200" b="0" i="0" kern="1200" dirty="0">
               <a:solidFill>
                 <a:schemeClr val="tx1"/>
               </a:solidFill>
@@ -637,7 +638,7 @@
               <a:buChar char="-"/>
             </a:pPr>
             <a:r>
-              <a:rPr lang="en-US" sz="1200" b="0" i="0" kern="1200" dirty="0" smtClean="0">
+              <a:rPr lang="en-US" sz="1200" b="0" i="0" kern="1200" dirty="0">
                 <a:solidFill>
                   <a:schemeClr val="tx1"/>
                 </a:solidFill>
@@ -649,7 +650,7 @@
               <a:t>Refactoring code written two years ago is </a:t>
             </a:r>
             <a:r>
-              <a:rPr lang="en-US" sz="1200" b="0" i="1" kern="1200" dirty="0" smtClean="0">
+              <a:rPr lang="en-US" sz="1200" b="0" i="1" kern="1200" dirty="0">
                 <a:solidFill>
                   <a:schemeClr val="tx1"/>
                 </a:solidFill>
@@ -661,7 +662,7 @@
               <a:t>hard</a:t>
             </a:r>
             <a:r>
-              <a:rPr lang="en-US" sz="1200" b="0" i="0" kern="1200" dirty="0" smtClean="0">
+              <a:rPr lang="en-US" sz="1200" b="0" i="0" kern="1200" dirty="0">
                 <a:solidFill>
                   <a:schemeClr val="tx1"/>
                 </a:solidFill>
@@ -678,7 +679,7 @@
               <a:buFontTx/>
               <a:buChar char="-"/>
             </a:pPr>
-            <a:endParaRPr lang="en-US" sz="1200" b="0" i="0" kern="1200" dirty="0" smtClean="0">
+            <a:endParaRPr lang="en-US" sz="1200" b="0" i="0" kern="1200" dirty="0">
               <a:solidFill>
                 <a:schemeClr val="tx1"/>
               </a:solidFill>
@@ -694,7 +695,7 @@
               <a:buChar char="-"/>
             </a:pPr>
             <a:r>
-              <a:rPr lang="en-US" sz="1200" b="0" i="0" kern="1200" dirty="0" smtClean="0">
+              <a:rPr lang="en-US" sz="1200" b="0" i="0" kern="1200" dirty="0">
                 <a:solidFill>
                   <a:schemeClr val="tx1"/>
                 </a:solidFill>
@@ -706,7 +707,7 @@
               <a:t>It doesn’t go out of date since you’re running it all the time. It</a:t>
             </a:r>
             <a:r>
-              <a:rPr lang="en-US" sz="1200" b="0" i="0" kern="1200" baseline="0" dirty="0" smtClean="0">
+              <a:rPr lang="en-US" sz="1200" b="0" i="0" kern="1200" baseline="0" dirty="0">
                 <a:solidFill>
                   <a:schemeClr val="tx1"/>
                 </a:solidFill>
@@ -802,25 +803,25 @@
           <a:lstStyle/>
           <a:p>
             <a:r>
-              <a:rPr lang="en-US" dirty="0" smtClean="0"/>
+              <a:rPr lang="en-US" dirty="0"/>
               <a:t>What is the behavior here?</a:t>
             </a:r>
           </a:p>
           <a:p>
-            <a:endParaRPr lang="en-US" dirty="0" smtClean="0"/>
-          </a:p>
-          <a:p>
-            <a:r>
-              <a:rPr lang="en-US" dirty="0" smtClean="0"/>
+            <a:endParaRPr lang="en-US" dirty="0"/>
+          </a:p>
+          <a:p>
+            <a:r>
+              <a:rPr lang="en-US" dirty="0"/>
               <a:t>How do we capture the behavior in the story?</a:t>
             </a:r>
           </a:p>
           <a:p>
-            <a:endParaRPr lang="en-US" dirty="0" smtClean="0"/>
-          </a:p>
-          <a:p>
-            <a:r>
-              <a:rPr lang="en-US" dirty="0" smtClean="0"/>
+            <a:endParaRPr lang="en-US" dirty="0"/>
+          </a:p>
+          <a:p>
+            <a:r>
+              <a:rPr lang="en-US" dirty="0"/>
               <a:t>A story’s behavior is simply its acceptance criteria. If a feature fulfills the acceptance criteria, then it is behaving correctly.</a:t>
             </a:r>
           </a:p>
@@ -843,7 +844,7 @@
           <a:p>
             <a:fld id="{717C0D68-69C3-4A4C-9D46-4BC134F8A513}" type="slidenum">
               <a:rPr lang="en-US" smtClean="0"/>
-              <a:t>12</a:t>
+              <a:t>14</a:t>
             </a:fld>
             <a:endParaRPr lang="en-US"/>
           </a:p>
@@ -907,7 +908,7 @@
           <a:lstStyle/>
           <a:p>
             <a:r>
-              <a:rPr lang="en-US" sz="1200" kern="1200" dirty="0" smtClean="0">
+              <a:rPr lang="en-US" sz="1200" kern="1200" dirty="0">
                 <a:solidFill>
                   <a:schemeClr val="tx1"/>
                 </a:solidFill>
@@ -919,7 +920,7 @@
               <a:t>Let’s describe acceptance criteria in terms of </a:t>
             </a:r>
             <a:r>
-              <a:rPr lang="en-US" sz="1200" i="1" kern="1200" dirty="0" smtClean="0">
+              <a:rPr lang="en-US" sz="1200" i="1" kern="1200" dirty="0">
                 <a:solidFill>
                   <a:schemeClr val="tx1"/>
                 </a:solidFill>
@@ -931,7 +932,7 @@
               <a:t>scenarios</a:t>
             </a:r>
             <a:r>
-              <a:rPr lang="en-US" sz="1200" kern="1200" dirty="0" smtClean="0">
+              <a:rPr lang="en-US" sz="1200" kern="1200" dirty="0">
                 <a:solidFill>
                   <a:schemeClr val="tx1"/>
                 </a:solidFill>
@@ -963,7 +964,7 @@
           <a:p>
             <a:fld id="{717C0D68-69C3-4A4C-9D46-4BC134F8A513}" type="slidenum">
               <a:rPr lang="en-US" smtClean="0"/>
-              <a:t>13</a:t>
+              <a:t>15</a:t>
             </a:fld>
             <a:endParaRPr lang="en-US"/>
           </a:p>
@@ -1044,11 +1045,11 @@
               <a:defRPr/>
             </a:pPr>
             <a:r>
-              <a:rPr lang="en-US" dirty="0" smtClean="0"/>
+              <a:rPr lang="en-US" dirty="0"/>
               <a:t>1. </a:t>
             </a:r>
             <a:r>
-              <a:rPr lang="en-US" sz="1200" b="0" i="0" kern="1200" dirty="0" smtClean="0">
+              <a:rPr lang="en-US" sz="1200" b="0" i="0" kern="1200" dirty="0">
                 <a:solidFill>
                   <a:schemeClr val="tx1"/>
                 </a:solidFill>
@@ -1061,7 +1062,7 @@
             </a:r>
           </a:p>
           <a:p>
-            <a:endParaRPr lang="en-US" dirty="0" smtClean="0"/>
+            <a:endParaRPr lang="en-US" dirty="0"/>
           </a:p>
           <a:p>
             <a:pPr marL="0" marR="0" indent="0" algn="l" defTabSz="914400" rtl="0" eaLnBrk="1" fontAlgn="auto" latinLnBrk="0" hangingPunct="1">
@@ -1082,11 +1083,11 @@
               <a:defRPr/>
             </a:pPr>
             <a:r>
-              <a:rPr lang="en-US" dirty="0" smtClean="0"/>
+              <a:rPr lang="en-US" dirty="0"/>
               <a:t>2. </a:t>
             </a:r>
             <a:r>
-              <a:rPr lang="en-US" sz="1200" b="0" i="0" kern="1200" dirty="0" smtClean="0">
+              <a:rPr lang="en-US" sz="1200" b="0" i="0" kern="1200" dirty="0">
                 <a:solidFill>
                   <a:schemeClr val="tx1"/>
                 </a:solidFill>
@@ -1099,15 +1100,15 @@
             </a:r>
           </a:p>
           <a:p>
-            <a:endParaRPr lang="en-US" dirty="0" smtClean="0"/>
-          </a:p>
-          <a:p>
-            <a:r>
-              <a:rPr lang="en-US" dirty="0" smtClean="0"/>
+            <a:endParaRPr lang="en-US" dirty="0"/>
+          </a:p>
+          <a:p>
+            <a:r>
+              <a:rPr lang="en-US" dirty="0"/>
               <a:t>3. F</a:t>
             </a:r>
             <a:r>
-              <a:rPr lang="en-US" sz="1200" b="0" i="0" kern="1200" dirty="0" smtClean="0">
+              <a:rPr lang="en-US" sz="1200" b="0" i="0" kern="1200" dirty="0">
                 <a:solidFill>
                   <a:schemeClr val="tx1"/>
                 </a:solidFill>
@@ -1120,7 +1121,7 @@
             </a:r>
           </a:p>
           <a:p>
-            <a:endParaRPr lang="en-US" sz="1200" b="0" i="0" kern="1200" dirty="0" smtClean="0">
+            <a:endParaRPr lang="en-US" sz="1200" b="0" i="0" kern="1200" dirty="0">
               <a:solidFill>
                 <a:schemeClr val="tx1"/>
               </a:solidFill>
@@ -1149,7 +1150,7 @@
               <a:defRPr/>
             </a:pPr>
             <a:r>
-              <a:rPr lang="en-US" sz="1200" b="0" i="0" kern="1200" dirty="0" smtClean="0">
+              <a:rPr lang="en-US" sz="1200" b="0" i="0" kern="1200" dirty="0">
                 <a:solidFill>
                   <a:schemeClr val="tx1"/>
                 </a:solidFill>
@@ -1183,7 +1184,7 @@
           <a:p>
             <a:fld id="{717C0D68-69C3-4A4C-9D46-4BC134F8A513}" type="slidenum">
               <a:rPr lang="en-US" smtClean="0"/>
-              <a:t>17</a:t>
+              <a:t>19</a:t>
             </a:fld>
             <a:endParaRPr lang="en-US"/>
           </a:p>
@@ -1264,7 +1265,7 @@
               <a:defRPr/>
             </a:pPr>
             <a:r>
-              <a:rPr lang="en-US" sz="1200" b="0" i="0" kern="1200" dirty="0" smtClean="0">
+              <a:rPr lang="en-US" sz="1200" b="0" i="0" kern="1200" dirty="0">
                 <a:solidFill>
                   <a:schemeClr val="tx1"/>
                 </a:solidFill>
@@ -1295,7 +1296,7 @@
               <a:defRPr/>
             </a:pPr>
             <a:r>
-              <a:rPr lang="en-US" sz="1200" b="0" i="0" kern="1200" dirty="0" smtClean="0">
+              <a:rPr lang="en-US" sz="1200" b="0" i="0" kern="1200" dirty="0">
                 <a:solidFill>
                   <a:schemeClr val="tx1"/>
                 </a:solidFill>
@@ -1325,7 +1326,7 @@
               <a:tabLst/>
               <a:defRPr/>
             </a:pPr>
-            <a:endParaRPr lang="en-US" sz="1200" b="0" i="0" kern="1200" dirty="0" smtClean="0">
+            <a:endParaRPr lang="en-US" sz="1200" b="0" i="0" kern="1200" dirty="0">
               <a:solidFill>
                 <a:schemeClr val="tx1"/>
               </a:solidFill>
@@ -1354,7 +1355,7 @@
               <a:defRPr/>
             </a:pPr>
             <a:r>
-              <a:rPr lang="en-US" sz="1200" b="0" i="0" kern="1200" dirty="0" smtClean="0">
+              <a:rPr lang="en-US" sz="1200" b="0" i="0" kern="1200" dirty="0">
                 <a:solidFill>
                   <a:schemeClr val="tx1"/>
                 </a:solidFill>
@@ -1366,7 +1367,7 @@
               <a:t>tags (@</a:t>
             </a:r>
             <a:r>
-              <a:rPr lang="en-US" sz="1200" b="0" i="0" kern="1200" dirty="0" err="1" smtClean="0">
+              <a:rPr lang="en-US" sz="1200" b="0" i="0" kern="1200" dirty="0" err="1">
                 <a:solidFill>
                   <a:schemeClr val="tx1"/>
                 </a:solidFill>
@@ -1378,7 +1379,7 @@
               <a:t>myTag</a:t>
             </a:r>
             <a:r>
-              <a:rPr lang="en-US" sz="1200" b="0" i="0" kern="1200" dirty="0" smtClean="0">
+              <a:rPr lang="en-US" sz="1200" b="0" i="0" kern="1200" dirty="0">
                 <a:solidFill>
                   <a:schemeClr val="tx1"/>
                 </a:solidFill>
@@ -1409,7 +1410,7 @@
               <a:defRPr/>
             </a:pPr>
             <a:r>
-              <a:rPr lang="en-US" sz="1200" b="0" i="0" kern="1200" dirty="0" smtClean="0">
+              <a:rPr lang="en-US" sz="1200" b="0" i="0" kern="1200" dirty="0">
                 <a:solidFill>
                   <a:schemeClr val="tx1"/>
                 </a:solidFill>
@@ -1421,7 +1422,7 @@
               <a:t>used to filter scenarios and control execution (</a:t>
             </a:r>
             <a:r>
-              <a:rPr lang="en-US" sz="1200" b="0" i="0" kern="1200" dirty="0" err="1" smtClean="0">
+              <a:rPr lang="en-US" sz="1200" b="0" i="0" kern="1200" dirty="0" err="1">
                 <a:solidFill>
                   <a:schemeClr val="tx1"/>
                 </a:solidFill>
@@ -1433,7 +1434,7 @@
               <a:t>BeforeScenario</a:t>
             </a:r>
             <a:r>
-              <a:rPr lang="en-US" sz="1200" b="0" i="0" kern="1200" dirty="0" smtClean="0">
+              <a:rPr lang="en-US" sz="1200" b="0" i="0" kern="1200" dirty="0">
                 <a:solidFill>
                   <a:schemeClr val="tx1"/>
                 </a:solidFill>
@@ -1464,7 +1465,7 @@
               <a:defRPr/>
             </a:pPr>
             <a:r>
-              <a:rPr lang="en-US" sz="1200" b="0" i="0" kern="1200" dirty="0" err="1" smtClean="0">
+              <a:rPr lang="en-US" sz="1200" b="0" i="0" kern="1200" dirty="0" err="1">
                 <a:solidFill>
                   <a:schemeClr val="tx1"/>
                 </a:solidFill>
@@ -1476,7 +1477,7 @@
               <a:t>SpecFlow</a:t>
             </a:r>
             <a:r>
-              <a:rPr lang="en-US" sz="1200" b="0" i="0" kern="1200" dirty="0" smtClean="0">
+              <a:rPr lang="en-US" sz="1200" b="0" i="0" kern="1200" dirty="0">
                 <a:solidFill>
                   <a:schemeClr val="tx1"/>
                 </a:solidFill>
@@ -1507,7 +1508,7 @@
               <a:defRPr/>
             </a:pPr>
             <a:r>
-              <a:rPr lang="en-US" sz="1200" b="0" i="0" kern="1200" dirty="0" err="1" smtClean="0">
+              <a:rPr lang="en-US" sz="1200" b="0" i="0" kern="1200" dirty="0" err="1">
                 <a:solidFill>
                   <a:schemeClr val="tx1"/>
                 </a:solidFill>
@@ -1519,7 +1520,7 @@
               <a:t>SpecFlow</a:t>
             </a:r>
             <a:r>
-              <a:rPr lang="en-US" sz="1200" b="0" i="0" kern="1200" dirty="0" smtClean="0">
+              <a:rPr lang="en-US" sz="1200" b="0" i="0" kern="1200" dirty="0">
                 <a:solidFill>
                   <a:schemeClr val="tx1"/>
                 </a:solidFill>
@@ -1531,11 +1532,11 @@
               <a:t> treats the </a:t>
             </a:r>
             <a:r>
-              <a:rPr lang="en-US" dirty="0" smtClean="0"/>
+              <a:rPr lang="en-US" dirty="0"/>
               <a:t>@ignore</a:t>
             </a:r>
             <a:r>
-              <a:rPr lang="en-US" sz="1200" b="0" i="0" kern="1200" dirty="0" smtClean="0">
+              <a:rPr lang="en-US" sz="1200" b="0" i="0" kern="1200" dirty="0">
                 <a:solidFill>
                   <a:schemeClr val="tx1"/>
                 </a:solidFill>
@@ -1565,7 +1566,7 @@
               <a:tabLst/>
               <a:defRPr/>
             </a:pPr>
-            <a:endParaRPr lang="en-US" sz="1200" b="0" i="0" kern="1200" dirty="0" smtClean="0">
+            <a:endParaRPr lang="en-US" sz="1200" b="0" i="0" kern="1200" dirty="0">
               <a:solidFill>
                 <a:schemeClr val="tx1"/>
               </a:solidFill>
@@ -1594,7 +1595,7 @@
               <a:defRPr/>
             </a:pPr>
             <a:r>
-              <a:rPr lang="en-US" sz="1200" b="0" i="0" u="none" strike="noStrike" kern="1200" dirty="0" smtClean="0">
+              <a:rPr lang="en-US" sz="1200" b="0" i="0" u="none" strike="noStrike" kern="1200" dirty="0">
                 <a:solidFill>
                   <a:schemeClr val="tx1"/>
                 </a:solidFill>
@@ -1606,7 +1607,7 @@
               </a:rPr>
               <a:t>Hooks</a:t>
             </a:r>
-            <a:endParaRPr lang="en-US" sz="1200" b="0" i="0" u="none" strike="noStrike" kern="1200" dirty="0" smtClean="0">
+            <a:endParaRPr lang="en-US" sz="1200" b="0" i="0" u="none" strike="noStrike" kern="1200" dirty="0">
               <a:solidFill>
                 <a:schemeClr val="tx1"/>
               </a:solidFill>
@@ -1635,7 +1636,7 @@
               <a:defRPr/>
             </a:pPr>
             <a:r>
-              <a:rPr lang="en-US" sz="1200" b="0" i="0" kern="1200" dirty="0" smtClean="0">
+              <a:rPr lang="en-US" sz="1200" b="0" i="0" kern="1200" dirty="0">
                 <a:solidFill>
                   <a:schemeClr val="tx1"/>
                 </a:solidFill>
@@ -1665,7 +1666,7 @@
               <a:tabLst/>
               <a:defRPr/>
             </a:pPr>
-            <a:endParaRPr lang="en-US" sz="1200" b="0" i="0" kern="1200" dirty="0" smtClean="0">
+            <a:endParaRPr lang="en-US" sz="1200" b="0" i="0" kern="1200" dirty="0">
               <a:solidFill>
                 <a:schemeClr val="tx1"/>
               </a:solidFill>
@@ -1693,7 +1694,7 @@
               <a:tabLst/>
               <a:defRPr/>
             </a:pPr>
-            <a:endParaRPr lang="en-US" sz="1200" b="0" i="0" kern="1200" dirty="0" smtClean="0">
+            <a:endParaRPr lang="en-US" sz="1200" b="0" i="0" kern="1200" dirty="0">
               <a:solidFill>
                 <a:schemeClr val="tx1"/>
               </a:solidFill>
@@ -1721,7 +1722,7 @@
               <a:tabLst/>
               <a:defRPr/>
             </a:pPr>
-            <a:endParaRPr lang="en-US" sz="1200" b="0" i="0" kern="1200" dirty="0" smtClean="0">
+            <a:endParaRPr lang="en-US" sz="1200" b="0" i="0" kern="1200" dirty="0">
               <a:solidFill>
                 <a:schemeClr val="tx1"/>
               </a:solidFill>
@@ -1753,7 +1754,7 @@
           <a:p>
             <a:fld id="{717C0D68-69C3-4A4C-9D46-4BC134F8A513}" type="slidenum">
               <a:rPr lang="en-US" smtClean="0"/>
-              <a:t>18</a:t>
+              <a:t>20</a:t>
             </a:fld>
             <a:endParaRPr lang="en-US"/>
           </a:p>
@@ -1817,41 +1818,41 @@
           <a:lstStyle/>
           <a:p>
             <a:r>
-              <a:rPr lang="en-US" dirty="0" smtClean="0"/>
+              <a:rPr lang="en-US" dirty="0"/>
               <a:t>1. Where to start? How much groundwork</a:t>
             </a:r>
             <a:r>
-              <a:rPr lang="en-US" baseline="0" dirty="0" smtClean="0"/>
+              <a:rPr lang="en-US" baseline="0" dirty="0"/>
               <a:t> do you need before you can start writing tests?</a:t>
             </a:r>
-            <a:endParaRPr lang="en-US" dirty="0" smtClean="0"/>
-          </a:p>
-          <a:p>
-            <a:r>
-              <a:rPr lang="en-US" dirty="0" smtClean="0"/>
+            <a:endParaRPr lang="en-US" dirty="0"/>
+          </a:p>
+          <a:p>
+            <a:r>
+              <a:rPr lang="en-US" dirty="0"/>
               <a:t>2. What to test and what not to test? (repository tests)</a:t>
             </a:r>
           </a:p>
           <a:p>
             <a:r>
-              <a:rPr lang="en-US" dirty="0" smtClean="0"/>
+              <a:rPr lang="en-US" dirty="0"/>
               <a:t>3. How much to test? (50%? 80%?</a:t>
             </a:r>
             <a:r>
-              <a:rPr lang="en-US" baseline="0" dirty="0" smtClean="0"/>
+              <a:rPr lang="en-US" baseline="0" dirty="0"/>
               <a:t> 90%?)</a:t>
             </a:r>
-            <a:endParaRPr lang="en-US" dirty="0" smtClean="0"/>
-          </a:p>
-          <a:p>
-            <a:r>
-              <a:rPr lang="en-US" dirty="0" smtClean="0"/>
+            <a:endParaRPr lang="en-US" dirty="0"/>
+          </a:p>
+          <a:p>
+            <a:r>
+              <a:rPr lang="en-US" dirty="0"/>
               <a:t>4. How to name tests? </a:t>
             </a:r>
           </a:p>
           <a:p>
             <a:r>
-              <a:rPr lang="en-US" dirty="0" smtClean="0"/>
+              <a:rPr lang="en-US" dirty="0"/>
               <a:t>5. What does it mean when a test fails?</a:t>
             </a:r>
           </a:p>
@@ -1938,34 +1939,34 @@
           <a:lstStyle/>
           <a:p>
             <a:r>
-              <a:rPr lang="en-US" dirty="0" smtClean="0"/>
+              <a:rPr lang="en-US" dirty="0"/>
               <a:t>1. In 2006, Dan North</a:t>
             </a:r>
             <a:r>
-              <a:rPr lang="en-US" baseline="0" dirty="0" smtClean="0"/>
+              <a:rPr lang="en-US" baseline="0" dirty="0"/>
               <a:t> wrote an article defining BDD as development methodology in which we focus on the behavior of an application from an outside-in point of view (user).</a:t>
             </a:r>
           </a:p>
           <a:p>
-            <a:endParaRPr lang="en-US" baseline="0" dirty="0" smtClean="0"/>
-          </a:p>
-          <a:p>
-            <a:r>
-              <a:rPr lang="en-US" baseline="0" dirty="0" smtClean="0"/>
+            <a:endParaRPr lang="en-US" baseline="0" dirty="0"/>
+          </a:p>
+          <a:p>
+            <a:r>
+              <a:rPr lang="en-US" baseline="0" dirty="0"/>
               <a:t>2. </a:t>
             </a:r>
           </a:p>
           <a:p>
-            <a:endParaRPr lang="en-US" baseline="0" dirty="0" smtClean="0"/>
-          </a:p>
-          <a:p>
-            <a:r>
-              <a:rPr lang="en-US" baseline="0" dirty="0" smtClean="0"/>
+            <a:endParaRPr lang="en-US" baseline="0" dirty="0"/>
+          </a:p>
+          <a:p>
+            <a:r>
+              <a:rPr lang="en-US" baseline="0" dirty="0"/>
               <a:t>3. ? Implementation details may change in the future. We may change or upgrade systems, like we’re planning to do with Prowess. Our integration points will change. Data contracts may also change. Let’s also consider our parties domain and the introduction to caching. Any of these changes could render our entire suite of unit tests useless, but the application’s behavior has not changed.</a:t>
             </a:r>
           </a:p>
           <a:p>
-            <a:endParaRPr lang="en-US" baseline="0" dirty="0" smtClean="0"/>
+            <a:endParaRPr lang="en-US" baseline="0" dirty="0"/>
           </a:p>
           <a:p>
             <a:pPr marL="0" marR="0" indent="0" algn="l" defTabSz="914400" rtl="0" eaLnBrk="1" fontAlgn="auto" latinLnBrk="0" hangingPunct="1">
@@ -1986,19 +1987,19 @@
               <a:defRPr/>
             </a:pPr>
             <a:r>
-              <a:rPr lang="en-US" baseline="0" dirty="0" smtClean="0"/>
+              <a:rPr lang="en-US" baseline="0" dirty="0"/>
               <a:t>4. </a:t>
             </a:r>
             <a:r>
-              <a:rPr lang="en-US" dirty="0" smtClean="0"/>
+              <a:rPr lang="en-US" dirty="0"/>
               <a:t>Present TDD in a way that gets straight to the good stuff and avoids all the pitfalls</a:t>
             </a:r>
           </a:p>
           <a:p>
-            <a:endParaRPr lang="en-US" baseline="0" dirty="0" smtClean="0"/>
-          </a:p>
-          <a:p>
-            <a:endParaRPr lang="en-US" baseline="0" dirty="0" smtClean="0"/>
+            <a:endParaRPr lang="en-US" baseline="0" dirty="0"/>
+          </a:p>
+          <a:p>
+            <a:endParaRPr lang="en-US" baseline="0" dirty="0"/>
           </a:p>
           <a:p>
             <a:endParaRPr lang="en-US" dirty="0"/>
@@ -2086,41 +2087,41 @@
           <a:lstStyle/>
           <a:p>
             <a:r>
-              <a:rPr lang="en-US" dirty="0" smtClean="0"/>
+              <a:rPr lang="en-US" dirty="0"/>
               <a:t>1. Where to start? How much groundwork</a:t>
             </a:r>
             <a:r>
-              <a:rPr lang="en-US" baseline="0" dirty="0" smtClean="0"/>
+              <a:rPr lang="en-US" baseline="0" dirty="0"/>
               <a:t> do you need before you can start writing tests?</a:t>
             </a:r>
-            <a:endParaRPr lang="en-US" dirty="0" smtClean="0"/>
-          </a:p>
-          <a:p>
-            <a:r>
-              <a:rPr lang="en-US" dirty="0" smtClean="0"/>
+            <a:endParaRPr lang="en-US" dirty="0"/>
+          </a:p>
+          <a:p>
+            <a:r>
+              <a:rPr lang="en-US" dirty="0"/>
               <a:t>2. What to test and what not to test? (repository tests)</a:t>
             </a:r>
           </a:p>
           <a:p>
             <a:r>
-              <a:rPr lang="en-US" dirty="0" smtClean="0"/>
+              <a:rPr lang="en-US" dirty="0"/>
               <a:t>3. How much to test? (50%? 80%?</a:t>
             </a:r>
             <a:r>
-              <a:rPr lang="en-US" baseline="0" dirty="0" smtClean="0"/>
+              <a:rPr lang="en-US" baseline="0" dirty="0"/>
               <a:t> 90%?)</a:t>
             </a:r>
-            <a:endParaRPr lang="en-US" dirty="0" smtClean="0"/>
-          </a:p>
-          <a:p>
-            <a:r>
-              <a:rPr lang="en-US" dirty="0" smtClean="0"/>
+            <a:endParaRPr lang="en-US" dirty="0"/>
+          </a:p>
+          <a:p>
+            <a:r>
+              <a:rPr lang="en-US" dirty="0"/>
               <a:t>4. How to name tests? </a:t>
             </a:r>
           </a:p>
           <a:p>
             <a:r>
-              <a:rPr lang="en-US" dirty="0" smtClean="0"/>
+              <a:rPr lang="en-US" dirty="0"/>
               <a:t>5. What does it mean when a test fails?</a:t>
             </a:r>
           </a:p>
@@ -2207,7 +2208,7 @@
           <a:lstStyle/>
           <a:p>
             <a:r>
-              <a:rPr lang="en-US" sz="1200" kern="1200" dirty="0" smtClean="0">
+              <a:rPr lang="en-US" sz="1200" kern="1200" dirty="0">
                 <a:solidFill>
                   <a:schemeClr val="tx1"/>
                 </a:solidFill>
@@ -2219,7 +2220,7 @@
               <a:t>1. Beginning test methods with </a:t>
             </a:r>
             <a:r>
-              <a:rPr lang="en-US" sz="1200" i="1" kern="1200" dirty="0" smtClean="0">
+              <a:rPr lang="en-US" sz="1200" i="1" kern="1200" dirty="0">
                 <a:solidFill>
                   <a:schemeClr val="tx1"/>
                 </a:solidFill>
@@ -2231,7 +2232,7 @@
               <a:t>should </a:t>
             </a:r>
             <a:r>
-              <a:rPr lang="en-US" sz="1200" kern="1200" dirty="0" smtClean="0">
+              <a:rPr lang="en-US" sz="1200" kern="1200" dirty="0">
                 <a:solidFill>
                   <a:schemeClr val="tx1"/>
                 </a:solidFill>
@@ -2245,7 +2246,7 @@
           </a:p>
           <a:p>
             <a:r>
-              <a:rPr lang="en-US" sz="1200" kern="1200" dirty="0" smtClean="0">
+              <a:rPr lang="en-US" sz="1200" kern="1200" dirty="0">
                 <a:solidFill>
                   <a:schemeClr val="tx1"/>
                 </a:solidFill>
@@ -2257,7 +2258,7 @@
               <a:t> - Class </a:t>
             </a:r>
             <a:r>
-              <a:rPr lang="en-US" sz="1200" b="1" i="1" kern="1200" dirty="0" smtClean="0">
+              <a:rPr lang="en-US" sz="1200" b="1" i="1" kern="1200" dirty="0">
                 <a:solidFill>
                   <a:schemeClr val="tx1"/>
                 </a:solidFill>
@@ -2269,7 +2270,7 @@
               <a:t>should </a:t>
             </a:r>
             <a:r>
-              <a:rPr lang="en-US" sz="1200" kern="1200" dirty="0" smtClean="0">
+              <a:rPr lang="en-US" sz="1200" kern="1200" dirty="0">
                 <a:solidFill>
                   <a:schemeClr val="tx1"/>
                 </a:solidFill>
@@ -2281,7 +2282,7 @@
               <a:t>do something (</a:t>
             </a:r>
             <a:r>
-              <a:rPr lang="en-US" sz="1200" kern="1200" dirty="0" err="1" smtClean="0">
+              <a:rPr lang="en-US" sz="1200" kern="1200" dirty="0" err="1">
                 <a:solidFill>
                   <a:schemeClr val="tx1"/>
                 </a:solidFill>
@@ -2293,7 +2294,7 @@
               <a:t>testShouldFailForMissingSurname</a:t>
             </a:r>
             <a:r>
-              <a:rPr lang="en-US" sz="1200" kern="1200" dirty="0" smtClean="0">
+              <a:rPr lang="en-US" sz="1200" kern="1200" dirty="0">
                 <a:solidFill>
                   <a:schemeClr val="tx1"/>
                 </a:solidFill>
@@ -2307,7 +2308,7 @@
           </a:p>
           <a:p>
             <a:r>
-              <a:rPr lang="en-US" sz="1200" kern="1200" dirty="0" smtClean="0">
+              <a:rPr lang="en-US" sz="1200" kern="1200" dirty="0">
                 <a:solidFill>
                   <a:schemeClr val="tx1"/>
                 </a:solidFill>
@@ -2320,14 +2321,14 @@
             </a:r>
           </a:p>
           <a:p>
-            <a:endParaRPr lang="en-US" dirty="0" smtClean="0"/>
-          </a:p>
-          <a:p>
-            <a:r>
-              <a:rPr lang="en-US" dirty="0" smtClean="0"/>
+            <a:endParaRPr lang="en-US" dirty="0"/>
+          </a:p>
+          <a:p>
+            <a:r>
+              <a:rPr lang="en-US" dirty="0"/>
               <a:t>2. Failed tests have 3 causes</a:t>
             </a:r>
-            <a:endParaRPr lang="en-US" sz="1200" kern="1200" dirty="0" smtClean="0">
+            <a:endParaRPr lang="en-US" sz="1200" kern="1200" dirty="0">
               <a:solidFill>
                 <a:schemeClr val="tx1"/>
               </a:solidFill>
@@ -2339,7 +2340,7 @@
           </a:p>
           <a:p>
             <a:r>
-              <a:rPr lang="en-US" sz="1200" kern="1200" dirty="0" smtClean="0">
+              <a:rPr lang="en-US" sz="1200" kern="1200" dirty="0">
                 <a:solidFill>
                   <a:schemeClr val="tx1"/>
                 </a:solidFill>
@@ -2353,7 +2354,7 @@
           </a:p>
           <a:p>
             <a:r>
-              <a:rPr lang="en-US" sz="1200" kern="1200" dirty="0" smtClean="0">
+              <a:rPr lang="en-US" sz="1200" kern="1200" dirty="0">
                 <a:solidFill>
                   <a:schemeClr val="tx1"/>
                 </a:solidFill>
@@ -2367,7 +2368,7 @@
           </a:p>
           <a:p>
             <a:r>
-              <a:rPr lang="en-US" sz="1200" kern="1200" dirty="0" smtClean="0">
+              <a:rPr lang="en-US" sz="1200" kern="1200" dirty="0">
                 <a:solidFill>
                   <a:schemeClr val="tx1"/>
                 </a:solidFill>
@@ -2380,15 +2381,15 @@
             </a:r>
           </a:p>
           <a:p>
-            <a:endParaRPr lang="en-US" dirty="0" smtClean="0"/>
-          </a:p>
-          <a:p>
-            <a:r>
-              <a:rPr lang="en-US" dirty="0" smtClean="0"/>
+            <a:endParaRPr lang="en-US" dirty="0"/>
+          </a:p>
+          <a:p>
+            <a:r>
+              <a:rPr lang="en-US" dirty="0"/>
               <a:t>3. </a:t>
             </a:r>
             <a:r>
-              <a:rPr lang="en-US" sz="1200" i="1" kern="1200" dirty="0" smtClean="0">
+              <a:rPr lang="en-US" sz="1200" i="1" kern="1200" dirty="0">
                 <a:solidFill>
                   <a:schemeClr val="tx1"/>
                 </a:solidFill>
@@ -2400,7 +2401,7 @@
               <a:t>Should </a:t>
             </a:r>
             <a:r>
-              <a:rPr lang="en-US" sz="1200" kern="1200" dirty="0" smtClean="0">
+              <a:rPr lang="en-US" sz="1200" kern="1200" dirty="0">
                 <a:solidFill>
                   <a:schemeClr val="tx1"/>
                 </a:solidFill>
@@ -2414,7 +2415,7 @@
           </a:p>
           <a:p>
             <a:r>
-              <a:rPr lang="en-US" sz="1200" kern="1200" dirty="0" smtClean="0">
+              <a:rPr lang="en-US" sz="1200" kern="1200" dirty="0">
                 <a:solidFill>
                   <a:schemeClr val="tx1"/>
                 </a:solidFill>
@@ -2527,7 +2528,7 @@
               <a:defRPr/>
             </a:pPr>
             <a:r>
-              <a:rPr lang="en-US" sz="1200" kern="1200" dirty="0" smtClean="0">
+              <a:rPr lang="en-US" sz="1200" kern="1200" dirty="0">
                 <a:solidFill>
                   <a:schemeClr val="tx1"/>
                 </a:solidFill>
@@ -2540,14 +2541,14 @@
             </a:r>
           </a:p>
           <a:p>
-            <a:endParaRPr lang="en-US" dirty="0" smtClean="0"/>
+            <a:endParaRPr lang="en-US" dirty="0"/>
           </a:p>
           <a:p>
             <a:pPr marL="228600" indent="-228600">
               <a:buAutoNum type="arabicPeriod"/>
             </a:pPr>
             <a:r>
-              <a:rPr lang="en-US" sz="1200" kern="1200" dirty="0" smtClean="0">
+              <a:rPr lang="en-US" sz="1200" kern="1200" dirty="0">
                 <a:solidFill>
                   <a:schemeClr val="tx1"/>
                 </a:solidFill>
@@ -2561,7 +2562,7 @@
           </a:p>
           <a:p>
             <a:r>
-              <a:rPr lang="en-US" sz="1200" kern="1200" dirty="0" smtClean="0">
+              <a:rPr lang="en-US" sz="1200" kern="1200" dirty="0">
                 <a:solidFill>
                   <a:schemeClr val="tx1"/>
                 </a:solidFill>
@@ -2573,7 +2574,7 @@
               <a:t>In order to answer this question, we must identify the value of the features and prioritize them. This too helps with naming. </a:t>
             </a:r>
             <a:r>
-              <a:rPr lang="en-US" sz="1200" i="1" kern="1200" dirty="0" smtClean="0">
+              <a:rPr lang="en-US" sz="1200" i="1" kern="1200" dirty="0">
                 <a:solidFill>
                   <a:schemeClr val="tx1"/>
                 </a:solidFill>
@@ -2584,7 +2585,7 @@
               </a:rPr>
               <a:t>The system doesn’t do X and X is important, which means it should do X.</a:t>
             </a:r>
-            <a:endParaRPr lang="en-US" sz="1200" kern="1200" dirty="0" smtClean="0">
+            <a:endParaRPr lang="en-US" sz="1200" kern="1200" dirty="0">
               <a:solidFill>
                 <a:schemeClr val="tx1"/>
               </a:solidFill>
@@ -2596,7 +2597,7 @@
           </a:p>
           <a:p>
             <a:r>
-              <a:rPr lang="en-US" sz="1200" i="1" kern="1200" dirty="0" err="1" smtClean="0">
+              <a:rPr lang="en-US" sz="1200" i="1" kern="1200" dirty="0" err="1">
                 <a:solidFill>
                   <a:schemeClr val="tx1"/>
                 </a:solidFill>
@@ -2607,7 +2608,7 @@
               </a:rPr>
               <a:t>shouldDoX</a:t>
             </a:r>
-            <a:endParaRPr lang="en-US" sz="1200" kern="1200" dirty="0" smtClean="0">
+            <a:endParaRPr lang="en-US" sz="1200" kern="1200" dirty="0">
               <a:solidFill>
                 <a:schemeClr val="tx1"/>
               </a:solidFill>
@@ -2642,7 +2643,7 @@
           <a:p>
             <a:fld id="{717C0D68-69C3-4A4C-9D46-4BC134F8A513}" type="slidenum">
               <a:rPr lang="en-US" smtClean="0"/>
-              <a:t>8</a:t>
+              <a:t>10</a:t>
             </a:fld>
             <a:endParaRPr lang="en-US"/>
           </a:p>
@@ -2723,7 +2724,7 @@
               <a:defRPr/>
             </a:pPr>
             <a:r>
-              <a:rPr lang="en-US" sz="1200" kern="1200" dirty="0" smtClean="0">
+              <a:rPr lang="en-US" sz="1200" kern="1200" dirty="0">
                 <a:solidFill>
                   <a:schemeClr val="tx1"/>
                 </a:solidFill>
@@ -2735,7 +2736,7 @@
               <a:t>BDD plays into our ubiquitous language, </a:t>
             </a:r>
             <a:r>
-              <a:rPr lang="en-US" sz="1200" kern="1200" dirty="0" err="1" smtClean="0">
+              <a:rPr lang="en-US" sz="1200" kern="1200" dirty="0" err="1">
                 <a:solidFill>
                   <a:schemeClr val="tx1"/>
                 </a:solidFill>
@@ -2747,7 +2748,7 @@
               <a:t>dveloping</a:t>
             </a:r>
             <a:r>
-              <a:rPr lang="en-US" sz="1200" kern="1200" dirty="0" smtClean="0">
+              <a:rPr lang="en-US" sz="1200" kern="1200" dirty="0">
                 <a:solidFill>
                   <a:schemeClr val="tx1"/>
                 </a:solidFill>
@@ -2781,7 +2782,7 @@
           <a:p>
             <a:fld id="{717C0D68-69C3-4A4C-9D46-4BC134F8A513}" type="slidenum">
               <a:rPr lang="en-US" smtClean="0"/>
-              <a:t>9</a:t>
+              <a:t>11</a:t>
             </a:fld>
             <a:endParaRPr lang="en-US"/>
           </a:p>
@@ -2845,7 +2846,7 @@
           <a:lstStyle/>
           <a:p>
             <a:r>
-              <a:rPr lang="en-US" sz="1200" b="0" i="1" kern="1200" dirty="0" smtClean="0">
+              <a:rPr lang="en-US" sz="1200" b="0" i="1" kern="1200" dirty="0">
                 <a:solidFill>
                   <a:schemeClr val="tx1"/>
                 </a:solidFill>
@@ -2857,7 +2858,7 @@
               <a:t>Description of behavior in natural language, but with a defined structure</a:t>
             </a:r>
             <a:r>
-              <a:rPr lang="en-US" sz="1200" b="0" i="0" kern="1200" dirty="0" smtClean="0">
+              <a:rPr lang="en-US" sz="1200" b="0" i="0" kern="1200" dirty="0">
                 <a:solidFill>
                   <a:schemeClr val="tx1"/>
                 </a:solidFill>
@@ -2871,7 +2872,7 @@
           </a:p>
           <a:p>
             <a:r>
-              <a:rPr lang="en-US" sz="1200" b="0" i="0" kern="1200" baseline="0" dirty="0" smtClean="0">
+              <a:rPr lang="en-US" sz="1200" b="0" i="0" kern="1200" baseline="0" dirty="0">
                 <a:solidFill>
                   <a:schemeClr val="tx1"/>
                 </a:solidFill>
@@ -2883,7 +2884,7 @@
               <a:t> - </a:t>
             </a:r>
             <a:r>
-              <a:rPr lang="en-US" sz="1200" b="0" i="0" kern="1200" dirty="0" smtClean="0">
+              <a:rPr lang="en-US" sz="1200" b="0" i="0" kern="1200" dirty="0">
                 <a:solidFill>
                   <a:schemeClr val="tx1"/>
                 </a:solidFill>
@@ -2896,7 +2897,7 @@
             </a:r>
           </a:p>
           <a:p>
-            <a:endParaRPr lang="en-US" sz="1200" b="0" i="0" kern="1200" dirty="0" smtClean="0">
+            <a:endParaRPr lang="en-US" sz="1200" b="0" i="0" kern="1200" dirty="0">
               <a:solidFill>
                 <a:schemeClr val="tx1"/>
               </a:solidFill>
@@ -2909,45 +2910,45 @@
           <a:p>
             <a:pPr lvl="0"/>
             <a:r>
-              <a:rPr lang="en-US" dirty="0" smtClean="0"/>
+              <a:rPr lang="en-US" dirty="0"/>
               <a:t>Feature tests for product owner</a:t>
             </a:r>
           </a:p>
           <a:p>
             <a:pPr lvl="1"/>
             <a:r>
-              <a:rPr lang="en-US" dirty="0" smtClean="0"/>
+              <a:rPr lang="en-US" dirty="0"/>
               <a:t>End-to-end black box tests (scrape websites / simulate users)</a:t>
             </a:r>
           </a:p>
           <a:p>
             <a:pPr lvl="1"/>
-            <a:endParaRPr lang="en-US" dirty="0" smtClean="0"/>
+            <a:endParaRPr lang="en-US" dirty="0"/>
           </a:p>
           <a:p>
             <a:pPr lvl="0"/>
             <a:r>
-              <a:rPr lang="en-US" dirty="0" smtClean="0"/>
+              <a:rPr lang="en-US" dirty="0"/>
               <a:t>Technical tests for architect</a:t>
             </a:r>
           </a:p>
           <a:p>
             <a:pPr lvl="1"/>
             <a:r>
-              <a:rPr lang="en-US" dirty="0" smtClean="0"/>
+              <a:rPr lang="en-US" dirty="0"/>
               <a:t>Performance criteria (executes in 1 second)</a:t>
             </a:r>
           </a:p>
           <a:p>
             <a:pPr lvl="1"/>
             <a:r>
-              <a:rPr lang="en-US" dirty="0" smtClean="0"/>
+              <a:rPr lang="en-US" dirty="0"/>
               <a:t>Architectural (POSTs to some web service)</a:t>
             </a:r>
           </a:p>
           <a:p>
             <a:pPr lvl="1"/>
-            <a:endParaRPr lang="en-US" dirty="0" smtClean="0"/>
+            <a:endParaRPr lang="en-US" dirty="0"/>
           </a:p>
           <a:p>
             <a:pPr marL="0" marR="0" lvl="0" indent="0" algn="l" defTabSz="914400" rtl="0" eaLnBrk="1" fontAlgn="auto" latinLnBrk="0" hangingPunct="1">
@@ -2968,7 +2969,7 @@
               <a:defRPr/>
             </a:pPr>
             <a:r>
-              <a:rPr lang="en-US" dirty="0" smtClean="0"/>
+              <a:rPr lang="en-US" dirty="0"/>
               <a:t>Negative tests for unusual or invalid uses</a:t>
             </a:r>
           </a:p>
@@ -2991,7 +2992,7 @@
               <a:defRPr/>
             </a:pPr>
             <a:r>
-              <a:rPr lang="en-US" sz="1200" b="0" i="0" kern="1200" baseline="0" dirty="0" smtClean="0">
+              <a:rPr lang="en-US" sz="1200" b="0" i="0" kern="1200" baseline="0" dirty="0">
                 <a:solidFill>
                   <a:schemeClr val="tx1"/>
                 </a:solidFill>
@@ -3003,7 +3004,7 @@
               <a:t>          </a:t>
             </a:r>
             <a:r>
-              <a:rPr lang="en-US" sz="1200" b="0" i="0" kern="1200" dirty="0" smtClean="0">
+              <a:rPr lang="en-US" sz="1200" b="0" i="0" kern="1200" dirty="0">
                 <a:solidFill>
                   <a:schemeClr val="tx1"/>
                 </a:solidFill>
@@ -3033,12 +3034,12 @@
               <a:tabLst/>
               <a:defRPr/>
             </a:pPr>
-            <a:endParaRPr lang="en-US" dirty="0" smtClean="0"/>
+            <a:endParaRPr lang="en-US" dirty="0"/>
           </a:p>
           <a:p>
             <a:pPr lvl="1"/>
             <a:r>
-              <a:rPr lang="en-US" sz="1200" b="0" i="0" kern="1200" dirty="0" smtClean="0">
+              <a:rPr lang="en-US" sz="1200" b="0" i="0" kern="1200" dirty="0">
                 <a:solidFill>
                   <a:schemeClr val="tx1"/>
                 </a:solidFill>
@@ -3051,7 +3052,7 @@
             </a:r>
           </a:p>
           <a:p>
-            <a:endParaRPr lang="en-US" sz="1200" b="0" i="0" kern="1200" dirty="0" smtClean="0">
+            <a:endParaRPr lang="en-US" sz="1200" b="0" i="0" kern="1200" dirty="0">
               <a:solidFill>
                 <a:schemeClr val="tx1"/>
               </a:solidFill>
@@ -3083,7 +3084,7 @@
           <a:p>
             <a:fld id="{717C0D68-69C3-4A4C-9D46-4BC134F8A513}" type="slidenum">
               <a:rPr lang="en-US" smtClean="0"/>
-              <a:t>10</a:t>
+              <a:t>12</a:t>
             </a:fld>
             <a:endParaRPr lang="en-US"/>
           </a:p>
@@ -3164,7 +3165,7 @@
               <a:defRPr/>
             </a:pPr>
             <a:r>
-              <a:rPr lang="en-US" sz="1200" b="0" i="0" kern="1200" dirty="0" smtClean="0">
+              <a:rPr lang="en-US" sz="1200" b="0" i="0" kern="1200" dirty="0">
                 <a:solidFill>
                   <a:schemeClr val="tx1"/>
                 </a:solidFill>
@@ -3176,7 +3177,7 @@
               <a:t>Scenarios should contain no implementation details. If the acceptance criteria is defined, then it doesn't matter how it is </a:t>
             </a:r>
             <a:r>
-              <a:rPr lang="en-US" sz="1200" b="0" i="0" kern="1200" dirty="0" err="1" smtClean="0">
+              <a:rPr lang="en-US" sz="1200" b="0" i="0" kern="1200" dirty="0" err="1">
                 <a:solidFill>
                   <a:schemeClr val="tx1"/>
                 </a:solidFill>
@@ -3188,7 +3189,7 @@
               <a:t>satisfied.SQL</a:t>
             </a:r>
             <a:r>
-              <a:rPr lang="en-US" sz="1200" b="0" i="0" kern="1200" dirty="0" smtClean="0">
+              <a:rPr lang="en-US" sz="1200" b="0" i="0" kern="1200" dirty="0">
                 <a:solidFill>
                   <a:schemeClr val="tx1"/>
                 </a:solidFill>
@@ -3200,7 +3201,7 @@
               <a:t> or NoSQL, </a:t>
             </a:r>
             <a:r>
-              <a:rPr lang="en-US" sz="1200" b="0" i="0" kern="1200" dirty="0" err="1" smtClean="0">
+              <a:rPr lang="en-US" sz="1200" b="0" i="0" kern="1200" dirty="0" err="1">
                 <a:solidFill>
                   <a:schemeClr val="tx1"/>
                 </a:solidFill>
@@ -3212,7 +3213,7 @@
               <a:t>.net</a:t>
             </a:r>
             <a:r>
-              <a:rPr lang="en-US" sz="1200" b="0" i="0" kern="1200" dirty="0" smtClean="0">
+              <a:rPr lang="en-US" sz="1200" b="0" i="0" kern="1200" dirty="0">
                 <a:solidFill>
                   <a:schemeClr val="tx1"/>
                 </a:solidFill>
@@ -3246,7 +3247,7 @@
           <a:p>
             <a:fld id="{717C0D68-69C3-4A4C-9D46-4BC134F8A513}" type="slidenum">
               <a:rPr lang="en-US" smtClean="0"/>
-              <a:t>11</a:t>
+              <a:t>13</a:t>
             </a:fld>
             <a:endParaRPr lang="en-US"/>
           </a:p>
@@ -3341,7 +3342,7 @@
           </a:lstStyle>
           <a:p>
             <a:r>
-              <a:rPr lang="en-US" smtClean="0"/>
+              <a:rPr lang="en-US"/>
               <a:t>Click to edit Master title style</a:t>
             </a:r>
             <a:endParaRPr lang="en-US" dirty="0"/>
@@ -3437,7 +3438,7 @@
           </a:lstStyle>
           <a:p>
             <a:r>
-              <a:rPr lang="en-US" smtClean="0"/>
+              <a:rPr lang="en-US"/>
               <a:t>Click to edit Master subtitle style</a:t>
             </a:r>
             <a:endParaRPr lang="en-US" dirty="0"/>
@@ -3461,7 +3462,7 @@
           <a:p>
             <a:fld id="{ECD19FB2-3AAB-4D03-B13A-2960828C78E3}" type="datetimeFigureOut">
               <a:rPr lang="en-US" dirty="0"/>
-              <a:t>2/28/17</a:t>
+              <a:t>3/1/2017</a:t>
             </a:fld>
             <a:endParaRPr lang="en-US" dirty="0"/>
           </a:p>
@@ -3560,7 +3561,7 @@
           </a:lstStyle>
           <a:p>
             <a:r>
-              <a:rPr lang="en-US" smtClean="0"/>
+              <a:rPr lang="en-US"/>
               <a:t>Click to edit Master title style</a:t>
             </a:r>
             <a:endParaRPr lang="en-US" dirty="0"/>
@@ -3625,7 +3626,7 @@
           </a:lstStyle>
           <a:p>
             <a:r>
-              <a:rPr lang="en-US" smtClean="0"/>
+              <a:rPr lang="en-US"/>
               <a:t>Drag picture to placeholder or click icon to add</a:t>
             </a:r>
             <a:endParaRPr lang="en-US" dirty="0"/>
@@ -3715,7 +3716,7 @@
           <a:p>
             <a:pPr lvl="0"/>
             <a:r>
-              <a:rPr lang="en-US" smtClean="0"/>
+              <a:rPr lang="en-US"/>
               <a:t>Click to edit Master text styles</a:t>
             </a:r>
           </a:p>
@@ -3738,7 +3739,7 @@
           <a:p>
             <a:fld id="{1B80C674-7DFC-42FE-B9CD-82963CDB1557}" type="datetimeFigureOut">
               <a:rPr lang="en-US" dirty="0"/>
-              <a:t>2/28/17</a:t>
+              <a:t>3/1/2017</a:t>
             </a:fld>
             <a:endParaRPr lang="en-US" dirty="0"/>
           </a:p>
@@ -3836,7 +3837,7 @@
           </a:lstStyle>
           <a:p>
             <a:r>
-              <a:rPr lang="en-US" smtClean="0"/>
+              <a:rPr lang="en-US"/>
               <a:t>Click to edit Master title style</a:t>
             </a:r>
             <a:endParaRPr lang="en-US" dirty="0"/>
@@ -3902,7 +3903,7 @@
           <a:p>
             <a:pPr lvl="0"/>
             <a:r>
-              <a:rPr lang="en-US" smtClean="0"/>
+              <a:rPr lang="en-US"/>
               <a:t>Click to edit Master text styles</a:t>
             </a:r>
           </a:p>
@@ -3925,7 +3926,7 @@
           <a:p>
             <a:fld id="{2076456F-F47D-4F25-8053-2A695DA0CA7D}" type="datetimeFigureOut">
               <a:rPr lang="en-US" dirty="0"/>
-              <a:t>2/28/17</a:t>
+              <a:t>3/1/2017</a:t>
             </a:fld>
             <a:endParaRPr lang="en-US" dirty="0"/>
           </a:p>
@@ -4023,7 +4024,7 @@
           </a:lstStyle>
           <a:p>
             <a:r>
-              <a:rPr lang="en-US" smtClean="0"/>
+              <a:rPr lang="en-US"/>
               <a:t>Click to edit Master title style</a:t>
             </a:r>
             <a:endParaRPr lang="en-US" dirty="0"/>
@@ -4091,7 +4092,7 @@
           <a:p>
             <a:pPr lvl="0"/>
             <a:r>
-              <a:rPr lang="en-US" smtClean="0"/>
+              <a:rPr lang="en-US"/>
               <a:t>Click to edit Master text styles</a:t>
             </a:r>
           </a:p>
@@ -4158,7 +4159,7 @@
           <a:p>
             <a:pPr lvl="0"/>
             <a:r>
-              <a:rPr lang="en-US" smtClean="0"/>
+              <a:rPr lang="en-US"/>
               <a:t>Click to edit Master text styles</a:t>
             </a:r>
           </a:p>
@@ -4181,7 +4182,7 @@
           <a:p>
             <a:fld id="{5D6C7379-69CC-4837-9905-BEBA22830C8A}" type="datetimeFigureOut">
               <a:rPr lang="en-US" dirty="0"/>
-              <a:t>2/28/17</a:t>
+              <a:t>3/1/2017</a:t>
             </a:fld>
             <a:endParaRPr lang="en-US" dirty="0"/>
           </a:p>
@@ -4513,7 +4514,7 @@
           </a:lstStyle>
           <a:p>
             <a:r>
-              <a:rPr lang="en-US" smtClean="0"/>
+              <a:rPr lang="en-US"/>
               <a:t>Click to edit Master title style</a:t>
             </a:r>
             <a:endParaRPr lang="en-US" dirty="0"/>
@@ -4579,7 +4580,7 @@
           <a:p>
             <a:pPr lvl="0"/>
             <a:r>
-              <a:rPr lang="en-US" smtClean="0"/>
+              <a:rPr lang="en-US"/>
               <a:t>Click to edit Master text styles</a:t>
             </a:r>
           </a:p>
@@ -4602,7 +4603,7 @@
           <a:p>
             <a:fld id="{49EB8B7E-8AEE-4F10-BFEE-C999AD004D36}" type="datetimeFigureOut">
               <a:rPr lang="en-US" dirty="0"/>
-              <a:t>2/28/17</a:t>
+              <a:t>3/1/2017</a:t>
             </a:fld>
             <a:endParaRPr lang="en-US" dirty="0"/>
           </a:p>
@@ -4696,7 +4697,7 @@
           <a:lstStyle/>
           <a:p>
             <a:r>
-              <a:rPr lang="en-US" smtClean="0"/>
+              <a:rPr lang="en-US"/>
               <a:t>Click to edit Master title style</a:t>
             </a:r>
             <a:endParaRPr lang="en-US" dirty="0"/>
@@ -4791,7 +4792,7 @@
           <a:p>
             <a:pPr lvl="0"/>
             <a:r>
-              <a:rPr lang="en-US" smtClean="0"/>
+              <a:rPr lang="en-US"/>
               <a:t>Click to edit Master text styles</a:t>
             </a:r>
           </a:p>
@@ -4858,7 +4859,7 @@
           <a:p>
             <a:pPr lvl="0"/>
             <a:r>
-              <a:rPr lang="en-US" smtClean="0"/>
+              <a:rPr lang="en-US"/>
               <a:t>Click to edit Master text styles</a:t>
             </a:r>
           </a:p>
@@ -4922,7 +4923,7 @@
               <a:buNone/>
             </a:pPr>
             <a:r>
-              <a:rPr lang="en-US" smtClean="0"/>
+              <a:rPr lang="en-US"/>
               <a:t>Click to edit Master text styles</a:t>
             </a:r>
           </a:p>
@@ -4989,7 +4990,7 @@
           <a:p>
             <a:pPr lvl="0"/>
             <a:r>
-              <a:rPr lang="en-US" smtClean="0"/>
+              <a:rPr lang="en-US"/>
               <a:t>Click to edit Master text styles</a:t>
             </a:r>
           </a:p>
@@ -5053,7 +5054,7 @@
               <a:buNone/>
             </a:pPr>
             <a:r>
-              <a:rPr lang="en-US" smtClean="0"/>
+              <a:rPr lang="en-US"/>
               <a:t>Click to edit Master text styles</a:t>
             </a:r>
           </a:p>
@@ -5120,7 +5121,7 @@
           <a:p>
             <a:pPr lvl="0"/>
             <a:r>
-              <a:rPr lang="en-US" smtClean="0"/>
+              <a:rPr lang="en-US"/>
               <a:t>Click to edit Master text styles</a:t>
             </a:r>
           </a:p>
@@ -5143,7 +5144,7 @@
           <a:p>
             <a:fld id="{8668F3F9-58BC-440B-B37B-805B9055EF92}" type="datetimeFigureOut">
               <a:rPr lang="en-US" dirty="0"/>
-              <a:t>2/28/17</a:t>
+              <a:t>3/1/2017</a:t>
             </a:fld>
             <a:endParaRPr lang="en-US" dirty="0"/>
           </a:p>
@@ -5237,7 +5238,7 @@
           <a:lstStyle/>
           <a:p>
             <a:r>
-              <a:rPr lang="en-US" smtClean="0"/>
+              <a:rPr lang="en-US"/>
               <a:t>Click to edit Master title style</a:t>
             </a:r>
             <a:endParaRPr lang="en-US" dirty="0"/>
@@ -5328,7 +5329,7 @@
           <a:p>
             <a:pPr lvl="0"/>
             <a:r>
-              <a:rPr lang="en-US" smtClean="0"/>
+              <a:rPr lang="en-US"/>
               <a:t>Click to edit Master text styles</a:t>
             </a:r>
           </a:p>
@@ -5406,7 +5407,7 @@
           </a:lstStyle>
           <a:p>
             <a:r>
-              <a:rPr lang="en-US" smtClean="0"/>
+              <a:rPr lang="en-US"/>
               <a:t>Drag picture to placeholder or click icon to add</a:t>
             </a:r>
             <a:endParaRPr lang="en-US" dirty="0"/>
@@ -5474,7 +5475,7 @@
           <a:p>
             <a:pPr lvl="0"/>
             <a:r>
-              <a:rPr lang="en-US" smtClean="0"/>
+              <a:rPr lang="en-US"/>
               <a:t>Click to edit Master text styles</a:t>
             </a:r>
           </a:p>
@@ -5564,7 +5565,7 @@
           <a:p>
             <a:pPr lvl="0"/>
             <a:r>
-              <a:rPr lang="en-US" smtClean="0"/>
+              <a:rPr lang="en-US"/>
               <a:t>Click to edit Master text styles</a:t>
             </a:r>
           </a:p>
@@ -5642,7 +5643,7 @@
           </a:lstStyle>
           <a:p>
             <a:r>
-              <a:rPr lang="en-US" smtClean="0"/>
+              <a:rPr lang="en-US"/>
               <a:t>Drag picture to placeholder or click icon to add</a:t>
             </a:r>
             <a:endParaRPr lang="en-US" dirty="0"/>
@@ -5710,7 +5711,7 @@
           <a:p>
             <a:pPr lvl="0"/>
             <a:r>
-              <a:rPr lang="en-US" smtClean="0"/>
+              <a:rPr lang="en-US"/>
               <a:t>Click to edit Master text styles</a:t>
             </a:r>
           </a:p>
@@ -5800,7 +5801,7 @@
           <a:p>
             <a:pPr lvl="0"/>
             <a:r>
-              <a:rPr lang="en-US" smtClean="0"/>
+              <a:rPr lang="en-US"/>
               <a:t>Click to edit Master text styles</a:t>
             </a:r>
           </a:p>
@@ -5878,7 +5879,7 @@
           </a:lstStyle>
           <a:p>
             <a:r>
-              <a:rPr lang="en-US" smtClean="0"/>
+              <a:rPr lang="en-US"/>
               <a:t>Drag picture to placeholder or click icon to add</a:t>
             </a:r>
             <a:endParaRPr lang="en-US" dirty="0"/>
@@ -5946,7 +5947,7 @@
           <a:p>
             <a:pPr lvl="0"/>
             <a:r>
-              <a:rPr lang="en-US" smtClean="0"/>
+              <a:rPr lang="en-US"/>
               <a:t>Click to edit Master text styles</a:t>
             </a:r>
           </a:p>
@@ -5969,7 +5970,7 @@
           <a:p>
             <a:fld id="{0D5A53AF-48EA-489D-8260-9DCAB666386A}" type="datetimeFigureOut">
               <a:rPr lang="en-US" dirty="0"/>
-              <a:t>2/28/17</a:t>
+              <a:t>3/1/2017</a:t>
             </a:fld>
             <a:endParaRPr lang="en-US" dirty="0"/>
           </a:p>
@@ -6058,7 +6059,7 @@
           <a:lstStyle/>
           <a:p>
             <a:r>
-              <a:rPr lang="en-US" smtClean="0"/>
+              <a:rPr lang="en-US"/>
               <a:t>Click to edit Master title style</a:t>
             </a:r>
             <a:endParaRPr lang="en-US" dirty="0"/>
@@ -6082,35 +6083,35 @@
           <a:p>
             <a:pPr lvl="0"/>
             <a:r>
-              <a:rPr lang="en-US" smtClean="0"/>
+              <a:rPr lang="en-US"/>
               <a:t>Click to edit Master text styles</a:t>
             </a:r>
           </a:p>
           <a:p>
             <a:pPr lvl="1"/>
             <a:r>
-              <a:rPr lang="en-US" smtClean="0"/>
+              <a:rPr lang="en-US"/>
               <a:t>Second level</a:t>
             </a:r>
           </a:p>
           <a:p>
             <a:pPr lvl="2"/>
             <a:r>
-              <a:rPr lang="en-US" smtClean="0"/>
+              <a:rPr lang="en-US"/>
               <a:t>Third level</a:t>
             </a:r>
           </a:p>
           <a:p>
             <a:pPr lvl="3"/>
             <a:r>
-              <a:rPr lang="en-US" smtClean="0"/>
+              <a:rPr lang="en-US"/>
               <a:t>Fourth level</a:t>
             </a:r>
           </a:p>
           <a:p>
             <a:pPr lvl="4"/>
             <a:r>
-              <a:rPr lang="en-US" smtClean="0"/>
+              <a:rPr lang="en-US"/>
               <a:t>Fifth level</a:t>
             </a:r>
             <a:endParaRPr lang="en-US" dirty="0"/>
@@ -6134,7 +6135,7 @@
           <a:p>
             <a:fld id="{0DED02AE-B9A4-47BD-AF8E-97E16144138B}" type="datetimeFigureOut">
               <a:rPr lang="en-US" dirty="0"/>
-              <a:t>2/28/17</a:t>
+              <a:t>3/1/2017</a:t>
             </a:fld>
             <a:endParaRPr lang="en-US" dirty="0"/>
           </a:p>
@@ -6228,7 +6229,7 @@
           <a:lstStyle/>
           <a:p>
             <a:r>
-              <a:rPr lang="en-US" smtClean="0"/>
+              <a:rPr lang="en-US"/>
               <a:t>Click to edit Master title style</a:t>
             </a:r>
             <a:endParaRPr lang="en-US" dirty="0"/>
@@ -6257,35 +6258,35 @@
           <a:p>
             <a:pPr lvl="0"/>
             <a:r>
-              <a:rPr lang="en-US" smtClean="0"/>
+              <a:rPr lang="en-US"/>
               <a:t>Click to edit Master text styles</a:t>
             </a:r>
           </a:p>
           <a:p>
             <a:pPr lvl="1"/>
             <a:r>
-              <a:rPr lang="en-US" smtClean="0"/>
+              <a:rPr lang="en-US"/>
               <a:t>Second level</a:t>
             </a:r>
           </a:p>
           <a:p>
             <a:pPr lvl="2"/>
             <a:r>
-              <a:rPr lang="en-US" smtClean="0"/>
+              <a:rPr lang="en-US"/>
               <a:t>Third level</a:t>
             </a:r>
           </a:p>
           <a:p>
             <a:pPr lvl="3"/>
             <a:r>
-              <a:rPr lang="en-US" smtClean="0"/>
+              <a:rPr lang="en-US"/>
               <a:t>Fourth level</a:t>
             </a:r>
           </a:p>
           <a:p>
             <a:pPr lvl="4"/>
             <a:r>
-              <a:rPr lang="en-US" smtClean="0"/>
+              <a:rPr lang="en-US"/>
               <a:t>Fifth level</a:t>
             </a:r>
             <a:endParaRPr lang="en-US" dirty="0"/>
@@ -6309,7 +6310,7 @@
           <a:p>
             <a:fld id="{CF0FD78B-DB02-4362-BCDC-98A55456977C}" type="datetimeFigureOut">
               <a:rPr lang="en-US" dirty="0"/>
-              <a:t>2/28/17</a:t>
+              <a:t>3/1/2017</a:t>
             </a:fld>
             <a:endParaRPr lang="en-US" dirty="0"/>
           </a:p>
@@ -6398,7 +6399,7 @@
           <a:lstStyle/>
           <a:p>
             <a:r>
-              <a:rPr lang="en-US" smtClean="0"/>
+              <a:rPr lang="en-US"/>
               <a:t>Click to edit Master title style</a:t>
             </a:r>
             <a:endParaRPr lang="en-US" dirty="0"/>
@@ -6422,35 +6423,35 @@
           <a:p>
             <a:pPr lvl="0"/>
             <a:r>
-              <a:rPr lang="en-US" smtClean="0"/>
+              <a:rPr lang="en-US"/>
               <a:t>Click to edit Master text styles</a:t>
             </a:r>
           </a:p>
           <a:p>
             <a:pPr lvl="1"/>
             <a:r>
-              <a:rPr lang="en-US" smtClean="0"/>
+              <a:rPr lang="en-US"/>
               <a:t>Second level</a:t>
             </a:r>
           </a:p>
           <a:p>
             <a:pPr lvl="2"/>
             <a:r>
-              <a:rPr lang="en-US" smtClean="0"/>
+              <a:rPr lang="en-US"/>
               <a:t>Third level</a:t>
             </a:r>
           </a:p>
           <a:p>
             <a:pPr lvl="3"/>
             <a:r>
-              <a:rPr lang="en-US" smtClean="0"/>
+              <a:rPr lang="en-US"/>
               <a:t>Fourth level</a:t>
             </a:r>
           </a:p>
           <a:p>
             <a:pPr lvl="4"/>
             <a:r>
-              <a:rPr lang="en-US" smtClean="0"/>
+              <a:rPr lang="en-US"/>
               <a:t>Fifth level</a:t>
             </a:r>
             <a:endParaRPr lang="en-US" dirty="0"/>
@@ -6474,7 +6475,7 @@
           <a:p>
             <a:fld id="{99916976-5D93-46E4-A98A-FAD63E4D0EA8}" type="datetimeFigureOut">
               <a:rPr lang="en-US" dirty="0"/>
-              <a:t>2/28/17</a:t>
+              <a:t>3/1/2017</a:t>
             </a:fld>
             <a:endParaRPr lang="en-US" dirty="0"/>
           </a:p>
@@ -6606,7 +6607,7 @@
           </a:lstStyle>
           <a:p>
             <a:r>
-              <a:rPr lang="en-US" smtClean="0"/>
+              <a:rPr lang="en-US"/>
               <a:t>Click to edit Master title style</a:t>
             </a:r>
             <a:endParaRPr lang="en-US" dirty="0"/>
@@ -6702,7 +6703,7 @@
           </a:lstStyle>
           <a:p>
             <a:r>
-              <a:rPr lang="en-US" smtClean="0"/>
+              <a:rPr lang="en-US"/>
               <a:t>Click to edit Master subtitle style</a:t>
             </a:r>
             <a:endParaRPr lang="en-US" dirty="0"/>
@@ -6726,7 +6727,7 @@
           <a:p>
             <a:fld id="{0F39F4F5-F4D2-4D2A-AB60-88D37ADCB869}" type="datetimeFigureOut">
               <a:rPr lang="en-US" dirty="0"/>
-              <a:t>2/28/17</a:t>
+              <a:t>3/1/2017</a:t>
             </a:fld>
             <a:endParaRPr lang="en-US" dirty="0"/>
           </a:p>
@@ -6815,7 +6816,7 @@
           <a:lstStyle/>
           <a:p>
             <a:r>
-              <a:rPr lang="en-US" smtClean="0"/>
+              <a:rPr lang="en-US"/>
               <a:t>Click to edit Master title style</a:t>
             </a:r>
             <a:endParaRPr lang="en-US" dirty="0"/>
@@ -6844,35 +6845,35 @@
           <a:p>
             <a:pPr lvl="0"/>
             <a:r>
-              <a:rPr lang="en-US" smtClean="0"/>
+              <a:rPr lang="en-US"/>
               <a:t>Click to edit Master text styles</a:t>
             </a:r>
           </a:p>
           <a:p>
             <a:pPr lvl="1"/>
             <a:r>
-              <a:rPr lang="en-US" smtClean="0"/>
+              <a:rPr lang="en-US"/>
               <a:t>Second level</a:t>
             </a:r>
           </a:p>
           <a:p>
             <a:pPr lvl="2"/>
             <a:r>
-              <a:rPr lang="en-US" smtClean="0"/>
+              <a:rPr lang="en-US"/>
               <a:t>Third level</a:t>
             </a:r>
           </a:p>
           <a:p>
             <a:pPr lvl="3"/>
             <a:r>
-              <a:rPr lang="en-US" smtClean="0"/>
+              <a:rPr lang="en-US"/>
               <a:t>Fourth level</a:t>
             </a:r>
           </a:p>
           <a:p>
             <a:pPr lvl="4"/>
             <a:r>
-              <a:rPr lang="en-US" smtClean="0"/>
+              <a:rPr lang="en-US"/>
               <a:t>Fifth level</a:t>
             </a:r>
             <a:endParaRPr lang="en-US" dirty="0"/>
@@ -6901,35 +6902,35 @@
           <a:p>
             <a:pPr lvl="0"/>
             <a:r>
-              <a:rPr lang="en-US" smtClean="0"/>
+              <a:rPr lang="en-US"/>
               <a:t>Click to edit Master text styles</a:t>
             </a:r>
           </a:p>
           <a:p>
             <a:pPr lvl="1"/>
             <a:r>
-              <a:rPr lang="en-US" smtClean="0"/>
+              <a:rPr lang="en-US"/>
               <a:t>Second level</a:t>
             </a:r>
           </a:p>
           <a:p>
             <a:pPr lvl="2"/>
             <a:r>
-              <a:rPr lang="en-US" smtClean="0"/>
+              <a:rPr lang="en-US"/>
               <a:t>Third level</a:t>
             </a:r>
           </a:p>
           <a:p>
             <a:pPr lvl="3"/>
             <a:r>
-              <a:rPr lang="en-US" smtClean="0"/>
+              <a:rPr lang="en-US"/>
               <a:t>Fourth level</a:t>
             </a:r>
           </a:p>
           <a:p>
             <a:pPr lvl="4"/>
             <a:r>
-              <a:rPr lang="en-US" smtClean="0"/>
+              <a:rPr lang="en-US"/>
               <a:t>Fifth level</a:t>
             </a:r>
             <a:endParaRPr lang="en-US" dirty="0"/>
@@ -6953,7 +6954,7 @@
           <a:p>
             <a:fld id="{D23BC6CE-6D1E-47E5-8859-F31AC5380EB2}" type="datetimeFigureOut">
               <a:rPr lang="en-US" dirty="0"/>
-              <a:t>2/28/17</a:t>
+              <a:t>3/1/2017</a:t>
             </a:fld>
             <a:endParaRPr lang="en-US" dirty="0"/>
           </a:p>
@@ -7047,7 +7048,7 @@
           <a:lstStyle/>
           <a:p>
             <a:r>
-              <a:rPr lang="en-US" smtClean="0"/>
+              <a:rPr lang="en-US"/>
               <a:t>Click to edit Master title style</a:t>
             </a:r>
             <a:endParaRPr lang="en-US" dirty="0"/>
@@ -7140,7 +7141,7 @@
           <a:p>
             <a:pPr lvl="0"/>
             <a:r>
-              <a:rPr lang="en-US" smtClean="0"/>
+              <a:rPr lang="en-US"/>
               <a:t>Click to edit Master text styles</a:t>
             </a:r>
           </a:p>
@@ -7168,35 +7169,35 @@
           <a:p>
             <a:pPr lvl="0"/>
             <a:r>
-              <a:rPr lang="en-US" smtClean="0"/>
+              <a:rPr lang="en-US"/>
               <a:t>Click to edit Master text styles</a:t>
             </a:r>
           </a:p>
           <a:p>
             <a:pPr lvl="1"/>
             <a:r>
-              <a:rPr lang="en-US" smtClean="0"/>
+              <a:rPr lang="en-US"/>
               <a:t>Second level</a:t>
             </a:r>
           </a:p>
           <a:p>
             <a:pPr lvl="2"/>
             <a:r>
-              <a:rPr lang="en-US" smtClean="0"/>
+              <a:rPr lang="en-US"/>
               <a:t>Third level</a:t>
             </a:r>
           </a:p>
           <a:p>
             <a:pPr lvl="3"/>
             <a:r>
-              <a:rPr lang="en-US" smtClean="0"/>
+              <a:rPr lang="en-US"/>
               <a:t>Fourth level</a:t>
             </a:r>
           </a:p>
           <a:p>
             <a:pPr lvl="4"/>
             <a:r>
-              <a:rPr lang="en-US" smtClean="0"/>
+              <a:rPr lang="en-US"/>
               <a:t>Fifth level</a:t>
             </a:r>
             <a:endParaRPr lang="en-US" dirty="0"/>
@@ -7261,7 +7262,7 @@
               <a:buNone/>
             </a:pPr>
             <a:r>
-              <a:rPr lang="en-US" smtClean="0"/>
+              <a:rPr lang="en-US"/>
               <a:t>Click to edit Master text styles</a:t>
             </a:r>
           </a:p>
@@ -7289,35 +7290,35 @@
           <a:p>
             <a:pPr lvl="0"/>
             <a:r>
-              <a:rPr lang="en-US" smtClean="0"/>
+              <a:rPr lang="en-US"/>
               <a:t>Click to edit Master text styles</a:t>
             </a:r>
           </a:p>
           <a:p>
             <a:pPr lvl="1"/>
             <a:r>
-              <a:rPr lang="en-US" smtClean="0"/>
+              <a:rPr lang="en-US"/>
               <a:t>Second level</a:t>
             </a:r>
           </a:p>
           <a:p>
             <a:pPr lvl="2"/>
             <a:r>
-              <a:rPr lang="en-US" smtClean="0"/>
+              <a:rPr lang="en-US"/>
               <a:t>Third level</a:t>
             </a:r>
           </a:p>
           <a:p>
             <a:pPr lvl="3"/>
             <a:r>
-              <a:rPr lang="en-US" smtClean="0"/>
+              <a:rPr lang="en-US"/>
               <a:t>Fourth level</a:t>
             </a:r>
           </a:p>
           <a:p>
             <a:pPr lvl="4"/>
             <a:r>
-              <a:rPr lang="en-US" smtClean="0"/>
+              <a:rPr lang="en-US"/>
               <a:t>Fifth level</a:t>
             </a:r>
             <a:endParaRPr lang="en-US" dirty="0"/>
@@ -7341,7 +7342,7 @@
           <a:p>
             <a:fld id="{B1B4E7C4-4DA4-404D-9965-B13F2DD7D8BF}" type="datetimeFigureOut">
               <a:rPr lang="en-US" dirty="0"/>
-              <a:t>2/28/17</a:t>
+              <a:t>3/1/2017</a:t>
             </a:fld>
             <a:endParaRPr lang="en-US" dirty="0"/>
           </a:p>
@@ -7430,7 +7431,7 @@
           <a:lstStyle/>
           <a:p>
             <a:r>
-              <a:rPr lang="en-US" smtClean="0"/>
+              <a:rPr lang="en-US"/>
               <a:t>Click to edit Master title style</a:t>
             </a:r>
             <a:endParaRPr lang="en-US" dirty="0"/>
@@ -7454,7 +7455,7 @@
           <a:p>
             <a:fld id="{476FB7AA-4A53-424F-AD41-70827B6504BA}" type="datetimeFigureOut">
               <a:rPr lang="en-US" dirty="0"/>
-              <a:t>2/28/17</a:t>
+              <a:t>3/1/2017</a:t>
             </a:fld>
             <a:endParaRPr lang="en-US" dirty="0"/>
           </a:p>
@@ -7544,7 +7545,7 @@
           <a:p>
             <a:fld id="{E7884882-FB12-4BC8-9960-9AD8104D7FAE}" type="datetimeFigureOut">
               <a:rPr lang="en-US" dirty="0"/>
-              <a:t>2/28/17</a:t>
+              <a:t>3/1/2017</a:t>
             </a:fld>
             <a:endParaRPr lang="en-US" dirty="0"/>
           </a:p>
@@ -7642,7 +7643,7 @@
           </a:lstStyle>
           <a:p>
             <a:r>
-              <a:rPr lang="en-US" smtClean="0"/>
+              <a:rPr lang="en-US"/>
               <a:t>Click to edit Master title style</a:t>
             </a:r>
             <a:endParaRPr lang="en-US" dirty="0"/>
@@ -7671,35 +7672,35 @@
           <a:p>
             <a:pPr lvl="0"/>
             <a:r>
-              <a:rPr lang="en-US" smtClean="0"/>
+              <a:rPr lang="en-US"/>
               <a:t>Click to edit Master text styles</a:t>
             </a:r>
           </a:p>
           <a:p>
             <a:pPr lvl="1"/>
             <a:r>
-              <a:rPr lang="en-US" smtClean="0"/>
+              <a:rPr lang="en-US"/>
               <a:t>Second level</a:t>
             </a:r>
           </a:p>
           <a:p>
             <a:pPr lvl="2"/>
             <a:r>
-              <a:rPr lang="en-US" smtClean="0"/>
+              <a:rPr lang="en-US"/>
               <a:t>Third level</a:t>
             </a:r>
           </a:p>
           <a:p>
             <a:pPr lvl="3"/>
             <a:r>
-              <a:rPr lang="en-US" smtClean="0"/>
+              <a:rPr lang="en-US"/>
               <a:t>Fourth level</a:t>
             </a:r>
           </a:p>
           <a:p>
             <a:pPr lvl="4"/>
             <a:r>
-              <a:rPr lang="en-US" smtClean="0"/>
+              <a:rPr lang="en-US"/>
               <a:t>Fifth level</a:t>
             </a:r>
             <a:endParaRPr lang="en-US" dirty="0"/>
@@ -7789,7 +7790,7 @@
           <a:p>
             <a:pPr lvl="0"/>
             <a:r>
-              <a:rPr lang="en-US" smtClean="0"/>
+              <a:rPr lang="en-US"/>
               <a:t>Click to edit Master text styles</a:t>
             </a:r>
           </a:p>
@@ -7812,7 +7813,7 @@
           <a:p>
             <a:fld id="{F7D1BD23-6E54-4D9D-AD88-A2813C73CC25}" type="datetimeFigureOut">
               <a:rPr lang="en-US" dirty="0"/>
-              <a:t>2/28/17</a:t>
+              <a:t>3/1/2017</a:t>
             </a:fld>
             <a:endParaRPr lang="en-US" dirty="0"/>
           </a:p>
@@ -7910,7 +7911,7 @@
           </a:lstStyle>
           <a:p>
             <a:r>
-              <a:rPr lang="en-US" smtClean="0"/>
+              <a:rPr lang="en-US"/>
               <a:t>Click to edit Master title style</a:t>
             </a:r>
             <a:endParaRPr lang="en-US" dirty="0"/>
@@ -7975,7 +7976,7 @@
           </a:lstStyle>
           <a:p>
             <a:r>
-              <a:rPr lang="en-US" smtClean="0"/>
+              <a:rPr lang="en-US"/>
               <a:t>Drag picture to placeholder or click icon to add</a:t>
             </a:r>
             <a:endParaRPr lang="en-US" dirty="0"/>
@@ -8065,7 +8066,7 @@
           <a:p>
             <a:pPr lvl="0"/>
             <a:r>
-              <a:rPr lang="en-US" smtClean="0"/>
+              <a:rPr lang="en-US"/>
               <a:t>Click to edit Master text styles</a:t>
             </a:r>
           </a:p>
@@ -8088,7 +8089,7 @@
           <a:p>
             <a:fld id="{1471A834-4F3C-4AF9-9C74-05EC35A0F292}" type="datetimeFigureOut">
               <a:rPr lang="en-US" dirty="0"/>
-              <a:t>2/28/17</a:t>
+              <a:t>3/1/2017</a:t>
             </a:fld>
             <a:endParaRPr lang="en-US" dirty="0"/>
           </a:p>
@@ -8201,7 +8202,7 @@
           <a:lstStyle/>
           <a:p>
             <a:r>
-              <a:rPr lang="en-US" smtClean="0"/>
+              <a:rPr lang="en-US"/>
               <a:t>Click to edit Master title style</a:t>
             </a:r>
             <a:endParaRPr lang="en-US" dirty="0"/>
@@ -8235,35 +8236,35 @@
           <a:p>
             <a:pPr lvl="0"/>
             <a:r>
-              <a:rPr lang="en-US" smtClean="0"/>
+              <a:rPr lang="en-US"/>
               <a:t>Click to edit Master text styles</a:t>
             </a:r>
           </a:p>
           <a:p>
             <a:pPr lvl="1"/>
             <a:r>
-              <a:rPr lang="en-US" smtClean="0"/>
+              <a:rPr lang="en-US"/>
               <a:t>Second level</a:t>
             </a:r>
           </a:p>
           <a:p>
             <a:pPr lvl="2"/>
             <a:r>
-              <a:rPr lang="en-US" smtClean="0"/>
+              <a:rPr lang="en-US"/>
               <a:t>Third level</a:t>
             </a:r>
           </a:p>
           <a:p>
             <a:pPr lvl="3"/>
             <a:r>
-              <a:rPr lang="en-US" smtClean="0"/>
+              <a:rPr lang="en-US"/>
               <a:t>Fourth level</a:t>
             </a:r>
           </a:p>
           <a:p>
             <a:pPr lvl="4"/>
             <a:r>
-              <a:rPr lang="en-US" smtClean="0"/>
+              <a:rPr lang="en-US"/>
               <a:t>Fifth level</a:t>
             </a:r>
             <a:endParaRPr lang="en-US" dirty="0"/>
@@ -8323,7 +8324,7 @@
           <a:p>
             <a:fld id="{51CF1133-3259-4C45-BABA-5B62D9C6F78D}" type="datetimeFigureOut">
               <a:rPr lang="en-US" dirty="0"/>
-              <a:t>2/28/17</a:t>
+              <a:t>3/1/2017</a:t>
             </a:fld>
             <a:endParaRPr lang="en-US" dirty="0"/>
           </a:p>
@@ -8898,7 +8899,7 @@
           <a:lstStyle/>
           <a:p>
             <a:r>
-              <a:rPr lang="en-US" sz="8000" dirty="0" smtClean="0"/>
+              <a:rPr lang="en-US" sz="8000" dirty="0"/>
               <a:t>Behavior-Driven Design</a:t>
             </a:r>
             <a:endParaRPr lang="en-US" dirty="0"/>
@@ -8921,11 +8922,11 @@
           <a:lstStyle/>
           <a:p>
             <a:r>
-              <a:rPr lang="en-US" dirty="0" smtClean="0"/>
+              <a:rPr lang="en-US" dirty="0"/>
               <a:t>Acceptance Testing and </a:t>
             </a:r>
             <a:r>
-              <a:rPr lang="en-US" dirty="0" err="1" smtClean="0"/>
+              <a:rPr lang="en-US" dirty="0" err="1"/>
               <a:t>SpecFlow</a:t>
             </a:r>
             <a:endParaRPr lang="en-US" dirty="0"/>
@@ -8942,13 +8943,6 @@
   <p:clrMapOvr>
     <a:masterClrMapping/>
   </p:clrMapOvr>
-  <p:timing>
-    <p:tnLst>
-      <p:par>
-        <p:cTn id="1" dur="indefinite" restart="never" nodeType="tmRoot"/>
-      </p:par>
-    </p:tnLst>
-  </p:timing>
 </p:sld>
 </file>
 
@@ -8985,10 +8979,9 @@
           <a:lstStyle/>
           <a:p>
             <a:r>
-              <a:rPr lang="en-US" dirty="0" smtClean="0"/>
-              <a:t>Executable Criteria</a:t>
-            </a:r>
-            <a:endParaRPr lang="en-US" dirty="0"/>
+              <a:rPr lang="en-US" dirty="0"/>
+              <a:t>“Behavior” is a more useful word</a:t>
+            </a:r>
           </a:p>
         </p:txBody>
       </p:sp>
@@ -9007,30 +9000,983 @@
           <a:bodyPr/>
           <a:lstStyle/>
           <a:p>
-            <a:r>
-              <a:rPr lang="en-US" dirty="0" smtClean="0"/>
+            <a:pPr>
+              <a:lnSpc>
+                <a:spcPct val="100000"/>
+              </a:lnSpc>
+              <a:spcBef>
+                <a:spcPts val="0"/>
+              </a:spcBef>
+            </a:pPr>
+            <a:r>
+              <a:rPr lang="en-US" b="1" dirty="0"/>
+              <a:t>BDD helps to drive TDD</a:t>
+            </a:r>
+          </a:p>
+          <a:p>
+            <a:pPr marL="514350" marR="0" lvl="0" indent="-514350" defTabSz="914400" eaLnBrk="1" fontAlgn="auto" latinLnBrk="0" hangingPunct="1">
+              <a:lnSpc>
+                <a:spcPct val="100000"/>
+              </a:lnSpc>
+              <a:spcBef>
+                <a:spcPts val="0"/>
+              </a:spcBef>
+              <a:spcAft>
+                <a:spcPts val="0"/>
+              </a:spcAft>
+              <a:buClrTx/>
+              <a:buSzTx/>
+              <a:buFont typeface="+mj-lt"/>
+              <a:buNone/>
+              <a:tabLst/>
+              <a:defRPr/>
+            </a:pPr>
+            <a:endParaRPr lang="en-US" b="1" dirty="0"/>
+          </a:p>
+          <a:p>
+            <a:pPr>
+              <a:lnSpc>
+                <a:spcPct val="100000"/>
+              </a:lnSpc>
+              <a:spcBef>
+                <a:spcPts val="0"/>
+              </a:spcBef>
+            </a:pPr>
+            <a:r>
+              <a:rPr lang="en-US" b="1" dirty="0"/>
+              <a:t>Why do we write software?</a:t>
+            </a:r>
+          </a:p>
+          <a:p>
+            <a:pPr lvl="1">
+              <a:lnSpc>
+                <a:spcPct val="100000"/>
+              </a:lnSpc>
+              <a:spcBef>
+                <a:spcPts val="0"/>
+              </a:spcBef>
+            </a:pPr>
+            <a:r>
+              <a:rPr lang="en-US" dirty="0"/>
+              <a:t>Business value</a:t>
+            </a:r>
+          </a:p>
+          <a:p>
+            <a:pPr lvl="1">
+              <a:lnSpc>
+                <a:spcPct val="100000"/>
+              </a:lnSpc>
+              <a:spcBef>
+                <a:spcPts val="0"/>
+              </a:spcBef>
+            </a:pPr>
+            <a:endParaRPr lang="en-US" b="1" dirty="0"/>
+          </a:p>
+          <a:p>
+            <a:pPr>
+              <a:lnSpc>
+                <a:spcPct val="100000"/>
+              </a:lnSpc>
+              <a:spcBef>
+                <a:spcPts val="0"/>
+              </a:spcBef>
+            </a:pPr>
+            <a:r>
+              <a:rPr lang="en-US" b="1" dirty="0"/>
+              <a:t>Better Mindset</a:t>
+            </a:r>
+          </a:p>
+          <a:p>
+            <a:pPr lvl="1">
+              <a:lnSpc>
+                <a:spcPct val="100000"/>
+              </a:lnSpc>
+              <a:spcBef>
+                <a:spcPts val="0"/>
+              </a:spcBef>
+            </a:pPr>
+            <a:r>
+              <a:rPr lang="en-US" dirty="0"/>
+              <a:t>“what is the next most important thing the system should do?”</a:t>
+            </a:r>
+          </a:p>
+          <a:p>
+            <a:pPr lvl="1">
+              <a:lnSpc>
+                <a:spcPct val="100000"/>
+              </a:lnSpc>
+              <a:spcBef>
+                <a:spcPts val="0"/>
+              </a:spcBef>
+            </a:pPr>
+            <a:r>
+              <a:rPr lang="en-US" b="1" dirty="0"/>
+              <a:t>The system doesn’t do X and X is important</a:t>
+            </a:r>
+          </a:p>
+          <a:p>
+            <a:pPr lvl="2">
+              <a:lnSpc>
+                <a:spcPct val="100000"/>
+              </a:lnSpc>
+              <a:spcBef>
+                <a:spcPts val="0"/>
+              </a:spcBef>
+            </a:pPr>
+            <a:r>
+              <a:rPr lang="en-US" b="1" i="1" dirty="0" err="1"/>
+              <a:t>shouldDoX</a:t>
+            </a:r>
+            <a:endParaRPr lang="en-US" b="1" i="1" dirty="0"/>
+          </a:p>
+        </p:txBody>
+      </p:sp>
+    </p:spTree>
+    <p:extLst>
+      <p:ext uri="{BB962C8B-B14F-4D97-AF65-F5344CB8AC3E}">
+        <p14:creationId xmlns:p14="http://schemas.microsoft.com/office/powerpoint/2010/main" val="1451881014"/>
+      </p:ext>
+    </p:extLst>
+  </p:cSld>
+  <p:clrMapOvr>
+    <a:masterClrMapping/>
+  </p:clrMapOvr>
+  <p:timing>
+    <p:tnLst>
+      <p:par>
+        <p:cTn id="1" dur="indefinite" restart="never" nodeType="tmRoot">
+          <p:childTnLst>
+            <p:seq concurrent="1" nextAc="seek">
+              <p:cTn id="2" dur="indefinite" nodeType="mainSeq">
+                <p:childTnLst>
+                  <p:par>
+                    <p:cTn id="3" fill="hold">
+                      <p:stCondLst>
+                        <p:cond delay="indefinite"/>
+                      </p:stCondLst>
+                      <p:childTnLst>
+                        <p:par>
+                          <p:cTn id="4" fill="hold">
+                            <p:stCondLst>
+                              <p:cond delay="0"/>
+                            </p:stCondLst>
+                            <p:childTnLst>
+                              <p:par>
+                                <p:cTn id="5" presetID="1" presetClass="entr" presetSubtype="0" fill="hold" grpId="0" nodeType="clickEffect">
+                                  <p:stCondLst>
+                                    <p:cond delay="0"/>
+                                  </p:stCondLst>
+                                  <p:childTnLst>
+                                    <p:set>
+                                      <p:cBhvr>
+                                        <p:cTn id="6" dur="1" fill="hold">
+                                          <p:stCondLst>
+                                            <p:cond delay="0"/>
+                                          </p:stCondLst>
+                                        </p:cTn>
+                                        <p:tgtEl>
+                                          <p:spTgt spid="3">
+                                            <p:txEl>
+                                              <p:pRg st="0" end="0"/>
+                                            </p:txEl>
+                                          </p:spTgt>
+                                        </p:tgtEl>
+                                        <p:attrNameLst>
+                                          <p:attrName>style.visibility</p:attrName>
+                                        </p:attrNameLst>
+                                      </p:cBhvr>
+                                      <p:to>
+                                        <p:strVal val="visible"/>
+                                      </p:to>
+                                    </p:set>
+                                  </p:childTnLst>
+                                </p:cTn>
+                              </p:par>
+                            </p:childTnLst>
+                          </p:cTn>
+                        </p:par>
+                      </p:childTnLst>
+                    </p:cTn>
+                  </p:par>
+                  <p:par>
+                    <p:cTn id="7" fill="hold">
+                      <p:stCondLst>
+                        <p:cond delay="indefinite"/>
+                      </p:stCondLst>
+                      <p:childTnLst>
+                        <p:par>
+                          <p:cTn id="8" fill="hold">
+                            <p:stCondLst>
+                              <p:cond delay="0"/>
+                            </p:stCondLst>
+                            <p:childTnLst>
+                              <p:par>
+                                <p:cTn id="9" presetID="1" presetClass="entr" presetSubtype="0" fill="hold" grpId="0" nodeType="clickEffect">
+                                  <p:stCondLst>
+                                    <p:cond delay="0"/>
+                                  </p:stCondLst>
+                                  <p:childTnLst>
+                                    <p:set>
+                                      <p:cBhvr>
+                                        <p:cTn id="10" dur="1" fill="hold">
+                                          <p:stCondLst>
+                                            <p:cond delay="0"/>
+                                          </p:stCondLst>
+                                        </p:cTn>
+                                        <p:tgtEl>
+                                          <p:spTgt spid="3">
+                                            <p:txEl>
+                                              <p:pRg st="2" end="2"/>
+                                            </p:txEl>
+                                          </p:spTgt>
+                                        </p:tgtEl>
+                                        <p:attrNameLst>
+                                          <p:attrName>style.visibility</p:attrName>
+                                        </p:attrNameLst>
+                                      </p:cBhvr>
+                                      <p:to>
+                                        <p:strVal val="visible"/>
+                                      </p:to>
+                                    </p:set>
+                                  </p:childTnLst>
+                                </p:cTn>
+                              </p:par>
+                            </p:childTnLst>
+                          </p:cTn>
+                        </p:par>
+                      </p:childTnLst>
+                    </p:cTn>
+                  </p:par>
+                  <p:par>
+                    <p:cTn id="11" fill="hold">
+                      <p:stCondLst>
+                        <p:cond delay="indefinite"/>
+                      </p:stCondLst>
+                      <p:childTnLst>
+                        <p:par>
+                          <p:cTn id="12" fill="hold">
+                            <p:stCondLst>
+                              <p:cond delay="0"/>
+                            </p:stCondLst>
+                            <p:childTnLst>
+                              <p:par>
+                                <p:cTn id="13" presetID="1" presetClass="entr" presetSubtype="0" fill="hold" grpId="0" nodeType="clickEffect">
+                                  <p:stCondLst>
+                                    <p:cond delay="0"/>
+                                  </p:stCondLst>
+                                  <p:childTnLst>
+                                    <p:set>
+                                      <p:cBhvr>
+                                        <p:cTn id="14" dur="1" fill="hold">
+                                          <p:stCondLst>
+                                            <p:cond delay="0"/>
+                                          </p:stCondLst>
+                                        </p:cTn>
+                                        <p:tgtEl>
+                                          <p:spTgt spid="3">
+                                            <p:txEl>
+                                              <p:pRg st="3" end="3"/>
+                                            </p:txEl>
+                                          </p:spTgt>
+                                        </p:tgtEl>
+                                        <p:attrNameLst>
+                                          <p:attrName>style.visibility</p:attrName>
+                                        </p:attrNameLst>
+                                      </p:cBhvr>
+                                      <p:to>
+                                        <p:strVal val="visible"/>
+                                      </p:to>
+                                    </p:set>
+                                  </p:childTnLst>
+                                </p:cTn>
+                              </p:par>
+                            </p:childTnLst>
+                          </p:cTn>
+                        </p:par>
+                      </p:childTnLst>
+                    </p:cTn>
+                  </p:par>
+                  <p:par>
+                    <p:cTn id="15" fill="hold">
+                      <p:stCondLst>
+                        <p:cond delay="indefinite"/>
+                      </p:stCondLst>
+                      <p:childTnLst>
+                        <p:par>
+                          <p:cTn id="16" fill="hold">
+                            <p:stCondLst>
+                              <p:cond delay="0"/>
+                            </p:stCondLst>
+                            <p:childTnLst>
+                              <p:par>
+                                <p:cTn id="17" presetID="1" presetClass="entr" presetSubtype="0" fill="hold" grpId="0" nodeType="clickEffect">
+                                  <p:stCondLst>
+                                    <p:cond delay="0"/>
+                                  </p:stCondLst>
+                                  <p:childTnLst>
+                                    <p:set>
+                                      <p:cBhvr>
+                                        <p:cTn id="18" dur="1" fill="hold">
+                                          <p:stCondLst>
+                                            <p:cond delay="0"/>
+                                          </p:stCondLst>
+                                        </p:cTn>
+                                        <p:tgtEl>
+                                          <p:spTgt spid="3">
+                                            <p:txEl>
+                                              <p:pRg st="5" end="5"/>
+                                            </p:txEl>
+                                          </p:spTgt>
+                                        </p:tgtEl>
+                                        <p:attrNameLst>
+                                          <p:attrName>style.visibility</p:attrName>
+                                        </p:attrNameLst>
+                                      </p:cBhvr>
+                                      <p:to>
+                                        <p:strVal val="visible"/>
+                                      </p:to>
+                                    </p:set>
+                                  </p:childTnLst>
+                                </p:cTn>
+                              </p:par>
+                            </p:childTnLst>
+                          </p:cTn>
+                        </p:par>
+                      </p:childTnLst>
+                    </p:cTn>
+                  </p:par>
+                  <p:par>
+                    <p:cTn id="19" fill="hold">
+                      <p:stCondLst>
+                        <p:cond delay="indefinite"/>
+                      </p:stCondLst>
+                      <p:childTnLst>
+                        <p:par>
+                          <p:cTn id="20" fill="hold">
+                            <p:stCondLst>
+                              <p:cond delay="0"/>
+                            </p:stCondLst>
+                            <p:childTnLst>
+                              <p:par>
+                                <p:cTn id="21" presetID="1" presetClass="entr" presetSubtype="0" fill="hold" grpId="0" nodeType="clickEffect">
+                                  <p:stCondLst>
+                                    <p:cond delay="0"/>
+                                  </p:stCondLst>
+                                  <p:childTnLst>
+                                    <p:set>
+                                      <p:cBhvr>
+                                        <p:cTn id="22" dur="1" fill="hold">
+                                          <p:stCondLst>
+                                            <p:cond delay="0"/>
+                                          </p:stCondLst>
+                                        </p:cTn>
+                                        <p:tgtEl>
+                                          <p:spTgt spid="3">
+                                            <p:txEl>
+                                              <p:pRg st="6" end="6"/>
+                                            </p:txEl>
+                                          </p:spTgt>
+                                        </p:tgtEl>
+                                        <p:attrNameLst>
+                                          <p:attrName>style.visibility</p:attrName>
+                                        </p:attrNameLst>
+                                      </p:cBhvr>
+                                      <p:to>
+                                        <p:strVal val="visible"/>
+                                      </p:to>
+                                    </p:set>
+                                  </p:childTnLst>
+                                </p:cTn>
+                              </p:par>
+                              <p:par>
+                                <p:cTn id="23" presetID="1" presetClass="entr" presetSubtype="0" fill="hold" grpId="0" nodeType="withEffect">
+                                  <p:stCondLst>
+                                    <p:cond delay="0"/>
+                                  </p:stCondLst>
+                                  <p:childTnLst>
+                                    <p:set>
+                                      <p:cBhvr>
+                                        <p:cTn id="24" dur="1" fill="hold">
+                                          <p:stCondLst>
+                                            <p:cond delay="0"/>
+                                          </p:stCondLst>
+                                        </p:cTn>
+                                        <p:tgtEl>
+                                          <p:spTgt spid="3">
+                                            <p:txEl>
+                                              <p:pRg st="7" end="7"/>
+                                            </p:txEl>
+                                          </p:spTgt>
+                                        </p:tgtEl>
+                                        <p:attrNameLst>
+                                          <p:attrName>style.visibility</p:attrName>
+                                        </p:attrNameLst>
+                                      </p:cBhvr>
+                                      <p:to>
+                                        <p:strVal val="visible"/>
+                                      </p:to>
+                                    </p:set>
+                                  </p:childTnLst>
+                                </p:cTn>
+                              </p:par>
+                              <p:par>
+                                <p:cTn id="25" presetID="1" presetClass="entr" presetSubtype="0" fill="hold" grpId="0" nodeType="withEffect">
+                                  <p:stCondLst>
+                                    <p:cond delay="0"/>
+                                  </p:stCondLst>
+                                  <p:childTnLst>
+                                    <p:set>
+                                      <p:cBhvr>
+                                        <p:cTn id="26" dur="1" fill="hold">
+                                          <p:stCondLst>
+                                            <p:cond delay="0"/>
+                                          </p:stCondLst>
+                                        </p:cTn>
+                                        <p:tgtEl>
+                                          <p:spTgt spid="3">
+                                            <p:txEl>
+                                              <p:pRg st="8" end="8"/>
+                                            </p:txEl>
+                                          </p:spTgt>
+                                        </p:tgtEl>
+                                        <p:attrNameLst>
+                                          <p:attrName>style.visibility</p:attrName>
+                                        </p:attrNameLst>
+                                      </p:cBhvr>
+                                      <p:to>
+                                        <p:strVal val="visible"/>
+                                      </p:to>
+                                    </p:set>
+                                  </p:childTnLst>
+                                </p:cTn>
+                              </p:par>
+                            </p:childTnLst>
+                          </p:cTn>
+                        </p:par>
+                      </p:childTnLst>
+                    </p:cTn>
+                  </p:par>
+                </p:childTnLst>
+              </p:cTn>
+              <p:prevCondLst>
+                <p:cond evt="onPrev" delay="0">
+                  <p:tgtEl>
+                    <p:sldTgt/>
+                  </p:tgtEl>
+                </p:cond>
+              </p:prevCondLst>
+              <p:nextCondLst>
+                <p:cond evt="onNext" delay="0">
+                  <p:tgtEl>
+                    <p:sldTgt/>
+                  </p:tgtEl>
+                </p:cond>
+              </p:nextCondLst>
+            </p:seq>
+          </p:childTnLst>
+        </p:cTn>
+      </p:par>
+    </p:tnLst>
+    <p:bldLst>
+      <p:bldP spid="3" grpId="0" uiExpand="1" build="p"/>
+    </p:bldLst>
+  </p:timing>
+</p:sld>
+</file>
+
+<file path=ppt/slides/slide11.xml><?xml version="1.0" encoding="utf-8"?>
+<p:sld xmlns:a="http://schemas.openxmlformats.org/drawingml/2006/main" xmlns:r="http://schemas.openxmlformats.org/officeDocument/2006/relationships" xmlns:p="http://schemas.openxmlformats.org/presentationml/2006/main">
+  <p:cSld>
+    <p:spTree>
+      <p:nvGrpSpPr>
+        <p:cNvPr id="1" name=""/>
+        <p:cNvGrpSpPr/>
+        <p:nvPr/>
+      </p:nvGrpSpPr>
+      <p:grpSpPr>
+        <a:xfrm>
+          <a:off x="0" y="0"/>
+          <a:ext cx="0" cy="0"/>
+          <a:chOff x="0" y="0"/>
+          <a:chExt cx="0" cy="0"/>
+        </a:xfrm>
+      </p:grpSpPr>
+      <p:sp>
+        <p:nvSpPr>
+          <p:cNvPr id="2" name="Title 1"/>
+          <p:cNvSpPr>
+            <a:spLocks noGrp="1"/>
+          </p:cNvSpPr>
+          <p:nvPr>
+            <p:ph type="title"/>
+          </p:nvPr>
+        </p:nvSpPr>
+        <p:spPr/>
+        <p:txBody>
+          <a:bodyPr/>
+          <a:lstStyle/>
+          <a:p>
+            <a:r>
+              <a:rPr lang="en-US" b="1" dirty="0"/>
+              <a:t>Requirements are Behavior, Too</a:t>
+            </a:r>
+            <a:endParaRPr lang="en-US" dirty="0"/>
+          </a:p>
+        </p:txBody>
+      </p:sp>
+      <p:sp>
+        <p:nvSpPr>
+          <p:cNvPr id="3" name="Content Placeholder 2"/>
+          <p:cNvSpPr>
+            <a:spLocks noGrp="1"/>
+          </p:cNvSpPr>
+          <p:nvPr>
+            <p:ph idx="1"/>
+          </p:nvPr>
+        </p:nvSpPr>
+        <p:spPr/>
+        <p:txBody>
+          <a:bodyPr/>
+          <a:lstStyle/>
+          <a:p>
+            <a:r>
+              <a:rPr lang="en-US" dirty="0"/>
+              <a:t>Ubiquitous Language</a:t>
+            </a:r>
+          </a:p>
+          <a:p>
+            <a:pPr lvl="1"/>
+            <a:r>
+              <a:rPr lang="en-US" dirty="0"/>
+              <a:t>Analyst, developers, testers, and the business</a:t>
+            </a:r>
+          </a:p>
+          <a:p>
+            <a:pPr lvl="1"/>
+            <a:endParaRPr lang="en-US" dirty="0"/>
+          </a:p>
+          <a:p>
+            <a:pPr marL="0" indent="0">
+              <a:buNone/>
+            </a:pPr>
+            <a:r>
+              <a:rPr lang="en-US" dirty="0"/>
+              <a:t>Story Language</a:t>
+            </a:r>
+            <a:br>
+              <a:rPr lang="en-US" b="1" dirty="0"/>
+            </a:br>
+            <a:r>
+              <a:rPr lang="en-US" b="1" dirty="0"/>
+              <a:t>As a </a:t>
+            </a:r>
+            <a:r>
+              <a:rPr lang="en-US" dirty="0"/>
+              <a:t>[x] </a:t>
+            </a:r>
+            <a:r>
+              <a:rPr lang="mr-IN" dirty="0"/>
+              <a:t>–</a:t>
+            </a:r>
+            <a:r>
+              <a:rPr lang="en-US" dirty="0"/>
+              <a:t> person or role</a:t>
+            </a:r>
+            <a:br>
+              <a:rPr lang="en-US" dirty="0"/>
+            </a:br>
+            <a:r>
+              <a:rPr lang="en-US" b="1" dirty="0"/>
+              <a:t>I want</a:t>
+            </a:r>
+            <a:r>
+              <a:rPr lang="en-US" dirty="0"/>
+              <a:t> [y] </a:t>
+            </a:r>
+            <a:r>
+              <a:rPr lang="mr-IN" dirty="0"/>
+              <a:t>–</a:t>
+            </a:r>
+            <a:r>
+              <a:rPr lang="en-US" dirty="0"/>
+              <a:t> some feature</a:t>
+            </a:r>
+            <a:br>
+              <a:rPr lang="en-US" dirty="0"/>
+            </a:br>
+            <a:r>
+              <a:rPr lang="en-US" b="1" dirty="0"/>
+              <a:t>So that </a:t>
+            </a:r>
+            <a:r>
+              <a:rPr lang="en-US" dirty="0"/>
+              <a:t>[z] </a:t>
+            </a:r>
+            <a:r>
+              <a:rPr lang="mr-IN" dirty="0"/>
+              <a:t>–</a:t>
+            </a:r>
+            <a:r>
+              <a:rPr lang="en-US" dirty="0"/>
+              <a:t> the benefit or value of the feature</a:t>
+            </a:r>
+          </a:p>
+          <a:p>
+            <a:pPr marL="0" indent="0">
+              <a:buNone/>
+            </a:pPr>
+            <a:endParaRPr lang="en-US" dirty="0"/>
+          </a:p>
+          <a:p>
+            <a:r>
+              <a:rPr lang="en-US" dirty="0"/>
+              <a:t>Can’t specify </a:t>
+            </a:r>
+            <a:r>
+              <a:rPr lang="en-US" b="1" i="1" dirty="0"/>
+              <a:t>so that</a:t>
+            </a:r>
+            <a:r>
+              <a:rPr lang="en-US" dirty="0"/>
+              <a:t>?</a:t>
+            </a:r>
+            <a:r>
+              <a:rPr lang="en-US" i="1" dirty="0"/>
+              <a:t> </a:t>
+            </a:r>
+            <a:r>
+              <a:rPr lang="en-US" dirty="0"/>
+              <a:t>Probably isn’t important.</a:t>
+            </a:r>
+          </a:p>
+          <a:p>
+            <a:pPr marL="0" indent="0">
+              <a:buNone/>
+            </a:pPr>
+            <a:endParaRPr lang="en-US" dirty="0"/>
+          </a:p>
+        </p:txBody>
+      </p:sp>
+    </p:spTree>
+    <p:extLst>
+      <p:ext uri="{BB962C8B-B14F-4D97-AF65-F5344CB8AC3E}">
+        <p14:creationId xmlns:p14="http://schemas.microsoft.com/office/powerpoint/2010/main" val="1154998856"/>
+      </p:ext>
+    </p:extLst>
+  </p:cSld>
+  <p:clrMapOvr>
+    <a:masterClrMapping/>
+  </p:clrMapOvr>
+  <p:timing>
+    <p:tnLst>
+      <p:par>
+        <p:cTn id="1" dur="indefinite" restart="never" nodeType="tmRoot">
+          <p:childTnLst>
+            <p:seq concurrent="1" nextAc="seek">
+              <p:cTn id="2" dur="indefinite" nodeType="mainSeq">
+                <p:childTnLst>
+                  <p:par>
+                    <p:cTn id="3" fill="hold">
+                      <p:stCondLst>
+                        <p:cond delay="indefinite"/>
+                      </p:stCondLst>
+                      <p:childTnLst>
+                        <p:par>
+                          <p:cTn id="4" fill="hold">
+                            <p:stCondLst>
+                              <p:cond delay="0"/>
+                            </p:stCondLst>
+                            <p:childTnLst>
+                              <p:par>
+                                <p:cTn id="5" presetID="1" presetClass="entr" presetSubtype="0" fill="hold" grpId="0" nodeType="clickEffect">
+                                  <p:stCondLst>
+                                    <p:cond delay="0"/>
+                                  </p:stCondLst>
+                                  <p:childTnLst>
+                                    <p:set>
+                                      <p:cBhvr>
+                                        <p:cTn id="6" dur="1" fill="hold">
+                                          <p:stCondLst>
+                                            <p:cond delay="0"/>
+                                          </p:stCondLst>
+                                        </p:cTn>
+                                        <p:tgtEl>
+                                          <p:spTgt spid="3">
+                                            <p:txEl>
+                                              <p:pRg st="0" end="0"/>
+                                            </p:txEl>
+                                          </p:spTgt>
+                                        </p:tgtEl>
+                                        <p:attrNameLst>
+                                          <p:attrName>style.visibility</p:attrName>
+                                        </p:attrNameLst>
+                                      </p:cBhvr>
+                                      <p:to>
+                                        <p:strVal val="visible"/>
+                                      </p:to>
+                                    </p:set>
+                                  </p:childTnLst>
+                                </p:cTn>
+                              </p:par>
+                            </p:childTnLst>
+                          </p:cTn>
+                        </p:par>
+                      </p:childTnLst>
+                    </p:cTn>
+                  </p:par>
+                  <p:par>
+                    <p:cTn id="7" fill="hold">
+                      <p:stCondLst>
+                        <p:cond delay="indefinite"/>
+                      </p:stCondLst>
+                      <p:childTnLst>
+                        <p:par>
+                          <p:cTn id="8" fill="hold">
+                            <p:stCondLst>
+                              <p:cond delay="0"/>
+                            </p:stCondLst>
+                            <p:childTnLst>
+                              <p:par>
+                                <p:cTn id="9" presetID="1" presetClass="entr" presetSubtype="0" fill="hold" grpId="0" nodeType="clickEffect">
+                                  <p:stCondLst>
+                                    <p:cond delay="0"/>
+                                  </p:stCondLst>
+                                  <p:childTnLst>
+                                    <p:set>
+                                      <p:cBhvr>
+                                        <p:cTn id="10" dur="1" fill="hold">
+                                          <p:stCondLst>
+                                            <p:cond delay="0"/>
+                                          </p:stCondLst>
+                                        </p:cTn>
+                                        <p:tgtEl>
+                                          <p:spTgt spid="3">
+                                            <p:txEl>
+                                              <p:pRg st="1" end="1"/>
+                                            </p:txEl>
+                                          </p:spTgt>
+                                        </p:tgtEl>
+                                        <p:attrNameLst>
+                                          <p:attrName>style.visibility</p:attrName>
+                                        </p:attrNameLst>
+                                      </p:cBhvr>
+                                      <p:to>
+                                        <p:strVal val="visible"/>
+                                      </p:to>
+                                    </p:set>
+                                  </p:childTnLst>
+                                </p:cTn>
+                              </p:par>
+                            </p:childTnLst>
+                          </p:cTn>
+                        </p:par>
+                      </p:childTnLst>
+                    </p:cTn>
+                  </p:par>
+                  <p:par>
+                    <p:cTn id="11" fill="hold">
+                      <p:stCondLst>
+                        <p:cond delay="indefinite"/>
+                      </p:stCondLst>
+                      <p:childTnLst>
+                        <p:par>
+                          <p:cTn id="12" fill="hold">
+                            <p:stCondLst>
+                              <p:cond delay="0"/>
+                            </p:stCondLst>
+                            <p:childTnLst>
+                              <p:par>
+                                <p:cTn id="13" presetID="1" presetClass="entr" presetSubtype="0" fill="hold" grpId="0" nodeType="clickEffect">
+                                  <p:stCondLst>
+                                    <p:cond delay="0"/>
+                                  </p:stCondLst>
+                                  <p:childTnLst>
+                                    <p:set>
+                                      <p:cBhvr>
+                                        <p:cTn id="14" dur="1" fill="hold">
+                                          <p:stCondLst>
+                                            <p:cond delay="0"/>
+                                          </p:stCondLst>
+                                        </p:cTn>
+                                        <p:tgtEl>
+                                          <p:spTgt spid="3">
+                                            <p:txEl>
+                                              <p:pRg st="3" end="3"/>
+                                            </p:txEl>
+                                          </p:spTgt>
+                                        </p:tgtEl>
+                                        <p:attrNameLst>
+                                          <p:attrName>style.visibility</p:attrName>
+                                        </p:attrNameLst>
+                                      </p:cBhvr>
+                                      <p:to>
+                                        <p:strVal val="visible"/>
+                                      </p:to>
+                                    </p:set>
+                                  </p:childTnLst>
+                                </p:cTn>
+                              </p:par>
+                            </p:childTnLst>
+                          </p:cTn>
+                        </p:par>
+                      </p:childTnLst>
+                    </p:cTn>
+                  </p:par>
+                  <p:par>
+                    <p:cTn id="15" fill="hold">
+                      <p:stCondLst>
+                        <p:cond delay="indefinite"/>
+                      </p:stCondLst>
+                      <p:childTnLst>
+                        <p:par>
+                          <p:cTn id="16" fill="hold">
+                            <p:stCondLst>
+                              <p:cond delay="0"/>
+                            </p:stCondLst>
+                            <p:childTnLst>
+                              <p:par>
+                                <p:cTn id="17" presetID="1" presetClass="entr" presetSubtype="0" fill="hold" grpId="0" nodeType="clickEffect">
+                                  <p:stCondLst>
+                                    <p:cond delay="0"/>
+                                  </p:stCondLst>
+                                  <p:childTnLst>
+                                    <p:set>
+                                      <p:cBhvr>
+                                        <p:cTn id="18" dur="1" fill="hold">
+                                          <p:stCondLst>
+                                            <p:cond delay="0"/>
+                                          </p:stCondLst>
+                                        </p:cTn>
+                                        <p:tgtEl>
+                                          <p:spTgt spid="3">
+                                            <p:txEl>
+                                              <p:pRg st="5" end="5"/>
+                                            </p:txEl>
+                                          </p:spTgt>
+                                        </p:tgtEl>
+                                        <p:attrNameLst>
+                                          <p:attrName>style.visibility</p:attrName>
+                                        </p:attrNameLst>
+                                      </p:cBhvr>
+                                      <p:to>
+                                        <p:strVal val="visible"/>
+                                      </p:to>
+                                    </p:set>
+                                  </p:childTnLst>
+                                </p:cTn>
+                              </p:par>
+                            </p:childTnLst>
+                          </p:cTn>
+                        </p:par>
+                      </p:childTnLst>
+                    </p:cTn>
+                  </p:par>
+                </p:childTnLst>
+              </p:cTn>
+              <p:prevCondLst>
+                <p:cond evt="onPrev" delay="0">
+                  <p:tgtEl>
+                    <p:sldTgt/>
+                  </p:tgtEl>
+                </p:cond>
+              </p:prevCondLst>
+              <p:nextCondLst>
+                <p:cond evt="onNext" delay="0">
+                  <p:tgtEl>
+                    <p:sldTgt/>
+                  </p:tgtEl>
+                </p:cond>
+              </p:nextCondLst>
+            </p:seq>
+          </p:childTnLst>
+        </p:cTn>
+      </p:par>
+    </p:tnLst>
+    <p:bldLst>
+      <p:bldP spid="3" grpId="0" uiExpand="1" build="p"/>
+    </p:bldLst>
+  </p:timing>
+</p:sld>
+</file>
+
+<file path=ppt/slides/slide12.xml><?xml version="1.0" encoding="utf-8"?>
+<p:sld xmlns:a="http://schemas.openxmlformats.org/drawingml/2006/main" xmlns:r="http://schemas.openxmlformats.org/officeDocument/2006/relationships" xmlns:p="http://schemas.openxmlformats.org/presentationml/2006/main">
+  <p:cSld>
+    <p:spTree>
+      <p:nvGrpSpPr>
+        <p:cNvPr id="1" name=""/>
+        <p:cNvGrpSpPr/>
+        <p:nvPr/>
+      </p:nvGrpSpPr>
+      <p:grpSpPr>
+        <a:xfrm>
+          <a:off x="0" y="0"/>
+          <a:ext cx="0" cy="0"/>
+          <a:chOff x="0" y="0"/>
+          <a:chExt cx="0" cy="0"/>
+        </a:xfrm>
+      </p:grpSpPr>
+      <p:sp>
+        <p:nvSpPr>
+          <p:cNvPr id="2" name="Title 1"/>
+          <p:cNvSpPr>
+            <a:spLocks noGrp="1"/>
+          </p:cNvSpPr>
+          <p:nvPr>
+            <p:ph type="title"/>
+          </p:nvPr>
+        </p:nvSpPr>
+        <p:spPr/>
+        <p:txBody>
+          <a:bodyPr/>
+          <a:lstStyle/>
+          <a:p>
+            <a:r>
+              <a:rPr lang="en-US" dirty="0"/>
+              <a:t>Executable Criteria</a:t>
+            </a:r>
+          </a:p>
+        </p:txBody>
+      </p:sp>
+      <p:sp>
+        <p:nvSpPr>
+          <p:cNvPr id="3" name="Content Placeholder 2"/>
+          <p:cNvSpPr>
+            <a:spLocks noGrp="1"/>
+          </p:cNvSpPr>
+          <p:nvPr>
+            <p:ph idx="1"/>
+          </p:nvPr>
+        </p:nvSpPr>
+        <p:spPr/>
+        <p:txBody>
+          <a:bodyPr/>
+          <a:lstStyle/>
+          <a:p>
+            <a:r>
+              <a:rPr lang="en-US" dirty="0"/>
               <a:t>Different tests for different stakeholders</a:t>
             </a:r>
             <a:br>
-              <a:rPr lang="en-US" dirty="0" smtClean="0"/>
+              <a:rPr lang="en-US" dirty="0"/>
             </a:br>
-            <a:endParaRPr lang="en-US" dirty="0" smtClean="0"/>
+            <a:endParaRPr lang="en-US" dirty="0"/>
           </a:p>
           <a:p>
             <a:pPr lvl="1"/>
             <a:r>
-              <a:rPr lang="en-US" dirty="0" smtClean="0"/>
+              <a:rPr lang="en-US" dirty="0"/>
               <a:t>Feature tests for product owner</a:t>
             </a:r>
           </a:p>
           <a:p>
             <a:pPr lvl="1"/>
-            <a:endParaRPr lang="en-US" dirty="0" smtClean="0"/>
+            <a:endParaRPr lang="en-US" dirty="0"/>
           </a:p>
           <a:p>
             <a:pPr lvl="1"/>
             <a:r>
-              <a:rPr lang="en-US" dirty="0" smtClean="0"/>
+              <a:rPr lang="en-US" dirty="0"/>
               <a:t>Technical tests for architect</a:t>
             </a:r>
           </a:p>
@@ -9041,10 +9987,9 @@
           <a:p>
             <a:pPr lvl="1"/>
             <a:r>
-              <a:rPr lang="en-US" dirty="0" smtClean="0"/>
+              <a:rPr lang="en-US" dirty="0"/>
               <a:t>Negative tests for unusual or invalid uses</a:t>
             </a:r>
-            <a:endParaRPr lang="en-US" dirty="0"/>
           </a:p>
         </p:txBody>
       </p:sp>
@@ -9290,7 +10235,7 @@
 </p:sld>
 </file>
 
-<file path=ppt/slides/slide11.xml><?xml version="1.0" encoding="utf-8"?>
+<file path=ppt/slides/slide13.xml><?xml version="1.0" encoding="utf-8"?>
 <p:sld xmlns:a="http://schemas.openxmlformats.org/drawingml/2006/main" xmlns:r="http://schemas.openxmlformats.org/officeDocument/2006/relationships" xmlns:p="http://schemas.openxmlformats.org/presentationml/2006/main">
   <p:cSld>
     <p:spTree>
@@ -9323,10 +10268,9 @@
           <a:lstStyle/>
           <a:p>
             <a:r>
-              <a:rPr lang="en-US" dirty="0" smtClean="0"/>
+              <a:rPr lang="en-US" dirty="0"/>
               <a:t>DSL of BDD</a:t>
             </a:r>
-            <a:endParaRPr lang="en-US" dirty="0"/>
           </a:p>
         </p:txBody>
       </p:sp>
@@ -9357,7 +10301,7 @@
               <a:buNone/>
             </a:pPr>
             <a:r>
-              <a:rPr lang="en-US" b="1" dirty="0" smtClean="0"/>
+              <a:rPr lang="en-US" b="1" dirty="0"/>
               <a:t>Given: </a:t>
             </a:r>
           </a:p>
@@ -9372,30 +10316,17 @@
               <a:buNone/>
             </a:pPr>
             <a:r>
-              <a:rPr lang="en-US" dirty="0" smtClean="0"/>
-              <a:t>The </a:t>
-            </a:r>
-            <a:r>
-              <a:rPr lang="en-US" dirty="0"/>
-              <a:t>purpose of </a:t>
-            </a:r>
-            <a:r>
-              <a:rPr lang="en-US" i="1" dirty="0" smtClean="0"/>
+              <a:rPr lang="en-US" dirty="0"/>
+              <a:t>The purpose of </a:t>
+            </a:r>
+            <a:r>
+              <a:rPr lang="en-US" i="1" dirty="0"/>
               <a:t>Given</a:t>
             </a:r>
             <a:r>
-              <a:rPr lang="en-US" dirty="0" smtClean="0"/>
-              <a:t> is </a:t>
-            </a:r>
-            <a:r>
-              <a:rPr lang="en-US" dirty="0"/>
-              <a:t>to put the system in a known state before the user starts interacting with the system</a:t>
-            </a:r>
-            <a:r>
-              <a:rPr lang="en-US" dirty="0" smtClean="0"/>
-              <a:t>.</a:t>
-            </a:r>
-            <a:endParaRPr lang="en-US" dirty="0"/>
+              <a:rPr lang="en-US" dirty="0"/>
+              <a:t> is to put the system in a known state before the user starts interacting with the system.</a:t>
+            </a:r>
           </a:p>
           <a:p>
             <a:pPr marL="0" lvl="0" indent="0">
@@ -9407,7 +10338,7 @@
               </a:spcBef>
               <a:buNone/>
             </a:pPr>
-            <a:endParaRPr lang="en-US" b="1" dirty="0" smtClean="0"/>
+            <a:endParaRPr lang="en-US" b="1" dirty="0"/>
           </a:p>
           <a:p>
             <a:pPr marL="0" lvl="0" indent="0">
@@ -9420,10 +10351,10 @@
               <a:buNone/>
             </a:pPr>
             <a:r>
-              <a:rPr lang="en-US" b="1" dirty="0" smtClean="0"/>
+              <a:rPr lang="en-US" b="1" dirty="0"/>
               <a:t>When:</a:t>
             </a:r>
-            <a:endParaRPr lang="en-US" dirty="0" smtClean="0"/>
+            <a:endParaRPr lang="en-US" dirty="0"/>
           </a:p>
           <a:p>
             <a:pPr marL="0" lvl="0" indent="0">
@@ -9445,11 +10376,7 @@
             </a:r>
             <a:r>
               <a:rPr lang="en-US" dirty="0"/>
-              <a:t> steps is to describe the key action the user performs</a:t>
-            </a:r>
-            <a:r>
-              <a:rPr lang="en-US" dirty="0" smtClean="0"/>
-              <a:t>.</a:t>
+              <a:t> steps is to describe the key action the user performs.</a:t>
             </a:r>
           </a:p>
           <a:p>
@@ -9475,7 +10402,7 @@
               <a:buNone/>
             </a:pPr>
             <a:r>
-              <a:rPr lang="en-US" b="1" dirty="0" smtClean="0"/>
+              <a:rPr lang="en-US" b="1" dirty="0"/>
               <a:t>Then:</a:t>
             </a:r>
           </a:p>
@@ -9788,7 +10715,7 @@
 </p:sld>
 </file>
 
-<file path=ppt/slides/slide12.xml><?xml version="1.0" encoding="utf-8"?>
+<file path=ppt/slides/slide14.xml><?xml version="1.0" encoding="utf-8"?>
 <p:sld xmlns:a="http://schemas.openxmlformats.org/drawingml/2006/main" xmlns:r="http://schemas.openxmlformats.org/officeDocument/2006/relationships" xmlns:p="http://schemas.openxmlformats.org/presentationml/2006/main">
   <p:cSld>
     <p:spTree>
@@ -9821,7 +10748,7 @@
           <a:lstStyle/>
           <a:p>
             <a:r>
-              <a:rPr lang="en-US" b="1" smtClean="0"/>
+              <a:rPr lang="en-US" b="1"/>
               <a:t>User Stories</a:t>
             </a:r>
             <a:endParaRPr lang="en-US" dirty="0"/>
@@ -9851,48 +10778,28 @@
             <a:pPr marL="0" indent="0">
               <a:buNone/>
             </a:pPr>
-            <a:endParaRPr lang="en-US" i="1" dirty="0" smtClean="0"/>
+            <a:endParaRPr lang="en-US" i="1" dirty="0"/>
           </a:p>
           <a:p>
             <a:pPr marL="0" indent="0">
               <a:buNone/>
             </a:pPr>
-            <a:endParaRPr lang="en-US" i="1" dirty="0" smtClean="0"/>
+            <a:endParaRPr lang="en-US" i="1" dirty="0"/>
           </a:p>
           <a:p>
             <a:pPr marL="0" indent="0">
               <a:buNone/>
             </a:pPr>
             <a:r>
-              <a:rPr lang="en-US" i="1" dirty="0" smtClean="0"/>
-              <a:t>As </a:t>
-            </a:r>
-            <a:r>
               <a:rPr lang="en-US" i="1" dirty="0"/>
-              <a:t>a former Consultant,</a:t>
-            </a:r>
-            <a:r>
-              <a:rPr lang="en-US" dirty="0"/>
-              <a:t/>
+              <a:t>As a former Consultant,</a:t>
             </a:r>
             <a:br>
               <a:rPr lang="en-US" dirty="0"/>
             </a:br>
             <a:r>
               <a:rPr lang="en-US" i="1" dirty="0"/>
-              <a:t>I want </a:t>
-            </a:r>
-            <a:r>
-              <a:rPr lang="en-US" i="1" dirty="0" smtClean="0"/>
-              <a:t>to </a:t>
-            </a:r>
-            <a:r>
-              <a:rPr lang="en-US" i="1" dirty="0"/>
-              <a:t>pay a fee to re-enroll,</a:t>
-            </a:r>
-            <a:r>
-              <a:rPr lang="en-US" dirty="0"/>
-              <a:t/>
+              <a:t>I want to pay a fee to re-enroll,</a:t>
             </a:r>
             <a:br>
               <a:rPr lang="en-US" dirty="0"/>
@@ -9915,17 +10822,10 @@
   <p:clrMapOvr>
     <a:masterClrMapping/>
   </p:clrMapOvr>
-  <p:timing>
-    <p:tnLst>
-      <p:par>
-        <p:cTn id="1" dur="indefinite" restart="never" nodeType="tmRoot"/>
-      </p:par>
-    </p:tnLst>
-  </p:timing>
 </p:sld>
 </file>
 
-<file path=ppt/slides/slide13.xml><?xml version="1.0" encoding="utf-8"?>
+<file path=ppt/slides/slide15.xml><?xml version="1.0" encoding="utf-8"?>
 <p:sld xmlns:a="http://schemas.openxmlformats.org/drawingml/2006/main" xmlns:r="http://schemas.openxmlformats.org/officeDocument/2006/relationships" xmlns:p="http://schemas.openxmlformats.org/presentationml/2006/main">
   <p:cSld>
     <p:spTree>
@@ -9958,7 +10858,7 @@
           <a:lstStyle/>
           <a:p>
             <a:r>
-              <a:rPr lang="en-US" dirty="0" smtClean="0"/>
+              <a:rPr lang="en-US" dirty="0"/>
               <a:t>Scenarios</a:t>
             </a:r>
           </a:p>
@@ -9988,41 +10888,29 @@
             </a:r>
             <a:r>
               <a:rPr lang="en-US" dirty="0"/>
-              <a:t>some initial </a:t>
-            </a:r>
-            <a:r>
-              <a:rPr lang="en-US" dirty="0" smtClean="0"/>
-              <a:t>context</a:t>
+              <a:t>some initial context</a:t>
             </a:r>
             <a:br>
-              <a:rPr lang="en-US" dirty="0" smtClean="0"/>
+              <a:rPr lang="en-US" dirty="0"/>
             </a:br>
             <a:r>
-              <a:rPr lang="en-US" b="1" dirty="0" smtClean="0"/>
+              <a:rPr lang="en-US" b="1" dirty="0"/>
               <a:t>When </a:t>
             </a:r>
             <a:r>
               <a:rPr lang="en-US" dirty="0"/>
-              <a:t>an event </a:t>
-            </a:r>
-            <a:r>
-              <a:rPr lang="en-US" dirty="0" smtClean="0"/>
-              <a:t>occurs</a:t>
+              <a:t>an event occurs</a:t>
             </a:r>
             <a:br>
-              <a:rPr lang="en-US" dirty="0" smtClean="0"/>
+              <a:rPr lang="en-US" dirty="0"/>
             </a:br>
             <a:r>
-              <a:rPr lang="en-US" b="1" dirty="0" smtClean="0"/>
+              <a:rPr lang="en-US" b="1" dirty="0"/>
               <a:t>Then</a:t>
             </a:r>
             <a:r>
               <a:rPr lang="en-US" dirty="0"/>
-              <a:t> ensure some </a:t>
-            </a:r>
-            <a:r>
-              <a:rPr lang="en-US" dirty="0" smtClean="0"/>
-              <a:t>outcomes</a:t>
+              <a:t> ensure some outcomes</a:t>
             </a:r>
           </a:p>
           <a:p>
@@ -10043,10 +10931,6 @@
               <a:rPr lang="en-US" dirty="0"/>
               <a:t> a customer is a former Consultant</a:t>
             </a:r>
-            <a:r>
-              <a:rPr lang="en-US" dirty="0"/>
-              <a:t/>
-            </a:r>
             <a:br>
               <a:rPr lang="en-US" dirty="0"/>
             </a:br>
@@ -10062,10 +10946,6 @@
               <a:rPr lang="en-US" dirty="0"/>
               <a:t> they have been inactive less than 6 months</a:t>
             </a:r>
-            <a:r>
-              <a:rPr lang="en-US" dirty="0"/>
-              <a:t/>
-            </a:r>
             <a:br>
               <a:rPr lang="en-US" dirty="0"/>
             </a:br>
@@ -10075,17 +10955,13 @@
             </a:r>
             <a:r>
               <a:rPr lang="en-US" dirty="0"/>
-              <a:t> presented with business </a:t>
-            </a:r>
-            <a:r>
-              <a:rPr lang="en-US" dirty="0" smtClean="0"/>
-              <a:t>opportunities</a:t>
+              <a:t> presented with business opportunities</a:t>
             </a:r>
             <a:br>
-              <a:rPr lang="en-US" dirty="0" smtClean="0"/>
+              <a:rPr lang="en-US" dirty="0"/>
             </a:br>
             <a:r>
-              <a:rPr lang="en-US" b="1" dirty="0" smtClean="0"/>
+              <a:rPr lang="en-US" b="1" dirty="0"/>
               <a:t>Then</a:t>
             </a:r>
             <a:r>
@@ -10242,7 +11118,7 @@
 </p:sld>
 </file>
 
-<file path=ppt/slides/slide14.xml><?xml version="1.0" encoding="utf-8"?>
+<file path=ppt/slides/slide16.xml><?xml version="1.0" encoding="utf-8"?>
 <p:sld xmlns:a="http://schemas.openxmlformats.org/drawingml/2006/main" xmlns:r="http://schemas.openxmlformats.org/officeDocument/2006/relationships" xmlns:p="http://schemas.openxmlformats.org/presentationml/2006/main">
   <p:cSld>
     <p:spTree>
@@ -10275,10 +11151,9 @@
           <a:lstStyle/>
           <a:p>
             <a:r>
-              <a:rPr lang="en-US" dirty="0" smtClean="0"/>
+              <a:rPr lang="en-US" dirty="0"/>
               <a:t>Scenarios</a:t>
             </a:r>
-            <a:endParaRPr lang="en-US" dirty="0"/>
           </a:p>
         </p:txBody>
       </p:sp>
@@ -10306,41 +11181,29 @@
             </a:r>
             <a:r>
               <a:rPr lang="en-US" dirty="0"/>
-              <a:t>some initial </a:t>
-            </a:r>
-            <a:r>
-              <a:rPr lang="en-US" dirty="0" smtClean="0"/>
-              <a:t>context</a:t>
+              <a:t>some initial context</a:t>
             </a:r>
             <a:br>
-              <a:rPr lang="en-US" dirty="0" smtClean="0"/>
+              <a:rPr lang="en-US" dirty="0"/>
             </a:br>
             <a:r>
-              <a:rPr lang="en-US" b="1" dirty="0" smtClean="0"/>
+              <a:rPr lang="en-US" b="1" dirty="0"/>
               <a:t>When </a:t>
             </a:r>
             <a:r>
               <a:rPr lang="en-US" dirty="0"/>
-              <a:t>an event </a:t>
-            </a:r>
-            <a:r>
-              <a:rPr lang="en-US" dirty="0" smtClean="0"/>
-              <a:t>occurs</a:t>
+              <a:t>an event occurs</a:t>
             </a:r>
             <a:br>
-              <a:rPr lang="en-US" dirty="0" smtClean="0"/>
+              <a:rPr lang="en-US" dirty="0"/>
             </a:br>
             <a:r>
-              <a:rPr lang="en-US" b="1" dirty="0" smtClean="0"/>
+              <a:rPr lang="en-US" b="1" dirty="0"/>
               <a:t>Then</a:t>
             </a:r>
             <a:r>
               <a:rPr lang="en-US" dirty="0"/>
-              <a:t> ensure some </a:t>
-            </a:r>
-            <a:r>
-              <a:rPr lang="en-US" dirty="0" smtClean="0"/>
-              <a:t>outcomes</a:t>
+              <a:t> ensure some outcomes</a:t>
             </a:r>
           </a:p>
           <a:p>
@@ -10361,10 +11224,6 @@
               <a:rPr lang="en-US" dirty="0"/>
               <a:t> a customer has never been a Consultant</a:t>
             </a:r>
-            <a:r>
-              <a:rPr lang="en-US" dirty="0"/>
-              <a:t/>
-            </a:r>
             <a:br>
               <a:rPr lang="en-US" dirty="0"/>
             </a:br>
@@ -10376,10 +11235,6 @@
               <a:rPr lang="en-US" dirty="0"/>
               <a:t> presented with business opportunities</a:t>
             </a:r>
-            <a:r>
-              <a:rPr lang="en-US" dirty="0"/>
-              <a:t/>
-            </a:r>
             <a:br>
               <a:rPr lang="en-US" dirty="0"/>
             </a:br>
@@ -10391,7 +11246,6 @@
               <a:rPr lang="en-US" dirty="0"/>
               <a:t> they should not be able to pay the re-enrollment fee</a:t>
             </a:r>
-            <a:endParaRPr lang="en-US" dirty="0"/>
           </a:p>
         </p:txBody>
       </p:sp>
@@ -10405,17 +11259,10 @@
   <p:clrMapOvr>
     <a:masterClrMapping/>
   </p:clrMapOvr>
-  <p:timing>
-    <p:tnLst>
-      <p:par>
-        <p:cTn id="1" dur="indefinite" restart="never" nodeType="tmRoot"/>
-      </p:par>
-    </p:tnLst>
-  </p:timing>
 </p:sld>
 </file>
 
-<file path=ppt/slides/slide15.xml><?xml version="1.0" encoding="utf-8"?>
+<file path=ppt/slides/slide17.xml><?xml version="1.0" encoding="utf-8"?>
 <p:sld xmlns:a="http://schemas.openxmlformats.org/drawingml/2006/main" xmlns:r="http://schemas.openxmlformats.org/officeDocument/2006/relationships" xmlns:p="http://schemas.openxmlformats.org/presentationml/2006/main">
   <p:cSld>
     <p:spTree>
@@ -10448,10 +11295,9 @@
           <a:lstStyle/>
           <a:p>
             <a:r>
-              <a:rPr lang="en-US" dirty="0" smtClean="0"/>
+              <a:rPr lang="en-US" dirty="0"/>
               <a:t>Future Project Planning</a:t>
             </a:r>
-            <a:endParaRPr lang="en-US" dirty="0"/>
           </a:p>
         </p:txBody>
       </p:sp>
@@ -10490,7 +11336,7 @@
               <a:defRPr/>
             </a:pPr>
             <a:r>
-              <a:rPr lang="en-US" dirty="0" smtClean="0"/>
+              <a:rPr lang="en-US" dirty="0"/>
               <a:t>Large user stories are created as epics</a:t>
             </a:r>
           </a:p>
@@ -10512,7 +11358,7 @@
               <a:tabLst/>
               <a:defRPr/>
             </a:pPr>
-            <a:endParaRPr lang="en-US" dirty="0" smtClean="0"/>
+            <a:endParaRPr lang="en-US" dirty="0"/>
           </a:p>
           <a:p>
             <a:pPr marL="0" marR="0" lvl="0" indent="0" defTabSz="914400" eaLnBrk="1" fontAlgn="auto" latinLnBrk="0" hangingPunct="1">
@@ -10553,7 +11399,7 @@
               <a:defRPr/>
             </a:pPr>
             <a:r>
-              <a:rPr lang="en-US" dirty="0" smtClean="0"/>
+              <a:rPr lang="en-US" dirty="0"/>
               <a:t>Epic is broken down into smaller user stories (no larger than 8 pts)</a:t>
             </a:r>
           </a:p>
@@ -10575,7 +11421,7 @@
               <a:tabLst/>
               <a:defRPr/>
             </a:pPr>
-            <a:endParaRPr lang="en-US" dirty="0" smtClean="0"/>
+            <a:endParaRPr lang="en-US" dirty="0"/>
           </a:p>
           <a:p>
             <a:pPr marL="0" marR="0" lvl="0" indent="0" defTabSz="914400" eaLnBrk="1" fontAlgn="auto" latinLnBrk="0" hangingPunct="1">
@@ -10616,7 +11462,7 @@
               <a:defRPr/>
             </a:pPr>
             <a:r>
-              <a:rPr lang="en-US" dirty="0" smtClean="0"/>
+              <a:rPr lang="en-US" dirty="0"/>
               <a:t>Document scenarios, both positive and negative, for stories</a:t>
             </a:r>
           </a:p>
@@ -10638,7 +11484,7 @@
               <a:tabLst/>
               <a:defRPr/>
             </a:pPr>
-            <a:endParaRPr lang="en-US" dirty="0" smtClean="0"/>
+            <a:endParaRPr lang="en-US" dirty="0"/>
           </a:p>
           <a:p>
             <a:pPr marL="0" marR="0" lvl="0" indent="0" defTabSz="914400" eaLnBrk="1" fontAlgn="auto" latinLnBrk="0" hangingPunct="1">
@@ -10679,10 +11525,9 @@
               <a:defRPr/>
             </a:pPr>
             <a:r>
-              <a:rPr lang="en-US" dirty="0" smtClean="0"/>
+              <a:rPr lang="en-US" dirty="0"/>
               <a:t>Break stories into subtasks</a:t>
             </a:r>
-            <a:endParaRPr lang="en-US" dirty="0"/>
           </a:p>
         </p:txBody>
       </p:sp>
@@ -11132,7 +11977,7 @@
 </p:sld>
 </file>
 
-<file path=ppt/slides/slide16.xml><?xml version="1.0" encoding="utf-8"?>
+<file path=ppt/slides/slide18.xml><?xml version="1.0" encoding="utf-8"?>
 <p:sld xmlns:a="http://schemas.openxmlformats.org/drawingml/2006/main" xmlns:r="http://schemas.openxmlformats.org/officeDocument/2006/relationships" xmlns:p="http://schemas.openxmlformats.org/presentationml/2006/main">
   <p:cSld>
     <p:spTree>
@@ -11173,7 +12018,7 @@
           <a:p>
             <a:pPr algn="ctr"/>
             <a:r>
-              <a:rPr lang="en-US" sz="5400" dirty="0" err="1" smtClean="0"/>
+              <a:rPr lang="en-US" sz="5400" dirty="0" err="1"/>
               <a:t>Specflow</a:t>
             </a:r>
             <a:endParaRPr lang="en-US" sz="5400" dirty="0"/>
@@ -11204,10 +12049,9 @@
           <a:p>
             <a:pPr algn="ctr"/>
             <a:r>
-              <a:rPr lang="en-US" dirty="0" smtClean="0"/>
+              <a:rPr lang="en-US" dirty="0"/>
               <a:t>That’s right Bryan</a:t>
             </a:r>
-            <a:endParaRPr lang="en-US" dirty="0"/>
           </a:p>
         </p:txBody>
       </p:sp>
@@ -11235,10 +12079,9 @@
           <a:p>
             <a:pPr algn="ctr"/>
             <a:r>
-              <a:rPr lang="en-US" dirty="0" smtClean="0"/>
+              <a:rPr lang="en-US" dirty="0"/>
               <a:t>Terrible Animations</a:t>
             </a:r>
-            <a:endParaRPr lang="en-US" dirty="0"/>
           </a:p>
         </p:txBody>
       </p:sp>
@@ -11265,10 +12108,9 @@
           <a:lstStyle/>
           <a:p>
             <a:r>
-              <a:rPr lang="en-US" dirty="0" smtClean="0"/>
+              <a:rPr lang="en-US" dirty="0"/>
               <a:t>!!!!</a:t>
             </a:r>
-            <a:endParaRPr lang="en-US" dirty="0"/>
           </a:p>
         </p:txBody>
       </p:sp>
@@ -12210,7 +13052,7 @@
 </p:sld>
 </file>
 
-<file path=ppt/slides/slide17.xml><?xml version="1.0" encoding="utf-8"?>
+<file path=ppt/slides/slide19.xml><?xml version="1.0" encoding="utf-8"?>
 <p:sld xmlns:a="http://schemas.openxmlformats.org/drawingml/2006/main" xmlns:r="http://schemas.openxmlformats.org/officeDocument/2006/relationships" xmlns:p="http://schemas.openxmlformats.org/presentationml/2006/main">
   <p:cSld>
     <p:spTree>
@@ -12243,14 +13085,13 @@
           <a:lstStyle/>
           <a:p>
             <a:r>
-              <a:rPr lang="en-US" dirty="0" err="1" smtClean="0"/>
+              <a:rPr lang="en-US" dirty="0" err="1"/>
               <a:t>Specflow</a:t>
             </a:r>
             <a:r>
-              <a:rPr lang="en-US" dirty="0" smtClean="0"/>
+              <a:rPr lang="en-US" dirty="0"/>
               <a:t>	</a:t>
             </a:r>
-            <a:endParaRPr lang="en-US" dirty="0"/>
           </a:p>
         </p:txBody>
       </p:sp>
@@ -12270,41 +13111,25 @@
           <a:lstStyle/>
           <a:p>
             <a:r>
-              <a:rPr lang="en-US" dirty="0" smtClean="0"/>
-              <a:t>Member of the Cucumber </a:t>
-            </a:r>
-            <a:r>
-              <a:rPr lang="en-US" dirty="0"/>
-              <a:t>family and uses Gherkin </a:t>
-            </a:r>
-            <a:r>
-              <a:rPr lang="en-US" dirty="0" smtClean="0"/>
-              <a:t>parser</a:t>
-            </a:r>
-          </a:p>
-          <a:p>
-            <a:endParaRPr lang="en-US" dirty="0"/>
-          </a:p>
-          <a:p>
-            <a:r>
-              <a:rPr lang="en-US" dirty="0" smtClean="0"/>
-              <a:t>Write in DSL </a:t>
-            </a:r>
-            <a:r>
-              <a:rPr lang="en-US" dirty="0"/>
-              <a:t>and map to executable </a:t>
-            </a:r>
-            <a:r>
-              <a:rPr lang="en-US" dirty="0" smtClean="0"/>
-              <a:t>code</a:t>
-            </a:r>
-          </a:p>
-          <a:p>
-            <a:endParaRPr lang="en-US" dirty="0"/>
-          </a:p>
-          <a:p>
-            <a:r>
-              <a:rPr lang="en-US" dirty="0" smtClean="0"/>
+              <a:rPr lang="en-US" dirty="0"/>
+              <a:t>Member of the Cucumber family and uses Gherkin parser</a:t>
+            </a:r>
+          </a:p>
+          <a:p>
+            <a:endParaRPr lang="en-US" dirty="0"/>
+          </a:p>
+          <a:p>
+            <a:r>
+              <a:rPr lang="en-US" dirty="0"/>
+              <a:t>Write in DSL and map to executable code</a:t>
+            </a:r>
+          </a:p>
+          <a:p>
+            <a:endParaRPr lang="en-US" dirty="0"/>
+          </a:p>
+          <a:p>
+            <a:r>
+              <a:rPr lang="en-US" dirty="0"/>
               <a:t>Features, Scenarios, Steps</a:t>
             </a:r>
           </a:p>
@@ -12314,13 +13139,8 @@
           <a:p>
             <a:r>
               <a:rPr lang="en-US" dirty="0"/>
-              <a:t>One </a:t>
-            </a:r>
-            <a:r>
-              <a:rPr lang="en-US" dirty="0" smtClean="0"/>
-              <a:t>feature, many scenarios</a:t>
-            </a:r>
-            <a:endParaRPr lang="en-US" dirty="0"/>
+              <a:t>One feature, many scenarios</a:t>
+            </a:r>
           </a:p>
           <a:p>
             <a:endParaRPr lang="en-US" dirty="0"/>
@@ -12569,336 +13389,6 @@
 </p:sld>
 </file>
 
-<file path=ppt/slides/slide18.xml><?xml version="1.0" encoding="utf-8"?>
-<p:sld xmlns:a="http://schemas.openxmlformats.org/drawingml/2006/main" xmlns:r="http://schemas.openxmlformats.org/officeDocument/2006/relationships" xmlns:p="http://schemas.openxmlformats.org/presentationml/2006/main">
-  <p:cSld>
-    <p:spTree>
-      <p:nvGrpSpPr>
-        <p:cNvPr id="1" name=""/>
-        <p:cNvGrpSpPr/>
-        <p:nvPr/>
-      </p:nvGrpSpPr>
-      <p:grpSpPr>
-        <a:xfrm>
-          <a:off x="0" y="0"/>
-          <a:ext cx="0" cy="0"/>
-          <a:chOff x="0" y="0"/>
-          <a:chExt cx="0" cy="0"/>
-        </a:xfrm>
-      </p:grpSpPr>
-      <p:sp>
-        <p:nvSpPr>
-          <p:cNvPr id="2" name="Title 1"/>
-          <p:cNvSpPr>
-            <a:spLocks noGrp="1"/>
-          </p:cNvSpPr>
-          <p:nvPr>
-            <p:ph type="title"/>
-          </p:nvPr>
-        </p:nvSpPr>
-        <p:spPr/>
-        <p:txBody>
-          <a:bodyPr/>
-          <a:lstStyle/>
-          <a:p>
-            <a:r>
-              <a:rPr lang="en-US" dirty="0" err="1" smtClean="0"/>
-              <a:t>Specflow</a:t>
-            </a:r>
-            <a:r>
-              <a:rPr lang="en-US" dirty="0" smtClean="0"/>
-              <a:t> Features</a:t>
-            </a:r>
-            <a:endParaRPr lang="en-US" dirty="0"/>
-          </a:p>
-        </p:txBody>
-      </p:sp>
-      <p:sp>
-        <p:nvSpPr>
-          <p:cNvPr id="3" name="Content Placeholder 2"/>
-          <p:cNvSpPr>
-            <a:spLocks noGrp="1"/>
-          </p:cNvSpPr>
-          <p:nvPr>
-            <p:ph idx="1"/>
-          </p:nvPr>
-        </p:nvSpPr>
-        <p:spPr/>
-        <p:txBody>
-          <a:bodyPr/>
-          <a:lstStyle/>
-          <a:p>
-            <a:r>
-              <a:rPr lang="en-US" dirty="0" smtClean="0"/>
-              <a:t>Given, When, Then steps allow regular expressions</a:t>
-            </a:r>
-          </a:p>
-          <a:p>
-            <a:endParaRPr lang="en-US" dirty="0"/>
-          </a:p>
-          <a:p>
-            <a:r>
-              <a:rPr lang="en-US" dirty="0" smtClean="0"/>
-              <a:t>Scenario Tags - @</a:t>
-            </a:r>
-            <a:r>
-              <a:rPr lang="en-US" dirty="0" err="1" smtClean="0"/>
-              <a:t>myTag</a:t>
-            </a:r>
-            <a:endParaRPr lang="en-US" dirty="0" smtClean="0"/>
-          </a:p>
-          <a:p>
-            <a:endParaRPr lang="en-US" dirty="0"/>
-          </a:p>
-          <a:p>
-            <a:r>
-              <a:rPr lang="en-US" dirty="0" smtClean="0"/>
-              <a:t>Hooks (</a:t>
-            </a:r>
-            <a:r>
-              <a:rPr lang="en-US" dirty="0" err="1" smtClean="0"/>
-              <a:t>BeforeFeature</a:t>
-            </a:r>
-            <a:r>
-              <a:rPr lang="en-US" dirty="0" smtClean="0"/>
-              <a:t>, </a:t>
-            </a:r>
-            <a:r>
-              <a:rPr lang="en-US" dirty="0" err="1" smtClean="0"/>
-              <a:t>AfterFeature</a:t>
-            </a:r>
-            <a:r>
-              <a:rPr lang="en-US" dirty="0" smtClean="0"/>
-              <a:t>)</a:t>
-            </a:r>
-            <a:endParaRPr lang="en-US" dirty="0"/>
-          </a:p>
-        </p:txBody>
-      </p:sp>
-    </p:spTree>
-    <p:extLst>
-      <p:ext uri="{BB962C8B-B14F-4D97-AF65-F5344CB8AC3E}">
-        <p14:creationId xmlns:p14="http://schemas.microsoft.com/office/powerpoint/2010/main" val="1283356863"/>
-      </p:ext>
-    </p:extLst>
-  </p:cSld>
-  <p:clrMapOvr>
-    <a:masterClrMapping/>
-  </p:clrMapOvr>
-  <p:timing>
-    <p:tnLst>
-      <p:par>
-        <p:cTn id="1" dur="indefinite" restart="never" nodeType="tmRoot"/>
-      </p:par>
-    </p:tnLst>
-  </p:timing>
-</p:sld>
-</file>
-
-<file path=ppt/slides/slide19.xml><?xml version="1.0" encoding="utf-8"?>
-<p:sld xmlns:a="http://schemas.openxmlformats.org/drawingml/2006/main" xmlns:r="http://schemas.openxmlformats.org/officeDocument/2006/relationships" xmlns:p="http://schemas.openxmlformats.org/presentationml/2006/main">
-  <p:cSld>
-    <p:spTree>
-      <p:nvGrpSpPr>
-        <p:cNvPr id="1" name=""/>
-        <p:cNvGrpSpPr/>
-        <p:nvPr/>
-      </p:nvGrpSpPr>
-      <p:grpSpPr>
-        <a:xfrm>
-          <a:off x="0" y="0"/>
-          <a:ext cx="0" cy="0"/>
-          <a:chOff x="0" y="0"/>
-          <a:chExt cx="0" cy="0"/>
-        </a:xfrm>
-      </p:grpSpPr>
-      <p:sp>
-        <p:nvSpPr>
-          <p:cNvPr id="2" name="Title 1"/>
-          <p:cNvSpPr>
-            <a:spLocks noGrp="1"/>
-          </p:cNvSpPr>
-          <p:nvPr>
-            <p:ph type="title"/>
-          </p:nvPr>
-        </p:nvSpPr>
-        <p:spPr/>
-        <p:txBody>
-          <a:bodyPr/>
-          <a:lstStyle/>
-          <a:p>
-            <a:pPr algn="ctr"/>
-            <a:r>
-              <a:rPr lang="en-US" dirty="0"/>
-              <a:t>Exercise</a:t>
-            </a:r>
-          </a:p>
-        </p:txBody>
-      </p:sp>
-      <p:sp>
-        <p:nvSpPr>
-          <p:cNvPr id="3" name="Content Placeholder 2"/>
-          <p:cNvSpPr>
-            <a:spLocks noGrp="1"/>
-          </p:cNvSpPr>
-          <p:nvPr>
-            <p:ph idx="1"/>
-          </p:nvPr>
-        </p:nvSpPr>
-        <p:spPr/>
-        <p:txBody>
-          <a:bodyPr>
-            <a:normAutofit fontScale="92500" lnSpcReduction="20000"/>
-          </a:bodyPr>
-          <a:lstStyle/>
-          <a:p>
-            <a:pPr marL="0" indent="0">
-              <a:buNone/>
-            </a:pPr>
-            <a:r>
-              <a:rPr lang="en-US" i="1" dirty="0"/>
-              <a:t>As a former Consultant,</a:t>
-            </a:r>
-            <a:r>
-              <a:rPr lang="en-US" dirty="0"/>
-              <a:t/>
-            </a:r>
-            <a:br>
-              <a:rPr lang="en-US" dirty="0"/>
-            </a:br>
-            <a:r>
-              <a:rPr lang="en-US" i="1" dirty="0"/>
-              <a:t>I want to pay a fee to re-enroll,</a:t>
-            </a:r>
-            <a:r>
-              <a:rPr lang="en-US" dirty="0"/>
-              <a:t/>
-            </a:r>
-            <a:br>
-              <a:rPr lang="en-US" dirty="0"/>
-            </a:br>
-            <a:r>
-              <a:rPr lang="en-US" i="1" dirty="0"/>
-              <a:t>So that I don't have to buy more stock</a:t>
-            </a:r>
-            <a:endParaRPr lang="en-US" dirty="0"/>
-          </a:p>
-          <a:p>
-            <a:endParaRPr lang="en-US" dirty="0"/>
-          </a:p>
-          <a:p>
-            <a:pPr marL="0" indent="0">
-              <a:buNone/>
-            </a:pPr>
-            <a:r>
-              <a:rPr lang="en-US" b="1" dirty="0"/>
-              <a:t>Given</a:t>
-            </a:r>
-            <a:r>
-              <a:rPr lang="en-US" dirty="0"/>
-              <a:t> a customer is a former Consultant</a:t>
-            </a:r>
-            <a:br>
-              <a:rPr lang="en-US" dirty="0"/>
-            </a:br>
-            <a:r>
-              <a:rPr lang="en-US" dirty="0"/>
-              <a:t>    </a:t>
-            </a:r>
-            <a:r>
-              <a:rPr lang="en-US" b="1" dirty="0"/>
-              <a:t>And</a:t>
-            </a:r>
-            <a:r>
-              <a:rPr lang="en-US" dirty="0"/>
-              <a:t> they have been inactive less than 6 months</a:t>
-            </a:r>
-            <a:br>
-              <a:rPr lang="en-US" dirty="0"/>
-            </a:br>
-            <a:r>
-              <a:rPr lang="en-US" b="1" dirty="0"/>
-              <a:t>When</a:t>
-            </a:r>
-            <a:r>
-              <a:rPr lang="en-US" dirty="0"/>
-              <a:t> presented with business opportunities</a:t>
-            </a:r>
-            <a:br>
-              <a:rPr lang="en-US" dirty="0"/>
-            </a:br>
-            <a:r>
-              <a:rPr lang="en-US" b="1" dirty="0"/>
-              <a:t>Then</a:t>
-            </a:r>
-            <a:r>
-              <a:rPr lang="en-US" dirty="0"/>
-              <a:t> they should be able to pay the re-enrollment fee</a:t>
-            </a:r>
-          </a:p>
-          <a:p>
-            <a:endParaRPr lang="en-US" dirty="0"/>
-          </a:p>
-          <a:p>
-            <a:pPr marL="0" indent="0">
-              <a:buNone/>
-            </a:pPr>
-            <a:r>
-              <a:rPr lang="en-US" b="1" dirty="0"/>
-              <a:t>Given</a:t>
-            </a:r>
-            <a:r>
-              <a:rPr lang="en-US" dirty="0"/>
-              <a:t> a customer has never been a Consultant</a:t>
-            </a:r>
-            <a:br>
-              <a:rPr lang="en-US" dirty="0"/>
-            </a:br>
-            <a:r>
-              <a:rPr lang="en-US" b="1" dirty="0"/>
-              <a:t>When</a:t>
-            </a:r>
-            <a:r>
-              <a:rPr lang="en-US" dirty="0"/>
-              <a:t> presented with business opportunities</a:t>
-            </a:r>
-            <a:br>
-              <a:rPr lang="en-US" dirty="0"/>
-            </a:br>
-            <a:r>
-              <a:rPr lang="en-US" b="1" dirty="0"/>
-              <a:t>Then</a:t>
-            </a:r>
-            <a:r>
-              <a:rPr lang="en-US" dirty="0"/>
-              <a:t> they should not be able to pay the re-enrollment fee</a:t>
-            </a:r>
-          </a:p>
-          <a:p>
-            <a:endParaRPr lang="en-US" dirty="0"/>
-          </a:p>
-        </p:txBody>
-      </p:sp>
-    </p:spTree>
-    <p:extLst>
-      <p:ext uri="{BB962C8B-B14F-4D97-AF65-F5344CB8AC3E}">
-        <p14:creationId xmlns:p14="http://schemas.microsoft.com/office/powerpoint/2010/main" val="1300973891"/>
-      </p:ext>
-    </p:extLst>
-  </p:cSld>
-  <p:clrMapOvr>
-    <a:masterClrMapping/>
-  </p:clrMapOvr>
-  <p:timing>
-    <p:tnLst>
-      <p:par>
-        <p:cTn id="1" dur="indefinite" restart="never" nodeType="tmRoot"/>
-      </p:par>
-    </p:tnLst>
-  </p:timing>
-</p:sld>
-</file>
-
 <file path=ppt/slides/slide2.xml><?xml version="1.0" encoding="utf-8"?>
 <p:sld xmlns:a="http://schemas.openxmlformats.org/drawingml/2006/main" xmlns:r="http://schemas.openxmlformats.org/officeDocument/2006/relationships" xmlns:p="http://schemas.openxmlformats.org/presentationml/2006/main">
   <p:cSld>
@@ -12932,10 +13422,9 @@
           <a:lstStyle/>
           <a:p>
             <a:r>
-              <a:rPr lang="en-US" dirty="0" smtClean="0"/>
+              <a:rPr lang="en-US" dirty="0"/>
               <a:t>Red, Green, Refactor</a:t>
             </a:r>
-            <a:endParaRPr lang="en-US" dirty="0"/>
           </a:p>
         </p:txBody>
       </p:sp>
@@ -12955,7 +13444,7 @@
           <a:lstStyle/>
           <a:p>
             <a:r>
-              <a:rPr lang="en-US" dirty="0" smtClean="0"/>
+              <a:rPr lang="en-US" dirty="0"/>
               <a:t>Write and run tests before you write code</a:t>
             </a:r>
           </a:p>
@@ -12965,24 +13454,15 @@
           <a:p>
             <a:r>
               <a:rPr lang="en-US" dirty="0"/>
-              <a:t>E</a:t>
-            </a:r>
-            <a:r>
-              <a:rPr lang="en-US" dirty="0" smtClean="0"/>
-              <a:t>ncourages </a:t>
-            </a:r>
-            <a:r>
-              <a:rPr lang="en-US" dirty="0"/>
-              <a:t>small steps and improves the design</a:t>
-            </a:r>
-            <a:endParaRPr lang="en-US" dirty="0" smtClean="0"/>
-          </a:p>
-          <a:p>
-            <a:endParaRPr lang="en-US" dirty="0"/>
-          </a:p>
-          <a:p>
-            <a:r>
-              <a:rPr lang="en-US" dirty="0" smtClean="0"/>
+              <a:t>Encourages small steps and improves the design</a:t>
+            </a:r>
+          </a:p>
+          <a:p>
+            <a:endParaRPr lang="en-US" dirty="0"/>
+          </a:p>
+          <a:p>
+            <a:r>
+              <a:rPr lang="en-US" dirty="0"/>
               <a:t>Refactoring becomes easier and faster</a:t>
             </a:r>
           </a:p>
@@ -12991,10 +13471,9 @@
           </a:p>
           <a:p>
             <a:r>
-              <a:rPr lang="en-US" dirty="0" smtClean="0"/>
+              <a:rPr lang="en-US" dirty="0"/>
               <a:t>Living Documentation</a:t>
             </a:r>
-            <a:endParaRPr lang="en-US" dirty="0"/>
           </a:p>
         </p:txBody>
       </p:sp>
@@ -13273,10 +13752,13 @@
           <a:lstStyle/>
           <a:p>
             <a:r>
-              <a:rPr lang="en-US" dirty="0" smtClean="0"/>
-              <a:t>Key Takeaways</a:t>
-            </a:r>
-            <a:endParaRPr lang="en-US" dirty="0"/>
+              <a:rPr lang="en-US" dirty="0" err="1"/>
+              <a:t>Specflow</a:t>
+            </a:r>
+            <a:r>
+              <a:rPr lang="en-US" dirty="0"/>
+              <a:t> Features</a:t>
+            </a:r>
           </a:p>
         </p:txBody>
       </p:sp>
@@ -13296,7 +13778,309 @@
           <a:lstStyle/>
           <a:p>
             <a:r>
-              <a:rPr lang="en-US" dirty="0" smtClean="0"/>
+              <a:rPr lang="en-US" dirty="0"/>
+              <a:t>Given, When, Then steps allow regular expressions</a:t>
+            </a:r>
+          </a:p>
+          <a:p>
+            <a:endParaRPr lang="en-US" dirty="0"/>
+          </a:p>
+          <a:p>
+            <a:r>
+              <a:rPr lang="en-US" dirty="0"/>
+              <a:t>Scenario Tags - @</a:t>
+            </a:r>
+            <a:r>
+              <a:rPr lang="en-US" dirty="0" err="1"/>
+              <a:t>myTag</a:t>
+            </a:r>
+            <a:endParaRPr lang="en-US" dirty="0"/>
+          </a:p>
+          <a:p>
+            <a:endParaRPr lang="en-US" dirty="0"/>
+          </a:p>
+          <a:p>
+            <a:r>
+              <a:rPr lang="en-US" dirty="0"/>
+              <a:t>Hooks (</a:t>
+            </a:r>
+            <a:r>
+              <a:rPr lang="en-US" dirty="0" err="1"/>
+              <a:t>BeforeFeature</a:t>
+            </a:r>
+            <a:r>
+              <a:rPr lang="en-US" dirty="0"/>
+              <a:t>, </a:t>
+            </a:r>
+            <a:r>
+              <a:rPr lang="en-US" dirty="0" err="1"/>
+              <a:t>AfterFeature</a:t>
+            </a:r>
+            <a:r>
+              <a:rPr lang="en-US" dirty="0"/>
+              <a:t>)</a:t>
+            </a:r>
+          </a:p>
+        </p:txBody>
+      </p:sp>
+    </p:spTree>
+    <p:extLst>
+      <p:ext uri="{BB962C8B-B14F-4D97-AF65-F5344CB8AC3E}">
+        <p14:creationId xmlns:p14="http://schemas.microsoft.com/office/powerpoint/2010/main" val="1283356863"/>
+      </p:ext>
+    </p:extLst>
+  </p:cSld>
+  <p:clrMapOvr>
+    <a:masterClrMapping/>
+  </p:clrMapOvr>
+</p:sld>
+</file>
+
+<file path=ppt/slides/slide21.xml><?xml version="1.0" encoding="utf-8"?>
+<p:sld xmlns:a="http://schemas.openxmlformats.org/drawingml/2006/main" xmlns:r="http://schemas.openxmlformats.org/officeDocument/2006/relationships" xmlns:p="http://schemas.openxmlformats.org/presentationml/2006/main">
+  <p:cSld>
+    <p:spTree>
+      <p:nvGrpSpPr>
+        <p:cNvPr id="1" name=""/>
+        <p:cNvGrpSpPr/>
+        <p:nvPr/>
+      </p:nvGrpSpPr>
+      <p:grpSpPr>
+        <a:xfrm>
+          <a:off x="0" y="0"/>
+          <a:ext cx="0" cy="0"/>
+          <a:chOff x="0" y="0"/>
+          <a:chExt cx="0" cy="0"/>
+        </a:xfrm>
+      </p:grpSpPr>
+      <p:sp>
+        <p:nvSpPr>
+          <p:cNvPr id="2" name="Title 1"/>
+          <p:cNvSpPr>
+            <a:spLocks noGrp="1"/>
+          </p:cNvSpPr>
+          <p:nvPr>
+            <p:ph type="title"/>
+          </p:nvPr>
+        </p:nvSpPr>
+        <p:spPr/>
+        <p:txBody>
+          <a:bodyPr/>
+          <a:lstStyle/>
+          <a:p>
+            <a:pPr algn="ctr"/>
+            <a:r>
+              <a:rPr lang="en-US" dirty="0"/>
+              <a:t>Exercise</a:t>
+            </a:r>
+          </a:p>
+        </p:txBody>
+      </p:sp>
+      <p:sp>
+        <p:nvSpPr>
+          <p:cNvPr id="3" name="Content Placeholder 2"/>
+          <p:cNvSpPr>
+            <a:spLocks noGrp="1"/>
+          </p:cNvSpPr>
+          <p:nvPr>
+            <p:ph idx="1"/>
+          </p:nvPr>
+        </p:nvSpPr>
+        <p:spPr/>
+        <p:txBody>
+          <a:bodyPr>
+            <a:normAutofit fontScale="92500" lnSpcReduction="20000"/>
+          </a:bodyPr>
+          <a:lstStyle/>
+          <a:p>
+            <a:pPr marL="0" indent="0">
+              <a:buNone/>
+            </a:pPr>
+            <a:r>
+              <a:rPr lang="en-US" i="1" dirty="0"/>
+              <a:t>As a former Consultant,</a:t>
+            </a:r>
+            <a:br>
+              <a:rPr lang="en-US" dirty="0"/>
+            </a:br>
+            <a:r>
+              <a:rPr lang="en-US" i="1" dirty="0"/>
+              <a:t>I want to pay a fee to re-enroll,</a:t>
+            </a:r>
+            <a:br>
+              <a:rPr lang="en-US" dirty="0"/>
+            </a:br>
+            <a:r>
+              <a:rPr lang="en-US" i="1" dirty="0"/>
+              <a:t>So that I don't have to buy more stock</a:t>
+            </a:r>
+            <a:endParaRPr lang="en-US" dirty="0"/>
+          </a:p>
+          <a:p>
+            <a:endParaRPr lang="en-US" dirty="0"/>
+          </a:p>
+          <a:p>
+            <a:pPr marL="0" indent="0">
+              <a:buNone/>
+            </a:pPr>
+            <a:r>
+              <a:rPr lang="en-US" b="1" dirty="0"/>
+              <a:t>Given</a:t>
+            </a:r>
+            <a:r>
+              <a:rPr lang="en-US" dirty="0"/>
+              <a:t> a customer is a former Consultant</a:t>
+            </a:r>
+            <a:br>
+              <a:rPr lang="en-US" dirty="0"/>
+            </a:br>
+            <a:r>
+              <a:rPr lang="en-US" dirty="0"/>
+              <a:t>    </a:t>
+            </a:r>
+            <a:r>
+              <a:rPr lang="en-US" b="1" dirty="0"/>
+              <a:t>And</a:t>
+            </a:r>
+            <a:r>
+              <a:rPr lang="en-US" dirty="0"/>
+              <a:t> they have been inactive less than 6 months</a:t>
+            </a:r>
+            <a:br>
+              <a:rPr lang="en-US" dirty="0"/>
+            </a:br>
+            <a:r>
+              <a:rPr lang="en-US" b="1" dirty="0"/>
+              <a:t>When</a:t>
+            </a:r>
+            <a:r>
+              <a:rPr lang="en-US" dirty="0"/>
+              <a:t> presented with business opportunities</a:t>
+            </a:r>
+            <a:br>
+              <a:rPr lang="en-US" dirty="0"/>
+            </a:br>
+            <a:r>
+              <a:rPr lang="en-US" b="1" dirty="0"/>
+              <a:t>Then</a:t>
+            </a:r>
+            <a:r>
+              <a:rPr lang="en-US" dirty="0"/>
+              <a:t> they should be able to pay the re-enrollment fee</a:t>
+            </a:r>
+          </a:p>
+          <a:p>
+            <a:endParaRPr lang="en-US" dirty="0"/>
+          </a:p>
+          <a:p>
+            <a:pPr marL="0" indent="0">
+              <a:buNone/>
+            </a:pPr>
+            <a:r>
+              <a:rPr lang="en-US" b="1" dirty="0"/>
+              <a:t>Given</a:t>
+            </a:r>
+            <a:r>
+              <a:rPr lang="en-US" dirty="0"/>
+              <a:t> a customer has never been a Consultant</a:t>
+            </a:r>
+            <a:br>
+              <a:rPr lang="en-US" dirty="0"/>
+            </a:br>
+            <a:r>
+              <a:rPr lang="en-US" b="1" dirty="0"/>
+              <a:t>When</a:t>
+            </a:r>
+            <a:r>
+              <a:rPr lang="en-US" dirty="0"/>
+              <a:t> presented with business opportunities</a:t>
+            </a:r>
+            <a:br>
+              <a:rPr lang="en-US" dirty="0"/>
+            </a:br>
+            <a:r>
+              <a:rPr lang="en-US" b="1" dirty="0"/>
+              <a:t>Then</a:t>
+            </a:r>
+            <a:r>
+              <a:rPr lang="en-US" dirty="0"/>
+              <a:t> they should not be able to pay the re-enrollment fee</a:t>
+            </a:r>
+          </a:p>
+          <a:p>
+            <a:endParaRPr lang="en-US" dirty="0"/>
+          </a:p>
+        </p:txBody>
+      </p:sp>
+    </p:spTree>
+    <p:extLst>
+      <p:ext uri="{BB962C8B-B14F-4D97-AF65-F5344CB8AC3E}">
+        <p14:creationId xmlns:p14="http://schemas.microsoft.com/office/powerpoint/2010/main" val="1300973891"/>
+      </p:ext>
+    </p:extLst>
+  </p:cSld>
+  <p:clrMapOvr>
+    <a:masterClrMapping/>
+  </p:clrMapOvr>
+</p:sld>
+</file>
+
+<file path=ppt/slides/slide22.xml><?xml version="1.0" encoding="utf-8"?>
+<p:sld xmlns:a="http://schemas.openxmlformats.org/drawingml/2006/main" xmlns:r="http://schemas.openxmlformats.org/officeDocument/2006/relationships" xmlns:p="http://schemas.openxmlformats.org/presentationml/2006/main">
+  <p:cSld>
+    <p:spTree>
+      <p:nvGrpSpPr>
+        <p:cNvPr id="1" name=""/>
+        <p:cNvGrpSpPr/>
+        <p:nvPr/>
+      </p:nvGrpSpPr>
+      <p:grpSpPr>
+        <a:xfrm>
+          <a:off x="0" y="0"/>
+          <a:ext cx="0" cy="0"/>
+          <a:chOff x="0" y="0"/>
+          <a:chExt cx="0" cy="0"/>
+        </a:xfrm>
+      </p:grpSpPr>
+      <p:sp>
+        <p:nvSpPr>
+          <p:cNvPr id="2" name="Title 1"/>
+          <p:cNvSpPr>
+            <a:spLocks noGrp="1"/>
+          </p:cNvSpPr>
+          <p:nvPr>
+            <p:ph type="title"/>
+          </p:nvPr>
+        </p:nvSpPr>
+        <p:spPr/>
+        <p:txBody>
+          <a:bodyPr/>
+          <a:lstStyle/>
+          <a:p>
+            <a:r>
+              <a:rPr lang="en-US" dirty="0"/>
+              <a:t>Key Takeaways</a:t>
+            </a:r>
+          </a:p>
+        </p:txBody>
+      </p:sp>
+      <p:sp>
+        <p:nvSpPr>
+          <p:cNvPr id="3" name="Content Placeholder 2"/>
+          <p:cNvSpPr>
+            <a:spLocks noGrp="1"/>
+          </p:cNvSpPr>
+          <p:nvPr>
+            <p:ph idx="1"/>
+          </p:nvPr>
+        </p:nvSpPr>
+        <p:spPr/>
+        <p:txBody>
+          <a:bodyPr/>
+          <a:lstStyle/>
+          <a:p>
+            <a:r>
+              <a:rPr lang="en-US" dirty="0"/>
               <a:t>Focuses on behavior rather than implementation details</a:t>
             </a:r>
           </a:p>
@@ -13305,7 +14089,7 @@
           </a:p>
           <a:p>
             <a:r>
-              <a:rPr lang="en-US" dirty="0" smtClean="0"/>
+              <a:rPr lang="en-US" dirty="0"/>
               <a:t>Naturally keeps test scope small</a:t>
             </a:r>
           </a:p>
@@ -13314,7 +14098,7 @@
           </a:p>
           <a:p>
             <a:r>
-              <a:rPr lang="en-US" dirty="0" smtClean="0"/>
+              <a:rPr lang="en-US" dirty="0"/>
               <a:t>End up with executable requirements</a:t>
             </a:r>
           </a:p>
@@ -13323,7 +14107,7 @@
           </a:p>
           <a:p>
             <a:r>
-              <a:rPr lang="en-US" dirty="0" smtClean="0"/>
+              <a:rPr lang="en-US" dirty="0"/>
               <a:t>Better prioritization of work</a:t>
             </a:r>
           </a:p>
@@ -13333,7 +14117,6 @@
               <a:rPr lang="en-US" dirty="0"/>
               <a:t>"what's the next most important thing the system should do?"</a:t>
             </a:r>
-            <a:endParaRPr lang="en-US" dirty="0"/>
           </a:p>
         </p:txBody>
       </p:sp>
@@ -13610,7 +14393,7 @@
 </p:sld>
 </file>
 
-<file path=ppt/slides/slide21.xml><?xml version="1.0" encoding="utf-8"?>
+<file path=ppt/slides/slide23.xml><?xml version="1.0" encoding="utf-8"?>
 <p:sld xmlns:a="http://schemas.openxmlformats.org/drawingml/2006/main" xmlns:r="http://schemas.openxmlformats.org/officeDocument/2006/relationships" xmlns:p="http://schemas.openxmlformats.org/presentationml/2006/main">
   <p:cSld>
     <p:spTree>
@@ -13651,10 +14434,9 @@
           <a:p>
             <a:pPr algn="ctr"/>
             <a:r>
-              <a:rPr lang="en-US" sz="5400" dirty="0" smtClean="0"/>
+              <a:rPr lang="en-US" sz="5400" dirty="0"/>
               <a:t>Questions?</a:t>
             </a:r>
-            <a:endParaRPr lang="en-US" sz="5400" dirty="0"/>
           </a:p>
         </p:txBody>
       </p:sp>
@@ -13668,13 +14450,6 @@
   <p:clrMapOvr>
     <a:masterClrMapping/>
   </p:clrMapOvr>
-  <p:timing>
-    <p:tnLst>
-      <p:par>
-        <p:cTn id="1" dur="indefinite" restart="never" nodeType="tmRoot"/>
-      </p:par>
-    </p:tnLst>
-  </p:timing>
 </p:sld>
 </file>
 
@@ -13711,10 +14486,9 @@
           <a:lstStyle/>
           <a:p>
             <a:r>
-              <a:rPr lang="en-US" dirty="0" smtClean="0"/>
+              <a:rPr lang="en-US" dirty="0"/>
               <a:t>Red, Green, Refactor</a:t>
             </a:r>
-            <a:endParaRPr lang="en-US" dirty="0"/>
           </a:p>
         </p:txBody>
       </p:sp>
@@ -13736,7 +14510,7 @@
           <a:lstStyle/>
           <a:p>
             <a:r>
-              <a:rPr lang="en-US" dirty="0" smtClean="0"/>
+              <a:rPr lang="en-US" dirty="0"/>
               <a:t>Where to start?</a:t>
             </a:r>
           </a:p>
@@ -13745,7 +14519,7 @@
           </a:p>
           <a:p>
             <a:r>
-              <a:rPr lang="en-US" dirty="0" smtClean="0"/>
+              <a:rPr lang="en-US" dirty="0"/>
               <a:t>What to test and what not to test?</a:t>
             </a:r>
           </a:p>
@@ -13754,7 +14528,7 @@
           </a:p>
           <a:p>
             <a:r>
-              <a:rPr lang="en-US" dirty="0" smtClean="0"/>
+              <a:rPr lang="en-US" dirty="0"/>
               <a:t>How much to test?</a:t>
             </a:r>
           </a:p>
@@ -13763,7 +14537,7 @@
           </a:p>
           <a:p>
             <a:r>
-              <a:rPr lang="en-US" dirty="0" smtClean="0"/>
+              <a:rPr lang="en-US" dirty="0"/>
               <a:t>How to name tests?</a:t>
             </a:r>
           </a:p>
@@ -13772,7 +14546,7 @@
           </a:p>
           <a:p>
             <a:r>
-              <a:rPr lang="en-US" dirty="0" smtClean="0"/>
+              <a:rPr lang="en-US" dirty="0"/>
               <a:t>What does it mean when a test fails?</a:t>
             </a:r>
           </a:p>
@@ -14108,10 +14882,9 @@
           <a:lstStyle/>
           <a:p>
             <a:r>
-              <a:rPr lang="en-US" dirty="0" smtClean="0"/>
+              <a:rPr lang="en-US" dirty="0"/>
               <a:t>Adding Structure to TDD	</a:t>
             </a:r>
-            <a:endParaRPr lang="en-US" dirty="0"/>
           </a:p>
         </p:txBody>
       </p:sp>
@@ -14131,7 +14904,7 @@
           <a:lstStyle/>
           <a:p>
             <a:r>
-              <a:rPr lang="en-US" dirty="0" smtClean="0"/>
+              <a:rPr lang="en-US" dirty="0"/>
               <a:t>Dan North</a:t>
             </a:r>
           </a:p>
@@ -14140,7 +14913,7 @@
           </a:p>
           <a:p>
             <a:r>
-              <a:rPr lang="en-US" dirty="0" smtClean="0"/>
+              <a:rPr lang="en-US" dirty="0"/>
               <a:t>Outside-in point of view</a:t>
             </a:r>
           </a:p>
@@ -14149,25 +14922,17 @@
           </a:p>
           <a:p>
             <a:r>
-              <a:rPr lang="en-US" dirty="0" smtClean="0"/>
+              <a:rPr lang="en-US" dirty="0"/>
               <a:t>Focus on the application’s behavior, not its implementation</a:t>
             </a:r>
           </a:p>
           <a:p>
-            <a:endParaRPr lang="en-US" dirty="0" smtClean="0"/>
-          </a:p>
-          <a:p>
-            <a:r>
-              <a:rPr lang="en-US" dirty="0" smtClean="0"/>
-              <a:t>Straight </a:t>
-            </a:r>
-            <a:r>
-              <a:rPr lang="en-US" dirty="0"/>
-              <a:t>to the good </a:t>
-            </a:r>
-            <a:r>
-              <a:rPr lang="en-US" dirty="0" smtClean="0"/>
-              <a:t>stuff</a:t>
+            <a:endParaRPr lang="en-US" dirty="0"/>
+          </a:p>
+          <a:p>
+            <a:r>
+              <a:rPr lang="en-US" dirty="0"/>
+              <a:t>Straight to the good stuff</a:t>
             </a:r>
           </a:p>
           <a:p>
@@ -14453,10 +15218,9 @@
           <a:lstStyle/>
           <a:p>
             <a:r>
-              <a:rPr lang="en-US" dirty="0" smtClean="0"/>
+              <a:rPr lang="en-US" dirty="0"/>
               <a:t>Adding Structure to TDD</a:t>
             </a:r>
-            <a:endParaRPr lang="en-US" dirty="0"/>
           </a:p>
         </p:txBody>
       </p:sp>
@@ -14478,16 +15242,16 @@
           <a:lstStyle/>
           <a:p>
             <a:r>
-              <a:rPr lang="en-US" dirty="0" smtClean="0"/>
+              <a:rPr lang="en-US" dirty="0"/>
               <a:t>Where to start?</a:t>
             </a:r>
           </a:p>
           <a:p>
-            <a:endParaRPr lang="en-US" dirty="0" smtClean="0"/>
-          </a:p>
-          <a:p>
-            <a:r>
-              <a:rPr lang="en-US" dirty="0" smtClean="0"/>
+            <a:endParaRPr lang="en-US" dirty="0"/>
+          </a:p>
+          <a:p>
+            <a:r>
+              <a:rPr lang="en-US" dirty="0"/>
               <a:t>What to test and what not to test?</a:t>
             </a:r>
           </a:p>
@@ -14496,7 +15260,7 @@
           </a:p>
           <a:p>
             <a:r>
-              <a:rPr lang="en-US" dirty="0" smtClean="0"/>
+              <a:rPr lang="en-US" dirty="0"/>
               <a:t>How much to test?</a:t>
             </a:r>
           </a:p>
@@ -14505,7 +15269,7 @@
           </a:p>
           <a:p>
             <a:r>
-              <a:rPr lang="en-US" dirty="0" smtClean="0"/>
+              <a:rPr lang="en-US" dirty="0"/>
               <a:t>How to name tests?</a:t>
             </a:r>
           </a:p>
@@ -14514,7 +15278,7 @@
           </a:p>
           <a:p>
             <a:r>
-              <a:rPr lang="en-US" dirty="0" smtClean="0"/>
+              <a:rPr lang="en-US" dirty="0"/>
               <a:t>What does it mean when a test fails?</a:t>
             </a:r>
           </a:p>
@@ -14536,13 +15300,6 @@
   <p:clrMapOvr>
     <a:masterClrMapping/>
   </p:clrMapOvr>
-  <p:timing>
-    <p:tnLst>
-      <p:par>
-        <p:cTn id="1" dur="indefinite" restart="never" nodeType="tmRoot"/>
-      </p:par>
-    </p:tnLst>
-  </p:timing>
 </p:sld>
 </file>
 
@@ -14579,10 +15336,9 @@
           <a:lstStyle/>
           <a:p>
             <a:r>
-              <a:rPr lang="en-US" dirty="0" smtClean="0"/>
+              <a:rPr lang="en-US" dirty="0"/>
               <a:t>Naming Test Methods</a:t>
             </a:r>
-            <a:endParaRPr lang="en-US" dirty="0"/>
           </a:p>
         </p:txBody>
       </p:sp>
@@ -14602,28 +15358,28 @@
           <a:lstStyle/>
           <a:p>
             <a:r>
-              <a:rPr lang="en-US" dirty="0" err="1" smtClean="0"/>
+              <a:rPr lang="en-US" dirty="0" err="1"/>
               <a:t>AgileDox</a:t>
             </a:r>
-            <a:endParaRPr lang="en-US" dirty="0" smtClean="0"/>
-          </a:p>
-          <a:p>
-            <a:endParaRPr lang="en-US" dirty="0"/>
-          </a:p>
-          <a:p>
-            <a:endParaRPr lang="en-US" dirty="0" smtClean="0"/>
-          </a:p>
-          <a:p>
-            <a:endParaRPr lang="en-US" dirty="0"/>
-          </a:p>
-          <a:p>
-            <a:endParaRPr lang="en-US" dirty="0" smtClean="0"/>
-          </a:p>
-          <a:p>
-            <a:endParaRPr lang="en-US" dirty="0"/>
-          </a:p>
-          <a:p>
-            <a:endParaRPr lang="en-US" dirty="0" smtClean="0"/>
+            <a:endParaRPr lang="en-US" dirty="0"/>
+          </a:p>
+          <a:p>
+            <a:endParaRPr lang="en-US" dirty="0"/>
+          </a:p>
+          <a:p>
+            <a:endParaRPr lang="en-US" dirty="0"/>
+          </a:p>
+          <a:p>
+            <a:endParaRPr lang="en-US" dirty="0"/>
+          </a:p>
+          <a:p>
+            <a:endParaRPr lang="en-US" dirty="0"/>
+          </a:p>
+          <a:p>
+            <a:endParaRPr lang="en-US" dirty="0"/>
+          </a:p>
+          <a:p>
+            <a:endParaRPr lang="en-US" dirty="0"/>
           </a:p>
           <a:p>
             <a:endParaRPr lang="en-US" dirty="0"/>
@@ -14908,10 +15664,9 @@
           <a:lstStyle/>
           <a:p>
             <a:r>
-              <a:rPr lang="en-US" dirty="0" smtClean="0"/>
+              <a:rPr lang="en-US" dirty="0"/>
               <a:t>Naming Test Methods</a:t>
             </a:r>
-            <a:endParaRPr lang="en-US" dirty="0"/>
           </a:p>
         </p:txBody>
       </p:sp>
@@ -14933,85 +15688,68 @@
           <a:lstStyle/>
           <a:p>
             <a:r>
-              <a:rPr lang="en-US" dirty="0" smtClean="0"/>
-              <a:t>A </a:t>
-            </a:r>
-            <a:r>
-              <a:rPr lang="en-US" dirty="0"/>
-              <a:t>simple sentence template keeps test methods </a:t>
-            </a:r>
-            <a:r>
-              <a:rPr lang="en-US" dirty="0" smtClean="0"/>
-              <a:t>focused</a:t>
+              <a:rPr lang="en-US" dirty="0"/>
+              <a:t>A simple sentence template keeps test methods focused</a:t>
             </a:r>
           </a:p>
           <a:p>
             <a:pPr lvl="1"/>
             <a:r>
-              <a:rPr lang="en-US" dirty="0" smtClean="0"/>
+              <a:rPr lang="en-US" dirty="0"/>
               <a:t>Beginning with </a:t>
             </a:r>
             <a:r>
-              <a:rPr lang="en-US" i="1" dirty="0" smtClean="0"/>
+              <a:rPr lang="en-US" i="1" dirty="0"/>
               <a:t>Should</a:t>
             </a:r>
             <a:r>
-              <a:rPr lang="en-US" dirty="0" smtClean="0"/>
+              <a:rPr lang="en-US" dirty="0"/>
               <a:t> helps limit the scope of your tests</a:t>
             </a:r>
           </a:p>
           <a:p>
             <a:pPr lvl="1"/>
-            <a:endParaRPr lang="en-US" dirty="0" smtClean="0"/>
-          </a:p>
-          <a:p>
-            <a:r>
-              <a:rPr lang="en-US" dirty="0" smtClean="0"/>
+            <a:endParaRPr lang="en-US" dirty="0"/>
+          </a:p>
+          <a:p>
+            <a:r>
+              <a:rPr lang="en-US" dirty="0"/>
               <a:t>Expressive names are helpful when tests fail</a:t>
             </a:r>
           </a:p>
           <a:p>
             <a:pPr lvl="1"/>
             <a:r>
-              <a:rPr lang="en-US" dirty="0" smtClean="0"/>
+              <a:rPr lang="en-US" dirty="0"/>
               <a:t>A bug was introduced</a:t>
             </a:r>
           </a:p>
           <a:p>
             <a:pPr lvl="1"/>
             <a:r>
-              <a:rPr lang="en-US" dirty="0" smtClean="0"/>
+              <a:rPr lang="en-US" dirty="0"/>
               <a:t>The behavior moved</a:t>
             </a:r>
           </a:p>
           <a:p>
             <a:pPr lvl="1"/>
             <a:r>
-              <a:rPr lang="en-US" dirty="0" smtClean="0"/>
+              <a:rPr lang="en-US" dirty="0"/>
               <a:t>The behavior is no longer correct</a:t>
             </a:r>
           </a:p>
           <a:p>
-            <a:endParaRPr lang="en-US" dirty="0" smtClean="0"/>
-          </a:p>
-          <a:p>
-            <a:r>
-              <a:rPr lang="en-US" i="1" dirty="0" smtClean="0"/>
+            <a:endParaRPr lang="en-US" dirty="0"/>
+          </a:p>
+          <a:p>
+            <a:r>
+              <a:rPr lang="en-US" i="1" dirty="0"/>
               <a:t>Should </a:t>
             </a:r>
             <a:r>
-              <a:rPr lang="en-US" dirty="0" smtClean="0"/>
-              <a:t>allows you </a:t>
-            </a:r>
-            <a:r>
-              <a:rPr lang="en-US" dirty="0"/>
-              <a:t>to challenge the </a:t>
-            </a:r>
-            <a:r>
-              <a:rPr lang="en-US" dirty="0" smtClean="0"/>
-              <a:t>premise</a:t>
-            </a:r>
-            <a:endParaRPr lang="en-US" dirty="0"/>
+              <a:rPr lang="en-US" dirty="0"/>
+              <a:t>allows you to challenge the premise</a:t>
+            </a:r>
           </a:p>
         </p:txBody>
       </p:sp>
@@ -15437,517 +16175,45 @@
           <a:lstStyle/>
           <a:p>
             <a:r>
-              <a:rPr lang="en-US" dirty="0" smtClean="0"/>
-              <a:t>“Behavior” is a mor</a:t>
-            </a:r>
-            <a:r>
-              <a:rPr lang="en-US" dirty="0" smtClean="0"/>
-              <a:t>e useful word</a:t>
-            </a:r>
-            <a:endParaRPr lang="en-US" dirty="0"/>
-          </a:p>
-        </p:txBody>
-      </p:sp>
-      <p:sp>
-        <p:nvSpPr>
-          <p:cNvPr id="3" name="Content Placeholder 2"/>
-          <p:cNvSpPr>
-            <a:spLocks noGrp="1"/>
-          </p:cNvSpPr>
+              <a:rPr lang="en-US" dirty="0"/>
+              <a:t>Naming Test Methods</a:t>
+            </a:r>
+          </a:p>
+        </p:txBody>
+      </p:sp>
+      <p:pic>
+        <p:nvPicPr>
+          <p:cNvPr id="4" name="Content Placeholder 3"/>
+          <p:cNvPicPr>
+            <a:picLocks noGrp="1" noChangeAspect="1"/>
+          </p:cNvPicPr>
           <p:nvPr>
             <p:ph idx="1"/>
           </p:nvPr>
-        </p:nvSpPr>
-        <p:spPr/>
-        <p:txBody>
-          <a:bodyPr/>
-          <a:lstStyle/>
-          <a:p>
-            <a:pPr>
-              <a:lnSpc>
-                <a:spcPct val="100000"/>
-              </a:lnSpc>
-              <a:spcBef>
-                <a:spcPts val="0"/>
-              </a:spcBef>
-            </a:pPr>
-            <a:r>
-              <a:rPr lang="en-US" b="1" dirty="0" smtClean="0"/>
-              <a:t>BDD helps to drive TDD</a:t>
-            </a:r>
-          </a:p>
-          <a:p>
-            <a:pPr marL="514350" marR="0" lvl="0" indent="-514350" defTabSz="914400" eaLnBrk="1" fontAlgn="auto" latinLnBrk="0" hangingPunct="1">
-              <a:lnSpc>
-                <a:spcPct val="100000"/>
-              </a:lnSpc>
-              <a:spcBef>
-                <a:spcPts val="0"/>
-              </a:spcBef>
-              <a:spcAft>
-                <a:spcPts val="0"/>
-              </a:spcAft>
-              <a:buClrTx/>
-              <a:buSzTx/>
-              <a:buFont typeface="+mj-lt"/>
-              <a:buNone/>
-              <a:tabLst/>
-              <a:defRPr/>
-            </a:pPr>
-            <a:endParaRPr lang="en-US" b="1" dirty="0"/>
-          </a:p>
-          <a:p>
-            <a:pPr>
-              <a:lnSpc>
-                <a:spcPct val="100000"/>
-              </a:lnSpc>
-              <a:spcBef>
-                <a:spcPts val="0"/>
-              </a:spcBef>
-            </a:pPr>
-            <a:r>
-              <a:rPr lang="en-US" b="1" dirty="0" smtClean="0"/>
-              <a:t>Why do we write software?</a:t>
-            </a:r>
-          </a:p>
-          <a:p>
-            <a:pPr lvl="1">
-              <a:lnSpc>
-                <a:spcPct val="100000"/>
-              </a:lnSpc>
-              <a:spcBef>
-                <a:spcPts val="0"/>
-              </a:spcBef>
-            </a:pPr>
-            <a:r>
-              <a:rPr lang="en-US" dirty="0" smtClean="0"/>
-              <a:t>Business value</a:t>
-            </a:r>
-          </a:p>
-          <a:p>
-            <a:pPr lvl="1">
-              <a:lnSpc>
-                <a:spcPct val="100000"/>
-              </a:lnSpc>
-              <a:spcBef>
-                <a:spcPts val="0"/>
-              </a:spcBef>
-            </a:pPr>
-            <a:endParaRPr lang="en-US" b="1" dirty="0"/>
-          </a:p>
-          <a:p>
-            <a:pPr>
-              <a:lnSpc>
-                <a:spcPct val="100000"/>
-              </a:lnSpc>
-              <a:spcBef>
-                <a:spcPts val="0"/>
-              </a:spcBef>
-            </a:pPr>
-            <a:r>
-              <a:rPr lang="en-US" b="1" dirty="0" smtClean="0"/>
-              <a:t>Better Mindset</a:t>
-            </a:r>
-          </a:p>
-          <a:p>
-            <a:pPr lvl="1">
-              <a:lnSpc>
-                <a:spcPct val="100000"/>
-              </a:lnSpc>
-              <a:spcBef>
-                <a:spcPts val="0"/>
-              </a:spcBef>
-            </a:pPr>
-            <a:r>
-              <a:rPr lang="en-US" dirty="0"/>
-              <a:t>“what is the next most important thing the system should do</a:t>
-            </a:r>
-            <a:r>
-              <a:rPr lang="en-US" dirty="0" smtClean="0"/>
-              <a:t>?”</a:t>
-            </a:r>
-          </a:p>
-          <a:p>
-            <a:pPr lvl="1">
-              <a:lnSpc>
-                <a:spcPct val="100000"/>
-              </a:lnSpc>
-              <a:spcBef>
-                <a:spcPts val="0"/>
-              </a:spcBef>
-            </a:pPr>
-            <a:r>
-              <a:rPr lang="en-US" b="1" dirty="0" smtClean="0"/>
-              <a:t>The system doesn’t do X and X is important</a:t>
-            </a:r>
-          </a:p>
-          <a:p>
-            <a:pPr lvl="2">
-              <a:lnSpc>
-                <a:spcPct val="100000"/>
-              </a:lnSpc>
-              <a:spcBef>
-                <a:spcPts val="0"/>
-              </a:spcBef>
-            </a:pPr>
-            <a:r>
-              <a:rPr lang="en-US" b="1" i="1" dirty="0" err="1" smtClean="0"/>
-              <a:t>shouldDoX</a:t>
-            </a:r>
-            <a:endParaRPr lang="en-US" b="1" i="1" dirty="0" smtClean="0"/>
-          </a:p>
-        </p:txBody>
-      </p:sp>
+        </p:nvPicPr>
+        <p:blipFill>
+          <a:blip r:embed="rId2"/>
+          <a:stretch>
+            <a:fillRect/>
+          </a:stretch>
+        </p:blipFill>
+        <p:spPr>
+          <a:xfrm>
+            <a:off x="968677" y="2765956"/>
+            <a:ext cx="10254645" cy="2475895"/>
+          </a:xfrm>
+        </p:spPr>
+      </p:pic>
     </p:spTree>
     <p:extLst>
       <p:ext uri="{BB962C8B-B14F-4D97-AF65-F5344CB8AC3E}">
-        <p14:creationId xmlns:p14="http://schemas.microsoft.com/office/powerpoint/2010/main" val="1451881014"/>
+        <p14:creationId xmlns:p14="http://schemas.microsoft.com/office/powerpoint/2010/main" val="597837609"/>
       </p:ext>
     </p:extLst>
   </p:cSld>
   <p:clrMapOvr>
     <a:masterClrMapping/>
   </p:clrMapOvr>
-  <p:timing>
-    <p:tnLst>
-      <p:par>
-        <p:cTn id="1" dur="indefinite" restart="never" nodeType="tmRoot">
-          <p:childTnLst>
-            <p:seq concurrent="1" nextAc="seek">
-              <p:cTn id="2" dur="indefinite" nodeType="mainSeq">
-                <p:childTnLst>
-                  <p:par>
-                    <p:cTn id="3" fill="hold">
-                      <p:stCondLst>
-                        <p:cond delay="indefinite"/>
-                      </p:stCondLst>
-                      <p:childTnLst>
-                        <p:par>
-                          <p:cTn id="4" fill="hold">
-                            <p:stCondLst>
-                              <p:cond delay="0"/>
-                            </p:stCondLst>
-                            <p:childTnLst>
-                              <p:par>
-                                <p:cTn id="5" presetID="1" presetClass="entr" presetSubtype="0" fill="hold" grpId="0" nodeType="clickEffect">
-                                  <p:stCondLst>
-                                    <p:cond delay="0"/>
-                                  </p:stCondLst>
-                                  <p:childTnLst>
-                                    <p:set>
-                                      <p:cBhvr>
-                                        <p:cTn id="6" dur="1" fill="hold">
-                                          <p:stCondLst>
-                                            <p:cond delay="0"/>
-                                          </p:stCondLst>
-                                        </p:cTn>
-                                        <p:tgtEl>
-                                          <p:spTgt spid="3">
-                                            <p:txEl>
-                                              <p:pRg st="0" end="0"/>
-                                            </p:txEl>
-                                          </p:spTgt>
-                                        </p:tgtEl>
-                                        <p:attrNameLst>
-                                          <p:attrName>style.visibility</p:attrName>
-                                        </p:attrNameLst>
-                                      </p:cBhvr>
-                                      <p:to>
-                                        <p:strVal val="visible"/>
-                                      </p:to>
-                                    </p:set>
-                                  </p:childTnLst>
-                                </p:cTn>
-                              </p:par>
-                            </p:childTnLst>
-                          </p:cTn>
-                        </p:par>
-                      </p:childTnLst>
-                    </p:cTn>
-                  </p:par>
-                  <p:par>
-                    <p:cTn id="7" fill="hold">
-                      <p:stCondLst>
-                        <p:cond delay="indefinite"/>
-                      </p:stCondLst>
-                      <p:childTnLst>
-                        <p:par>
-                          <p:cTn id="8" fill="hold">
-                            <p:stCondLst>
-                              <p:cond delay="0"/>
-                            </p:stCondLst>
-                            <p:childTnLst>
-                              <p:par>
-                                <p:cTn id="9" presetID="1" presetClass="entr" presetSubtype="0" fill="hold" grpId="0" nodeType="clickEffect">
-                                  <p:stCondLst>
-                                    <p:cond delay="0"/>
-                                  </p:stCondLst>
-                                  <p:childTnLst>
-                                    <p:set>
-                                      <p:cBhvr>
-                                        <p:cTn id="10" dur="1" fill="hold">
-                                          <p:stCondLst>
-                                            <p:cond delay="0"/>
-                                          </p:stCondLst>
-                                        </p:cTn>
-                                        <p:tgtEl>
-                                          <p:spTgt spid="3">
-                                            <p:txEl>
-                                              <p:pRg st="2" end="2"/>
-                                            </p:txEl>
-                                          </p:spTgt>
-                                        </p:tgtEl>
-                                        <p:attrNameLst>
-                                          <p:attrName>style.visibility</p:attrName>
-                                        </p:attrNameLst>
-                                      </p:cBhvr>
-                                      <p:to>
-                                        <p:strVal val="visible"/>
-                                      </p:to>
-                                    </p:set>
-                                  </p:childTnLst>
-                                </p:cTn>
-                              </p:par>
-                            </p:childTnLst>
-                          </p:cTn>
-                        </p:par>
-                      </p:childTnLst>
-                    </p:cTn>
-                  </p:par>
-                  <p:par>
-                    <p:cTn id="11" fill="hold">
-                      <p:stCondLst>
-                        <p:cond delay="indefinite"/>
-                      </p:stCondLst>
-                      <p:childTnLst>
-                        <p:par>
-                          <p:cTn id="12" fill="hold">
-                            <p:stCondLst>
-                              <p:cond delay="0"/>
-                            </p:stCondLst>
-                            <p:childTnLst>
-                              <p:par>
-                                <p:cTn id="13" presetID="1" presetClass="entr" presetSubtype="0" fill="hold" grpId="0" nodeType="clickEffect">
-                                  <p:stCondLst>
-                                    <p:cond delay="0"/>
-                                  </p:stCondLst>
-                                  <p:childTnLst>
-                                    <p:set>
-                                      <p:cBhvr>
-                                        <p:cTn id="14" dur="1" fill="hold">
-                                          <p:stCondLst>
-                                            <p:cond delay="0"/>
-                                          </p:stCondLst>
-                                        </p:cTn>
-                                        <p:tgtEl>
-                                          <p:spTgt spid="3">
-                                            <p:txEl>
-                                              <p:pRg st="3" end="3"/>
-                                            </p:txEl>
-                                          </p:spTgt>
-                                        </p:tgtEl>
-                                        <p:attrNameLst>
-                                          <p:attrName>style.visibility</p:attrName>
-                                        </p:attrNameLst>
-                                      </p:cBhvr>
-                                      <p:to>
-                                        <p:strVal val="visible"/>
-                                      </p:to>
-                                    </p:set>
-                                  </p:childTnLst>
-                                </p:cTn>
-                              </p:par>
-                            </p:childTnLst>
-                          </p:cTn>
-                        </p:par>
-                      </p:childTnLst>
-                    </p:cTn>
-                  </p:par>
-                  <p:par>
-                    <p:cTn id="15" fill="hold">
-                      <p:stCondLst>
-                        <p:cond delay="indefinite"/>
-                      </p:stCondLst>
-                      <p:childTnLst>
-                        <p:par>
-                          <p:cTn id="16" fill="hold">
-                            <p:stCondLst>
-                              <p:cond delay="0"/>
-                            </p:stCondLst>
-                            <p:childTnLst>
-                              <p:par>
-                                <p:cTn id="17" presetID="1" presetClass="entr" presetSubtype="0" fill="hold" grpId="0" nodeType="clickEffect">
-                                  <p:stCondLst>
-                                    <p:cond delay="0"/>
-                                  </p:stCondLst>
-                                  <p:childTnLst>
-                                    <p:set>
-                                      <p:cBhvr>
-                                        <p:cTn id="18" dur="1" fill="hold">
-                                          <p:stCondLst>
-                                            <p:cond delay="0"/>
-                                          </p:stCondLst>
-                                        </p:cTn>
-                                        <p:tgtEl>
-                                          <p:spTgt spid="3">
-                                            <p:txEl>
-                                              <p:pRg st="5" end="5"/>
-                                            </p:txEl>
-                                          </p:spTgt>
-                                        </p:tgtEl>
-                                        <p:attrNameLst>
-                                          <p:attrName>style.visibility</p:attrName>
-                                        </p:attrNameLst>
-                                      </p:cBhvr>
-                                      <p:to>
-                                        <p:strVal val="visible"/>
-                                      </p:to>
-                                    </p:set>
-                                  </p:childTnLst>
-                                </p:cTn>
-                              </p:par>
-                            </p:childTnLst>
-                          </p:cTn>
-                        </p:par>
-                      </p:childTnLst>
-                    </p:cTn>
-                  </p:par>
-                  <p:par>
-                    <p:cTn id="19" fill="hold">
-                      <p:stCondLst>
-                        <p:cond delay="indefinite"/>
-                      </p:stCondLst>
-                      <p:childTnLst>
-                        <p:par>
-                          <p:cTn id="20" fill="hold">
-                            <p:stCondLst>
-                              <p:cond delay="0"/>
-                            </p:stCondLst>
-                            <p:childTnLst>
-                              <p:par>
-                                <p:cTn id="21" presetID="1" presetClass="entr" presetSubtype="0" fill="hold" grpId="0" nodeType="clickEffect">
-                                  <p:stCondLst>
-                                    <p:cond delay="0"/>
-                                  </p:stCondLst>
-                                  <p:childTnLst>
-                                    <p:set>
-                                      <p:cBhvr>
-                                        <p:cTn id="22" dur="1" fill="hold">
-                                          <p:stCondLst>
-                                            <p:cond delay="0"/>
-                                          </p:stCondLst>
-                                        </p:cTn>
-                                        <p:tgtEl>
-                                          <p:spTgt spid="3">
-                                            <p:txEl>
-                                              <p:pRg st="6" end="6"/>
-                                            </p:txEl>
-                                          </p:spTgt>
-                                        </p:tgtEl>
-                                        <p:attrNameLst>
-                                          <p:attrName>style.visibility</p:attrName>
-                                        </p:attrNameLst>
-                                      </p:cBhvr>
-                                      <p:to>
-                                        <p:strVal val="visible"/>
-                                      </p:to>
-                                    </p:set>
-                                  </p:childTnLst>
-                                </p:cTn>
-                              </p:par>
-                              <p:par>
-                                <p:cTn id="23" presetID="1" presetClass="entr" presetSubtype="0" fill="hold" grpId="0" nodeType="withEffect">
-                                  <p:stCondLst>
-                                    <p:cond delay="0"/>
-                                  </p:stCondLst>
-                                  <p:childTnLst>
-                                    <p:set>
-                                      <p:cBhvr>
-                                        <p:cTn id="24" dur="1" fill="hold">
-                                          <p:stCondLst>
-                                            <p:cond delay="0"/>
-                                          </p:stCondLst>
-                                        </p:cTn>
-                                        <p:tgtEl>
-                                          <p:spTgt spid="3">
-                                            <p:txEl>
-                                              <p:pRg st="7" end="7"/>
-                                            </p:txEl>
-                                          </p:spTgt>
-                                        </p:tgtEl>
-                                        <p:attrNameLst>
-                                          <p:attrName>style.visibility</p:attrName>
-                                        </p:attrNameLst>
-                                      </p:cBhvr>
-                                      <p:to>
-                                        <p:strVal val="visible"/>
-                                      </p:to>
-                                    </p:set>
-                                  </p:childTnLst>
-                                </p:cTn>
-                              </p:par>
-                              <p:par>
-                                <p:cTn id="25" presetID="1" presetClass="entr" presetSubtype="0" fill="hold" grpId="0" nodeType="withEffect">
-                                  <p:stCondLst>
-                                    <p:cond delay="0"/>
-                                  </p:stCondLst>
-                                  <p:childTnLst>
-                                    <p:set>
-                                      <p:cBhvr>
-                                        <p:cTn id="26" dur="1" fill="hold">
-                                          <p:stCondLst>
-                                            <p:cond delay="0"/>
-                                          </p:stCondLst>
-                                        </p:cTn>
-                                        <p:tgtEl>
-                                          <p:spTgt spid="3">
-                                            <p:txEl>
-                                              <p:pRg st="8" end="8"/>
-                                            </p:txEl>
-                                          </p:spTgt>
-                                        </p:tgtEl>
-                                        <p:attrNameLst>
-                                          <p:attrName>style.visibility</p:attrName>
-                                        </p:attrNameLst>
-                                      </p:cBhvr>
-                                      <p:to>
-                                        <p:strVal val="visible"/>
-                                      </p:to>
-                                    </p:set>
-                                  </p:childTnLst>
-                                </p:cTn>
-                              </p:par>
-                            </p:childTnLst>
-                          </p:cTn>
-                        </p:par>
-                      </p:childTnLst>
-                    </p:cTn>
-                  </p:par>
-                </p:childTnLst>
-              </p:cTn>
-              <p:prevCondLst>
-                <p:cond evt="onPrev" delay="0">
-                  <p:tgtEl>
-                    <p:sldTgt/>
-                  </p:tgtEl>
-                </p:cond>
-              </p:prevCondLst>
-              <p:nextCondLst>
-                <p:cond evt="onNext" delay="0">
-                  <p:tgtEl>
-                    <p:sldTgt/>
-                  </p:tgtEl>
-                </p:cond>
-              </p:nextCondLst>
-            </p:seq>
-          </p:childTnLst>
-        </p:cTn>
-      </p:par>
-    </p:tnLst>
-    <p:bldLst>
-      <p:bldP spid="3" grpId="0" uiExpand="1" build="p"/>
-    </p:bldLst>
-  </p:timing>
 </p:sld>
 </file>
 
@@ -15984,393 +16250,45 @@
           <a:lstStyle/>
           <a:p>
             <a:r>
-              <a:rPr lang="en-US" b="1" dirty="0"/>
-              <a:t>Requirements are Behavior, Too</a:t>
-            </a:r>
-            <a:endParaRPr lang="en-US" dirty="0"/>
-          </a:p>
-        </p:txBody>
-      </p:sp>
-      <p:sp>
-        <p:nvSpPr>
-          <p:cNvPr id="3" name="Content Placeholder 2"/>
-          <p:cNvSpPr>
-            <a:spLocks noGrp="1"/>
-          </p:cNvSpPr>
+              <a:rPr lang="en-US" dirty="0"/>
+              <a:t>Naming Test Methods</a:t>
+            </a:r>
+          </a:p>
+        </p:txBody>
+      </p:sp>
+      <p:pic>
+        <p:nvPicPr>
+          <p:cNvPr id="4" name="Content Placeholder 3"/>
+          <p:cNvPicPr>
+            <a:picLocks noGrp="1" noChangeAspect="1"/>
+          </p:cNvPicPr>
           <p:nvPr>
             <p:ph idx="1"/>
           </p:nvPr>
-        </p:nvSpPr>
-        <p:spPr/>
-        <p:txBody>
-          <a:bodyPr/>
-          <a:lstStyle/>
-          <a:p>
-            <a:r>
-              <a:rPr lang="en-US" dirty="0" smtClean="0"/>
-              <a:t>Ubiquitous Language</a:t>
-            </a:r>
-          </a:p>
-          <a:p>
-            <a:pPr lvl="1"/>
-            <a:r>
-              <a:rPr lang="en-US" dirty="0" smtClean="0"/>
-              <a:t>Analyst, developers, testers, and the business</a:t>
-            </a:r>
-          </a:p>
-          <a:p>
-            <a:pPr lvl="1"/>
-            <a:endParaRPr lang="en-US" dirty="0"/>
-          </a:p>
-          <a:p>
-            <a:pPr marL="0" indent="0">
-              <a:buNone/>
-            </a:pPr>
-            <a:r>
-              <a:rPr lang="en-US" dirty="0" smtClean="0"/>
-              <a:t>Story Language</a:t>
-            </a:r>
-            <a:r>
-              <a:rPr lang="en-US" b="1" dirty="0" smtClean="0"/>
-              <a:t/>
-            </a:r>
-            <a:br>
-              <a:rPr lang="en-US" b="1" dirty="0" smtClean="0"/>
-            </a:br>
-            <a:r>
-              <a:rPr lang="en-US" b="1" dirty="0" smtClean="0"/>
-              <a:t>As a </a:t>
-            </a:r>
-            <a:r>
-              <a:rPr lang="en-US" dirty="0" smtClean="0"/>
-              <a:t>[x] </a:t>
-            </a:r>
-            <a:r>
-              <a:rPr lang="mr-IN" dirty="0" smtClean="0"/>
-              <a:t>–</a:t>
-            </a:r>
-            <a:r>
-              <a:rPr lang="en-US" dirty="0" smtClean="0"/>
-              <a:t> person or role</a:t>
-            </a:r>
-            <a:br>
-              <a:rPr lang="en-US" dirty="0" smtClean="0"/>
-            </a:br>
-            <a:r>
-              <a:rPr lang="en-US" b="1" dirty="0" smtClean="0"/>
-              <a:t>I want</a:t>
-            </a:r>
-            <a:r>
-              <a:rPr lang="en-US" dirty="0" smtClean="0"/>
-              <a:t> [y] </a:t>
-            </a:r>
-            <a:r>
-              <a:rPr lang="mr-IN" dirty="0" smtClean="0"/>
-              <a:t>–</a:t>
-            </a:r>
-            <a:r>
-              <a:rPr lang="en-US" dirty="0" smtClean="0"/>
-              <a:t> some feature</a:t>
-            </a:r>
-            <a:br>
-              <a:rPr lang="en-US" dirty="0" smtClean="0"/>
-            </a:br>
-            <a:r>
-              <a:rPr lang="en-US" b="1" dirty="0" smtClean="0"/>
-              <a:t>So that </a:t>
-            </a:r>
-            <a:r>
-              <a:rPr lang="en-US" dirty="0" smtClean="0"/>
-              <a:t>[z] </a:t>
-            </a:r>
-            <a:r>
-              <a:rPr lang="mr-IN" dirty="0" smtClean="0"/>
-              <a:t>–</a:t>
-            </a:r>
-            <a:r>
-              <a:rPr lang="en-US" dirty="0" smtClean="0"/>
-              <a:t> the benefit or value of the feature</a:t>
-            </a:r>
-          </a:p>
-          <a:p>
-            <a:pPr marL="0" indent="0">
-              <a:buNone/>
-            </a:pPr>
-            <a:endParaRPr lang="en-US" dirty="0"/>
-          </a:p>
-          <a:p>
-            <a:r>
-              <a:rPr lang="en-US" dirty="0"/>
-              <a:t>Can’t specify </a:t>
-            </a:r>
-            <a:r>
-              <a:rPr lang="en-US" b="1" i="1" dirty="0"/>
-              <a:t>so that</a:t>
-            </a:r>
-            <a:r>
-              <a:rPr lang="en-US" dirty="0"/>
-              <a:t>?</a:t>
-            </a:r>
-            <a:r>
-              <a:rPr lang="en-US" i="1" dirty="0"/>
-              <a:t> </a:t>
-            </a:r>
-            <a:r>
-              <a:rPr lang="en-US" dirty="0"/>
-              <a:t>Probably isn’t important</a:t>
-            </a:r>
-            <a:r>
-              <a:rPr lang="en-US" dirty="0" smtClean="0"/>
-              <a:t>.</a:t>
-            </a:r>
-          </a:p>
-          <a:p>
-            <a:pPr marL="0" indent="0">
-              <a:buNone/>
-            </a:pPr>
-            <a:endParaRPr lang="en-US" dirty="0" smtClean="0"/>
-          </a:p>
-        </p:txBody>
-      </p:sp>
+        </p:nvPicPr>
+        <p:blipFill>
+          <a:blip r:embed="rId2"/>
+          <a:stretch>
+            <a:fillRect/>
+          </a:stretch>
+        </p:blipFill>
+        <p:spPr>
+          <a:xfrm>
+            <a:off x="1988544" y="2148423"/>
+            <a:ext cx="8497486" cy="3705742"/>
+          </a:xfrm>
+        </p:spPr>
+      </p:pic>
     </p:spTree>
     <p:extLst>
       <p:ext uri="{BB962C8B-B14F-4D97-AF65-F5344CB8AC3E}">
-        <p14:creationId xmlns:p14="http://schemas.microsoft.com/office/powerpoint/2010/main" val="1154998856"/>
+        <p14:creationId xmlns:p14="http://schemas.microsoft.com/office/powerpoint/2010/main" val="1928675205"/>
       </p:ext>
     </p:extLst>
   </p:cSld>
   <p:clrMapOvr>
     <a:masterClrMapping/>
   </p:clrMapOvr>
-  <p:timing>
-    <p:tnLst>
-      <p:par>
-        <p:cTn id="1" dur="indefinite" restart="never" nodeType="tmRoot">
-          <p:childTnLst>
-            <p:seq concurrent="1" nextAc="seek">
-              <p:cTn id="2" dur="indefinite" nodeType="mainSeq">
-                <p:childTnLst>
-                  <p:par>
-                    <p:cTn id="3" fill="hold">
-                      <p:stCondLst>
-                        <p:cond delay="indefinite"/>
-                      </p:stCondLst>
-                      <p:childTnLst>
-                        <p:par>
-                          <p:cTn id="4" fill="hold">
-                            <p:stCondLst>
-                              <p:cond delay="0"/>
-                            </p:stCondLst>
-                            <p:childTnLst>
-                              <p:par>
-                                <p:cTn id="5" presetID="1" presetClass="entr" presetSubtype="0" fill="hold" grpId="0" nodeType="clickEffect">
-                                  <p:stCondLst>
-                                    <p:cond delay="0"/>
-                                  </p:stCondLst>
-                                  <p:childTnLst>
-                                    <p:set>
-                                      <p:cBhvr>
-                                        <p:cTn id="6" dur="1" fill="hold">
-                                          <p:stCondLst>
-                                            <p:cond delay="0"/>
-                                          </p:stCondLst>
-                                        </p:cTn>
-                                        <p:tgtEl>
-                                          <p:spTgt spid="3">
-                                            <p:txEl>
-                                              <p:pRg st="0" end="0"/>
-                                            </p:txEl>
-                                          </p:spTgt>
-                                        </p:tgtEl>
-                                        <p:attrNameLst>
-                                          <p:attrName>style.visibility</p:attrName>
-                                        </p:attrNameLst>
-                                      </p:cBhvr>
-                                      <p:to>
-                                        <p:strVal val="visible"/>
-                                      </p:to>
-                                    </p:set>
-                                  </p:childTnLst>
-                                </p:cTn>
-                              </p:par>
-                            </p:childTnLst>
-                          </p:cTn>
-                        </p:par>
-                      </p:childTnLst>
-                    </p:cTn>
-                  </p:par>
-                  <p:par>
-                    <p:cTn id="7" fill="hold">
-                      <p:stCondLst>
-                        <p:cond delay="indefinite"/>
-                      </p:stCondLst>
-                      <p:childTnLst>
-                        <p:par>
-                          <p:cTn id="8" fill="hold">
-                            <p:stCondLst>
-                              <p:cond delay="0"/>
-                            </p:stCondLst>
-                            <p:childTnLst>
-                              <p:par>
-                                <p:cTn id="9" presetID="1" presetClass="entr" presetSubtype="0" fill="hold" grpId="0" nodeType="clickEffect">
-                                  <p:stCondLst>
-                                    <p:cond delay="0"/>
-                                  </p:stCondLst>
-                                  <p:childTnLst>
-                                    <p:set>
-                                      <p:cBhvr>
-                                        <p:cTn id="10" dur="1" fill="hold">
-                                          <p:stCondLst>
-                                            <p:cond delay="0"/>
-                                          </p:stCondLst>
-                                        </p:cTn>
-                                        <p:tgtEl>
-                                          <p:spTgt spid="3">
-                                            <p:txEl>
-                                              <p:pRg st="1" end="1"/>
-                                            </p:txEl>
-                                          </p:spTgt>
-                                        </p:tgtEl>
-                                        <p:attrNameLst>
-                                          <p:attrName>style.visibility</p:attrName>
-                                        </p:attrNameLst>
-                                      </p:cBhvr>
-                                      <p:to>
-                                        <p:strVal val="visible"/>
-                                      </p:to>
-                                    </p:set>
-                                  </p:childTnLst>
-                                </p:cTn>
-                              </p:par>
-                            </p:childTnLst>
-                          </p:cTn>
-                        </p:par>
-                      </p:childTnLst>
-                    </p:cTn>
-                  </p:par>
-                  <p:par>
-                    <p:cTn id="11" fill="hold">
-                      <p:stCondLst>
-                        <p:cond delay="indefinite"/>
-                      </p:stCondLst>
-                      <p:childTnLst>
-                        <p:par>
-                          <p:cTn id="12" fill="hold">
-                            <p:stCondLst>
-                              <p:cond delay="0"/>
-                            </p:stCondLst>
-                            <p:childTnLst>
-                              <p:par>
-                                <p:cTn id="13" presetID="1" presetClass="entr" presetSubtype="0" fill="hold" grpId="0" nodeType="clickEffect">
-                                  <p:stCondLst>
-                                    <p:cond delay="0"/>
-                                  </p:stCondLst>
-                                  <p:childTnLst>
-                                    <p:set>
-                                      <p:cBhvr>
-                                        <p:cTn id="14" dur="1" fill="hold">
-                                          <p:stCondLst>
-                                            <p:cond delay="0"/>
-                                          </p:stCondLst>
-                                        </p:cTn>
-                                        <p:tgtEl>
-                                          <p:spTgt spid="3">
-                                            <p:txEl>
-                                              <p:pRg st="3" end="3"/>
-                                            </p:txEl>
-                                          </p:spTgt>
-                                        </p:tgtEl>
-                                        <p:attrNameLst>
-                                          <p:attrName>style.visibility</p:attrName>
-                                        </p:attrNameLst>
-                                      </p:cBhvr>
-                                      <p:to>
-                                        <p:strVal val="visible"/>
-                                      </p:to>
-                                    </p:set>
-                                  </p:childTnLst>
-                                </p:cTn>
-                              </p:par>
-                            </p:childTnLst>
-                          </p:cTn>
-                        </p:par>
-                      </p:childTnLst>
-                    </p:cTn>
-                  </p:par>
-                  <p:par>
-                    <p:cTn id="15" fill="hold">
-                      <p:stCondLst>
-                        <p:cond delay="indefinite"/>
-                      </p:stCondLst>
-                      <p:childTnLst>
-                        <p:par>
-                          <p:cTn id="16" fill="hold">
-                            <p:stCondLst>
-                              <p:cond delay="0"/>
-                            </p:stCondLst>
-                            <p:childTnLst>
-                              <p:par>
-                                <p:cTn id="17" presetID="1" presetClass="entr" presetSubtype="0" fill="hold" grpId="0" nodeType="clickEffect">
-                                  <p:stCondLst>
-                                    <p:cond delay="0"/>
-                                  </p:stCondLst>
-                                  <p:childTnLst>
-                                    <p:set>
-                                      <p:cBhvr>
-                                        <p:cTn id="18" dur="1" fill="hold">
-                                          <p:stCondLst>
-                                            <p:cond delay="0"/>
-                                          </p:stCondLst>
-                                        </p:cTn>
-                                        <p:tgtEl>
-                                          <p:spTgt spid="3">
-                                            <p:txEl>
-                                              <p:pRg st="5" end="5"/>
-                                            </p:txEl>
-                                          </p:spTgt>
-                                        </p:tgtEl>
-                                        <p:attrNameLst>
-                                          <p:attrName>style.visibility</p:attrName>
-                                        </p:attrNameLst>
-                                      </p:cBhvr>
-                                      <p:to>
-                                        <p:strVal val="visible"/>
-                                      </p:to>
-                                    </p:set>
-                                  </p:childTnLst>
-                                </p:cTn>
-                              </p:par>
-                            </p:childTnLst>
-                          </p:cTn>
-                        </p:par>
-                      </p:childTnLst>
-                    </p:cTn>
-                  </p:par>
-                </p:childTnLst>
-              </p:cTn>
-              <p:prevCondLst>
-                <p:cond evt="onPrev" delay="0">
-                  <p:tgtEl>
-                    <p:sldTgt/>
-                  </p:tgtEl>
-                </p:cond>
-              </p:prevCondLst>
-              <p:nextCondLst>
-                <p:cond evt="onNext" delay="0">
-                  <p:tgtEl>
-                    <p:sldTgt/>
-                  </p:tgtEl>
-                </p:cond>
-              </p:nextCondLst>
-            </p:seq>
-          </p:childTnLst>
-        </p:cTn>
-      </p:par>
-    </p:tnLst>
-    <p:bldLst>
-      <p:bldP spid="3" grpId="0" uiExpand="1" build="p"/>
-    </p:bldLst>
-  </p:timing>
 </p:sld>
 </file>
 

--- a/BDD.pptx
+++ b/BDD.pptx
@@ -16183,7 +16183,7 @@
       </p:sp>
       <p:pic>
         <p:nvPicPr>
-          <p:cNvPr id="4" name="Content Placeholder 3"/>
+          <p:cNvPr id="7" name="Content Placeholder 6"/>
           <p:cNvPicPr>
             <a:picLocks noGrp="1" noChangeAspect="1"/>
           </p:cNvPicPr>
@@ -16199,8 +16199,8 @@
         </p:blipFill>
         <p:spPr>
           <a:xfrm>
-            <a:off x="968677" y="2765956"/>
-            <a:ext cx="10254645" cy="2475895"/>
+            <a:off x="1025725" y="2764466"/>
+            <a:ext cx="10140549" cy="2125940"/>
           </a:xfrm>
         </p:spPr>
       </p:pic>
@@ -16258,7 +16258,7 @@
       </p:sp>
       <p:pic>
         <p:nvPicPr>
-          <p:cNvPr id="4" name="Content Placeholder 3"/>
+          <p:cNvPr id="7" name="Content Placeholder 6"/>
           <p:cNvPicPr>
             <a:picLocks noGrp="1" noChangeAspect="1"/>
           </p:cNvPicPr>
@@ -16274,8 +16274,8 @@
         </p:blipFill>
         <p:spPr>
           <a:xfrm>
-            <a:off x="1988544" y="2148423"/>
-            <a:ext cx="8497486" cy="3705742"/>
+            <a:off x="1407929" y="2424224"/>
+            <a:ext cx="9376141" cy="2923952"/>
           </a:xfrm>
         </p:spPr>
       </p:pic>

--- a/BDD.pptx
+++ b/BDD.pptx
@@ -5,7 +5,7 @@
     <p:sldMasterId id="2147483648" r:id="rId1"/>
   </p:sldMasterIdLst>
   <p:notesMasterIdLst>
-    <p:notesMasterId r:id="rId25"/>
+    <p:notesMasterId r:id="rId24"/>
   </p:notesMasterIdLst>
   <p:sldIdLst>
     <p:sldId id="256" r:id="rId2"/>
@@ -25,12 +25,11 @@
     <p:sldId id="269" r:id="rId16"/>
     <p:sldId id="270" r:id="rId17"/>
     <p:sldId id="273" r:id="rId18"/>
-    <p:sldId id="274" r:id="rId19"/>
-    <p:sldId id="275" r:id="rId20"/>
-    <p:sldId id="276" r:id="rId21"/>
-    <p:sldId id="278" r:id="rId22"/>
-    <p:sldId id="279" r:id="rId23"/>
-    <p:sldId id="280" r:id="rId24"/>
+    <p:sldId id="275" r:id="rId19"/>
+    <p:sldId id="276" r:id="rId20"/>
+    <p:sldId id="278" r:id="rId21"/>
+    <p:sldId id="279" r:id="rId22"/>
+    <p:sldId id="280" r:id="rId23"/>
   </p:sldIdLst>
   <p:sldSz cx="12192000" cy="6858000"/>
   <p:notesSz cx="6858000" cy="9144000"/>
@@ -1184,7 +1183,7 @@
           <a:p>
             <a:fld id="{717C0D68-69C3-4A4C-9D46-4BC134F8A513}" type="slidenum">
               <a:rPr lang="en-US" smtClean="0"/>
-              <a:t>19</a:t>
+              <a:t>18</a:t>
             </a:fld>
             <a:endParaRPr lang="en-US"/>
           </a:p>
@@ -1754,7 +1753,7 @@
           <a:p>
             <a:fld id="{717C0D68-69C3-4A4C-9D46-4BC134F8A513}" type="slidenum">
               <a:rPr lang="en-US" smtClean="0"/>
-              <a:t>20</a:t>
+              <a:t>19</a:t>
             </a:fld>
             <a:endParaRPr lang="en-US"/>
           </a:p>
@@ -11996,1081 +11995,6 @@
       </p:grpSpPr>
       <p:sp>
         <p:nvSpPr>
-          <p:cNvPr id="2" name="TextBox 1"/>
-          <p:cNvSpPr txBox="1"/>
-          <p:nvPr/>
-        </p:nvSpPr>
-        <p:spPr>
-          <a:xfrm>
-            <a:off x="0" y="3002280"/>
-            <a:ext cx="12192000" cy="923330"/>
-          </a:xfrm>
-          <a:prstGeom prst="rect">
-            <a:avLst/>
-          </a:prstGeom>
-          <a:noFill/>
-        </p:spPr>
-        <p:txBody>
-          <a:bodyPr wrap="square" rtlCol="0">
-            <a:spAutoFit/>
-          </a:bodyPr>
-          <a:lstStyle/>
-          <a:p>
-            <a:pPr algn="ctr"/>
-            <a:r>
-              <a:rPr lang="en-US" sz="5400" dirty="0" err="1"/>
-              <a:t>Specflow</a:t>
-            </a:r>
-            <a:endParaRPr lang="en-US" sz="5400" dirty="0"/>
-          </a:p>
-        </p:txBody>
-      </p:sp>
-      <p:sp>
-        <p:nvSpPr>
-          <p:cNvPr id="3" name="TextBox 2"/>
-          <p:cNvSpPr txBox="1"/>
-          <p:nvPr/>
-        </p:nvSpPr>
-        <p:spPr>
-          <a:xfrm>
-            <a:off x="0" y="4114800"/>
-            <a:ext cx="12192000" cy="369332"/>
-          </a:xfrm>
-          <a:prstGeom prst="rect">
-            <a:avLst/>
-          </a:prstGeom>
-          <a:noFill/>
-        </p:spPr>
-        <p:txBody>
-          <a:bodyPr wrap="square" rtlCol="0">
-            <a:spAutoFit/>
-          </a:bodyPr>
-          <a:lstStyle/>
-          <a:p>
-            <a:pPr algn="ctr"/>
-            <a:r>
-              <a:rPr lang="en-US" dirty="0"/>
-              <a:t>That’s right Bryan</a:t>
-            </a:r>
-          </a:p>
-        </p:txBody>
-      </p:sp>
-      <p:sp>
-        <p:nvSpPr>
-          <p:cNvPr id="4" name="TextBox 3"/>
-          <p:cNvSpPr txBox="1"/>
-          <p:nvPr/>
-        </p:nvSpPr>
-        <p:spPr>
-          <a:xfrm>
-            <a:off x="0" y="4484132"/>
-            <a:ext cx="12192000" cy="369332"/>
-          </a:xfrm>
-          <a:prstGeom prst="rect">
-            <a:avLst/>
-          </a:prstGeom>
-          <a:noFill/>
-        </p:spPr>
-        <p:txBody>
-          <a:bodyPr wrap="square" rtlCol="0">
-            <a:spAutoFit/>
-          </a:bodyPr>
-          <a:lstStyle/>
-          <a:p>
-            <a:pPr algn="ctr"/>
-            <a:r>
-              <a:rPr lang="en-US" dirty="0"/>
-              <a:t>Terrible Animations</a:t>
-            </a:r>
-          </a:p>
-        </p:txBody>
-      </p:sp>
-      <p:sp>
-        <p:nvSpPr>
-          <p:cNvPr id="5" name="TextBox 4"/>
-          <p:cNvSpPr txBox="1"/>
-          <p:nvPr/>
-        </p:nvSpPr>
-        <p:spPr>
-          <a:xfrm>
-            <a:off x="6949440" y="4484132"/>
-            <a:ext cx="822960" cy="369332"/>
-          </a:xfrm>
-          <a:prstGeom prst="rect">
-            <a:avLst/>
-          </a:prstGeom>
-          <a:noFill/>
-        </p:spPr>
-        <p:txBody>
-          <a:bodyPr wrap="square" rtlCol="0">
-            <a:spAutoFit/>
-          </a:bodyPr>
-          <a:lstStyle/>
-          <a:p>
-            <a:r>
-              <a:rPr lang="en-US" dirty="0"/>
-              <a:t>!!!!</a:t>
-            </a:r>
-          </a:p>
-        </p:txBody>
-      </p:sp>
-      <p:pic>
-        <p:nvPicPr>
-          <p:cNvPr id="6" name="Picture 5"/>
-          <p:cNvPicPr>
-            <a:picLocks noChangeAspect="1"/>
-          </p:cNvPicPr>
-          <p:nvPr/>
-        </p:nvPicPr>
-        <p:blipFill>
-          <a:blip r:embed="rId2">
-            <a:extLst>
-              <a:ext uri="{28A0092B-C50C-407E-A947-70E740481C1C}">
-                <a14:useLocalDpi xmlns:a14="http://schemas.microsoft.com/office/drawing/2010/main" val="0"/>
-              </a:ext>
-            </a:extLst>
-          </a:blip>
-          <a:stretch>
-            <a:fillRect/>
-          </a:stretch>
-        </p:blipFill>
-        <p:spPr>
-          <a:xfrm rot="1931329">
-            <a:off x="1000761" y="602938"/>
-            <a:ext cx="2070100" cy="2501900"/>
-          </a:xfrm>
-          <a:prstGeom prst="rect">
-            <a:avLst/>
-          </a:prstGeom>
-        </p:spPr>
-      </p:pic>
-    </p:spTree>
-    <p:extLst>
-      <p:ext uri="{BB962C8B-B14F-4D97-AF65-F5344CB8AC3E}">
-        <p14:creationId xmlns:p14="http://schemas.microsoft.com/office/powerpoint/2010/main" val="997740223"/>
-      </p:ext>
-    </p:extLst>
-  </p:cSld>
-  <p:clrMapOvr>
-    <a:masterClrMapping/>
-  </p:clrMapOvr>
-  <p:timing>
-    <p:tnLst>
-      <p:par>
-        <p:cTn id="1" dur="indefinite" restart="never" nodeType="tmRoot">
-          <p:childTnLst>
-            <p:seq concurrent="1" nextAc="seek">
-              <p:cTn id="2" dur="indefinite" nodeType="mainSeq">
-                <p:childTnLst>
-                  <p:par>
-                    <p:cTn id="3" fill="hold">
-                      <p:stCondLst>
-                        <p:cond delay="indefinite"/>
-                      </p:stCondLst>
-                      <p:childTnLst>
-                        <p:par>
-                          <p:cTn id="4" fill="hold">
-                            <p:stCondLst>
-                              <p:cond delay="0"/>
-                            </p:stCondLst>
-                            <p:childTnLst>
-                              <p:par>
-                                <p:cTn id="5" presetID="45" presetClass="entr" presetSubtype="0" fill="hold" grpId="0" nodeType="clickEffect">
-                                  <p:stCondLst>
-                                    <p:cond delay="0"/>
-                                  </p:stCondLst>
-                                  <p:childTnLst>
-                                    <p:set>
-                                      <p:cBhvr>
-                                        <p:cTn id="6" dur="1" fill="hold">
-                                          <p:stCondLst>
-                                            <p:cond delay="0"/>
-                                          </p:stCondLst>
-                                        </p:cTn>
-                                        <p:tgtEl>
-                                          <p:spTgt spid="2"/>
-                                        </p:tgtEl>
-                                        <p:attrNameLst>
-                                          <p:attrName>style.visibility</p:attrName>
-                                        </p:attrNameLst>
-                                      </p:cBhvr>
-                                      <p:to>
-                                        <p:strVal val="visible"/>
-                                      </p:to>
-                                    </p:set>
-                                    <p:animEffect transition="in" filter="fade">
-                                      <p:cBhvr>
-                                        <p:cTn id="7" dur="2000"/>
-                                        <p:tgtEl>
-                                          <p:spTgt spid="2"/>
-                                        </p:tgtEl>
-                                      </p:cBhvr>
-                                    </p:animEffect>
-                                    <p:anim calcmode="lin" valueType="num">
-                                      <p:cBhvr>
-                                        <p:cTn id="8" dur="2000" fill="hold"/>
-                                        <p:tgtEl>
-                                          <p:spTgt spid="2"/>
-                                        </p:tgtEl>
-                                        <p:attrNameLst>
-                                          <p:attrName>ppt_w</p:attrName>
-                                        </p:attrNameLst>
-                                      </p:cBhvr>
-                                      <p:tavLst>
-                                        <p:tav tm="0" fmla="#ppt_w*sin(2.5*pi*$)">
-                                          <p:val>
-                                            <p:fltVal val="0"/>
-                                          </p:val>
-                                        </p:tav>
-                                        <p:tav tm="100000">
-                                          <p:val>
-                                            <p:fltVal val="1"/>
-                                          </p:val>
-                                        </p:tav>
-                                      </p:tavLst>
-                                    </p:anim>
-                                    <p:anim calcmode="lin" valueType="num">
-                                      <p:cBhvr>
-                                        <p:cTn id="9" dur="2000" fill="hold"/>
-                                        <p:tgtEl>
-                                          <p:spTgt spid="2"/>
-                                        </p:tgtEl>
-                                        <p:attrNameLst>
-                                          <p:attrName>ppt_h</p:attrName>
-                                        </p:attrNameLst>
-                                      </p:cBhvr>
-                                      <p:tavLst>
-                                        <p:tav tm="0">
-                                          <p:val>
-                                            <p:strVal val="#ppt_h"/>
-                                          </p:val>
-                                        </p:tav>
-                                        <p:tav tm="100000">
-                                          <p:val>
-                                            <p:strVal val="#ppt_h"/>
-                                          </p:val>
-                                        </p:tav>
-                                      </p:tavLst>
-                                    </p:anim>
-                                  </p:childTnLst>
-                                </p:cTn>
-                              </p:par>
-                            </p:childTnLst>
-                          </p:cTn>
-                        </p:par>
-                      </p:childTnLst>
-                    </p:cTn>
-                  </p:par>
-                  <p:par>
-                    <p:cTn id="10" fill="hold">
-                      <p:stCondLst>
-                        <p:cond delay="indefinite"/>
-                      </p:stCondLst>
-                      <p:childTnLst>
-                        <p:par>
-                          <p:cTn id="11" fill="hold">
-                            <p:stCondLst>
-                              <p:cond delay="0"/>
-                            </p:stCondLst>
-                            <p:childTnLst>
-                              <p:par>
-                                <p:cTn id="12" presetID="38" presetClass="entr" presetSubtype="0" accel="50000" fill="hold" grpId="0" nodeType="clickEffect">
-                                  <p:stCondLst>
-                                    <p:cond delay="0"/>
-                                  </p:stCondLst>
-                                  <p:iterate type="lt">
-                                    <p:tmPct val="50000"/>
-                                  </p:iterate>
-                                  <p:childTnLst>
-                                    <p:set>
-                                      <p:cBhvr>
-                                        <p:cTn id="13" dur="1" fill="hold">
-                                          <p:stCondLst>
-                                            <p:cond delay="0"/>
-                                          </p:stCondLst>
-                                        </p:cTn>
-                                        <p:tgtEl>
-                                          <p:spTgt spid="3"/>
-                                        </p:tgtEl>
-                                        <p:attrNameLst>
-                                          <p:attrName>style.visibility</p:attrName>
-                                        </p:attrNameLst>
-                                      </p:cBhvr>
-                                      <p:to>
-                                        <p:strVal val="visible"/>
-                                      </p:to>
-                                    </p:set>
-                                    <p:set>
-                                      <p:cBhvr>
-                                        <p:cTn id="14" dur="455" fill="hold">
-                                          <p:stCondLst>
-                                            <p:cond delay="0"/>
-                                          </p:stCondLst>
-                                        </p:cTn>
-                                        <p:tgtEl>
-                                          <p:spTgt spid="3"/>
-                                        </p:tgtEl>
-                                        <p:attrNameLst>
-                                          <p:attrName>style.rotation</p:attrName>
-                                        </p:attrNameLst>
-                                      </p:cBhvr>
-                                      <p:to>
-                                        <p:strVal val="-45.0"/>
-                                      </p:to>
-                                    </p:set>
-                                    <p:anim calcmode="lin" valueType="num">
-                                      <p:cBhvr>
-                                        <p:cTn id="15" dur="455" fill="hold">
-                                          <p:stCondLst>
-                                            <p:cond delay="455"/>
-                                          </p:stCondLst>
-                                        </p:cTn>
-                                        <p:tgtEl>
-                                          <p:spTgt spid="3"/>
-                                        </p:tgtEl>
-                                        <p:attrNameLst>
-                                          <p:attrName>style.rotation</p:attrName>
-                                        </p:attrNameLst>
-                                      </p:cBhvr>
-                                      <p:tavLst>
-                                        <p:tav tm="0">
-                                          <p:val>
-                                            <p:fltVal val="-45"/>
-                                          </p:val>
-                                        </p:tav>
-                                        <p:tav tm="69900">
-                                          <p:val>
-                                            <p:fltVal val="45"/>
-                                          </p:val>
-                                        </p:tav>
-                                        <p:tav tm="100000">
-                                          <p:val>
-                                            <p:fltVal val="0"/>
-                                          </p:val>
-                                        </p:tav>
-                                      </p:tavLst>
-                                    </p:anim>
-                                    <p:anim calcmode="lin" valueType="num">
-                                      <p:cBhvr>
-                                        <p:cTn id="16" dur="455" fill="hold">
-                                          <p:stCondLst>
-                                            <p:cond delay="0"/>
-                                          </p:stCondLst>
-                                        </p:cTn>
-                                        <p:tgtEl>
-                                          <p:spTgt spid="3"/>
-                                        </p:tgtEl>
-                                        <p:attrNameLst>
-                                          <p:attrName>ppt_y</p:attrName>
-                                        </p:attrNameLst>
-                                      </p:cBhvr>
-                                      <p:tavLst>
-                                        <p:tav tm="0">
-                                          <p:val>
-                                            <p:strVal val="#ppt_y-1"/>
-                                          </p:val>
-                                        </p:tav>
-                                        <p:tav tm="100000">
-                                          <p:val>
-                                            <p:strVal val="#ppt_y-(0.354*#ppt_w-0.172*#ppt_h)"/>
-                                          </p:val>
-                                        </p:tav>
-                                      </p:tavLst>
-                                    </p:anim>
-                                    <p:anim calcmode="lin" valueType="num">
-                                      <p:cBhvr>
-                                        <p:cTn id="17" dur="156" decel="50000" autoRev="1" fill="hold">
-                                          <p:stCondLst>
-                                            <p:cond delay="455"/>
-                                          </p:stCondLst>
-                                        </p:cTn>
-                                        <p:tgtEl>
-                                          <p:spTgt spid="3"/>
-                                        </p:tgtEl>
-                                        <p:attrNameLst>
-                                          <p:attrName>ppt_y</p:attrName>
-                                        </p:attrNameLst>
-                                      </p:cBhvr>
-                                      <p:tavLst>
-                                        <p:tav tm="0">
-                                          <p:val>
-                                            <p:strVal val="#ppt_y-(0.354*#ppt_w-0.172*#ppt_h)"/>
-                                          </p:val>
-                                        </p:tav>
-                                        <p:tav tm="100000">
-                                          <p:val>
-                                            <p:strVal val="#ppt_y-(0.354*#ppt_w-0.172*#ppt_h)-#ppt_h/2"/>
-                                          </p:val>
-                                        </p:tav>
-                                      </p:tavLst>
-                                    </p:anim>
-                                    <p:anim calcmode="lin" valueType="num">
-                                      <p:cBhvr>
-                                        <p:cTn id="18" dur="136" fill="hold">
-                                          <p:stCondLst>
-                                            <p:cond delay="864"/>
-                                          </p:stCondLst>
-                                        </p:cTn>
-                                        <p:tgtEl>
-                                          <p:spTgt spid="3"/>
-                                        </p:tgtEl>
-                                        <p:attrNameLst>
-                                          <p:attrName>ppt_y</p:attrName>
-                                        </p:attrNameLst>
-                                      </p:cBhvr>
-                                      <p:tavLst>
-                                        <p:tav tm="0">
-                                          <p:val>
-                                            <p:strVal val="#ppt_y-(0.354*#ppt_w-0.172*#ppt_h)"/>
-                                          </p:val>
-                                        </p:tav>
-                                        <p:tav tm="100000">
-                                          <p:val>
-                                            <p:strVal val="#ppt_y"/>
-                                          </p:val>
-                                        </p:tav>
-                                      </p:tavLst>
-                                    </p:anim>
-                                  </p:childTnLst>
-                                </p:cTn>
-                              </p:par>
-                            </p:childTnLst>
-                          </p:cTn>
-                        </p:par>
-                      </p:childTnLst>
-                    </p:cTn>
-                  </p:par>
-                  <p:par>
-                    <p:cTn id="19" fill="hold">
-                      <p:stCondLst>
-                        <p:cond delay="indefinite"/>
-                      </p:stCondLst>
-                      <p:childTnLst>
-                        <p:par>
-                          <p:cTn id="20" fill="hold">
-                            <p:stCondLst>
-                              <p:cond delay="0"/>
-                            </p:stCondLst>
-                            <p:childTnLst>
-                              <p:par>
-                                <p:cTn id="21" presetID="41" presetClass="entr" presetSubtype="0" fill="hold" grpId="0" nodeType="clickEffect">
-                                  <p:stCondLst>
-                                    <p:cond delay="0"/>
-                                  </p:stCondLst>
-                                  <p:iterate type="lt">
-                                    <p:tmPct val="10000"/>
-                                  </p:iterate>
-                                  <p:childTnLst>
-                                    <p:set>
-                                      <p:cBhvr>
-                                        <p:cTn id="22" dur="1" fill="hold">
-                                          <p:stCondLst>
-                                            <p:cond delay="0"/>
-                                          </p:stCondLst>
-                                        </p:cTn>
-                                        <p:tgtEl>
-                                          <p:spTgt spid="4"/>
-                                        </p:tgtEl>
-                                        <p:attrNameLst>
-                                          <p:attrName>style.visibility</p:attrName>
-                                        </p:attrNameLst>
-                                      </p:cBhvr>
-                                      <p:to>
-                                        <p:strVal val="visible"/>
-                                      </p:to>
-                                    </p:set>
-                                    <p:anim calcmode="lin" valueType="num">
-                                      <p:cBhvr>
-                                        <p:cTn id="23" dur="500" fill="hold"/>
-                                        <p:tgtEl>
-                                          <p:spTgt spid="4"/>
-                                        </p:tgtEl>
-                                        <p:attrNameLst>
-                                          <p:attrName>ppt_x</p:attrName>
-                                        </p:attrNameLst>
-                                      </p:cBhvr>
-                                      <p:tavLst>
-                                        <p:tav tm="0">
-                                          <p:val>
-                                            <p:strVal val="#ppt_x"/>
-                                          </p:val>
-                                        </p:tav>
-                                        <p:tav tm="50000">
-                                          <p:val>
-                                            <p:strVal val="#ppt_x+.1"/>
-                                          </p:val>
-                                        </p:tav>
-                                        <p:tav tm="100000">
-                                          <p:val>
-                                            <p:strVal val="#ppt_x"/>
-                                          </p:val>
-                                        </p:tav>
-                                      </p:tavLst>
-                                    </p:anim>
-                                    <p:anim calcmode="lin" valueType="num">
-                                      <p:cBhvr>
-                                        <p:cTn id="24" dur="500" fill="hold"/>
-                                        <p:tgtEl>
-                                          <p:spTgt spid="4"/>
-                                        </p:tgtEl>
-                                        <p:attrNameLst>
-                                          <p:attrName>ppt_y</p:attrName>
-                                        </p:attrNameLst>
-                                      </p:cBhvr>
-                                      <p:tavLst>
-                                        <p:tav tm="0">
-                                          <p:val>
-                                            <p:strVal val="#ppt_y"/>
-                                          </p:val>
-                                        </p:tav>
-                                        <p:tav tm="100000">
-                                          <p:val>
-                                            <p:strVal val="#ppt_y"/>
-                                          </p:val>
-                                        </p:tav>
-                                      </p:tavLst>
-                                    </p:anim>
-                                    <p:anim calcmode="lin" valueType="num">
-                                      <p:cBhvr>
-                                        <p:cTn id="25" dur="500" fill="hold"/>
-                                        <p:tgtEl>
-                                          <p:spTgt spid="4"/>
-                                        </p:tgtEl>
-                                        <p:attrNameLst>
-                                          <p:attrName>ppt_h</p:attrName>
-                                        </p:attrNameLst>
-                                      </p:cBhvr>
-                                      <p:tavLst>
-                                        <p:tav tm="0">
-                                          <p:val>
-                                            <p:strVal val="#ppt_h/10"/>
-                                          </p:val>
-                                        </p:tav>
-                                        <p:tav tm="50000">
-                                          <p:val>
-                                            <p:strVal val="#ppt_h+.01"/>
-                                          </p:val>
-                                        </p:tav>
-                                        <p:tav tm="100000">
-                                          <p:val>
-                                            <p:strVal val="#ppt_h"/>
-                                          </p:val>
-                                        </p:tav>
-                                      </p:tavLst>
-                                    </p:anim>
-                                    <p:anim calcmode="lin" valueType="num">
-                                      <p:cBhvr>
-                                        <p:cTn id="26" dur="500" fill="hold"/>
-                                        <p:tgtEl>
-                                          <p:spTgt spid="4"/>
-                                        </p:tgtEl>
-                                        <p:attrNameLst>
-                                          <p:attrName>ppt_w</p:attrName>
-                                        </p:attrNameLst>
-                                      </p:cBhvr>
-                                      <p:tavLst>
-                                        <p:tav tm="0">
-                                          <p:val>
-                                            <p:strVal val="#ppt_w/10"/>
-                                          </p:val>
-                                        </p:tav>
-                                        <p:tav tm="50000">
-                                          <p:val>
-                                            <p:strVal val="#ppt_w+.01"/>
-                                          </p:val>
-                                        </p:tav>
-                                        <p:tav tm="100000">
-                                          <p:val>
-                                            <p:strVal val="#ppt_w"/>
-                                          </p:val>
-                                        </p:tav>
-                                      </p:tavLst>
-                                    </p:anim>
-                                    <p:animEffect transition="in" filter="fade">
-                                      <p:cBhvr>
-                                        <p:cTn id="27" dur="500" tmFilter="0,0; .5, 1; 1, 1"/>
-                                        <p:tgtEl>
-                                          <p:spTgt spid="4"/>
-                                        </p:tgtEl>
-                                      </p:cBhvr>
-                                    </p:animEffect>
-                                  </p:childTnLst>
-                                </p:cTn>
-                              </p:par>
-                            </p:childTnLst>
-                          </p:cTn>
-                        </p:par>
-                      </p:childTnLst>
-                    </p:cTn>
-                  </p:par>
-                  <p:par>
-                    <p:cTn id="28" fill="hold">
-                      <p:stCondLst>
-                        <p:cond delay="indefinite"/>
-                      </p:stCondLst>
-                      <p:childTnLst>
-                        <p:par>
-                          <p:cTn id="29" fill="hold">
-                            <p:stCondLst>
-                              <p:cond delay="0"/>
-                            </p:stCondLst>
-                            <p:childTnLst>
-                              <p:par>
-                                <p:cTn id="30" presetID="26" presetClass="entr" presetSubtype="0" fill="hold" grpId="0" nodeType="clickEffect">
-                                  <p:stCondLst>
-                                    <p:cond delay="0"/>
-                                  </p:stCondLst>
-                                  <p:childTnLst>
-                                    <p:set>
-                                      <p:cBhvr>
-                                        <p:cTn id="31" dur="1" fill="hold">
-                                          <p:stCondLst>
-                                            <p:cond delay="0"/>
-                                          </p:stCondLst>
-                                        </p:cTn>
-                                        <p:tgtEl>
-                                          <p:spTgt spid="5"/>
-                                        </p:tgtEl>
-                                        <p:attrNameLst>
-                                          <p:attrName>style.visibility</p:attrName>
-                                        </p:attrNameLst>
-                                      </p:cBhvr>
-                                      <p:to>
-                                        <p:strVal val="visible"/>
-                                      </p:to>
-                                    </p:set>
-                                    <p:animEffect transition="in" filter="wipe(down)">
-                                      <p:cBhvr>
-                                        <p:cTn id="32" dur="580">
-                                          <p:stCondLst>
-                                            <p:cond delay="0"/>
-                                          </p:stCondLst>
-                                        </p:cTn>
-                                        <p:tgtEl>
-                                          <p:spTgt spid="5"/>
-                                        </p:tgtEl>
-                                      </p:cBhvr>
-                                    </p:animEffect>
-                                    <p:anim calcmode="lin" valueType="num">
-                                      <p:cBhvr>
-                                        <p:cTn id="33" dur="1822" tmFilter="0,0; 0.14,0.36; 0.43,0.73; 0.71,0.91; 1.0,1.0">
-                                          <p:stCondLst>
-                                            <p:cond delay="0"/>
-                                          </p:stCondLst>
-                                        </p:cTn>
-                                        <p:tgtEl>
-                                          <p:spTgt spid="5"/>
-                                        </p:tgtEl>
-                                        <p:attrNameLst>
-                                          <p:attrName>ppt_x</p:attrName>
-                                        </p:attrNameLst>
-                                      </p:cBhvr>
-                                      <p:tavLst>
-                                        <p:tav tm="0">
-                                          <p:val>
-                                            <p:strVal val="#ppt_x-0.25"/>
-                                          </p:val>
-                                        </p:tav>
-                                        <p:tav tm="100000">
-                                          <p:val>
-                                            <p:strVal val="#ppt_x"/>
-                                          </p:val>
-                                        </p:tav>
-                                      </p:tavLst>
-                                    </p:anim>
-                                    <p:anim calcmode="lin" valueType="num">
-                                      <p:cBhvr>
-                                        <p:cTn id="34" dur="664" tmFilter="0.0,0.0; 0.25,0.07; 0.50,0.2; 0.75,0.467; 1.0,1.0">
-                                          <p:stCondLst>
-                                            <p:cond delay="0"/>
-                                          </p:stCondLst>
-                                        </p:cTn>
-                                        <p:tgtEl>
-                                          <p:spTgt spid="5"/>
-                                        </p:tgtEl>
-                                        <p:attrNameLst>
-                                          <p:attrName>ppt_y</p:attrName>
-                                        </p:attrNameLst>
-                                      </p:cBhvr>
-                                      <p:tavLst>
-                                        <p:tav tm="0" fmla="#ppt_y-sin(pi*$)/3">
-                                          <p:val>
-                                            <p:fltVal val="0.5"/>
-                                          </p:val>
-                                        </p:tav>
-                                        <p:tav tm="100000">
-                                          <p:val>
-                                            <p:fltVal val="1"/>
-                                          </p:val>
-                                        </p:tav>
-                                      </p:tavLst>
-                                    </p:anim>
-                                    <p:anim calcmode="lin" valueType="num">
-                                      <p:cBhvr>
-                                        <p:cTn id="35" dur="664" tmFilter="0, 0; 0.125,0.2665; 0.25,0.4; 0.375,0.465; 0.5,0.5;  0.625,0.535; 0.75,0.6; 0.875,0.7335; 1,1">
-                                          <p:stCondLst>
-                                            <p:cond delay="664"/>
-                                          </p:stCondLst>
-                                        </p:cTn>
-                                        <p:tgtEl>
-                                          <p:spTgt spid="5"/>
-                                        </p:tgtEl>
-                                        <p:attrNameLst>
-                                          <p:attrName>ppt_y</p:attrName>
-                                        </p:attrNameLst>
-                                      </p:cBhvr>
-                                      <p:tavLst>
-                                        <p:tav tm="0" fmla="#ppt_y-sin(pi*$)/9">
-                                          <p:val>
-                                            <p:fltVal val="0"/>
-                                          </p:val>
-                                        </p:tav>
-                                        <p:tav tm="100000">
-                                          <p:val>
-                                            <p:fltVal val="1"/>
-                                          </p:val>
-                                        </p:tav>
-                                      </p:tavLst>
-                                    </p:anim>
-                                    <p:anim calcmode="lin" valueType="num">
-                                      <p:cBhvr>
-                                        <p:cTn id="36" dur="332" tmFilter="0, 0; 0.125,0.2665; 0.25,0.4; 0.375,0.465; 0.5,0.5;  0.625,0.535; 0.75,0.6; 0.875,0.7335; 1,1">
-                                          <p:stCondLst>
-                                            <p:cond delay="1324"/>
-                                          </p:stCondLst>
-                                        </p:cTn>
-                                        <p:tgtEl>
-                                          <p:spTgt spid="5"/>
-                                        </p:tgtEl>
-                                        <p:attrNameLst>
-                                          <p:attrName>ppt_y</p:attrName>
-                                        </p:attrNameLst>
-                                      </p:cBhvr>
-                                      <p:tavLst>
-                                        <p:tav tm="0" fmla="#ppt_y-sin(pi*$)/27">
-                                          <p:val>
-                                            <p:fltVal val="0"/>
-                                          </p:val>
-                                        </p:tav>
-                                        <p:tav tm="100000">
-                                          <p:val>
-                                            <p:fltVal val="1"/>
-                                          </p:val>
-                                        </p:tav>
-                                      </p:tavLst>
-                                    </p:anim>
-                                    <p:anim calcmode="lin" valueType="num">
-                                      <p:cBhvr>
-                                        <p:cTn id="37" dur="164" tmFilter="0, 0; 0.125,0.2665; 0.25,0.4; 0.375,0.465; 0.5,0.5;  0.625,0.535; 0.75,0.6; 0.875,0.7335; 1,1">
-                                          <p:stCondLst>
-                                            <p:cond delay="1656"/>
-                                          </p:stCondLst>
-                                        </p:cTn>
-                                        <p:tgtEl>
-                                          <p:spTgt spid="5"/>
-                                        </p:tgtEl>
-                                        <p:attrNameLst>
-                                          <p:attrName>ppt_y</p:attrName>
-                                        </p:attrNameLst>
-                                      </p:cBhvr>
-                                      <p:tavLst>
-                                        <p:tav tm="0" fmla="#ppt_y-sin(pi*$)/81">
-                                          <p:val>
-                                            <p:fltVal val="0"/>
-                                          </p:val>
-                                        </p:tav>
-                                        <p:tav tm="100000">
-                                          <p:val>
-                                            <p:fltVal val="1"/>
-                                          </p:val>
-                                        </p:tav>
-                                      </p:tavLst>
-                                    </p:anim>
-                                    <p:animScale>
-                                      <p:cBhvr>
-                                        <p:cTn id="38" dur="26">
-                                          <p:stCondLst>
-                                            <p:cond delay="650"/>
-                                          </p:stCondLst>
-                                        </p:cTn>
-                                        <p:tgtEl>
-                                          <p:spTgt spid="5"/>
-                                        </p:tgtEl>
-                                      </p:cBhvr>
-                                      <p:to x="100000" y="60000"/>
-                                    </p:animScale>
-                                    <p:animScale>
-                                      <p:cBhvr>
-                                        <p:cTn id="39" dur="166" decel="50000">
-                                          <p:stCondLst>
-                                            <p:cond delay="676"/>
-                                          </p:stCondLst>
-                                        </p:cTn>
-                                        <p:tgtEl>
-                                          <p:spTgt spid="5"/>
-                                        </p:tgtEl>
-                                      </p:cBhvr>
-                                      <p:to x="100000" y="100000"/>
-                                    </p:animScale>
-                                    <p:animScale>
-                                      <p:cBhvr>
-                                        <p:cTn id="40" dur="26">
-                                          <p:stCondLst>
-                                            <p:cond delay="1312"/>
-                                          </p:stCondLst>
-                                        </p:cTn>
-                                        <p:tgtEl>
-                                          <p:spTgt spid="5"/>
-                                        </p:tgtEl>
-                                      </p:cBhvr>
-                                      <p:to x="100000" y="80000"/>
-                                    </p:animScale>
-                                    <p:animScale>
-                                      <p:cBhvr>
-                                        <p:cTn id="41" dur="166" decel="50000">
-                                          <p:stCondLst>
-                                            <p:cond delay="1338"/>
-                                          </p:stCondLst>
-                                        </p:cTn>
-                                        <p:tgtEl>
-                                          <p:spTgt spid="5"/>
-                                        </p:tgtEl>
-                                      </p:cBhvr>
-                                      <p:to x="100000" y="100000"/>
-                                    </p:animScale>
-                                    <p:animScale>
-                                      <p:cBhvr>
-                                        <p:cTn id="42" dur="26">
-                                          <p:stCondLst>
-                                            <p:cond delay="1642"/>
-                                          </p:stCondLst>
-                                        </p:cTn>
-                                        <p:tgtEl>
-                                          <p:spTgt spid="5"/>
-                                        </p:tgtEl>
-                                      </p:cBhvr>
-                                      <p:to x="100000" y="90000"/>
-                                    </p:animScale>
-                                    <p:animScale>
-                                      <p:cBhvr>
-                                        <p:cTn id="43" dur="166" decel="50000">
-                                          <p:stCondLst>
-                                            <p:cond delay="1668"/>
-                                          </p:stCondLst>
-                                        </p:cTn>
-                                        <p:tgtEl>
-                                          <p:spTgt spid="5"/>
-                                        </p:tgtEl>
-                                      </p:cBhvr>
-                                      <p:to x="100000" y="100000"/>
-                                    </p:animScale>
-                                    <p:animScale>
-                                      <p:cBhvr>
-                                        <p:cTn id="44" dur="26">
-                                          <p:stCondLst>
-                                            <p:cond delay="1808"/>
-                                          </p:stCondLst>
-                                        </p:cTn>
-                                        <p:tgtEl>
-                                          <p:spTgt spid="5"/>
-                                        </p:tgtEl>
-                                      </p:cBhvr>
-                                      <p:to x="100000" y="95000"/>
-                                    </p:animScale>
-                                    <p:animScale>
-                                      <p:cBhvr>
-                                        <p:cTn id="45" dur="166" decel="50000">
-                                          <p:stCondLst>
-                                            <p:cond delay="1834"/>
-                                          </p:stCondLst>
-                                        </p:cTn>
-                                        <p:tgtEl>
-                                          <p:spTgt spid="5"/>
-                                        </p:tgtEl>
-                                      </p:cBhvr>
-                                      <p:to x="100000" y="100000"/>
-                                    </p:animScale>
-                                  </p:childTnLst>
-                                </p:cTn>
-                              </p:par>
-                            </p:childTnLst>
-                          </p:cTn>
-                        </p:par>
-                      </p:childTnLst>
-                    </p:cTn>
-                  </p:par>
-                  <p:par>
-                    <p:cTn id="46" fill="hold">
-                      <p:stCondLst>
-                        <p:cond delay="indefinite"/>
-                      </p:stCondLst>
-                      <p:childTnLst>
-                        <p:par>
-                          <p:cTn id="47" fill="hold">
-                            <p:stCondLst>
-                              <p:cond delay="0"/>
-                            </p:stCondLst>
-                            <p:childTnLst>
-                              <p:par>
-                                <p:cTn id="48" presetID="49" presetClass="entr" presetSubtype="0" decel="100000" fill="hold" nodeType="clickEffect">
-                                  <p:stCondLst>
-                                    <p:cond delay="0"/>
-                                  </p:stCondLst>
-                                  <p:childTnLst>
-                                    <p:set>
-                                      <p:cBhvr>
-                                        <p:cTn id="49" dur="1" fill="hold">
-                                          <p:stCondLst>
-                                            <p:cond delay="0"/>
-                                          </p:stCondLst>
-                                        </p:cTn>
-                                        <p:tgtEl>
-                                          <p:spTgt spid="6"/>
-                                        </p:tgtEl>
-                                        <p:attrNameLst>
-                                          <p:attrName>style.visibility</p:attrName>
-                                        </p:attrNameLst>
-                                      </p:cBhvr>
-                                      <p:to>
-                                        <p:strVal val="visible"/>
-                                      </p:to>
-                                    </p:set>
-                                    <p:anim calcmode="lin" valueType="num">
-                                      <p:cBhvr>
-                                        <p:cTn id="50" dur="500" fill="hold"/>
-                                        <p:tgtEl>
-                                          <p:spTgt spid="6"/>
-                                        </p:tgtEl>
-                                        <p:attrNameLst>
-                                          <p:attrName>ppt_w</p:attrName>
-                                        </p:attrNameLst>
-                                      </p:cBhvr>
-                                      <p:tavLst>
-                                        <p:tav tm="0">
-                                          <p:val>
-                                            <p:fltVal val="0"/>
-                                          </p:val>
-                                        </p:tav>
-                                        <p:tav tm="100000">
-                                          <p:val>
-                                            <p:strVal val="#ppt_w"/>
-                                          </p:val>
-                                        </p:tav>
-                                      </p:tavLst>
-                                    </p:anim>
-                                    <p:anim calcmode="lin" valueType="num">
-                                      <p:cBhvr>
-                                        <p:cTn id="51" dur="500" fill="hold"/>
-                                        <p:tgtEl>
-                                          <p:spTgt spid="6"/>
-                                        </p:tgtEl>
-                                        <p:attrNameLst>
-                                          <p:attrName>ppt_h</p:attrName>
-                                        </p:attrNameLst>
-                                      </p:cBhvr>
-                                      <p:tavLst>
-                                        <p:tav tm="0">
-                                          <p:val>
-                                            <p:fltVal val="0"/>
-                                          </p:val>
-                                        </p:tav>
-                                        <p:tav tm="100000">
-                                          <p:val>
-                                            <p:strVal val="#ppt_h"/>
-                                          </p:val>
-                                        </p:tav>
-                                      </p:tavLst>
-                                    </p:anim>
-                                    <p:anim calcmode="lin" valueType="num">
-                                      <p:cBhvr>
-                                        <p:cTn id="52" dur="500" fill="hold"/>
-                                        <p:tgtEl>
-                                          <p:spTgt spid="6"/>
-                                        </p:tgtEl>
-                                        <p:attrNameLst>
-                                          <p:attrName>style.rotation</p:attrName>
-                                        </p:attrNameLst>
-                                      </p:cBhvr>
-                                      <p:tavLst>
-                                        <p:tav tm="0">
-                                          <p:val>
-                                            <p:fltVal val="360"/>
-                                          </p:val>
-                                        </p:tav>
-                                        <p:tav tm="100000">
-                                          <p:val>
-                                            <p:fltVal val="0"/>
-                                          </p:val>
-                                        </p:tav>
-                                      </p:tavLst>
-                                    </p:anim>
-                                    <p:animEffect transition="in" filter="fade">
-                                      <p:cBhvr>
-                                        <p:cTn id="53" dur="500"/>
-                                        <p:tgtEl>
-                                          <p:spTgt spid="6"/>
-                                        </p:tgtEl>
-                                      </p:cBhvr>
-                                    </p:animEffect>
-                                  </p:childTnLst>
-                                </p:cTn>
-                              </p:par>
-                            </p:childTnLst>
-                          </p:cTn>
-                        </p:par>
-                      </p:childTnLst>
-                    </p:cTn>
-                  </p:par>
-                </p:childTnLst>
-              </p:cTn>
-              <p:prevCondLst>
-                <p:cond evt="onPrev" delay="0">
-                  <p:tgtEl>
-                    <p:sldTgt/>
-                  </p:tgtEl>
-                </p:cond>
-              </p:prevCondLst>
-              <p:nextCondLst>
-                <p:cond evt="onNext" delay="0">
-                  <p:tgtEl>
-                    <p:sldTgt/>
-                  </p:tgtEl>
-                </p:cond>
-              </p:nextCondLst>
-            </p:seq>
-          </p:childTnLst>
-        </p:cTn>
-      </p:par>
-    </p:tnLst>
-    <p:bldLst>
-      <p:bldP spid="2" grpId="0"/>
-      <p:bldP spid="3" grpId="0"/>
-      <p:bldP spid="4" grpId="0"/>
-      <p:bldP spid="5" grpId="0"/>
-    </p:bldLst>
-  </p:timing>
-</p:sld>
-</file>
-
-<file path=ppt/slides/slide19.xml><?xml version="1.0" encoding="utf-8"?>
-<p:sld xmlns:a="http://schemas.openxmlformats.org/drawingml/2006/main" xmlns:r="http://schemas.openxmlformats.org/officeDocument/2006/relationships" xmlns:p="http://schemas.openxmlformats.org/presentationml/2006/main">
-  <p:cSld>
-    <p:spTree>
-      <p:nvGrpSpPr>
-        <p:cNvPr id="1" name=""/>
-        <p:cNvGrpSpPr/>
-        <p:nvPr/>
-      </p:nvGrpSpPr>
-      <p:grpSpPr>
-        <a:xfrm>
-          <a:off x="0" y="0"/>
-          <a:ext cx="0" cy="0"/>
-          <a:chOff x="0" y="0"/>
-          <a:chExt cx="0" cy="0"/>
-        </a:xfrm>
-      </p:grpSpPr>
-      <p:sp>
-        <p:nvSpPr>
           <p:cNvPr id="2" name="Title 1"/>
           <p:cNvSpPr>
             <a:spLocks noGrp="1"/>
@@ -13386,6 +12310,123 @@
       <p:bldP spid="3" grpId="0" build="p"/>
     </p:bldLst>
   </p:timing>
+</p:sld>
+</file>
+
+<file path=ppt/slides/slide19.xml><?xml version="1.0" encoding="utf-8"?>
+<p:sld xmlns:a="http://schemas.openxmlformats.org/drawingml/2006/main" xmlns:r="http://schemas.openxmlformats.org/officeDocument/2006/relationships" xmlns:p="http://schemas.openxmlformats.org/presentationml/2006/main">
+  <p:cSld>
+    <p:spTree>
+      <p:nvGrpSpPr>
+        <p:cNvPr id="1" name=""/>
+        <p:cNvGrpSpPr/>
+        <p:nvPr/>
+      </p:nvGrpSpPr>
+      <p:grpSpPr>
+        <a:xfrm>
+          <a:off x="0" y="0"/>
+          <a:ext cx="0" cy="0"/>
+          <a:chOff x="0" y="0"/>
+          <a:chExt cx="0" cy="0"/>
+        </a:xfrm>
+      </p:grpSpPr>
+      <p:sp>
+        <p:nvSpPr>
+          <p:cNvPr id="2" name="Title 1"/>
+          <p:cNvSpPr>
+            <a:spLocks noGrp="1"/>
+          </p:cNvSpPr>
+          <p:nvPr>
+            <p:ph type="title"/>
+          </p:nvPr>
+        </p:nvSpPr>
+        <p:spPr/>
+        <p:txBody>
+          <a:bodyPr/>
+          <a:lstStyle/>
+          <a:p>
+            <a:r>
+              <a:rPr lang="en-US" dirty="0" err="1"/>
+              <a:t>Specflow</a:t>
+            </a:r>
+            <a:r>
+              <a:rPr lang="en-US" dirty="0"/>
+              <a:t> Features</a:t>
+            </a:r>
+          </a:p>
+        </p:txBody>
+      </p:sp>
+      <p:sp>
+        <p:nvSpPr>
+          <p:cNvPr id="3" name="Content Placeholder 2"/>
+          <p:cNvSpPr>
+            <a:spLocks noGrp="1"/>
+          </p:cNvSpPr>
+          <p:nvPr>
+            <p:ph idx="1"/>
+          </p:nvPr>
+        </p:nvSpPr>
+        <p:spPr/>
+        <p:txBody>
+          <a:bodyPr/>
+          <a:lstStyle/>
+          <a:p>
+            <a:r>
+              <a:rPr lang="en-US" dirty="0"/>
+              <a:t>Given, When, Then steps allow regular expressions</a:t>
+            </a:r>
+          </a:p>
+          <a:p>
+            <a:endParaRPr lang="en-US" dirty="0"/>
+          </a:p>
+          <a:p>
+            <a:r>
+              <a:rPr lang="en-US" dirty="0"/>
+              <a:t>Scenario Tags - @</a:t>
+            </a:r>
+            <a:r>
+              <a:rPr lang="en-US" dirty="0" err="1"/>
+              <a:t>myTag</a:t>
+            </a:r>
+            <a:endParaRPr lang="en-US" dirty="0"/>
+          </a:p>
+          <a:p>
+            <a:endParaRPr lang="en-US" dirty="0"/>
+          </a:p>
+          <a:p>
+            <a:r>
+              <a:rPr lang="en-US" dirty="0"/>
+              <a:t>Hooks (</a:t>
+            </a:r>
+            <a:r>
+              <a:rPr lang="en-US" dirty="0" err="1"/>
+              <a:t>BeforeFeature</a:t>
+            </a:r>
+            <a:r>
+              <a:rPr lang="en-US" dirty="0"/>
+              <a:t>, </a:t>
+            </a:r>
+            <a:r>
+              <a:rPr lang="en-US" dirty="0" err="1"/>
+              <a:t>AfterFeature</a:t>
+            </a:r>
+            <a:r>
+              <a:rPr lang="en-US" dirty="0"/>
+              <a:t>)</a:t>
+            </a:r>
+          </a:p>
+        </p:txBody>
+      </p:sp>
+    </p:spTree>
+    <p:extLst>
+      <p:ext uri="{BB962C8B-B14F-4D97-AF65-F5344CB8AC3E}">
+        <p14:creationId xmlns:p14="http://schemas.microsoft.com/office/powerpoint/2010/main" val="1283356863"/>
+      </p:ext>
+    </p:extLst>
+  </p:cSld>
+  <p:clrMapOvr>
+    <a:masterClrMapping/>
+  </p:clrMapOvr>
 </p:sld>
 </file>
 
@@ -13751,123 +12792,6 @@
           <a:bodyPr/>
           <a:lstStyle/>
           <a:p>
-            <a:r>
-              <a:rPr lang="en-US" dirty="0" err="1"/>
-              <a:t>Specflow</a:t>
-            </a:r>
-            <a:r>
-              <a:rPr lang="en-US" dirty="0"/>
-              <a:t> Features</a:t>
-            </a:r>
-          </a:p>
-        </p:txBody>
-      </p:sp>
-      <p:sp>
-        <p:nvSpPr>
-          <p:cNvPr id="3" name="Content Placeholder 2"/>
-          <p:cNvSpPr>
-            <a:spLocks noGrp="1"/>
-          </p:cNvSpPr>
-          <p:nvPr>
-            <p:ph idx="1"/>
-          </p:nvPr>
-        </p:nvSpPr>
-        <p:spPr/>
-        <p:txBody>
-          <a:bodyPr/>
-          <a:lstStyle/>
-          <a:p>
-            <a:r>
-              <a:rPr lang="en-US" dirty="0"/>
-              <a:t>Given, When, Then steps allow regular expressions</a:t>
-            </a:r>
-          </a:p>
-          <a:p>
-            <a:endParaRPr lang="en-US" dirty="0"/>
-          </a:p>
-          <a:p>
-            <a:r>
-              <a:rPr lang="en-US" dirty="0"/>
-              <a:t>Scenario Tags - @</a:t>
-            </a:r>
-            <a:r>
-              <a:rPr lang="en-US" dirty="0" err="1"/>
-              <a:t>myTag</a:t>
-            </a:r>
-            <a:endParaRPr lang="en-US" dirty="0"/>
-          </a:p>
-          <a:p>
-            <a:endParaRPr lang="en-US" dirty="0"/>
-          </a:p>
-          <a:p>
-            <a:r>
-              <a:rPr lang="en-US" dirty="0"/>
-              <a:t>Hooks (</a:t>
-            </a:r>
-            <a:r>
-              <a:rPr lang="en-US" dirty="0" err="1"/>
-              <a:t>BeforeFeature</a:t>
-            </a:r>
-            <a:r>
-              <a:rPr lang="en-US" dirty="0"/>
-              <a:t>, </a:t>
-            </a:r>
-            <a:r>
-              <a:rPr lang="en-US" dirty="0" err="1"/>
-              <a:t>AfterFeature</a:t>
-            </a:r>
-            <a:r>
-              <a:rPr lang="en-US" dirty="0"/>
-              <a:t>)</a:t>
-            </a:r>
-          </a:p>
-        </p:txBody>
-      </p:sp>
-    </p:spTree>
-    <p:extLst>
-      <p:ext uri="{BB962C8B-B14F-4D97-AF65-F5344CB8AC3E}">
-        <p14:creationId xmlns:p14="http://schemas.microsoft.com/office/powerpoint/2010/main" val="1283356863"/>
-      </p:ext>
-    </p:extLst>
-  </p:cSld>
-  <p:clrMapOvr>
-    <a:masterClrMapping/>
-  </p:clrMapOvr>
-</p:sld>
-</file>
-
-<file path=ppt/slides/slide21.xml><?xml version="1.0" encoding="utf-8"?>
-<p:sld xmlns:a="http://schemas.openxmlformats.org/drawingml/2006/main" xmlns:r="http://schemas.openxmlformats.org/officeDocument/2006/relationships" xmlns:p="http://schemas.openxmlformats.org/presentationml/2006/main">
-  <p:cSld>
-    <p:spTree>
-      <p:nvGrpSpPr>
-        <p:cNvPr id="1" name=""/>
-        <p:cNvGrpSpPr/>
-        <p:nvPr/>
-      </p:nvGrpSpPr>
-      <p:grpSpPr>
-        <a:xfrm>
-          <a:off x="0" y="0"/>
-          <a:ext cx="0" cy="0"/>
-          <a:chOff x="0" y="0"/>
-          <a:chExt cx="0" cy="0"/>
-        </a:xfrm>
-      </p:grpSpPr>
-      <p:sp>
-        <p:nvSpPr>
-          <p:cNvPr id="2" name="Title 1"/>
-          <p:cNvSpPr>
-            <a:spLocks noGrp="1"/>
-          </p:cNvSpPr>
-          <p:nvPr>
-            <p:ph type="title"/>
-          </p:nvPr>
-        </p:nvSpPr>
-        <p:spPr/>
-        <p:txBody>
-          <a:bodyPr/>
-          <a:lstStyle/>
-          <a:p>
             <a:pPr algn="ctr"/>
             <a:r>
               <a:rPr lang="en-US" dirty="0"/>
@@ -14025,7 +12949,7 @@
 </p:sld>
 </file>
 
-<file path=ppt/slides/slide22.xml><?xml version="1.0" encoding="utf-8"?>
+<file path=ppt/slides/slide21.xml><?xml version="1.0" encoding="utf-8"?>
 <p:sld xmlns:a="http://schemas.openxmlformats.org/drawingml/2006/main" xmlns:r="http://schemas.openxmlformats.org/officeDocument/2006/relationships" xmlns:p="http://schemas.openxmlformats.org/presentationml/2006/main">
   <p:cSld>
     <p:spTree>
@@ -14393,7 +13317,7 @@
 </p:sld>
 </file>
 
-<file path=ppt/slides/slide23.xml><?xml version="1.0" encoding="utf-8"?>
+<file path=ppt/slides/slide22.xml><?xml version="1.0" encoding="utf-8"?>
 <p:sld xmlns:a="http://schemas.openxmlformats.org/drawingml/2006/main" xmlns:r="http://schemas.openxmlformats.org/officeDocument/2006/relationships" xmlns:p="http://schemas.openxmlformats.org/presentationml/2006/main">
   <p:cSld>
     <p:spTree>
